--- a/Explore and Exploit/EandE.pptx
+++ b/Explore and Exploit/EandE.pptx
@@ -19,17 +19,23 @@
     <p:sldId id="275" r:id="rId13"/>
     <p:sldId id="276" r:id="rId14"/>
     <p:sldId id="266" r:id="rId15"/>
-    <p:sldId id="267" r:id="rId16"/>
-    <p:sldId id="277" r:id="rId17"/>
-    <p:sldId id="281" r:id="rId18"/>
-    <p:sldId id="278" r:id="rId19"/>
-    <p:sldId id="280" r:id="rId20"/>
-    <p:sldId id="268" r:id="rId21"/>
-    <p:sldId id="265" r:id="rId22"/>
-    <p:sldId id="269" r:id="rId23"/>
-    <p:sldId id="270" r:id="rId24"/>
-    <p:sldId id="272" r:id="rId25"/>
-    <p:sldId id="271" r:id="rId26"/>
+    <p:sldId id="287" r:id="rId16"/>
+    <p:sldId id="285" r:id="rId17"/>
+    <p:sldId id="286" r:id="rId18"/>
+    <p:sldId id="267" r:id="rId19"/>
+    <p:sldId id="277" r:id="rId20"/>
+    <p:sldId id="281" r:id="rId21"/>
+    <p:sldId id="278" r:id="rId22"/>
+    <p:sldId id="280" r:id="rId23"/>
+    <p:sldId id="268" r:id="rId24"/>
+    <p:sldId id="282" r:id="rId25"/>
+    <p:sldId id="283" r:id="rId26"/>
+    <p:sldId id="284" r:id="rId27"/>
+    <p:sldId id="265" r:id="rId28"/>
+    <p:sldId id="269" r:id="rId29"/>
+    <p:sldId id="270" r:id="rId30"/>
+    <p:sldId id="272" r:id="rId31"/>
+    <p:sldId id="271" r:id="rId32"/>
   </p:sldIdLst>
   <p:sldSz cx="12192000" cy="6858000"/>
   <p:notesSz cx="6858000" cy="9144000"/>
@@ -3018,10 +3024,22 @@
               <a:rPr lang="en-US" dirty="0" smtClean="0"/>
             </a:br>
             <a:r>
-              <a:rPr lang="en-US" sz="2800" dirty="0" smtClean="0"/>
-              <a:t> In Computational Advertising</a:t>
-            </a:r>
-            <a:endParaRPr lang="en-US" dirty="0"/>
+              <a:rPr lang="en-US" sz="3200" dirty="0" smtClean="0"/>
+              <a:t> </a:t>
+            </a:r>
+            <a:r>
+              <a:rPr lang="en-US" altLang="zh-CN" sz="3200" dirty="0" smtClean="0"/>
+              <a:t>i</a:t>
+            </a:r>
+            <a:r>
+              <a:rPr lang="en-US" sz="3200" dirty="0" smtClean="0"/>
+              <a:t>n </a:t>
+            </a:r>
+            <a:r>
+              <a:rPr lang="en-US" sz="3200" dirty="0" smtClean="0"/>
+              <a:t>Computational Advertising</a:t>
+            </a:r>
+            <a:endParaRPr lang="en-US" sz="6600" dirty="0"/>
           </a:p>
         </p:txBody>
       </p:sp>
@@ -3037,7 +3055,9 @@
         </p:nvSpPr>
         <p:spPr/>
         <p:txBody>
-          <a:bodyPr/>
+          <a:bodyPr>
+            <a:normAutofit/>
+          </a:bodyPr>
           <a:lstStyle/>
           <a:p>
             <a:endParaRPr lang="en-US" dirty="0" smtClean="0"/>
@@ -3688,6 +3708,36 @@
           </a:p>
         </p:txBody>
       </p:sp>
+      <p:pic>
+        <p:nvPicPr>
+          <p:cNvPr id="4" name="Picture 3"/>
+          <p:cNvPicPr>
+            <a:picLocks noChangeAspect="1"/>
+          </p:cNvPicPr>
+          <p:nvPr/>
+        </p:nvPicPr>
+        <p:blipFill>
+          <a:blip r:embed="rId2">
+            <a:extLst>
+              <a:ext uri="{28A0092B-C50C-407E-A947-70E740481C1C}">
+                <a14:useLocalDpi xmlns:a14="http://schemas.microsoft.com/office/drawing/2010/main" val="0"/>
+              </a:ext>
+            </a:extLst>
+          </a:blip>
+          <a:stretch>
+            <a:fillRect/>
+          </a:stretch>
+        </p:blipFill>
+        <p:spPr>
+          <a:xfrm>
+            <a:off x="1066800" y="2472593"/>
+            <a:ext cx="10058400" cy="3397703"/>
+          </a:xfrm>
+          <a:prstGeom prst="rect">
+            <a:avLst/>
+          </a:prstGeom>
+        </p:spPr>
+      </p:pic>
     </p:spTree>
     <p:extLst>
       <p:ext uri="{BB962C8B-B14F-4D97-AF65-F5344CB8AC3E}">
@@ -3702,6 +3752,495 @@
 </file>
 
 <file path=ppt/slides/slide15.xml><?xml version="1.0" encoding="utf-8"?>
+<p:sld xmlns:a="http://schemas.openxmlformats.org/drawingml/2006/main" xmlns:r="http://schemas.openxmlformats.org/officeDocument/2006/relationships" xmlns:p="http://schemas.openxmlformats.org/presentationml/2006/main">
+  <p:cSld>
+    <p:spTree>
+      <p:nvGrpSpPr>
+        <p:cNvPr id="1" name=""/>
+        <p:cNvGrpSpPr/>
+        <p:nvPr/>
+      </p:nvGrpSpPr>
+      <p:grpSpPr>
+        <a:xfrm>
+          <a:off x="0" y="0"/>
+          <a:ext cx="0" cy="0"/>
+          <a:chOff x="0" y="0"/>
+          <a:chExt cx="0" cy="0"/>
+        </a:xfrm>
+      </p:grpSpPr>
+      <p:sp>
+        <p:nvSpPr>
+          <p:cNvPr id="2" name="Title 1"/>
+          <p:cNvSpPr>
+            <a:spLocks noGrp="1"/>
+          </p:cNvSpPr>
+          <p:nvPr>
+            <p:ph type="title"/>
+          </p:nvPr>
+        </p:nvSpPr>
+        <p:spPr/>
+        <p:txBody>
+          <a:bodyPr/>
+          <a:lstStyle/>
+          <a:p>
+            <a:r>
+              <a:rPr lang="en-US" altLang="zh-CN" dirty="0"/>
+              <a:t>Main Approaches </a:t>
+            </a:r>
+            <a:r>
+              <a:rPr lang="mr-IN" altLang="zh-CN" dirty="0"/>
+              <a:t>–</a:t>
+            </a:r>
+            <a:r>
+              <a:rPr lang="en-US" altLang="zh-CN" dirty="0"/>
+              <a:t> UCB extension</a:t>
+            </a:r>
+            <a:endParaRPr lang="en-US" dirty="0"/>
+          </a:p>
+        </p:txBody>
+      </p:sp>
+      <p:sp>
+        <p:nvSpPr>
+          <p:cNvPr id="3" name="Content Placeholder 2"/>
+          <p:cNvSpPr>
+            <a:spLocks noGrp="1"/>
+          </p:cNvSpPr>
+          <p:nvPr>
+            <p:ph idx="1"/>
+          </p:nvPr>
+        </p:nvSpPr>
+        <p:spPr/>
+        <p:txBody>
+          <a:bodyPr>
+            <a:normAutofit fontScale="92500" lnSpcReduction="10000"/>
+          </a:bodyPr>
+          <a:lstStyle/>
+          <a:p>
+            <a:r>
+              <a:rPr lang="en-US" b="1" dirty="0"/>
+              <a:t>a</a:t>
+            </a:r>
+            <a:r>
+              <a:rPr lang="en-US" dirty="0"/>
+              <a:t>, Each simulation traverses the tree by selecting the edge with maximum action value </a:t>
+            </a:r>
+            <a:r>
+              <a:rPr lang="en-US" i="1" dirty="0"/>
+              <a:t>Q</a:t>
+            </a:r>
+            <a:r>
+              <a:rPr lang="en-US" dirty="0"/>
+              <a:t>, plus a bonus </a:t>
+            </a:r>
+            <a:r>
+              <a:rPr lang="en-US" i="1" dirty="0"/>
+              <a:t>u</a:t>
+            </a:r>
+            <a:r>
+              <a:rPr lang="en-US" dirty="0"/>
+              <a:t>(</a:t>
+            </a:r>
+            <a:r>
+              <a:rPr lang="en-US" i="1" dirty="0"/>
+              <a:t>P</a:t>
+            </a:r>
+            <a:r>
+              <a:rPr lang="en-US" dirty="0"/>
+              <a:t>) that depends on a stored prior probability </a:t>
+            </a:r>
+            <a:r>
+              <a:rPr lang="en-US" i="1" dirty="0"/>
+              <a:t>P </a:t>
+            </a:r>
+            <a:r>
+              <a:rPr lang="en-US" dirty="0"/>
+              <a:t>for that edge. </a:t>
+            </a:r>
+            <a:endParaRPr lang="en-US" dirty="0" smtClean="0"/>
+          </a:p>
+          <a:p>
+            <a:r>
+              <a:rPr lang="en-US" b="1" dirty="0" smtClean="0"/>
+              <a:t>b</a:t>
+            </a:r>
+            <a:r>
+              <a:rPr lang="en-US" dirty="0"/>
+              <a:t>, The leaf node may be expanded; the new node is processed once by the policy network </a:t>
+            </a:r>
+            <a:r>
+              <a:rPr lang="en-US" i="1" dirty="0" err="1"/>
+              <a:t>pσ</a:t>
+            </a:r>
+            <a:r>
+              <a:rPr lang="en-US" i="1" dirty="0"/>
+              <a:t> </a:t>
+            </a:r>
+            <a:r>
+              <a:rPr lang="en-US" dirty="0"/>
+              <a:t>and the output probabilities are stored as prior probabilities </a:t>
+            </a:r>
+            <a:r>
+              <a:rPr lang="en-US" i="1" dirty="0"/>
+              <a:t>P </a:t>
+            </a:r>
+            <a:r>
+              <a:rPr lang="en-US" dirty="0"/>
+              <a:t>for each action. </a:t>
+            </a:r>
+            <a:endParaRPr lang="en-US" dirty="0" smtClean="0"/>
+          </a:p>
+          <a:p>
+            <a:r>
+              <a:rPr lang="en-US" b="1" dirty="0" smtClean="0"/>
+              <a:t>c</a:t>
+            </a:r>
+            <a:r>
+              <a:rPr lang="en-US" dirty="0"/>
+              <a:t>, At the end of a simulation, the leaf </a:t>
+            </a:r>
+            <a:r>
+              <a:rPr lang="en-US" dirty="0" smtClean="0"/>
+              <a:t>node</a:t>
+            </a:r>
+            <a:r>
+              <a:rPr lang="en-US" dirty="0"/>
+              <a:t> is evaluated in two ways: using the value network </a:t>
+            </a:r>
+            <a:r>
+              <a:rPr lang="en-US" i="1" dirty="0" err="1"/>
+              <a:t>vθ</a:t>
+            </a:r>
+            <a:r>
+              <a:rPr lang="en-US" dirty="0"/>
+              <a:t>; and by running</a:t>
+            </a:r>
+            <a:br>
+              <a:rPr lang="en-US" dirty="0"/>
+            </a:br>
+            <a:r>
+              <a:rPr lang="en-US" dirty="0"/>
+              <a:t>a rollout to the end of the game with the fast rollout policy </a:t>
+            </a:r>
+            <a:r>
+              <a:rPr lang="en-US" i="1" dirty="0"/>
+              <a:t>pπ</a:t>
+            </a:r>
+            <a:r>
+              <a:rPr lang="en-US" dirty="0"/>
+              <a:t>, then computing the winner with function </a:t>
+            </a:r>
+            <a:r>
+              <a:rPr lang="en-US" i="1" dirty="0"/>
+              <a:t>r</a:t>
+            </a:r>
+            <a:r>
+              <a:rPr lang="en-US" dirty="0"/>
+              <a:t>. </a:t>
+            </a:r>
+            <a:endParaRPr lang="en-US" dirty="0" smtClean="0"/>
+          </a:p>
+          <a:p>
+            <a:r>
+              <a:rPr lang="en-US" b="1" dirty="0" smtClean="0"/>
+              <a:t>d</a:t>
+            </a:r>
+            <a:r>
+              <a:rPr lang="en-US" dirty="0"/>
+              <a:t>, Action values </a:t>
+            </a:r>
+            <a:r>
+              <a:rPr lang="en-US" i="1" dirty="0"/>
+              <a:t>Q </a:t>
+            </a:r>
+            <a:r>
+              <a:rPr lang="en-US" dirty="0"/>
+              <a:t>are updated to track the mean value of all evaluations </a:t>
+            </a:r>
+            <a:r>
+              <a:rPr lang="en-US" i="1" dirty="0"/>
+              <a:t>r</a:t>
+            </a:r>
+            <a:r>
+              <a:rPr lang="en-US" dirty="0"/>
+              <a:t>(·) and </a:t>
+            </a:r>
+            <a:r>
+              <a:rPr lang="en-US" i="1" dirty="0" err="1"/>
+              <a:t>vθ</a:t>
+            </a:r>
+            <a:r>
+              <a:rPr lang="en-US" dirty="0"/>
+              <a:t>(·) in the </a:t>
+            </a:r>
+            <a:r>
+              <a:rPr lang="en-US" dirty="0" err="1"/>
+              <a:t>subtree</a:t>
+            </a:r>
+            <a:r>
+              <a:rPr lang="en-US" dirty="0"/>
+              <a:t> below that action. </a:t>
+            </a:r>
+            <a:endParaRPr lang="en-US" dirty="0"/>
+          </a:p>
+          <a:p>
+            <a:endParaRPr lang="en-US" dirty="0"/>
+          </a:p>
+          <a:p>
+            <a:endParaRPr lang="en-US" dirty="0"/>
+          </a:p>
+        </p:txBody>
+      </p:sp>
+    </p:spTree>
+    <p:extLst>
+      <p:ext uri="{BB962C8B-B14F-4D97-AF65-F5344CB8AC3E}">
+        <p14:creationId xmlns:p14="http://schemas.microsoft.com/office/powerpoint/2010/main" val="2069731604"/>
+      </p:ext>
+    </p:extLst>
+  </p:cSld>
+  <p:clrMapOvr>
+    <a:masterClrMapping/>
+  </p:clrMapOvr>
+</p:sld>
+</file>
+
+<file path=ppt/slides/slide16.xml><?xml version="1.0" encoding="utf-8"?>
+<p:sld xmlns:a="http://schemas.openxmlformats.org/drawingml/2006/main" xmlns:r="http://schemas.openxmlformats.org/officeDocument/2006/relationships" xmlns:p="http://schemas.openxmlformats.org/presentationml/2006/main">
+  <p:cSld>
+    <p:spTree>
+      <p:nvGrpSpPr>
+        <p:cNvPr id="1" name=""/>
+        <p:cNvGrpSpPr/>
+        <p:nvPr/>
+      </p:nvGrpSpPr>
+      <p:grpSpPr>
+        <a:xfrm>
+          <a:off x="0" y="0"/>
+          <a:ext cx="0" cy="0"/>
+          <a:chOff x="0" y="0"/>
+          <a:chExt cx="0" cy="0"/>
+        </a:xfrm>
+      </p:grpSpPr>
+      <p:sp>
+        <p:nvSpPr>
+          <p:cNvPr id="2" name="Title 1"/>
+          <p:cNvSpPr>
+            <a:spLocks noGrp="1"/>
+          </p:cNvSpPr>
+          <p:nvPr>
+            <p:ph type="title"/>
+          </p:nvPr>
+        </p:nvSpPr>
+        <p:spPr/>
+        <p:txBody>
+          <a:bodyPr/>
+          <a:lstStyle/>
+          <a:p>
+            <a:r>
+              <a:rPr lang="en-US" altLang="zh-CN" dirty="0" smtClean="0"/>
+              <a:t>Main Approaches </a:t>
+            </a:r>
+            <a:r>
+              <a:rPr lang="mr-IN" altLang="zh-CN" dirty="0" smtClean="0"/>
+              <a:t>–</a:t>
+            </a:r>
+            <a:r>
+              <a:rPr lang="en-US" altLang="zh-CN" dirty="0" smtClean="0"/>
+              <a:t> UCB extension</a:t>
+            </a:r>
+            <a:endParaRPr lang="en-US" dirty="0"/>
+          </a:p>
+        </p:txBody>
+      </p:sp>
+      <p:sp>
+        <p:nvSpPr>
+          <p:cNvPr id="3" name="Content Placeholder 2"/>
+          <p:cNvSpPr>
+            <a:spLocks noGrp="1"/>
+          </p:cNvSpPr>
+          <p:nvPr>
+            <p:ph idx="1"/>
+          </p:nvPr>
+        </p:nvSpPr>
+        <p:spPr/>
+        <p:txBody>
+          <a:bodyPr/>
+          <a:lstStyle/>
+          <a:p>
+            <a:r>
+              <a:rPr lang="en-US" dirty="0" smtClean="0"/>
+              <a:t>UCT</a:t>
+            </a:r>
+          </a:p>
+          <a:p>
+            <a:pPr lvl="1"/>
+            <a:endParaRPr lang="en-US" dirty="0"/>
+          </a:p>
+        </p:txBody>
+      </p:sp>
+      <p:pic>
+        <p:nvPicPr>
+          <p:cNvPr id="4" name="Picture 3"/>
+          <p:cNvPicPr>
+            <a:picLocks noChangeAspect="1"/>
+          </p:cNvPicPr>
+          <p:nvPr/>
+        </p:nvPicPr>
+        <p:blipFill>
+          <a:blip r:embed="rId2">
+            <a:extLst>
+              <a:ext uri="{28A0092B-C50C-407E-A947-70E740481C1C}">
+                <a14:useLocalDpi xmlns:a14="http://schemas.microsoft.com/office/drawing/2010/main" val="0"/>
+              </a:ext>
+            </a:extLst>
+          </a:blip>
+          <a:stretch>
+            <a:fillRect/>
+          </a:stretch>
+        </p:blipFill>
+        <p:spPr>
+          <a:xfrm>
+            <a:off x="2085731" y="3649663"/>
+            <a:ext cx="5803900" cy="1054100"/>
+          </a:xfrm>
+          <a:prstGeom prst="rect">
+            <a:avLst/>
+          </a:prstGeom>
+        </p:spPr>
+      </p:pic>
+      <p:pic>
+        <p:nvPicPr>
+          <p:cNvPr id="5" name="Picture 4"/>
+          <p:cNvPicPr>
+            <a:picLocks noChangeAspect="1"/>
+          </p:cNvPicPr>
+          <p:nvPr/>
+        </p:nvPicPr>
+        <p:blipFill>
+          <a:blip r:embed="rId3">
+            <a:extLst>
+              <a:ext uri="{28A0092B-C50C-407E-A947-70E740481C1C}">
+                <a14:useLocalDpi xmlns:a14="http://schemas.microsoft.com/office/drawing/2010/main" val="0"/>
+              </a:ext>
+            </a:extLst>
+          </a:blip>
+          <a:stretch>
+            <a:fillRect/>
+          </a:stretch>
+        </p:blipFill>
+        <p:spPr>
+          <a:xfrm>
+            <a:off x="3410439" y="4703763"/>
+            <a:ext cx="3975100" cy="1473200"/>
+          </a:xfrm>
+          <a:prstGeom prst="rect">
+            <a:avLst/>
+          </a:prstGeom>
+        </p:spPr>
+      </p:pic>
+    </p:spTree>
+    <p:extLst>
+      <p:ext uri="{BB962C8B-B14F-4D97-AF65-F5344CB8AC3E}">
+        <p14:creationId xmlns:p14="http://schemas.microsoft.com/office/powerpoint/2010/main" val="1627882189"/>
+      </p:ext>
+    </p:extLst>
+  </p:cSld>
+  <p:clrMapOvr>
+    <a:masterClrMapping/>
+  </p:clrMapOvr>
+</p:sld>
+</file>
+
+<file path=ppt/slides/slide17.xml><?xml version="1.0" encoding="utf-8"?>
+<p:sld xmlns:a="http://schemas.openxmlformats.org/drawingml/2006/main" xmlns:r="http://schemas.openxmlformats.org/officeDocument/2006/relationships" xmlns:p="http://schemas.openxmlformats.org/presentationml/2006/main">
+  <p:cSld>
+    <p:spTree>
+      <p:nvGrpSpPr>
+        <p:cNvPr id="1" name=""/>
+        <p:cNvGrpSpPr/>
+        <p:nvPr/>
+      </p:nvGrpSpPr>
+      <p:grpSpPr>
+        <a:xfrm>
+          <a:off x="0" y="0"/>
+          <a:ext cx="0" cy="0"/>
+          <a:chOff x="0" y="0"/>
+          <a:chExt cx="0" cy="0"/>
+        </a:xfrm>
+      </p:grpSpPr>
+      <p:sp>
+        <p:nvSpPr>
+          <p:cNvPr id="2" name="Title 1"/>
+          <p:cNvSpPr>
+            <a:spLocks noGrp="1"/>
+          </p:cNvSpPr>
+          <p:nvPr>
+            <p:ph type="title"/>
+          </p:nvPr>
+        </p:nvSpPr>
+        <p:spPr/>
+        <p:txBody>
+          <a:bodyPr/>
+          <a:lstStyle/>
+          <a:p>
+            <a:r>
+              <a:rPr lang="en-US" altLang="zh-CN" dirty="0"/>
+              <a:t>Main Approaches </a:t>
+            </a:r>
+            <a:r>
+              <a:rPr lang="mr-IN" altLang="zh-CN" dirty="0"/>
+              <a:t>–</a:t>
+            </a:r>
+            <a:r>
+              <a:rPr lang="en-US" altLang="zh-CN" dirty="0"/>
+              <a:t> UCB extension</a:t>
+            </a:r>
+            <a:endParaRPr lang="en-US" dirty="0"/>
+          </a:p>
+        </p:txBody>
+      </p:sp>
+      <p:sp>
+        <p:nvSpPr>
+          <p:cNvPr id="3" name="Content Placeholder 2"/>
+          <p:cNvSpPr>
+            <a:spLocks noGrp="1"/>
+          </p:cNvSpPr>
+          <p:nvPr>
+            <p:ph idx="1"/>
+          </p:nvPr>
+        </p:nvSpPr>
+        <p:spPr/>
+        <p:txBody>
+          <a:bodyPr/>
+          <a:lstStyle/>
+          <a:p>
+            <a:r>
+              <a:rPr lang="en-US" dirty="0" smtClean="0"/>
+              <a:t>Hierarchical Advertising</a:t>
+            </a:r>
+          </a:p>
+          <a:p>
+            <a:r>
+              <a:rPr lang="en-US" dirty="0" smtClean="0"/>
+              <a:t>K is too large</a:t>
+            </a:r>
+            <a:endParaRPr lang="en-US" dirty="0"/>
+          </a:p>
+        </p:txBody>
+      </p:sp>
+    </p:spTree>
+    <p:extLst>
+      <p:ext uri="{BB962C8B-B14F-4D97-AF65-F5344CB8AC3E}">
+        <p14:creationId xmlns:p14="http://schemas.microsoft.com/office/powerpoint/2010/main" val="1769317292"/>
+      </p:ext>
+    </p:extLst>
+  </p:cSld>
+  <p:clrMapOvr>
+    <a:masterClrMapping/>
+  </p:clrMapOvr>
+</p:sld>
+</file>
+
+<file path=ppt/slides/slide18.xml><?xml version="1.0" encoding="utf-8"?>
 <p:sld xmlns:a="http://schemas.openxmlformats.org/drawingml/2006/main" xmlns:r="http://schemas.openxmlformats.org/officeDocument/2006/relationships" xmlns:p="http://schemas.openxmlformats.org/presentationml/2006/main">
   <p:cSld>
     <p:spTree>
@@ -3791,7 +4330,7 @@
 </p:sld>
 </file>
 
-<file path=ppt/slides/slide16.xml><?xml version="1.0" encoding="utf-8"?>
+<file path=ppt/slides/slide19.xml><?xml version="1.0" encoding="utf-8"?>
 <p:sld xmlns:a="http://schemas.openxmlformats.org/drawingml/2006/main" xmlns:r="http://schemas.openxmlformats.org/officeDocument/2006/relationships" xmlns:p="http://schemas.openxmlformats.org/presentationml/2006/main">
   <p:cSld>
     <p:spTree>
@@ -3882,7 +4421,7 @@
 </p:sld>
 </file>
 
-<file path=ppt/slides/slide17.xml><?xml version="1.0" encoding="utf-8"?>
+<file path=ppt/slides/slide2.xml><?xml version="1.0" encoding="utf-8"?>
 <p:sld xmlns:a="http://schemas.openxmlformats.org/drawingml/2006/main" xmlns:r="http://schemas.openxmlformats.org/officeDocument/2006/relationships" xmlns:p="http://schemas.openxmlformats.org/presentationml/2006/main">
   <p:cSld>
     <p:spTree>
@@ -3915,6 +4454,103 @@
           <a:lstStyle/>
           <a:p>
             <a:r>
+              <a:rPr lang="en-US" dirty="0" smtClean="0"/>
+              <a:t>Outline</a:t>
+            </a:r>
+            <a:endParaRPr lang="en-US" dirty="0"/>
+          </a:p>
+        </p:txBody>
+      </p:sp>
+      <p:sp>
+        <p:nvSpPr>
+          <p:cNvPr id="3" name="Content Placeholder 2"/>
+          <p:cNvSpPr>
+            <a:spLocks noGrp="1"/>
+          </p:cNvSpPr>
+          <p:nvPr>
+            <p:ph idx="1"/>
+          </p:nvPr>
+        </p:nvSpPr>
+        <p:spPr/>
+        <p:txBody>
+          <a:bodyPr>
+            <a:normAutofit/>
+          </a:bodyPr>
+          <a:lstStyle/>
+          <a:p>
+            <a:r>
+              <a:rPr lang="en-US" sz="3200" dirty="0" smtClean="0"/>
+              <a:t>What is E&amp;E?</a:t>
+            </a:r>
+          </a:p>
+          <a:p>
+            <a:r>
+              <a:rPr lang="en-US" sz="3200" dirty="0" smtClean="0"/>
+              <a:t>Main Approaches</a:t>
+            </a:r>
+          </a:p>
+          <a:p>
+            <a:r>
+              <a:rPr lang="en-US" sz="3200" dirty="0" smtClean="0"/>
+              <a:t>E&amp;E applications in computational advertising</a:t>
+            </a:r>
+            <a:endParaRPr lang="zh-CN" altLang="en-US" sz="3200" dirty="0" smtClean="0"/>
+          </a:p>
+          <a:p>
+            <a:r>
+              <a:rPr lang="en-US" altLang="zh-CN" sz="3200" dirty="0" smtClean="0"/>
+              <a:t>Summary</a:t>
+            </a:r>
+            <a:endParaRPr lang="en-US" sz="3200" dirty="0"/>
+          </a:p>
+        </p:txBody>
+      </p:sp>
+    </p:spTree>
+    <p:extLst>
+      <p:ext uri="{BB962C8B-B14F-4D97-AF65-F5344CB8AC3E}">
+        <p14:creationId xmlns:p14="http://schemas.microsoft.com/office/powerpoint/2010/main" val="2037873948"/>
+      </p:ext>
+    </p:extLst>
+  </p:cSld>
+  <p:clrMapOvr>
+    <a:masterClrMapping/>
+  </p:clrMapOvr>
+</p:sld>
+</file>
+
+<file path=ppt/slides/slide20.xml><?xml version="1.0" encoding="utf-8"?>
+<p:sld xmlns:a="http://schemas.openxmlformats.org/drawingml/2006/main" xmlns:r="http://schemas.openxmlformats.org/officeDocument/2006/relationships" xmlns:p="http://schemas.openxmlformats.org/presentationml/2006/main">
+  <p:cSld>
+    <p:spTree>
+      <p:nvGrpSpPr>
+        <p:cNvPr id="1" name=""/>
+        <p:cNvGrpSpPr/>
+        <p:nvPr/>
+      </p:nvGrpSpPr>
+      <p:grpSpPr>
+        <a:xfrm>
+          <a:off x="0" y="0"/>
+          <a:ext cx="0" cy="0"/>
+          <a:chOff x="0" y="0"/>
+          <a:chExt cx="0" cy="0"/>
+        </a:xfrm>
+      </p:grpSpPr>
+      <p:sp>
+        <p:nvSpPr>
+          <p:cNvPr id="2" name="Title 1"/>
+          <p:cNvSpPr>
+            <a:spLocks noGrp="1"/>
+          </p:cNvSpPr>
+          <p:nvPr>
+            <p:ph type="title"/>
+          </p:nvPr>
+        </p:nvSpPr>
+        <p:spPr/>
+        <p:txBody>
+          <a:bodyPr/>
+          <a:lstStyle/>
+          <a:p>
+            <a:r>
               <a:rPr lang="en-US" altLang="zh-CN" dirty="0"/>
               <a:t>Main Approaches </a:t>
             </a:r>
@@ -3972,7 +4608,7 @@
 </p:sld>
 </file>
 
-<file path=ppt/slides/slide18.xml><?xml version="1.0" encoding="utf-8"?>
+<file path=ppt/slides/slide21.xml><?xml version="1.0" encoding="utf-8"?>
 <p:sld xmlns:a="http://schemas.openxmlformats.org/drawingml/2006/main" xmlns:r="http://schemas.openxmlformats.org/officeDocument/2006/relationships" xmlns:p="http://schemas.openxmlformats.org/presentationml/2006/main">
   <p:cSld>
     <p:spTree>
@@ -4075,7 +4711,7 @@
 </p:sld>
 </file>
 
-<file path=ppt/slides/slide19.xml><?xml version="1.0" encoding="utf-8"?>
+<file path=ppt/slides/slide22.xml><?xml version="1.0" encoding="utf-8"?>
 <p:sld xmlns:a="http://schemas.openxmlformats.org/drawingml/2006/main" xmlns:r="http://schemas.openxmlformats.org/officeDocument/2006/relationships" xmlns:p="http://schemas.openxmlformats.org/presentationml/2006/main">
   <p:cSld>
     <p:spTree>
@@ -4170,514 +4806,6 @@
 </p:sld>
 </file>
 
-<file path=ppt/slides/slide2.xml><?xml version="1.0" encoding="utf-8"?>
-<p:sld xmlns:a="http://schemas.openxmlformats.org/drawingml/2006/main" xmlns:r="http://schemas.openxmlformats.org/officeDocument/2006/relationships" xmlns:p="http://schemas.openxmlformats.org/presentationml/2006/main">
-  <p:cSld>
-    <p:spTree>
-      <p:nvGrpSpPr>
-        <p:cNvPr id="1" name=""/>
-        <p:cNvGrpSpPr/>
-        <p:nvPr/>
-      </p:nvGrpSpPr>
-      <p:grpSpPr>
-        <a:xfrm>
-          <a:off x="0" y="0"/>
-          <a:ext cx="0" cy="0"/>
-          <a:chOff x="0" y="0"/>
-          <a:chExt cx="0" cy="0"/>
-        </a:xfrm>
-      </p:grpSpPr>
-      <p:sp>
-        <p:nvSpPr>
-          <p:cNvPr id="2" name="Title 1"/>
-          <p:cNvSpPr>
-            <a:spLocks noGrp="1"/>
-          </p:cNvSpPr>
-          <p:nvPr>
-            <p:ph type="title"/>
-          </p:nvPr>
-        </p:nvSpPr>
-        <p:spPr/>
-        <p:txBody>
-          <a:bodyPr/>
-          <a:lstStyle/>
-          <a:p>
-            <a:r>
-              <a:rPr lang="en-US" dirty="0" smtClean="0"/>
-              <a:t>Outline</a:t>
-            </a:r>
-            <a:endParaRPr lang="en-US" dirty="0"/>
-          </a:p>
-        </p:txBody>
-      </p:sp>
-      <p:sp>
-        <p:nvSpPr>
-          <p:cNvPr id="3" name="Content Placeholder 2"/>
-          <p:cNvSpPr>
-            <a:spLocks noGrp="1"/>
-          </p:cNvSpPr>
-          <p:nvPr>
-            <p:ph idx="1"/>
-          </p:nvPr>
-        </p:nvSpPr>
-        <p:spPr/>
-        <p:txBody>
-          <a:bodyPr/>
-          <a:lstStyle/>
-          <a:p>
-            <a:r>
-              <a:rPr lang="en-US" dirty="0" smtClean="0"/>
-              <a:t>What is E&amp;E?</a:t>
-            </a:r>
-          </a:p>
-          <a:p>
-            <a:r>
-              <a:rPr lang="en-US" dirty="0" smtClean="0"/>
-              <a:t>Main Approaches</a:t>
-            </a:r>
-          </a:p>
-          <a:p>
-            <a:r>
-              <a:rPr lang="en-US" dirty="0" smtClean="0"/>
-              <a:t>E&amp;E applications in computational advertising</a:t>
-            </a:r>
-            <a:endParaRPr lang="zh-CN" altLang="en-US" dirty="0" smtClean="0"/>
-          </a:p>
-          <a:p>
-            <a:r>
-              <a:rPr lang="en-US" altLang="zh-CN" dirty="0" smtClean="0"/>
-              <a:t>Summary</a:t>
-            </a:r>
-            <a:endParaRPr lang="en-US" dirty="0"/>
-          </a:p>
-        </p:txBody>
-      </p:sp>
-    </p:spTree>
-    <p:extLst>
-      <p:ext uri="{BB962C8B-B14F-4D97-AF65-F5344CB8AC3E}">
-        <p14:creationId xmlns:p14="http://schemas.microsoft.com/office/powerpoint/2010/main" val="2037873948"/>
-      </p:ext>
-    </p:extLst>
-  </p:cSld>
-  <p:clrMapOvr>
-    <a:masterClrMapping/>
-  </p:clrMapOvr>
-</p:sld>
-</file>
-
-<file path=ppt/slides/slide20.xml><?xml version="1.0" encoding="utf-8"?>
-<p:sld xmlns:a="http://schemas.openxmlformats.org/drawingml/2006/main" xmlns:r="http://schemas.openxmlformats.org/officeDocument/2006/relationships" xmlns:p="http://schemas.openxmlformats.org/presentationml/2006/main">
-  <p:cSld>
-    <p:spTree>
-      <p:nvGrpSpPr>
-        <p:cNvPr id="1" name=""/>
-        <p:cNvGrpSpPr/>
-        <p:nvPr/>
-      </p:nvGrpSpPr>
-      <p:grpSpPr>
-        <a:xfrm>
-          <a:off x="0" y="0"/>
-          <a:ext cx="0" cy="0"/>
-          <a:chOff x="0" y="0"/>
-          <a:chExt cx="0" cy="0"/>
-        </a:xfrm>
-      </p:grpSpPr>
-      <p:sp>
-        <p:nvSpPr>
-          <p:cNvPr id="2" name="Title 1"/>
-          <p:cNvSpPr>
-            <a:spLocks noGrp="1"/>
-          </p:cNvSpPr>
-          <p:nvPr>
-            <p:ph type="title"/>
-          </p:nvPr>
-        </p:nvSpPr>
-        <p:spPr/>
-        <p:txBody>
-          <a:bodyPr/>
-          <a:lstStyle/>
-          <a:p>
-            <a:r>
-              <a:rPr lang="en-US" altLang="zh-CN" dirty="0" smtClean="0"/>
-              <a:t>Main Approaches </a:t>
-            </a:r>
-            <a:r>
-              <a:rPr lang="mr-IN" altLang="zh-CN" dirty="0" smtClean="0"/>
-              <a:t>–</a:t>
-            </a:r>
-            <a:r>
-              <a:rPr lang="en-US" altLang="zh-CN" dirty="0" smtClean="0"/>
-              <a:t> Contextual-Bandit Approach</a:t>
-            </a:r>
-            <a:endParaRPr lang="en-US" dirty="0"/>
-          </a:p>
-        </p:txBody>
-      </p:sp>
-      <p:sp>
-        <p:nvSpPr>
-          <p:cNvPr id="3" name="Content Placeholder 2"/>
-          <p:cNvSpPr>
-            <a:spLocks noGrp="1"/>
-          </p:cNvSpPr>
-          <p:nvPr>
-            <p:ph idx="1"/>
-          </p:nvPr>
-        </p:nvSpPr>
-        <p:spPr/>
-        <p:txBody>
-          <a:bodyPr/>
-          <a:lstStyle/>
-          <a:p>
-            <a:r>
-              <a:rPr lang="en-US" dirty="0"/>
-              <a:t>How to integrate </a:t>
-            </a:r>
-            <a:r>
-              <a:rPr lang="en-US" dirty="0" smtClean="0"/>
-              <a:t>Explore </a:t>
-            </a:r>
-            <a:r>
-              <a:rPr lang="en-US" dirty="0"/>
-              <a:t>and </a:t>
-            </a:r>
-            <a:r>
-              <a:rPr lang="en-US" dirty="0" smtClean="0"/>
-              <a:t>Exploit </a:t>
-            </a:r>
-            <a:r>
-              <a:rPr lang="en-US" dirty="0"/>
-              <a:t>with contextual model</a:t>
-            </a:r>
-            <a:r>
-              <a:rPr lang="en-US" dirty="0" smtClean="0"/>
-              <a:t>?</a:t>
-            </a:r>
-            <a:endParaRPr lang="en-US" dirty="0" smtClean="0"/>
-          </a:p>
-          <a:p>
-            <a:pPr lvl="1"/>
-            <a:r>
-              <a:rPr lang="en-US" dirty="0" smtClean="0"/>
-              <a:t>Content</a:t>
-            </a:r>
-          </a:p>
-          <a:p>
-            <a:pPr lvl="1"/>
-            <a:r>
-              <a:rPr lang="en-US" dirty="0" err="1" smtClean="0"/>
-              <a:t>Lables</a:t>
-            </a:r>
-            <a:r>
-              <a:rPr lang="en-US" dirty="0" smtClean="0"/>
-              <a:t> / Attributes</a:t>
-            </a:r>
-          </a:p>
-          <a:p>
-            <a:pPr lvl="1"/>
-            <a:r>
-              <a:rPr lang="en-US" altLang="zh-CN" dirty="0" smtClean="0"/>
-              <a:t>D</a:t>
-            </a:r>
-            <a:r>
-              <a:rPr lang="en-US" dirty="0" smtClean="0"/>
-              <a:t>emographic</a:t>
-            </a:r>
-            <a:endParaRPr lang="zh-CN" altLang="en-US" dirty="0" smtClean="0"/>
-          </a:p>
-          <a:p>
-            <a:pPr lvl="1"/>
-            <a:r>
-              <a:rPr lang="en-US" altLang="zh-CN" dirty="0" smtClean="0"/>
-              <a:t>User</a:t>
-            </a:r>
-            <a:r>
-              <a:rPr lang="zh-CN" altLang="en-US" dirty="0" smtClean="0"/>
-              <a:t> </a:t>
-            </a:r>
-            <a:r>
-              <a:rPr lang="en-US" altLang="zh-CN" dirty="0" smtClean="0"/>
-              <a:t>Historical</a:t>
-            </a:r>
-            <a:r>
-              <a:rPr lang="zh-CN" altLang="en-US" dirty="0" smtClean="0"/>
-              <a:t> </a:t>
-            </a:r>
-            <a:r>
-              <a:rPr lang="en-US" altLang="zh-CN" dirty="0" smtClean="0"/>
-              <a:t>Behavior</a:t>
-            </a:r>
-            <a:endParaRPr lang="en-US" dirty="0"/>
-          </a:p>
-          <a:p>
-            <a:pPr lvl="1"/>
-            <a:r>
-              <a:rPr lang="en-US" smtClean="0"/>
-              <a:t>Etc.</a:t>
-            </a:r>
-            <a:endParaRPr lang="en-US" dirty="0"/>
-          </a:p>
-        </p:txBody>
-      </p:sp>
-    </p:spTree>
-    <p:extLst>
-      <p:ext uri="{BB962C8B-B14F-4D97-AF65-F5344CB8AC3E}">
-        <p14:creationId xmlns:p14="http://schemas.microsoft.com/office/powerpoint/2010/main" val="1589256668"/>
-      </p:ext>
-    </p:extLst>
-  </p:cSld>
-  <p:clrMapOvr>
-    <a:masterClrMapping/>
-  </p:clrMapOvr>
-</p:sld>
-</file>
-
-<file path=ppt/slides/slide21.xml><?xml version="1.0" encoding="utf-8"?>
-<p:sld xmlns:a="http://schemas.openxmlformats.org/drawingml/2006/main" xmlns:r="http://schemas.openxmlformats.org/officeDocument/2006/relationships" xmlns:p="http://schemas.openxmlformats.org/presentationml/2006/main">
-  <p:cSld>
-    <p:spTree>
-      <p:nvGrpSpPr>
-        <p:cNvPr id="1" name=""/>
-        <p:cNvGrpSpPr/>
-        <p:nvPr/>
-      </p:nvGrpSpPr>
-      <p:grpSpPr>
-        <a:xfrm>
-          <a:off x="0" y="0"/>
-          <a:ext cx="0" cy="0"/>
-          <a:chOff x="0" y="0"/>
-          <a:chExt cx="0" cy="0"/>
-        </a:xfrm>
-      </p:grpSpPr>
-      <p:sp>
-        <p:nvSpPr>
-          <p:cNvPr id="2" name="Title 1"/>
-          <p:cNvSpPr>
-            <a:spLocks noGrp="1"/>
-          </p:cNvSpPr>
-          <p:nvPr>
-            <p:ph type="title"/>
-          </p:nvPr>
-        </p:nvSpPr>
-        <p:spPr/>
-        <p:txBody>
-          <a:bodyPr>
-            <a:normAutofit/>
-          </a:bodyPr>
-          <a:lstStyle/>
-          <a:p>
-            <a:r>
-              <a:rPr lang="en-US" dirty="0" smtClean="0"/>
-              <a:t>E&amp;E Applications - </a:t>
-            </a:r>
-            <a:r>
-              <a:rPr lang="en-US" dirty="0"/>
-              <a:t>Programmatic </a:t>
-            </a:r>
-            <a:r>
-              <a:rPr lang="en-US" dirty="0" smtClean="0"/>
-              <a:t>Creative Optimization </a:t>
-            </a:r>
-            <a:endParaRPr lang="en-US" dirty="0"/>
-          </a:p>
-        </p:txBody>
-      </p:sp>
-      <p:sp>
-        <p:nvSpPr>
-          <p:cNvPr id="5" name="TextBox 4"/>
-          <p:cNvSpPr txBox="1"/>
-          <p:nvPr/>
-        </p:nvSpPr>
-        <p:spPr>
-          <a:xfrm>
-            <a:off x="1031631" y="2098430"/>
-            <a:ext cx="10322169" cy="923330"/>
-          </a:xfrm>
-          <a:prstGeom prst="rect">
-            <a:avLst/>
-          </a:prstGeom>
-          <a:noFill/>
-        </p:spPr>
-        <p:txBody>
-          <a:bodyPr wrap="square" rtlCol="0">
-            <a:spAutoFit/>
-          </a:bodyPr>
-          <a:lstStyle/>
-          <a:p>
-            <a:r>
-              <a:rPr lang="zh-CN" altLang="en-US" dirty="0" smtClean="0"/>
-              <a:t>做</a:t>
-            </a:r>
-            <a:r>
-              <a:rPr lang="en-US" altLang="zh-CN" dirty="0" smtClean="0"/>
-              <a:t>UBER</a:t>
-            </a:r>
-            <a:r>
-              <a:rPr lang="zh-CN" altLang="en-US" dirty="0" smtClean="0"/>
-              <a:t>司机，月入万元			</a:t>
-            </a:r>
-            <a:r>
-              <a:rPr lang="en-US" altLang="zh-CN" dirty="0" smtClean="0"/>
-              <a:t>CVR=0.1%</a:t>
-            </a:r>
-            <a:endParaRPr lang="zh-CN" altLang="en-US" dirty="0" smtClean="0"/>
-          </a:p>
-          <a:p>
-            <a:endParaRPr lang="zh-CN" altLang="en-US" dirty="0" smtClean="0"/>
-          </a:p>
-          <a:p>
-            <a:r>
-              <a:rPr lang="zh-CN" altLang="en-US" dirty="0" smtClean="0"/>
-              <a:t>在北京做</a:t>
-            </a:r>
-            <a:r>
-              <a:rPr lang="en-US" altLang="zh-CN" dirty="0" smtClean="0"/>
-              <a:t>UBER</a:t>
-            </a:r>
-            <a:r>
-              <a:rPr lang="zh-CN" altLang="en-US" dirty="0" smtClean="0"/>
-              <a:t>司机，月入万元		</a:t>
-            </a:r>
-            <a:r>
-              <a:rPr lang="en-US" altLang="zh-CN" dirty="0" smtClean="0"/>
-              <a:t>CVR</a:t>
-            </a:r>
-            <a:r>
-              <a:rPr lang="zh-CN" altLang="en-US" dirty="0"/>
-              <a:t> </a:t>
-            </a:r>
-            <a:r>
-              <a:rPr lang="en-US" altLang="zh-CN" dirty="0" smtClean="0"/>
-              <a:t>lift</a:t>
-            </a:r>
-            <a:r>
-              <a:rPr lang="zh-CN" altLang="en-US" dirty="0" smtClean="0"/>
-              <a:t> </a:t>
-            </a:r>
-            <a:r>
-              <a:rPr lang="en-US" altLang="zh-CN" dirty="0" smtClean="0"/>
-              <a:t>40%</a:t>
-            </a:r>
-            <a:endParaRPr lang="en-US" dirty="0"/>
-          </a:p>
-        </p:txBody>
-      </p:sp>
-    </p:spTree>
-    <p:extLst>
-      <p:ext uri="{BB962C8B-B14F-4D97-AF65-F5344CB8AC3E}">
-        <p14:creationId xmlns:p14="http://schemas.microsoft.com/office/powerpoint/2010/main" val="217670522"/>
-      </p:ext>
-    </p:extLst>
-  </p:cSld>
-  <p:clrMapOvr>
-    <a:masterClrMapping/>
-  </p:clrMapOvr>
-</p:sld>
-</file>
-
-<file path=ppt/slides/slide22.xml><?xml version="1.0" encoding="utf-8"?>
-<p:sld xmlns:a="http://schemas.openxmlformats.org/drawingml/2006/main" xmlns:r="http://schemas.openxmlformats.org/officeDocument/2006/relationships" xmlns:p="http://schemas.openxmlformats.org/presentationml/2006/main">
-  <p:cSld>
-    <p:spTree>
-      <p:nvGrpSpPr>
-        <p:cNvPr id="1" name=""/>
-        <p:cNvGrpSpPr/>
-        <p:nvPr/>
-      </p:nvGrpSpPr>
-      <p:grpSpPr>
-        <a:xfrm>
-          <a:off x="0" y="0"/>
-          <a:ext cx="0" cy="0"/>
-          <a:chOff x="0" y="0"/>
-          <a:chExt cx="0" cy="0"/>
-        </a:xfrm>
-      </p:grpSpPr>
-      <p:sp>
-        <p:nvSpPr>
-          <p:cNvPr id="2" name="Title 1"/>
-          <p:cNvSpPr>
-            <a:spLocks noGrp="1"/>
-          </p:cNvSpPr>
-          <p:nvPr>
-            <p:ph type="title"/>
-          </p:nvPr>
-        </p:nvSpPr>
-        <p:spPr/>
-        <p:txBody>
-          <a:bodyPr/>
-          <a:lstStyle/>
-          <a:p>
-            <a:r>
-              <a:rPr lang="en-US" dirty="0" smtClean="0"/>
-              <a:t>E&amp;E Applications </a:t>
-            </a:r>
-            <a:r>
-              <a:rPr lang="mr-IN" dirty="0" smtClean="0"/>
-              <a:t>–</a:t>
-            </a:r>
-            <a:r>
-              <a:rPr lang="zh-CN" altLang="en-US" dirty="0" smtClean="0"/>
-              <a:t> </a:t>
-            </a:r>
-            <a:r>
-              <a:rPr lang="en-US" altLang="zh-CN" dirty="0" smtClean="0"/>
-              <a:t>Auction</a:t>
-            </a:r>
-            <a:r>
-              <a:rPr lang="zh-CN" altLang="en-US" dirty="0" smtClean="0"/>
-              <a:t> </a:t>
-            </a:r>
-            <a:r>
-              <a:rPr lang="en-US" altLang="zh-CN" dirty="0" smtClean="0"/>
-              <a:t>Traffic</a:t>
-            </a:r>
-            <a:r>
-              <a:rPr lang="zh-CN" altLang="en-US" dirty="0" smtClean="0"/>
-              <a:t> </a:t>
-            </a:r>
-            <a:r>
-              <a:rPr lang="en-US" altLang="zh-CN" dirty="0" smtClean="0"/>
-              <a:t>Allocation</a:t>
-            </a:r>
-            <a:endParaRPr lang="en-US" dirty="0"/>
-          </a:p>
-        </p:txBody>
-      </p:sp>
-      <p:sp>
-        <p:nvSpPr>
-          <p:cNvPr id="3" name="Content Placeholder 2"/>
-          <p:cNvSpPr>
-            <a:spLocks noGrp="1"/>
-          </p:cNvSpPr>
-          <p:nvPr>
-            <p:ph idx="1"/>
-          </p:nvPr>
-        </p:nvSpPr>
-        <p:spPr/>
-        <p:txBody>
-          <a:bodyPr/>
-          <a:lstStyle/>
-          <a:p>
-            <a:r>
-              <a:rPr lang="en-US" dirty="0" smtClean="0"/>
-              <a:t>How to allocate traffic with specific tags to SSP?</a:t>
-            </a:r>
-            <a:endParaRPr lang="en-US" dirty="0"/>
-          </a:p>
-        </p:txBody>
-      </p:sp>
-    </p:spTree>
-    <p:extLst>
-      <p:ext uri="{BB962C8B-B14F-4D97-AF65-F5344CB8AC3E}">
-        <p14:creationId xmlns:p14="http://schemas.microsoft.com/office/powerpoint/2010/main" val="1719442406"/>
-      </p:ext>
-    </p:extLst>
-  </p:cSld>
-  <p:clrMapOvr>
-    <a:masterClrMapping/>
-  </p:clrMapOvr>
-</p:sld>
-</file>
-
 <file path=ppt/slides/slide23.xml><?xml version="1.0" encoding="utf-8"?>
 <p:sld xmlns:a="http://schemas.openxmlformats.org/drawingml/2006/main" xmlns:r="http://schemas.openxmlformats.org/officeDocument/2006/relationships" xmlns:p="http://schemas.openxmlformats.org/presentationml/2006/main">
   <p:cSld>
@@ -4711,12 +4839,97 @@
           <a:lstStyle/>
           <a:p>
             <a:r>
+              <a:rPr lang="en-US" altLang="zh-CN" dirty="0" smtClean="0"/>
+              <a:t>Main Approaches </a:t>
+            </a:r>
+            <a:r>
+              <a:rPr lang="mr-IN" altLang="zh-CN" dirty="0" smtClean="0"/>
+              <a:t>–</a:t>
+            </a:r>
+            <a:r>
+              <a:rPr lang="en-US" altLang="zh-CN" dirty="0" smtClean="0"/>
+              <a:t> Contextual-Bandit Approach</a:t>
+            </a:r>
+            <a:endParaRPr lang="en-US" dirty="0"/>
+          </a:p>
+        </p:txBody>
+      </p:sp>
+      <p:sp>
+        <p:nvSpPr>
+          <p:cNvPr id="3" name="Content Placeholder 2"/>
+          <p:cNvSpPr>
+            <a:spLocks noGrp="1"/>
+          </p:cNvSpPr>
+          <p:nvPr>
+            <p:ph idx="1"/>
+          </p:nvPr>
+        </p:nvSpPr>
+        <p:spPr/>
+        <p:txBody>
+          <a:bodyPr/>
+          <a:lstStyle/>
+          <a:p>
+            <a:r>
+              <a:rPr lang="en-US" dirty="0"/>
+              <a:t>How to integrate </a:t>
+            </a:r>
+            <a:r>
               <a:rPr lang="en-US" dirty="0" smtClean="0"/>
-              <a:t>E&amp;E Applications </a:t>
-            </a:r>
-            <a:r>
-              <a:rPr lang="mr-IN" dirty="0" smtClean="0"/>
-              <a:t>–</a:t>
+              <a:t>Explore </a:t>
+            </a:r>
+            <a:r>
+              <a:rPr lang="en-US" dirty="0"/>
+              <a:t>and </a:t>
+            </a:r>
+            <a:r>
+              <a:rPr lang="en-US" dirty="0" smtClean="0"/>
+              <a:t>Exploit </a:t>
+            </a:r>
+            <a:r>
+              <a:rPr lang="en-US" dirty="0"/>
+              <a:t>with contextual model</a:t>
+            </a:r>
+            <a:r>
+              <a:rPr lang="en-US" dirty="0" smtClean="0"/>
+              <a:t>?</a:t>
+            </a:r>
+            <a:endParaRPr lang="en-US" dirty="0" smtClean="0"/>
+          </a:p>
+          <a:p>
+            <a:pPr lvl="1"/>
+            <a:r>
+              <a:rPr lang="en-US" dirty="0" smtClean="0"/>
+              <a:t>Content</a:t>
+            </a:r>
+          </a:p>
+          <a:p>
+            <a:pPr lvl="1"/>
+            <a:r>
+              <a:rPr lang="en-US" dirty="0" err="1" smtClean="0"/>
+              <a:t>Lables</a:t>
+            </a:r>
+            <a:r>
+              <a:rPr lang="en-US" dirty="0" smtClean="0"/>
+              <a:t> / Attributes</a:t>
+            </a:r>
+          </a:p>
+          <a:p>
+            <a:pPr lvl="1"/>
+            <a:r>
+              <a:rPr lang="en-US" altLang="zh-CN" dirty="0" smtClean="0"/>
+              <a:t>D</a:t>
+            </a:r>
+            <a:r>
+              <a:rPr lang="en-US" dirty="0" smtClean="0"/>
+              <a:t>emographic</a:t>
+            </a:r>
+            <a:endParaRPr lang="zh-CN" altLang="en-US" dirty="0" smtClean="0"/>
+          </a:p>
+          <a:p>
+            <a:pPr lvl="1"/>
+            <a:r>
+              <a:rPr lang="en-US" altLang="zh-CN" dirty="0" smtClean="0"/>
+              <a:t>User</a:t>
             </a:r>
             <a:r>
               <a:rPr lang="zh-CN" altLang="en-US" dirty="0" smtClean="0"/>
@@ -4724,7 +4937,7 @@
             </a:r>
             <a:r>
               <a:rPr lang="en-US" altLang="zh-CN" dirty="0" smtClean="0"/>
-              <a:t>CVR</a:t>
+              <a:t>Historical</a:t>
             </a:r>
             <a:r>
               <a:rPr lang="zh-CN" altLang="en-US" dirty="0" smtClean="0"/>
@@ -4732,27 +4945,16 @@
             </a:r>
             <a:r>
               <a:rPr lang="en-US" altLang="zh-CN" dirty="0" smtClean="0"/>
-              <a:t>Exploration</a:t>
+              <a:t>Behavior</a:t>
             </a:r>
             <a:endParaRPr lang="en-US" dirty="0"/>
           </a:p>
-        </p:txBody>
-      </p:sp>
-      <p:sp>
-        <p:nvSpPr>
-          <p:cNvPr id="3" name="Content Placeholder 2"/>
-          <p:cNvSpPr>
-            <a:spLocks noGrp="1"/>
-          </p:cNvSpPr>
-          <p:nvPr>
-            <p:ph idx="1"/>
-          </p:nvPr>
-        </p:nvSpPr>
-        <p:spPr/>
-        <p:txBody>
-          <a:bodyPr/>
-          <a:lstStyle/>
-          <a:p>
+          <a:p>
+            <a:pPr lvl="1"/>
+            <a:r>
+              <a:rPr lang="en-US" dirty="0" smtClean="0"/>
+              <a:t>Etc.</a:t>
+            </a:r>
             <a:endParaRPr lang="en-US" dirty="0"/>
           </a:p>
         </p:txBody>
@@ -4760,7 +4962,7 @@
     </p:spTree>
     <p:extLst>
       <p:ext uri="{BB962C8B-B14F-4D97-AF65-F5344CB8AC3E}">
-        <p14:creationId xmlns:p14="http://schemas.microsoft.com/office/powerpoint/2010/main" val="400404139"/>
+        <p14:creationId xmlns:p14="http://schemas.microsoft.com/office/powerpoint/2010/main" val="1589256668"/>
       </p:ext>
     </p:extLst>
   </p:cSld>
@@ -4804,84 +5006,54 @@
           <a:p>
             <a:r>
               <a:rPr lang="en-US" altLang="zh-CN" dirty="0" smtClean="0"/>
-              <a:t>Summary</a:t>
+              <a:t>Main Approaches </a:t>
+            </a:r>
+            <a:r>
+              <a:rPr lang="mr-IN" altLang="zh-CN" dirty="0" smtClean="0"/>
+              <a:t>–</a:t>
+            </a:r>
+            <a:r>
+              <a:rPr lang="en-US" altLang="zh-CN" dirty="0" smtClean="0"/>
+              <a:t> Contextual-Bandit Approach</a:t>
             </a:r>
             <a:endParaRPr lang="en-US" dirty="0"/>
           </a:p>
         </p:txBody>
       </p:sp>
-      <p:sp>
-        <p:nvSpPr>
-          <p:cNvPr id="3" name="Content Placeholder 2"/>
-          <p:cNvSpPr>
-            <a:spLocks noGrp="1"/>
-          </p:cNvSpPr>
-          <p:nvPr>
-            <p:ph idx="1"/>
-          </p:nvPr>
-        </p:nvSpPr>
-        <p:spPr/>
-        <p:txBody>
-          <a:bodyPr/>
-          <a:lstStyle/>
-          <a:p>
-            <a:r>
-              <a:rPr lang="en-US" dirty="0" smtClean="0"/>
-              <a:t>Exploitation and Exploration Tradeoff</a:t>
-            </a:r>
-          </a:p>
-          <a:p>
-            <a:r>
-              <a:rPr lang="en-US" dirty="0" smtClean="0"/>
-              <a:t>Main approaches</a:t>
-            </a:r>
-          </a:p>
-          <a:p>
-            <a:pPr lvl="1"/>
-            <a:r>
-              <a:rPr lang="en-US" dirty="0" smtClean="0"/>
-              <a:t>Epsilon Greedy</a:t>
-            </a:r>
-          </a:p>
-          <a:p>
-            <a:pPr lvl="1"/>
-            <a:r>
-              <a:rPr lang="en-US" dirty="0" smtClean="0"/>
-              <a:t>UCB, UCT</a:t>
-            </a:r>
-          </a:p>
-          <a:p>
-            <a:pPr lvl="1"/>
-            <a:r>
-              <a:rPr lang="en-US" dirty="0" smtClean="0"/>
-              <a:t>Thompson Sampling</a:t>
-            </a:r>
-          </a:p>
-          <a:p>
-            <a:pPr lvl="1"/>
-            <a:r>
-              <a:rPr lang="en-US" dirty="0" smtClean="0"/>
-              <a:t>Contextual Bandit</a:t>
-            </a:r>
-          </a:p>
-          <a:p>
-            <a:r>
-              <a:rPr lang="en-US" dirty="0" smtClean="0"/>
-              <a:t>Applications in Computational Advertising</a:t>
-            </a:r>
-          </a:p>
-          <a:p>
-            <a:r>
-              <a:rPr lang="en-US" dirty="0" smtClean="0"/>
-              <a:t>E&amp;E Thoughts are much more important than E&amp;E methods</a:t>
-            </a:r>
-          </a:p>
-        </p:txBody>
-      </p:sp>
+      <p:pic>
+        <p:nvPicPr>
+          <p:cNvPr id="5" name="Picture 4"/>
+          <p:cNvPicPr>
+            <a:picLocks noChangeAspect="1"/>
+          </p:cNvPicPr>
+          <p:nvPr/>
+        </p:nvPicPr>
+        <p:blipFill>
+          <a:blip r:embed="rId2">
+            <a:extLst>
+              <a:ext uri="{28A0092B-C50C-407E-A947-70E740481C1C}">
+                <a14:useLocalDpi xmlns:a14="http://schemas.microsoft.com/office/drawing/2010/main" val="0"/>
+              </a:ext>
+            </a:extLst>
+          </a:blip>
+          <a:stretch>
+            <a:fillRect/>
+          </a:stretch>
+        </p:blipFill>
+        <p:spPr>
+          <a:xfrm>
+            <a:off x="1879600" y="1690688"/>
+            <a:ext cx="6185998" cy="4874235"/>
+          </a:xfrm>
+          <a:prstGeom prst="rect">
+            <a:avLst/>
+          </a:prstGeom>
+        </p:spPr>
+      </p:pic>
     </p:spTree>
     <p:extLst>
       <p:ext uri="{BB962C8B-B14F-4D97-AF65-F5344CB8AC3E}">
-        <p14:creationId xmlns:p14="http://schemas.microsoft.com/office/powerpoint/2010/main" val="491080361"/>
+        <p14:creationId xmlns:p14="http://schemas.microsoft.com/office/powerpoint/2010/main" val="1046020190"/>
       </p:ext>
     </p:extLst>
   </p:cSld>
@@ -4918,12 +5090,187 @@
             <p:ph type="title"/>
           </p:nvPr>
         </p:nvSpPr>
+        <p:spPr/>
+        <p:txBody>
+          <a:bodyPr/>
+          <a:lstStyle/>
+          <a:p>
+            <a:r>
+              <a:rPr lang="en-US" altLang="zh-CN" dirty="0" smtClean="0"/>
+              <a:t>Main Approaches </a:t>
+            </a:r>
+            <a:r>
+              <a:rPr lang="mr-IN" altLang="zh-CN" dirty="0" smtClean="0"/>
+              <a:t>–</a:t>
+            </a:r>
+            <a:r>
+              <a:rPr lang="en-US" altLang="zh-CN" dirty="0" smtClean="0"/>
+              <a:t> Contextual-Bandit Approach</a:t>
+            </a:r>
+            <a:endParaRPr lang="en-US" dirty="0"/>
+          </a:p>
+        </p:txBody>
+      </p:sp>
+      <p:pic>
+        <p:nvPicPr>
+          <p:cNvPr id="5" name="Picture 4"/>
+          <p:cNvPicPr>
+            <a:picLocks noChangeAspect="1"/>
+          </p:cNvPicPr>
+          <p:nvPr/>
+        </p:nvPicPr>
+        <p:blipFill>
+          <a:blip r:embed="rId2">
+            <a:extLst>
+              <a:ext uri="{28A0092B-C50C-407E-A947-70E740481C1C}">
+                <a14:useLocalDpi xmlns:a14="http://schemas.microsoft.com/office/drawing/2010/main" val="0"/>
+              </a:ext>
+            </a:extLst>
+          </a:blip>
+          <a:stretch>
+            <a:fillRect/>
+          </a:stretch>
+        </p:blipFill>
         <p:spPr>
           <a:xfrm>
-            <a:off x="3862754" y="2592510"/>
-            <a:ext cx="5468815" cy="1325563"/>
+            <a:off x="1879600" y="1690688"/>
+            <a:ext cx="6185998" cy="4874235"/>
           </a:xfrm>
+          <a:prstGeom prst="rect">
+            <a:avLst/>
+          </a:prstGeom>
         </p:spPr>
+      </p:pic>
+    </p:spTree>
+    <p:extLst>
+      <p:ext uri="{BB962C8B-B14F-4D97-AF65-F5344CB8AC3E}">
+        <p14:creationId xmlns:p14="http://schemas.microsoft.com/office/powerpoint/2010/main" val="480762217"/>
+      </p:ext>
+    </p:extLst>
+  </p:cSld>
+  <p:clrMapOvr>
+    <a:masterClrMapping/>
+  </p:clrMapOvr>
+</p:sld>
+</file>
+
+<file path=ppt/slides/slide26.xml><?xml version="1.0" encoding="utf-8"?>
+<p:sld xmlns:a="http://schemas.openxmlformats.org/drawingml/2006/main" xmlns:r="http://schemas.openxmlformats.org/officeDocument/2006/relationships" xmlns:p="http://schemas.openxmlformats.org/presentationml/2006/main">
+  <p:cSld>
+    <p:spTree>
+      <p:nvGrpSpPr>
+        <p:cNvPr id="1" name=""/>
+        <p:cNvGrpSpPr/>
+        <p:nvPr/>
+      </p:nvGrpSpPr>
+      <p:grpSpPr>
+        <a:xfrm>
+          <a:off x="0" y="0"/>
+          <a:ext cx="0" cy="0"/>
+          <a:chOff x="0" y="0"/>
+          <a:chExt cx="0" cy="0"/>
+        </a:xfrm>
+      </p:grpSpPr>
+      <p:sp>
+        <p:nvSpPr>
+          <p:cNvPr id="2" name="Title 1"/>
+          <p:cNvSpPr>
+            <a:spLocks noGrp="1"/>
+          </p:cNvSpPr>
+          <p:nvPr>
+            <p:ph type="title"/>
+          </p:nvPr>
+        </p:nvSpPr>
+        <p:spPr/>
+        <p:txBody>
+          <a:bodyPr/>
+          <a:lstStyle/>
+          <a:p>
+            <a:r>
+              <a:rPr lang="en-US" dirty="0" smtClean="0"/>
+              <a:t>Some recent research</a:t>
+            </a:r>
+            <a:endParaRPr lang="en-US" dirty="0"/>
+          </a:p>
+        </p:txBody>
+      </p:sp>
+      <p:sp>
+        <p:nvSpPr>
+          <p:cNvPr id="3" name="Content Placeholder 2"/>
+          <p:cNvSpPr>
+            <a:spLocks noGrp="1"/>
+          </p:cNvSpPr>
+          <p:nvPr>
+            <p:ph idx="1"/>
+          </p:nvPr>
+        </p:nvSpPr>
+        <p:spPr/>
+        <p:txBody>
+          <a:bodyPr/>
+          <a:lstStyle/>
+          <a:p>
+            <a:r>
+              <a:rPr lang="en-US" dirty="0" smtClean="0"/>
+              <a:t>RL learning</a:t>
+            </a:r>
+          </a:p>
+          <a:p>
+            <a:r>
+              <a:rPr lang="en-US" dirty="0"/>
+              <a:t>theoretical </a:t>
+            </a:r>
+            <a:r>
+              <a:rPr lang="en-US" dirty="0" smtClean="0"/>
+              <a:t>research</a:t>
+            </a:r>
+            <a:endParaRPr lang="zh-CN" altLang="en-US" dirty="0" smtClean="0"/>
+          </a:p>
+          <a:p>
+            <a:endParaRPr lang="zh-CN" altLang="en-US" dirty="0"/>
+          </a:p>
+        </p:txBody>
+      </p:sp>
+    </p:spTree>
+    <p:extLst>
+      <p:ext uri="{BB962C8B-B14F-4D97-AF65-F5344CB8AC3E}">
+        <p14:creationId xmlns:p14="http://schemas.microsoft.com/office/powerpoint/2010/main" val="573288921"/>
+      </p:ext>
+    </p:extLst>
+  </p:cSld>
+  <p:clrMapOvr>
+    <a:masterClrMapping/>
+  </p:clrMapOvr>
+</p:sld>
+</file>
+
+<file path=ppt/slides/slide27.xml><?xml version="1.0" encoding="utf-8"?>
+<p:sld xmlns:a="http://schemas.openxmlformats.org/drawingml/2006/main" xmlns:r="http://schemas.openxmlformats.org/officeDocument/2006/relationships" xmlns:p="http://schemas.openxmlformats.org/presentationml/2006/main">
+  <p:cSld>
+    <p:spTree>
+      <p:nvGrpSpPr>
+        <p:cNvPr id="1" name=""/>
+        <p:cNvGrpSpPr/>
+        <p:nvPr/>
+      </p:nvGrpSpPr>
+      <p:grpSpPr>
+        <a:xfrm>
+          <a:off x="0" y="0"/>
+          <a:ext cx="0" cy="0"/>
+          <a:chOff x="0" y="0"/>
+          <a:chExt cx="0" cy="0"/>
+        </a:xfrm>
+      </p:grpSpPr>
+      <p:sp>
+        <p:nvSpPr>
+          <p:cNvPr id="2" name="Title 1"/>
+          <p:cNvSpPr>
+            <a:spLocks noGrp="1"/>
+          </p:cNvSpPr>
+          <p:nvPr>
+            <p:ph type="title"/>
+          </p:nvPr>
+        </p:nvSpPr>
+        <p:spPr/>
         <p:txBody>
           <a:bodyPr>
             <a:normAutofit/>
@@ -4931,17 +5278,301 @@
           <a:lstStyle/>
           <a:p>
             <a:r>
-              <a:rPr lang="en-US" altLang="zh-CN" sz="8000" smtClean="0"/>
-              <a:t>Thanks</a:t>
-            </a:r>
-            <a:endParaRPr lang="en-US" sz="8000"/>
+              <a:rPr lang="en-US" dirty="0" smtClean="0"/>
+              <a:t>E&amp;E Applications - </a:t>
+            </a:r>
+            <a:r>
+              <a:rPr lang="en-US" dirty="0"/>
+              <a:t>Programmatic </a:t>
+            </a:r>
+            <a:r>
+              <a:rPr lang="en-US" dirty="0" smtClean="0"/>
+              <a:t>Creative Optimization </a:t>
+            </a:r>
+            <a:endParaRPr lang="en-US" dirty="0"/>
+          </a:p>
+        </p:txBody>
+      </p:sp>
+      <p:sp>
+        <p:nvSpPr>
+          <p:cNvPr id="5" name="TextBox 4"/>
+          <p:cNvSpPr txBox="1"/>
+          <p:nvPr/>
+        </p:nvSpPr>
+        <p:spPr>
+          <a:xfrm>
+            <a:off x="1031631" y="2098430"/>
+            <a:ext cx="10322169" cy="923330"/>
+          </a:xfrm>
+          <a:prstGeom prst="rect">
+            <a:avLst/>
+          </a:prstGeom>
+          <a:noFill/>
+        </p:spPr>
+        <p:txBody>
+          <a:bodyPr wrap="square" rtlCol="0">
+            <a:spAutoFit/>
+          </a:bodyPr>
+          <a:lstStyle/>
+          <a:p>
+            <a:r>
+              <a:rPr lang="zh-CN" altLang="en-US" dirty="0" smtClean="0"/>
+              <a:t>做</a:t>
+            </a:r>
+            <a:r>
+              <a:rPr lang="en-US" altLang="zh-CN" dirty="0" smtClean="0"/>
+              <a:t>UBER</a:t>
+            </a:r>
+            <a:r>
+              <a:rPr lang="zh-CN" altLang="en-US" dirty="0" smtClean="0"/>
+              <a:t>司机，月入万元			</a:t>
+            </a:r>
+            <a:r>
+              <a:rPr lang="en-US" altLang="zh-CN" dirty="0" smtClean="0"/>
+              <a:t>CVR=0.1%</a:t>
+            </a:r>
+            <a:endParaRPr lang="zh-CN" altLang="en-US" dirty="0" smtClean="0"/>
+          </a:p>
+          <a:p>
+            <a:endParaRPr lang="zh-CN" altLang="en-US" dirty="0" smtClean="0"/>
+          </a:p>
+          <a:p>
+            <a:r>
+              <a:rPr lang="zh-CN" altLang="en-US" dirty="0" smtClean="0"/>
+              <a:t>在北京做</a:t>
+            </a:r>
+            <a:r>
+              <a:rPr lang="en-US" altLang="zh-CN" dirty="0" smtClean="0"/>
+              <a:t>UBER</a:t>
+            </a:r>
+            <a:r>
+              <a:rPr lang="zh-CN" altLang="en-US" dirty="0" smtClean="0"/>
+              <a:t>司机，月入万元		</a:t>
+            </a:r>
+            <a:r>
+              <a:rPr lang="en-US" altLang="zh-CN" dirty="0" smtClean="0"/>
+              <a:t>CVR</a:t>
+            </a:r>
+            <a:r>
+              <a:rPr lang="zh-CN" altLang="en-US" dirty="0"/>
+              <a:t> </a:t>
+            </a:r>
+            <a:r>
+              <a:rPr lang="en-US" altLang="zh-CN" dirty="0" smtClean="0"/>
+              <a:t>lift</a:t>
+            </a:r>
+            <a:r>
+              <a:rPr lang="zh-CN" altLang="en-US" dirty="0" smtClean="0"/>
+              <a:t> </a:t>
+            </a:r>
+            <a:r>
+              <a:rPr lang="en-US" altLang="zh-CN" dirty="0" smtClean="0"/>
+              <a:t>40%</a:t>
+            </a:r>
+            <a:endParaRPr lang="en-US" dirty="0"/>
           </a:p>
         </p:txBody>
       </p:sp>
     </p:spTree>
     <p:extLst>
       <p:ext uri="{BB962C8B-B14F-4D97-AF65-F5344CB8AC3E}">
-        <p14:creationId xmlns:p14="http://schemas.microsoft.com/office/powerpoint/2010/main" val="996130407"/>
+        <p14:creationId xmlns:p14="http://schemas.microsoft.com/office/powerpoint/2010/main" val="217670522"/>
+      </p:ext>
+    </p:extLst>
+  </p:cSld>
+  <p:clrMapOvr>
+    <a:masterClrMapping/>
+  </p:clrMapOvr>
+</p:sld>
+</file>
+
+<file path=ppt/slides/slide28.xml><?xml version="1.0" encoding="utf-8"?>
+<p:sld xmlns:a="http://schemas.openxmlformats.org/drawingml/2006/main" xmlns:r="http://schemas.openxmlformats.org/officeDocument/2006/relationships" xmlns:p="http://schemas.openxmlformats.org/presentationml/2006/main">
+  <p:cSld>
+    <p:spTree>
+      <p:nvGrpSpPr>
+        <p:cNvPr id="1" name=""/>
+        <p:cNvGrpSpPr/>
+        <p:nvPr/>
+      </p:nvGrpSpPr>
+      <p:grpSpPr>
+        <a:xfrm>
+          <a:off x="0" y="0"/>
+          <a:ext cx="0" cy="0"/>
+          <a:chOff x="0" y="0"/>
+          <a:chExt cx="0" cy="0"/>
+        </a:xfrm>
+      </p:grpSpPr>
+      <p:sp>
+        <p:nvSpPr>
+          <p:cNvPr id="2" name="Title 1"/>
+          <p:cNvSpPr>
+            <a:spLocks noGrp="1"/>
+          </p:cNvSpPr>
+          <p:nvPr>
+            <p:ph type="title"/>
+          </p:nvPr>
+        </p:nvSpPr>
+        <p:spPr/>
+        <p:txBody>
+          <a:bodyPr/>
+          <a:lstStyle/>
+          <a:p>
+            <a:r>
+              <a:rPr lang="en-US" dirty="0" smtClean="0"/>
+              <a:t>E&amp;E Applications </a:t>
+            </a:r>
+            <a:r>
+              <a:rPr lang="mr-IN" dirty="0" smtClean="0"/>
+              <a:t>–</a:t>
+            </a:r>
+            <a:r>
+              <a:rPr lang="zh-CN" altLang="en-US" dirty="0" smtClean="0"/>
+              <a:t> </a:t>
+            </a:r>
+            <a:r>
+              <a:rPr lang="en-US" altLang="zh-CN" dirty="0" smtClean="0"/>
+              <a:t>Auction</a:t>
+            </a:r>
+            <a:r>
+              <a:rPr lang="zh-CN" altLang="en-US" dirty="0" smtClean="0"/>
+              <a:t> </a:t>
+            </a:r>
+            <a:r>
+              <a:rPr lang="en-US" altLang="zh-CN" dirty="0" smtClean="0"/>
+              <a:t>Traffic</a:t>
+            </a:r>
+            <a:r>
+              <a:rPr lang="zh-CN" altLang="en-US" dirty="0" smtClean="0"/>
+              <a:t> </a:t>
+            </a:r>
+            <a:r>
+              <a:rPr lang="en-US" altLang="zh-CN" dirty="0" smtClean="0"/>
+              <a:t>Allocation</a:t>
+            </a:r>
+            <a:endParaRPr lang="en-US" dirty="0"/>
+          </a:p>
+        </p:txBody>
+      </p:sp>
+      <p:sp>
+        <p:nvSpPr>
+          <p:cNvPr id="3" name="Content Placeholder 2"/>
+          <p:cNvSpPr>
+            <a:spLocks noGrp="1"/>
+          </p:cNvSpPr>
+          <p:nvPr>
+            <p:ph idx="1"/>
+          </p:nvPr>
+        </p:nvSpPr>
+        <p:spPr/>
+        <p:txBody>
+          <a:bodyPr/>
+          <a:lstStyle/>
+          <a:p>
+            <a:r>
+              <a:rPr lang="en-US" dirty="0" smtClean="0"/>
+              <a:t>How to allocate traffic with specific tags to SSP?</a:t>
+            </a:r>
+            <a:endParaRPr lang="en-US" dirty="0"/>
+          </a:p>
+        </p:txBody>
+      </p:sp>
+    </p:spTree>
+    <p:extLst>
+      <p:ext uri="{BB962C8B-B14F-4D97-AF65-F5344CB8AC3E}">
+        <p14:creationId xmlns:p14="http://schemas.microsoft.com/office/powerpoint/2010/main" val="1719442406"/>
+      </p:ext>
+    </p:extLst>
+  </p:cSld>
+  <p:clrMapOvr>
+    <a:masterClrMapping/>
+  </p:clrMapOvr>
+</p:sld>
+</file>
+
+<file path=ppt/slides/slide29.xml><?xml version="1.0" encoding="utf-8"?>
+<p:sld xmlns:a="http://schemas.openxmlformats.org/drawingml/2006/main" xmlns:r="http://schemas.openxmlformats.org/officeDocument/2006/relationships" xmlns:p="http://schemas.openxmlformats.org/presentationml/2006/main">
+  <p:cSld>
+    <p:spTree>
+      <p:nvGrpSpPr>
+        <p:cNvPr id="1" name=""/>
+        <p:cNvGrpSpPr/>
+        <p:nvPr/>
+      </p:nvGrpSpPr>
+      <p:grpSpPr>
+        <a:xfrm>
+          <a:off x="0" y="0"/>
+          <a:ext cx="0" cy="0"/>
+          <a:chOff x="0" y="0"/>
+          <a:chExt cx="0" cy="0"/>
+        </a:xfrm>
+      </p:grpSpPr>
+      <p:sp>
+        <p:nvSpPr>
+          <p:cNvPr id="2" name="Title 1"/>
+          <p:cNvSpPr>
+            <a:spLocks noGrp="1"/>
+          </p:cNvSpPr>
+          <p:nvPr>
+            <p:ph type="title"/>
+          </p:nvPr>
+        </p:nvSpPr>
+        <p:spPr/>
+        <p:txBody>
+          <a:bodyPr/>
+          <a:lstStyle/>
+          <a:p>
+            <a:r>
+              <a:rPr lang="en-US" dirty="0" smtClean="0"/>
+              <a:t>E&amp;E Applications </a:t>
+            </a:r>
+            <a:r>
+              <a:rPr lang="mr-IN" dirty="0" smtClean="0"/>
+              <a:t>–</a:t>
+            </a:r>
+            <a:r>
+              <a:rPr lang="zh-CN" altLang="en-US" dirty="0" smtClean="0"/>
+              <a:t> </a:t>
+            </a:r>
+            <a:r>
+              <a:rPr lang="en-US" altLang="zh-CN" dirty="0" smtClean="0"/>
+              <a:t>CVR</a:t>
+            </a:r>
+            <a:r>
+              <a:rPr lang="zh-CN" altLang="en-US" dirty="0" smtClean="0"/>
+              <a:t> </a:t>
+            </a:r>
+            <a:r>
+              <a:rPr lang="en-US" altLang="zh-CN" dirty="0" smtClean="0"/>
+              <a:t>Exploration</a:t>
+            </a:r>
+            <a:endParaRPr lang="en-US" dirty="0"/>
+          </a:p>
+        </p:txBody>
+      </p:sp>
+      <p:sp>
+        <p:nvSpPr>
+          <p:cNvPr id="3" name="Content Placeholder 2"/>
+          <p:cNvSpPr>
+            <a:spLocks noGrp="1"/>
+          </p:cNvSpPr>
+          <p:nvPr>
+            <p:ph idx="1"/>
+          </p:nvPr>
+        </p:nvSpPr>
+        <p:spPr/>
+        <p:txBody>
+          <a:bodyPr/>
+          <a:lstStyle/>
+          <a:p>
+            <a:endParaRPr lang="en-US" dirty="0"/>
+          </a:p>
+        </p:txBody>
+      </p:sp>
+    </p:spTree>
+    <p:extLst>
+      <p:ext uri="{BB962C8B-B14F-4D97-AF65-F5344CB8AC3E}">
+        <p14:creationId xmlns:p14="http://schemas.microsoft.com/office/powerpoint/2010/main" val="400404139"/>
       </p:ext>
     </p:extLst>
   </p:cSld>
@@ -5176,6 +5807,187 @@
     <p:extLst>
       <p:ext uri="{BB962C8B-B14F-4D97-AF65-F5344CB8AC3E}">
         <p14:creationId xmlns:p14="http://schemas.microsoft.com/office/powerpoint/2010/main" val="1277718815"/>
+      </p:ext>
+    </p:extLst>
+  </p:cSld>
+  <p:clrMapOvr>
+    <a:masterClrMapping/>
+  </p:clrMapOvr>
+</p:sld>
+</file>
+
+<file path=ppt/slides/slide30.xml><?xml version="1.0" encoding="utf-8"?>
+<p:sld xmlns:a="http://schemas.openxmlformats.org/drawingml/2006/main" xmlns:r="http://schemas.openxmlformats.org/officeDocument/2006/relationships" xmlns:p="http://schemas.openxmlformats.org/presentationml/2006/main">
+  <p:cSld>
+    <p:spTree>
+      <p:nvGrpSpPr>
+        <p:cNvPr id="1" name=""/>
+        <p:cNvGrpSpPr/>
+        <p:nvPr/>
+      </p:nvGrpSpPr>
+      <p:grpSpPr>
+        <a:xfrm>
+          <a:off x="0" y="0"/>
+          <a:ext cx="0" cy="0"/>
+          <a:chOff x="0" y="0"/>
+          <a:chExt cx="0" cy="0"/>
+        </a:xfrm>
+      </p:grpSpPr>
+      <p:sp>
+        <p:nvSpPr>
+          <p:cNvPr id="2" name="Title 1"/>
+          <p:cNvSpPr>
+            <a:spLocks noGrp="1"/>
+          </p:cNvSpPr>
+          <p:nvPr>
+            <p:ph type="title"/>
+          </p:nvPr>
+        </p:nvSpPr>
+        <p:spPr/>
+        <p:txBody>
+          <a:bodyPr/>
+          <a:lstStyle/>
+          <a:p>
+            <a:r>
+              <a:rPr lang="en-US" altLang="zh-CN" dirty="0" smtClean="0"/>
+              <a:t>Summary</a:t>
+            </a:r>
+            <a:endParaRPr lang="en-US" dirty="0"/>
+          </a:p>
+        </p:txBody>
+      </p:sp>
+      <p:sp>
+        <p:nvSpPr>
+          <p:cNvPr id="3" name="Content Placeholder 2"/>
+          <p:cNvSpPr>
+            <a:spLocks noGrp="1"/>
+          </p:cNvSpPr>
+          <p:nvPr>
+            <p:ph idx="1"/>
+          </p:nvPr>
+        </p:nvSpPr>
+        <p:spPr/>
+        <p:txBody>
+          <a:bodyPr/>
+          <a:lstStyle/>
+          <a:p>
+            <a:r>
+              <a:rPr lang="en-US" dirty="0" smtClean="0"/>
+              <a:t>Exploitation and Exploration Tradeoff</a:t>
+            </a:r>
+          </a:p>
+          <a:p>
+            <a:r>
+              <a:rPr lang="en-US" dirty="0" smtClean="0"/>
+              <a:t>Main approaches</a:t>
+            </a:r>
+          </a:p>
+          <a:p>
+            <a:pPr lvl="1"/>
+            <a:r>
+              <a:rPr lang="en-US" dirty="0" smtClean="0"/>
+              <a:t>Epsilon Greedy</a:t>
+            </a:r>
+          </a:p>
+          <a:p>
+            <a:pPr lvl="1"/>
+            <a:r>
+              <a:rPr lang="en-US" dirty="0" smtClean="0"/>
+              <a:t>UCB, UCT</a:t>
+            </a:r>
+          </a:p>
+          <a:p>
+            <a:pPr lvl="1"/>
+            <a:r>
+              <a:rPr lang="en-US" dirty="0" smtClean="0"/>
+              <a:t>Thompson Sampling</a:t>
+            </a:r>
+          </a:p>
+          <a:p>
+            <a:pPr lvl="1"/>
+            <a:r>
+              <a:rPr lang="en-US" dirty="0" smtClean="0"/>
+              <a:t>Contextual Bandit</a:t>
+            </a:r>
+          </a:p>
+          <a:p>
+            <a:r>
+              <a:rPr lang="en-US" dirty="0" smtClean="0"/>
+              <a:t>Applications in Computational Advertising</a:t>
+            </a:r>
+          </a:p>
+          <a:p>
+            <a:r>
+              <a:rPr lang="en-US" dirty="0" smtClean="0"/>
+              <a:t>E&amp;E Thoughts are much more important than E&amp;E methods</a:t>
+            </a:r>
+          </a:p>
+        </p:txBody>
+      </p:sp>
+    </p:spTree>
+    <p:extLst>
+      <p:ext uri="{BB962C8B-B14F-4D97-AF65-F5344CB8AC3E}">
+        <p14:creationId xmlns:p14="http://schemas.microsoft.com/office/powerpoint/2010/main" val="491080361"/>
+      </p:ext>
+    </p:extLst>
+  </p:cSld>
+  <p:clrMapOvr>
+    <a:masterClrMapping/>
+  </p:clrMapOvr>
+</p:sld>
+</file>
+
+<file path=ppt/slides/slide31.xml><?xml version="1.0" encoding="utf-8"?>
+<p:sld xmlns:a="http://schemas.openxmlformats.org/drawingml/2006/main" xmlns:r="http://schemas.openxmlformats.org/officeDocument/2006/relationships" xmlns:p="http://schemas.openxmlformats.org/presentationml/2006/main">
+  <p:cSld>
+    <p:spTree>
+      <p:nvGrpSpPr>
+        <p:cNvPr id="1" name=""/>
+        <p:cNvGrpSpPr/>
+        <p:nvPr/>
+      </p:nvGrpSpPr>
+      <p:grpSpPr>
+        <a:xfrm>
+          <a:off x="0" y="0"/>
+          <a:ext cx="0" cy="0"/>
+          <a:chOff x="0" y="0"/>
+          <a:chExt cx="0" cy="0"/>
+        </a:xfrm>
+      </p:grpSpPr>
+      <p:sp>
+        <p:nvSpPr>
+          <p:cNvPr id="2" name="Title 1"/>
+          <p:cNvSpPr>
+            <a:spLocks noGrp="1"/>
+          </p:cNvSpPr>
+          <p:nvPr>
+            <p:ph type="title"/>
+          </p:nvPr>
+        </p:nvSpPr>
+        <p:spPr>
+          <a:xfrm>
+            <a:off x="3862754" y="2592510"/>
+            <a:ext cx="5468815" cy="1325563"/>
+          </a:xfrm>
+        </p:spPr>
+        <p:txBody>
+          <a:bodyPr>
+            <a:normAutofit/>
+          </a:bodyPr>
+          <a:lstStyle/>
+          <a:p>
+            <a:r>
+              <a:rPr lang="en-US" altLang="zh-CN" sz="8000" smtClean="0"/>
+              <a:t>Thanks</a:t>
+            </a:r>
+            <a:endParaRPr lang="en-US" sz="8000"/>
+          </a:p>
+        </p:txBody>
+      </p:sp>
+    </p:spTree>
+    <p:extLst>
+      <p:ext uri="{BB962C8B-B14F-4D97-AF65-F5344CB8AC3E}">
+        <p14:creationId xmlns:p14="http://schemas.microsoft.com/office/powerpoint/2010/main" val="996130407"/>
       </p:ext>
     </p:extLst>
   </p:cSld>

--- a/Explore and Exploit/EandE.pptx
+++ b/Explore and Exploit/EandE.pptx
@@ -4,6 +4,9 @@
   <p:sldMasterIdLst>
     <p:sldMasterId id="2147483648" r:id="rId1"/>
   </p:sldMasterIdLst>
+  <p:notesMasterIdLst>
+    <p:notesMasterId r:id="rId31"/>
+  </p:notesMasterIdLst>
   <p:sldIdLst>
     <p:sldId id="256" r:id="rId2"/>
     <p:sldId id="257" r:id="rId3"/>
@@ -12,30 +15,28 @@
     <p:sldId id="259" r:id="rId6"/>
     <p:sldId id="261" r:id="rId7"/>
     <p:sldId id="262" r:id="rId8"/>
-    <p:sldId id="273" r:id="rId9"/>
+    <p:sldId id="288" r:id="rId9"/>
     <p:sldId id="274" r:id="rId10"/>
-    <p:sldId id="263" r:id="rId11"/>
-    <p:sldId id="264" r:id="rId12"/>
+    <p:sldId id="264" r:id="rId11"/>
+    <p:sldId id="289" r:id="rId12"/>
     <p:sldId id="275" r:id="rId13"/>
     <p:sldId id="276" r:id="rId14"/>
     <p:sldId id="266" r:id="rId15"/>
-    <p:sldId id="287" r:id="rId16"/>
-    <p:sldId id="285" r:id="rId17"/>
-    <p:sldId id="286" r:id="rId18"/>
-    <p:sldId id="267" r:id="rId19"/>
-    <p:sldId id="277" r:id="rId20"/>
-    <p:sldId id="281" r:id="rId21"/>
-    <p:sldId id="278" r:id="rId22"/>
-    <p:sldId id="280" r:id="rId23"/>
-    <p:sldId id="268" r:id="rId24"/>
-    <p:sldId id="282" r:id="rId25"/>
-    <p:sldId id="283" r:id="rId26"/>
-    <p:sldId id="284" r:id="rId27"/>
-    <p:sldId id="265" r:id="rId28"/>
-    <p:sldId id="269" r:id="rId29"/>
-    <p:sldId id="270" r:id="rId30"/>
-    <p:sldId id="272" r:id="rId31"/>
-    <p:sldId id="271" r:id="rId32"/>
+    <p:sldId id="291" r:id="rId16"/>
+    <p:sldId id="293" r:id="rId17"/>
+    <p:sldId id="267" r:id="rId18"/>
+    <p:sldId id="277" r:id="rId19"/>
+    <p:sldId id="281" r:id="rId20"/>
+    <p:sldId id="278" r:id="rId21"/>
+    <p:sldId id="280" r:id="rId22"/>
+    <p:sldId id="268" r:id="rId23"/>
+    <p:sldId id="282" r:id="rId24"/>
+    <p:sldId id="284" r:id="rId25"/>
+    <p:sldId id="265" r:id="rId26"/>
+    <p:sldId id="269" r:id="rId27"/>
+    <p:sldId id="270" r:id="rId28"/>
+    <p:sldId id="272" r:id="rId29"/>
+    <p:sldId id="271" r:id="rId30"/>
   </p:sldIdLst>
   <p:sldSz cx="12192000" cy="6858000"/>
   <p:notesSz cx="6858000" cy="9144000"/>
@@ -142,6 +143,828 @@
 </p:presentation>
 </file>
 
+<file path=ppt/notesMasters/notesMaster1.xml><?xml version="1.0" encoding="utf-8"?>
+<p:notesMaster xmlns:a="http://schemas.openxmlformats.org/drawingml/2006/main" xmlns:r="http://schemas.openxmlformats.org/officeDocument/2006/relationships" xmlns:p="http://schemas.openxmlformats.org/presentationml/2006/main">
+  <p:cSld>
+    <p:bg>
+      <p:bgRef idx="1001">
+        <a:schemeClr val="bg1"/>
+      </p:bgRef>
+    </p:bg>
+    <p:spTree>
+      <p:nvGrpSpPr>
+        <p:cNvPr id="1" name=""/>
+        <p:cNvGrpSpPr/>
+        <p:nvPr/>
+      </p:nvGrpSpPr>
+      <p:grpSpPr>
+        <a:xfrm>
+          <a:off x="0" y="0"/>
+          <a:ext cx="0" cy="0"/>
+          <a:chOff x="0" y="0"/>
+          <a:chExt cx="0" cy="0"/>
+        </a:xfrm>
+      </p:grpSpPr>
+      <p:sp>
+        <p:nvSpPr>
+          <p:cNvPr id="2" name="Header Placeholder 1"/>
+          <p:cNvSpPr>
+            <a:spLocks noGrp="1"/>
+          </p:cNvSpPr>
+          <p:nvPr>
+            <p:ph type="hdr" sz="quarter"/>
+          </p:nvPr>
+        </p:nvSpPr>
+        <p:spPr>
+          <a:xfrm>
+            <a:off x="0" y="0"/>
+            <a:ext cx="2971800" cy="458788"/>
+          </a:xfrm>
+          <a:prstGeom prst="rect">
+            <a:avLst/>
+          </a:prstGeom>
+        </p:spPr>
+        <p:txBody>
+          <a:bodyPr vert="horz" lIns="91440" tIns="45720" rIns="91440" bIns="45720" rtlCol="0"/>
+          <a:lstStyle>
+            <a:lvl1pPr algn="l">
+              <a:defRPr sz="1200"/>
+            </a:lvl1pPr>
+          </a:lstStyle>
+          <a:p>
+            <a:endParaRPr lang="en-US"/>
+          </a:p>
+        </p:txBody>
+      </p:sp>
+      <p:sp>
+        <p:nvSpPr>
+          <p:cNvPr id="3" name="Date Placeholder 2"/>
+          <p:cNvSpPr>
+            <a:spLocks noGrp="1"/>
+          </p:cNvSpPr>
+          <p:nvPr>
+            <p:ph type="dt" idx="1"/>
+          </p:nvPr>
+        </p:nvSpPr>
+        <p:spPr>
+          <a:xfrm>
+            <a:off x="3884613" y="0"/>
+            <a:ext cx="2971800" cy="458788"/>
+          </a:xfrm>
+          <a:prstGeom prst="rect">
+            <a:avLst/>
+          </a:prstGeom>
+        </p:spPr>
+        <p:txBody>
+          <a:bodyPr vert="horz" lIns="91440" tIns="45720" rIns="91440" bIns="45720" rtlCol="0"/>
+          <a:lstStyle>
+            <a:lvl1pPr algn="r">
+              <a:defRPr sz="1200"/>
+            </a:lvl1pPr>
+          </a:lstStyle>
+          <a:p>
+            <a:fld id="{1D14A2AC-6AA7-1945-9991-1521BC2572AA}" type="datetimeFigureOut">
+              <a:rPr lang="en-US" smtClean="0"/>
+              <a:t>7/2/17</a:t>
+            </a:fld>
+            <a:endParaRPr lang="en-US"/>
+          </a:p>
+        </p:txBody>
+      </p:sp>
+      <p:sp>
+        <p:nvSpPr>
+          <p:cNvPr id="4" name="Slide Image Placeholder 3"/>
+          <p:cNvSpPr>
+            <a:spLocks noGrp="1" noRot="1" noChangeAspect="1"/>
+          </p:cNvSpPr>
+          <p:nvPr>
+            <p:ph type="sldImg" idx="2"/>
+          </p:nvPr>
+        </p:nvSpPr>
+        <p:spPr>
+          <a:xfrm>
+            <a:off x="685800" y="1143000"/>
+            <a:ext cx="5486400" cy="3086100"/>
+          </a:xfrm>
+          <a:prstGeom prst="rect">
+            <a:avLst/>
+          </a:prstGeom>
+          <a:noFill/>
+          <a:ln w="12700">
+            <a:solidFill>
+              <a:prstClr val="black"/>
+            </a:solidFill>
+          </a:ln>
+        </p:spPr>
+        <p:txBody>
+          <a:bodyPr vert="horz" lIns="91440" tIns="45720" rIns="91440" bIns="45720" rtlCol="0" anchor="ctr"/>
+          <a:lstStyle/>
+          <a:p>
+            <a:endParaRPr lang="en-US"/>
+          </a:p>
+        </p:txBody>
+      </p:sp>
+      <p:sp>
+        <p:nvSpPr>
+          <p:cNvPr id="5" name="Notes Placeholder 4"/>
+          <p:cNvSpPr>
+            <a:spLocks noGrp="1"/>
+          </p:cNvSpPr>
+          <p:nvPr>
+            <p:ph type="body" sz="quarter" idx="3"/>
+          </p:nvPr>
+        </p:nvSpPr>
+        <p:spPr>
+          <a:xfrm>
+            <a:off x="685800" y="4400550"/>
+            <a:ext cx="5486400" cy="3600450"/>
+          </a:xfrm>
+          <a:prstGeom prst="rect">
+            <a:avLst/>
+          </a:prstGeom>
+        </p:spPr>
+        <p:txBody>
+          <a:bodyPr vert="horz" lIns="91440" tIns="45720" rIns="91440" bIns="45720" rtlCol="0"/>
+          <a:lstStyle/>
+          <a:p>
+            <a:pPr lvl="0"/>
+            <a:r>
+              <a:rPr lang="en-US" smtClean="0"/>
+              <a:t>Click to edit Master text styles</a:t>
+            </a:r>
+          </a:p>
+          <a:p>
+            <a:pPr lvl="1"/>
+            <a:r>
+              <a:rPr lang="en-US" smtClean="0"/>
+              <a:t>Second level</a:t>
+            </a:r>
+          </a:p>
+          <a:p>
+            <a:pPr lvl="2"/>
+            <a:r>
+              <a:rPr lang="en-US" smtClean="0"/>
+              <a:t>Third level</a:t>
+            </a:r>
+          </a:p>
+          <a:p>
+            <a:pPr lvl="3"/>
+            <a:r>
+              <a:rPr lang="en-US" smtClean="0"/>
+              <a:t>Fourth level</a:t>
+            </a:r>
+          </a:p>
+          <a:p>
+            <a:pPr lvl="4"/>
+            <a:r>
+              <a:rPr lang="en-US" smtClean="0"/>
+              <a:t>Fifth level</a:t>
+            </a:r>
+            <a:endParaRPr lang="en-US"/>
+          </a:p>
+        </p:txBody>
+      </p:sp>
+      <p:sp>
+        <p:nvSpPr>
+          <p:cNvPr id="6" name="Footer Placeholder 5"/>
+          <p:cNvSpPr>
+            <a:spLocks noGrp="1"/>
+          </p:cNvSpPr>
+          <p:nvPr>
+            <p:ph type="ftr" sz="quarter" idx="4"/>
+          </p:nvPr>
+        </p:nvSpPr>
+        <p:spPr>
+          <a:xfrm>
+            <a:off x="0" y="8685213"/>
+            <a:ext cx="2971800" cy="458787"/>
+          </a:xfrm>
+          <a:prstGeom prst="rect">
+            <a:avLst/>
+          </a:prstGeom>
+        </p:spPr>
+        <p:txBody>
+          <a:bodyPr vert="horz" lIns="91440" tIns="45720" rIns="91440" bIns="45720" rtlCol="0" anchor="b"/>
+          <a:lstStyle>
+            <a:lvl1pPr algn="l">
+              <a:defRPr sz="1200"/>
+            </a:lvl1pPr>
+          </a:lstStyle>
+          <a:p>
+            <a:endParaRPr lang="en-US"/>
+          </a:p>
+        </p:txBody>
+      </p:sp>
+      <p:sp>
+        <p:nvSpPr>
+          <p:cNvPr id="7" name="Slide Number Placeholder 6"/>
+          <p:cNvSpPr>
+            <a:spLocks noGrp="1"/>
+          </p:cNvSpPr>
+          <p:nvPr>
+            <p:ph type="sldNum" sz="quarter" idx="5"/>
+          </p:nvPr>
+        </p:nvSpPr>
+        <p:spPr>
+          <a:xfrm>
+            <a:off x="3884613" y="8685213"/>
+            <a:ext cx="2971800" cy="458787"/>
+          </a:xfrm>
+          <a:prstGeom prst="rect">
+            <a:avLst/>
+          </a:prstGeom>
+        </p:spPr>
+        <p:txBody>
+          <a:bodyPr vert="horz" lIns="91440" tIns="45720" rIns="91440" bIns="45720" rtlCol="0" anchor="b"/>
+          <a:lstStyle>
+            <a:lvl1pPr algn="r">
+              <a:defRPr sz="1200"/>
+            </a:lvl1pPr>
+          </a:lstStyle>
+          <a:p>
+            <a:fld id="{1136E044-FD2F-F34A-B57E-984DDBB4CA10}" type="slidenum">
+              <a:rPr lang="en-US" smtClean="0"/>
+              <a:t>‹#›</a:t>
+            </a:fld>
+            <a:endParaRPr lang="en-US"/>
+          </a:p>
+        </p:txBody>
+      </p:sp>
+    </p:spTree>
+    <p:extLst>
+      <p:ext uri="{BB962C8B-B14F-4D97-AF65-F5344CB8AC3E}">
+        <p14:creationId xmlns:p14="http://schemas.microsoft.com/office/powerpoint/2010/main" val="1356068457"/>
+      </p:ext>
+    </p:extLst>
+  </p:cSld>
+  <p:clrMap bg1="lt1" tx1="dk1" bg2="lt2" tx2="dk2" accent1="accent1" accent2="accent2" accent3="accent3" accent4="accent4" accent5="accent5" accent6="accent6" hlink="hlink" folHlink="folHlink"/>
+  <p:notesStyle>
+    <a:lvl1pPr marL="0" algn="l" defTabSz="914400" rtl="0" eaLnBrk="1" latinLnBrk="0" hangingPunct="1">
+      <a:defRPr sz="1200" kern="1200">
+        <a:solidFill>
+          <a:schemeClr val="tx1"/>
+        </a:solidFill>
+        <a:latin typeface="+mn-lt"/>
+        <a:ea typeface="+mn-ea"/>
+        <a:cs typeface="+mn-cs"/>
+      </a:defRPr>
+    </a:lvl1pPr>
+    <a:lvl2pPr marL="457200" algn="l" defTabSz="914400" rtl="0" eaLnBrk="1" latinLnBrk="0" hangingPunct="1">
+      <a:defRPr sz="1200" kern="1200">
+        <a:solidFill>
+          <a:schemeClr val="tx1"/>
+        </a:solidFill>
+        <a:latin typeface="+mn-lt"/>
+        <a:ea typeface="+mn-ea"/>
+        <a:cs typeface="+mn-cs"/>
+      </a:defRPr>
+    </a:lvl2pPr>
+    <a:lvl3pPr marL="914400" algn="l" defTabSz="914400" rtl="0" eaLnBrk="1" latinLnBrk="0" hangingPunct="1">
+      <a:defRPr sz="1200" kern="1200">
+        <a:solidFill>
+          <a:schemeClr val="tx1"/>
+        </a:solidFill>
+        <a:latin typeface="+mn-lt"/>
+        <a:ea typeface="+mn-ea"/>
+        <a:cs typeface="+mn-cs"/>
+      </a:defRPr>
+    </a:lvl3pPr>
+    <a:lvl4pPr marL="1371600" algn="l" defTabSz="914400" rtl="0" eaLnBrk="1" latinLnBrk="0" hangingPunct="1">
+      <a:defRPr sz="1200" kern="1200">
+        <a:solidFill>
+          <a:schemeClr val="tx1"/>
+        </a:solidFill>
+        <a:latin typeface="+mn-lt"/>
+        <a:ea typeface="+mn-ea"/>
+        <a:cs typeface="+mn-cs"/>
+      </a:defRPr>
+    </a:lvl4pPr>
+    <a:lvl5pPr marL="1828800" algn="l" defTabSz="914400" rtl="0" eaLnBrk="1" latinLnBrk="0" hangingPunct="1">
+      <a:defRPr sz="1200" kern="1200">
+        <a:solidFill>
+          <a:schemeClr val="tx1"/>
+        </a:solidFill>
+        <a:latin typeface="+mn-lt"/>
+        <a:ea typeface="+mn-ea"/>
+        <a:cs typeface="+mn-cs"/>
+      </a:defRPr>
+    </a:lvl5pPr>
+    <a:lvl6pPr marL="2286000" algn="l" defTabSz="914400" rtl="0" eaLnBrk="1" latinLnBrk="0" hangingPunct="1">
+      <a:defRPr sz="1200" kern="1200">
+        <a:solidFill>
+          <a:schemeClr val="tx1"/>
+        </a:solidFill>
+        <a:latin typeface="+mn-lt"/>
+        <a:ea typeface="+mn-ea"/>
+        <a:cs typeface="+mn-cs"/>
+      </a:defRPr>
+    </a:lvl6pPr>
+    <a:lvl7pPr marL="2743200" algn="l" defTabSz="914400" rtl="0" eaLnBrk="1" latinLnBrk="0" hangingPunct="1">
+      <a:defRPr sz="1200" kern="1200">
+        <a:solidFill>
+          <a:schemeClr val="tx1"/>
+        </a:solidFill>
+        <a:latin typeface="+mn-lt"/>
+        <a:ea typeface="+mn-ea"/>
+        <a:cs typeface="+mn-cs"/>
+      </a:defRPr>
+    </a:lvl7pPr>
+    <a:lvl8pPr marL="3200400" algn="l" defTabSz="914400" rtl="0" eaLnBrk="1" latinLnBrk="0" hangingPunct="1">
+      <a:defRPr sz="1200" kern="1200">
+        <a:solidFill>
+          <a:schemeClr val="tx1"/>
+        </a:solidFill>
+        <a:latin typeface="+mn-lt"/>
+        <a:ea typeface="+mn-ea"/>
+        <a:cs typeface="+mn-cs"/>
+      </a:defRPr>
+    </a:lvl8pPr>
+    <a:lvl9pPr marL="3657600" algn="l" defTabSz="914400" rtl="0" eaLnBrk="1" latinLnBrk="0" hangingPunct="1">
+      <a:defRPr sz="1200" kern="1200">
+        <a:solidFill>
+          <a:schemeClr val="tx1"/>
+        </a:solidFill>
+        <a:latin typeface="+mn-lt"/>
+        <a:ea typeface="+mn-ea"/>
+        <a:cs typeface="+mn-cs"/>
+      </a:defRPr>
+    </a:lvl9pPr>
+  </p:notesStyle>
+</p:notesMaster>
+</file>
+
+<file path=ppt/notesSlides/notesSlide1.xml><?xml version="1.0" encoding="utf-8"?>
+<p:notes xmlns:a="http://schemas.openxmlformats.org/drawingml/2006/main" xmlns:r="http://schemas.openxmlformats.org/officeDocument/2006/relationships" xmlns:p="http://schemas.openxmlformats.org/presentationml/2006/main">
+  <p:cSld>
+    <p:spTree>
+      <p:nvGrpSpPr>
+        <p:cNvPr id="1" name=""/>
+        <p:cNvGrpSpPr/>
+        <p:nvPr/>
+      </p:nvGrpSpPr>
+      <p:grpSpPr>
+        <a:xfrm>
+          <a:off x="0" y="0"/>
+          <a:ext cx="0" cy="0"/>
+          <a:chOff x="0" y="0"/>
+          <a:chExt cx="0" cy="0"/>
+        </a:xfrm>
+      </p:grpSpPr>
+      <p:sp>
+        <p:nvSpPr>
+          <p:cNvPr id="2" name="Slide Image Placeholder 1"/>
+          <p:cNvSpPr>
+            <a:spLocks noGrp="1" noRot="1" noChangeAspect="1"/>
+          </p:cNvSpPr>
+          <p:nvPr>
+            <p:ph type="sldImg"/>
+          </p:nvPr>
+        </p:nvSpPr>
+        <p:spPr/>
+      </p:sp>
+      <p:sp>
+        <p:nvSpPr>
+          <p:cNvPr id="3" name="Notes Placeholder 2"/>
+          <p:cNvSpPr>
+            <a:spLocks noGrp="1"/>
+          </p:cNvSpPr>
+          <p:nvPr>
+            <p:ph type="body" idx="1"/>
+          </p:nvPr>
+        </p:nvSpPr>
+        <p:spPr/>
+        <p:txBody>
+          <a:bodyPr/>
+          <a:lstStyle/>
+          <a:p>
+            <a:r>
+              <a:rPr lang="en-US" b="1" dirty="0" smtClean="0"/>
+              <a:t>a</a:t>
+            </a:r>
+            <a:r>
+              <a:rPr lang="en-US" dirty="0" smtClean="0"/>
+              <a:t>, Each simulation traverses the tree by selecting the edge with maximum action value </a:t>
+            </a:r>
+            <a:r>
+              <a:rPr lang="en-US" i="1" dirty="0" smtClean="0"/>
+              <a:t>Q</a:t>
+            </a:r>
+            <a:r>
+              <a:rPr lang="en-US" dirty="0" smtClean="0"/>
+              <a:t>, plus a bonus </a:t>
+            </a:r>
+            <a:r>
+              <a:rPr lang="en-US" i="1" dirty="0" smtClean="0"/>
+              <a:t>u</a:t>
+            </a:r>
+            <a:r>
+              <a:rPr lang="en-US" dirty="0" smtClean="0"/>
+              <a:t>(</a:t>
+            </a:r>
+            <a:r>
+              <a:rPr lang="en-US" i="1" dirty="0" smtClean="0"/>
+              <a:t>P</a:t>
+            </a:r>
+            <a:r>
+              <a:rPr lang="en-US" dirty="0" smtClean="0"/>
+              <a:t>) that depends on a stored prior probability </a:t>
+            </a:r>
+            <a:r>
+              <a:rPr lang="en-US" i="1" dirty="0" smtClean="0"/>
+              <a:t>P </a:t>
+            </a:r>
+            <a:r>
+              <a:rPr lang="en-US" dirty="0" smtClean="0"/>
+              <a:t>for that edge. </a:t>
+            </a:r>
+          </a:p>
+          <a:p>
+            <a:r>
+              <a:rPr lang="en-US" b="1" dirty="0" smtClean="0"/>
+              <a:t>b</a:t>
+            </a:r>
+            <a:r>
+              <a:rPr lang="en-US" dirty="0" smtClean="0"/>
+              <a:t>, The leaf node may be expanded; the new node is processed once by the policy network </a:t>
+            </a:r>
+            <a:r>
+              <a:rPr lang="en-US" i="1" dirty="0" err="1" smtClean="0"/>
+              <a:t>pσ</a:t>
+            </a:r>
+            <a:r>
+              <a:rPr lang="en-US" i="1" dirty="0" smtClean="0"/>
+              <a:t> </a:t>
+            </a:r>
+            <a:r>
+              <a:rPr lang="en-US" dirty="0" smtClean="0"/>
+              <a:t>and the output probabilities are stored as prior probabilities </a:t>
+            </a:r>
+            <a:r>
+              <a:rPr lang="en-US" i="1" dirty="0" smtClean="0"/>
+              <a:t>P </a:t>
+            </a:r>
+            <a:r>
+              <a:rPr lang="en-US" dirty="0" smtClean="0"/>
+              <a:t>for each action. </a:t>
+            </a:r>
+          </a:p>
+          <a:p>
+            <a:r>
+              <a:rPr lang="en-US" b="1" dirty="0" smtClean="0"/>
+              <a:t>c</a:t>
+            </a:r>
+            <a:r>
+              <a:rPr lang="en-US" dirty="0" smtClean="0"/>
+              <a:t>, At the end of a simulation, the leaf node is evaluated in two ways: using the value network </a:t>
+            </a:r>
+            <a:r>
+              <a:rPr lang="en-US" i="1" dirty="0" err="1" smtClean="0"/>
+              <a:t>vθ</a:t>
+            </a:r>
+            <a:r>
+              <a:rPr lang="en-US" dirty="0" smtClean="0"/>
+              <a:t>; and by running</a:t>
+            </a:r>
+            <a:br>
+              <a:rPr lang="en-US" dirty="0" smtClean="0"/>
+            </a:br>
+            <a:r>
+              <a:rPr lang="en-US" dirty="0" smtClean="0"/>
+              <a:t>a rollout to the end of the game with the fast rollout policy </a:t>
+            </a:r>
+            <a:r>
+              <a:rPr lang="en-US" i="1" dirty="0" smtClean="0"/>
+              <a:t>pπ</a:t>
+            </a:r>
+            <a:r>
+              <a:rPr lang="en-US" dirty="0" smtClean="0"/>
+              <a:t>, then computing the winner with function </a:t>
+            </a:r>
+            <a:r>
+              <a:rPr lang="en-US" i="1" dirty="0" smtClean="0"/>
+              <a:t>r</a:t>
+            </a:r>
+            <a:r>
+              <a:rPr lang="en-US" dirty="0" smtClean="0"/>
+              <a:t>. </a:t>
+            </a:r>
+          </a:p>
+          <a:p>
+            <a:r>
+              <a:rPr lang="en-US" b="1" dirty="0" smtClean="0"/>
+              <a:t>d</a:t>
+            </a:r>
+            <a:r>
+              <a:rPr lang="en-US" dirty="0" smtClean="0"/>
+              <a:t>, Action values </a:t>
+            </a:r>
+            <a:r>
+              <a:rPr lang="en-US" i="1" dirty="0" smtClean="0"/>
+              <a:t>Q </a:t>
+            </a:r>
+            <a:r>
+              <a:rPr lang="en-US" dirty="0" smtClean="0"/>
+              <a:t>are updated to track the mean value of all evaluations </a:t>
+            </a:r>
+            <a:r>
+              <a:rPr lang="en-US" i="1" dirty="0" smtClean="0"/>
+              <a:t>r</a:t>
+            </a:r>
+            <a:r>
+              <a:rPr lang="en-US" dirty="0" smtClean="0"/>
+              <a:t>(·) and </a:t>
+            </a:r>
+            <a:r>
+              <a:rPr lang="en-US" i="1" dirty="0" err="1" smtClean="0"/>
+              <a:t>vθ</a:t>
+            </a:r>
+            <a:r>
+              <a:rPr lang="en-US" dirty="0" smtClean="0"/>
+              <a:t>(·) in the </a:t>
+            </a:r>
+            <a:r>
+              <a:rPr lang="en-US" dirty="0" err="1" smtClean="0"/>
+              <a:t>subtree</a:t>
+            </a:r>
+            <a:r>
+              <a:rPr lang="en-US" dirty="0" smtClean="0"/>
+              <a:t> below that action. </a:t>
+            </a:r>
+          </a:p>
+        </p:txBody>
+      </p:sp>
+      <p:sp>
+        <p:nvSpPr>
+          <p:cNvPr id="4" name="Slide Number Placeholder 3"/>
+          <p:cNvSpPr>
+            <a:spLocks noGrp="1"/>
+          </p:cNvSpPr>
+          <p:nvPr>
+            <p:ph type="sldNum" sz="quarter" idx="10"/>
+          </p:nvPr>
+        </p:nvSpPr>
+        <p:spPr/>
+        <p:txBody>
+          <a:bodyPr/>
+          <a:lstStyle/>
+          <a:p>
+            <a:fld id="{1136E044-FD2F-F34A-B57E-984DDBB4CA10}" type="slidenum">
+              <a:rPr lang="en-US" smtClean="0"/>
+              <a:t>15</a:t>
+            </a:fld>
+            <a:endParaRPr lang="en-US"/>
+          </a:p>
+        </p:txBody>
+      </p:sp>
+    </p:spTree>
+    <p:extLst>
+      <p:ext uri="{BB962C8B-B14F-4D97-AF65-F5344CB8AC3E}">
+        <p14:creationId xmlns:p14="http://schemas.microsoft.com/office/powerpoint/2010/main" val="198611188"/>
+      </p:ext>
+    </p:extLst>
+  </p:cSld>
+  <p:clrMapOvr>
+    <a:masterClrMapping/>
+  </p:clrMapOvr>
+</p:notes>
+</file>
+
+<file path=ppt/notesSlides/notesSlide2.xml><?xml version="1.0" encoding="utf-8"?>
+<p:notes xmlns:a="http://schemas.openxmlformats.org/drawingml/2006/main" xmlns:r="http://schemas.openxmlformats.org/officeDocument/2006/relationships" xmlns:p="http://schemas.openxmlformats.org/presentationml/2006/main">
+  <p:cSld>
+    <p:spTree>
+      <p:nvGrpSpPr>
+        <p:cNvPr id="1" name=""/>
+        <p:cNvGrpSpPr/>
+        <p:nvPr/>
+      </p:nvGrpSpPr>
+      <p:grpSpPr>
+        <a:xfrm>
+          <a:off x="0" y="0"/>
+          <a:ext cx="0" cy="0"/>
+          <a:chOff x="0" y="0"/>
+          <a:chExt cx="0" cy="0"/>
+        </a:xfrm>
+      </p:grpSpPr>
+      <p:sp>
+        <p:nvSpPr>
+          <p:cNvPr id="2" name="Slide Image Placeholder 1"/>
+          <p:cNvSpPr>
+            <a:spLocks noGrp="1" noRot="1" noChangeAspect="1"/>
+          </p:cNvSpPr>
+          <p:nvPr>
+            <p:ph type="sldImg"/>
+          </p:nvPr>
+        </p:nvSpPr>
+        <p:spPr/>
+      </p:sp>
+      <p:sp>
+        <p:nvSpPr>
+          <p:cNvPr id="3" name="Notes Placeholder 2"/>
+          <p:cNvSpPr>
+            <a:spLocks noGrp="1"/>
+          </p:cNvSpPr>
+          <p:nvPr>
+            <p:ph type="body" idx="1"/>
+          </p:nvPr>
+        </p:nvSpPr>
+        <p:spPr/>
+        <p:txBody>
+          <a:bodyPr/>
+          <a:lstStyle/>
+          <a:p>
+            <a:r>
+              <a:rPr lang="en-US" b="1" dirty="0" smtClean="0"/>
+              <a:t>a</a:t>
+            </a:r>
+            <a:r>
+              <a:rPr lang="en-US" dirty="0" smtClean="0"/>
+              <a:t>, Each simulation traverses the tree by selecting the edge with maximum action value </a:t>
+            </a:r>
+            <a:r>
+              <a:rPr lang="en-US" i="1" dirty="0" smtClean="0"/>
+              <a:t>Q</a:t>
+            </a:r>
+            <a:r>
+              <a:rPr lang="en-US" dirty="0" smtClean="0"/>
+              <a:t>, plus a bonus </a:t>
+            </a:r>
+            <a:r>
+              <a:rPr lang="en-US" i="1" dirty="0" smtClean="0"/>
+              <a:t>u</a:t>
+            </a:r>
+            <a:r>
+              <a:rPr lang="en-US" dirty="0" smtClean="0"/>
+              <a:t>(</a:t>
+            </a:r>
+            <a:r>
+              <a:rPr lang="en-US" i="1" dirty="0" smtClean="0"/>
+              <a:t>P</a:t>
+            </a:r>
+            <a:r>
+              <a:rPr lang="en-US" dirty="0" smtClean="0"/>
+              <a:t>) that depends on a stored prior probability </a:t>
+            </a:r>
+            <a:r>
+              <a:rPr lang="en-US" i="1" dirty="0" smtClean="0"/>
+              <a:t>P </a:t>
+            </a:r>
+            <a:r>
+              <a:rPr lang="en-US" dirty="0" smtClean="0"/>
+              <a:t>for that edge. </a:t>
+            </a:r>
+          </a:p>
+          <a:p>
+            <a:r>
+              <a:rPr lang="en-US" b="1" dirty="0" smtClean="0"/>
+              <a:t>b</a:t>
+            </a:r>
+            <a:r>
+              <a:rPr lang="en-US" dirty="0" smtClean="0"/>
+              <a:t>, The leaf node may be expanded; the new node is processed once by the policy network </a:t>
+            </a:r>
+            <a:r>
+              <a:rPr lang="en-US" i="1" dirty="0" err="1" smtClean="0"/>
+              <a:t>pσ</a:t>
+            </a:r>
+            <a:r>
+              <a:rPr lang="en-US" i="1" dirty="0" smtClean="0"/>
+              <a:t> </a:t>
+            </a:r>
+            <a:r>
+              <a:rPr lang="en-US" dirty="0" smtClean="0"/>
+              <a:t>and the output probabilities are stored as prior probabilities </a:t>
+            </a:r>
+            <a:r>
+              <a:rPr lang="en-US" i="1" dirty="0" smtClean="0"/>
+              <a:t>P </a:t>
+            </a:r>
+            <a:r>
+              <a:rPr lang="en-US" dirty="0" smtClean="0"/>
+              <a:t>for each action. </a:t>
+            </a:r>
+          </a:p>
+          <a:p>
+            <a:r>
+              <a:rPr lang="en-US" b="1" dirty="0" smtClean="0"/>
+              <a:t>c</a:t>
+            </a:r>
+            <a:r>
+              <a:rPr lang="en-US" dirty="0" smtClean="0"/>
+              <a:t>, At the end of a simulation, the leaf node is evaluated in two ways: using the value network </a:t>
+            </a:r>
+            <a:r>
+              <a:rPr lang="en-US" i="1" dirty="0" err="1" smtClean="0"/>
+              <a:t>vθ</a:t>
+            </a:r>
+            <a:r>
+              <a:rPr lang="en-US" dirty="0" smtClean="0"/>
+              <a:t>; and by running</a:t>
+            </a:r>
+            <a:br>
+              <a:rPr lang="en-US" dirty="0" smtClean="0"/>
+            </a:br>
+            <a:r>
+              <a:rPr lang="en-US" dirty="0" smtClean="0"/>
+              <a:t>a rollout to the end of the game with the fast rollout policy </a:t>
+            </a:r>
+            <a:r>
+              <a:rPr lang="en-US" i="1" dirty="0" smtClean="0"/>
+              <a:t>pπ</a:t>
+            </a:r>
+            <a:r>
+              <a:rPr lang="en-US" dirty="0" smtClean="0"/>
+              <a:t>, then computing the winner with function </a:t>
+            </a:r>
+            <a:r>
+              <a:rPr lang="en-US" i="1" dirty="0" smtClean="0"/>
+              <a:t>r</a:t>
+            </a:r>
+            <a:r>
+              <a:rPr lang="en-US" dirty="0" smtClean="0"/>
+              <a:t>. </a:t>
+            </a:r>
+          </a:p>
+          <a:p>
+            <a:r>
+              <a:rPr lang="en-US" b="1" dirty="0" smtClean="0"/>
+              <a:t>d</a:t>
+            </a:r>
+            <a:r>
+              <a:rPr lang="en-US" dirty="0" smtClean="0"/>
+              <a:t>, Action values </a:t>
+            </a:r>
+            <a:r>
+              <a:rPr lang="en-US" i="1" dirty="0" smtClean="0"/>
+              <a:t>Q </a:t>
+            </a:r>
+            <a:r>
+              <a:rPr lang="en-US" dirty="0" smtClean="0"/>
+              <a:t>are updated to track the mean value of all evaluations </a:t>
+            </a:r>
+            <a:r>
+              <a:rPr lang="en-US" i="1" dirty="0" smtClean="0"/>
+              <a:t>r</a:t>
+            </a:r>
+            <a:r>
+              <a:rPr lang="en-US" dirty="0" smtClean="0"/>
+              <a:t>(·) and </a:t>
+            </a:r>
+            <a:r>
+              <a:rPr lang="en-US" i="1" dirty="0" err="1" smtClean="0"/>
+              <a:t>vθ</a:t>
+            </a:r>
+            <a:r>
+              <a:rPr lang="en-US" dirty="0" smtClean="0"/>
+              <a:t>(·) in the </a:t>
+            </a:r>
+            <a:r>
+              <a:rPr lang="en-US" dirty="0" err="1" smtClean="0"/>
+              <a:t>subtree</a:t>
+            </a:r>
+            <a:r>
+              <a:rPr lang="en-US" dirty="0" smtClean="0"/>
+              <a:t> below that action. </a:t>
+            </a:r>
+          </a:p>
+        </p:txBody>
+      </p:sp>
+      <p:sp>
+        <p:nvSpPr>
+          <p:cNvPr id="4" name="Slide Number Placeholder 3"/>
+          <p:cNvSpPr>
+            <a:spLocks noGrp="1"/>
+          </p:cNvSpPr>
+          <p:nvPr>
+            <p:ph type="sldNum" sz="quarter" idx="10"/>
+          </p:nvPr>
+        </p:nvSpPr>
+        <p:spPr/>
+        <p:txBody>
+          <a:bodyPr/>
+          <a:lstStyle/>
+          <a:p>
+            <a:fld id="{1136E044-FD2F-F34A-B57E-984DDBB4CA10}" type="slidenum">
+              <a:rPr lang="en-US" smtClean="0"/>
+              <a:t>16</a:t>
+            </a:fld>
+            <a:endParaRPr lang="en-US"/>
+          </a:p>
+        </p:txBody>
+      </p:sp>
+    </p:spTree>
+    <p:extLst>
+      <p:ext uri="{BB962C8B-B14F-4D97-AF65-F5344CB8AC3E}">
+        <p14:creationId xmlns:p14="http://schemas.microsoft.com/office/powerpoint/2010/main" val="434091504"/>
+      </p:ext>
+    </p:extLst>
+  </p:cSld>
+  <p:clrMapOvr>
+    <a:masterClrMapping/>
+  </p:clrMapOvr>
+</p:notes>
+</file>
+
 <file path=ppt/slideLayouts/slideLayout1.xml><?xml version="1.0" encoding="utf-8"?>
 <p:sldLayout xmlns:a="http://schemas.openxmlformats.org/drawingml/2006/main" xmlns:r="http://schemas.openxmlformats.org/officeDocument/2006/relationships" xmlns:p="http://schemas.openxmlformats.org/presentationml/2006/main" type="title" preserve="1">
   <p:cSld name="Title Slide">
@@ -273,7 +1096,7 @@
           <a:p>
             <a:fld id="{A737A9F0-A4C3-C54B-98FA-CECE75C9A6BA}" type="datetimeFigureOut">
               <a:rPr lang="en-US" smtClean="0"/>
-              <a:t>7/1/17</a:t>
+              <a:t>7/2/17</a:t>
             </a:fld>
             <a:endParaRPr lang="en-US"/>
           </a:p>
@@ -443,7 +1266,7 @@
           <a:p>
             <a:fld id="{A737A9F0-A4C3-C54B-98FA-CECE75C9A6BA}" type="datetimeFigureOut">
               <a:rPr lang="en-US" smtClean="0"/>
-              <a:t>7/1/17</a:t>
+              <a:t>7/2/17</a:t>
             </a:fld>
             <a:endParaRPr lang="en-US"/>
           </a:p>
@@ -623,7 +1446,7 @@
           <a:p>
             <a:fld id="{A737A9F0-A4C3-C54B-98FA-CECE75C9A6BA}" type="datetimeFigureOut">
               <a:rPr lang="en-US" smtClean="0"/>
-              <a:t>7/1/17</a:t>
+              <a:t>7/2/17</a:t>
             </a:fld>
             <a:endParaRPr lang="en-US"/>
           </a:p>
@@ -793,7 +1616,7 @@
           <a:p>
             <a:fld id="{A737A9F0-A4C3-C54B-98FA-CECE75C9A6BA}" type="datetimeFigureOut">
               <a:rPr lang="en-US" smtClean="0"/>
-              <a:t>7/1/17</a:t>
+              <a:t>7/2/17</a:t>
             </a:fld>
             <a:endParaRPr lang="en-US"/>
           </a:p>
@@ -1039,7 +1862,7 @@
           <a:p>
             <a:fld id="{A737A9F0-A4C3-C54B-98FA-CECE75C9A6BA}" type="datetimeFigureOut">
               <a:rPr lang="en-US" smtClean="0"/>
-              <a:t>7/1/17</a:t>
+              <a:t>7/2/17</a:t>
             </a:fld>
             <a:endParaRPr lang="en-US"/>
           </a:p>
@@ -1271,7 +2094,7 @@
           <a:p>
             <a:fld id="{A737A9F0-A4C3-C54B-98FA-CECE75C9A6BA}" type="datetimeFigureOut">
               <a:rPr lang="en-US" smtClean="0"/>
-              <a:t>7/1/17</a:t>
+              <a:t>7/2/17</a:t>
             </a:fld>
             <a:endParaRPr lang="en-US"/>
           </a:p>
@@ -1638,7 +2461,7 @@
           <a:p>
             <a:fld id="{A737A9F0-A4C3-C54B-98FA-CECE75C9A6BA}" type="datetimeFigureOut">
               <a:rPr lang="en-US" smtClean="0"/>
-              <a:t>7/1/17</a:t>
+              <a:t>7/2/17</a:t>
             </a:fld>
             <a:endParaRPr lang="en-US"/>
           </a:p>
@@ -1756,7 +2579,7 @@
           <a:p>
             <a:fld id="{A737A9F0-A4C3-C54B-98FA-CECE75C9A6BA}" type="datetimeFigureOut">
               <a:rPr lang="en-US" smtClean="0"/>
-              <a:t>7/1/17</a:t>
+              <a:t>7/2/17</a:t>
             </a:fld>
             <a:endParaRPr lang="en-US"/>
           </a:p>
@@ -1851,7 +2674,7 @@
           <a:p>
             <a:fld id="{A737A9F0-A4C3-C54B-98FA-CECE75C9A6BA}" type="datetimeFigureOut">
               <a:rPr lang="en-US" smtClean="0"/>
-              <a:t>7/1/17</a:t>
+              <a:t>7/2/17</a:t>
             </a:fld>
             <a:endParaRPr lang="en-US"/>
           </a:p>
@@ -2128,7 +2951,7 @@
           <a:p>
             <a:fld id="{A737A9F0-A4C3-C54B-98FA-CECE75C9A6BA}" type="datetimeFigureOut">
               <a:rPr lang="en-US" smtClean="0"/>
-              <a:t>7/1/17</a:t>
+              <a:t>7/2/17</a:t>
             </a:fld>
             <a:endParaRPr lang="en-US"/>
           </a:p>
@@ -2381,7 +3204,7 @@
           <a:p>
             <a:fld id="{A737A9F0-A4C3-C54B-98FA-CECE75C9A6BA}" type="datetimeFigureOut">
               <a:rPr lang="en-US" smtClean="0"/>
-              <a:t>7/1/17</a:t>
+              <a:t>7/2/17</a:t>
             </a:fld>
             <a:endParaRPr lang="en-US"/>
           </a:p>
@@ -2594,7 +3417,7 @@
           <a:p>
             <a:fld id="{A737A9F0-A4C3-C54B-98FA-CECE75C9A6BA}" type="datetimeFigureOut">
               <a:rPr lang="en-US" smtClean="0"/>
-              <a:t>7/1/17</a:t>
+              <a:t>7/2/17</a:t>
             </a:fld>
             <a:endParaRPr lang="en-US"/>
           </a:p>
@@ -3033,11 +3856,7 @@
             </a:r>
             <a:r>
               <a:rPr lang="en-US" sz="3200" dirty="0" smtClean="0"/>
-              <a:t>n </a:t>
-            </a:r>
-            <a:r>
-              <a:rPr lang="en-US" sz="3200" dirty="0" smtClean="0"/>
-              <a:t>Computational Advertising</a:t>
+              <a:t>n Computational Advertising</a:t>
             </a:r>
             <a:endParaRPr lang="en-US" sz="6600" dirty="0"/>
           </a:p>
@@ -3119,106 +3938,44 @@
         </p:nvSpPr>
         <p:spPr/>
         <p:txBody>
-          <a:bodyPr/>
-          <a:lstStyle/>
-          <a:p>
-            <a:r>
-              <a:rPr lang="en-US" altLang="zh-CN" dirty="0" smtClean="0"/>
+          <a:bodyPr>
+            <a:normAutofit/>
+          </a:bodyPr>
+          <a:lstStyle/>
+          <a:p>
+            <a:r>
+              <a:rPr lang="en-US" altLang="zh-CN" sz="4000" dirty="0" smtClean="0"/>
               <a:t>Main Approaches </a:t>
             </a:r>
             <a:r>
-              <a:rPr lang="mr-IN" altLang="zh-CN" dirty="0" smtClean="0"/>
+              <a:rPr lang="mr-IN" altLang="zh-CN" sz="4000" dirty="0" smtClean="0"/>
               <a:t>–</a:t>
             </a:r>
             <a:r>
-              <a:rPr lang="en-US" altLang="zh-CN" dirty="0" smtClean="0"/>
-              <a:t> epsilon greedy</a:t>
-            </a:r>
-            <a:endParaRPr lang="en-US" dirty="0"/>
-          </a:p>
-        </p:txBody>
-      </p:sp>
-      <p:sp>
-        <p:nvSpPr>
-          <p:cNvPr id="3" name="Content Placeholder 2"/>
-          <p:cNvSpPr>
-            <a:spLocks noGrp="1"/>
-          </p:cNvSpPr>
-          <p:nvPr>
-            <p:ph idx="1"/>
-          </p:nvPr>
-        </p:nvSpPr>
-        <p:spPr/>
-        <p:txBody>
-          <a:bodyPr/>
-          <a:lstStyle/>
-          <a:p>
-            <a:endParaRPr lang="en-US" dirty="0"/>
-          </a:p>
-        </p:txBody>
-      </p:sp>
-    </p:spTree>
-    <p:extLst>
-      <p:ext uri="{BB962C8B-B14F-4D97-AF65-F5344CB8AC3E}">
-        <p14:creationId xmlns:p14="http://schemas.microsoft.com/office/powerpoint/2010/main" val="313002743"/>
-      </p:ext>
-    </p:extLst>
-  </p:cSld>
-  <p:clrMapOvr>
-    <a:masterClrMapping/>
-  </p:clrMapOvr>
-</p:sld>
-</file>
-
-<file path=ppt/slides/slide11.xml><?xml version="1.0" encoding="utf-8"?>
-<p:sld xmlns:a="http://schemas.openxmlformats.org/drawingml/2006/main" xmlns:r="http://schemas.openxmlformats.org/officeDocument/2006/relationships" xmlns:p="http://schemas.openxmlformats.org/presentationml/2006/main">
-  <p:cSld>
-    <p:spTree>
-      <p:nvGrpSpPr>
-        <p:cNvPr id="1" name=""/>
-        <p:cNvGrpSpPr/>
-        <p:nvPr/>
-      </p:nvGrpSpPr>
-      <p:grpSpPr>
-        <a:xfrm>
-          <a:off x="0" y="0"/>
-          <a:ext cx="0" cy="0"/>
-          <a:chOff x="0" y="0"/>
-          <a:chExt cx="0" cy="0"/>
-        </a:xfrm>
-      </p:grpSpPr>
-      <p:sp>
-        <p:nvSpPr>
-          <p:cNvPr id="2" name="Title 1"/>
-          <p:cNvSpPr>
-            <a:spLocks noGrp="1"/>
-          </p:cNvSpPr>
-          <p:nvPr>
-            <p:ph type="title"/>
-          </p:nvPr>
-        </p:nvSpPr>
-        <p:spPr/>
-        <p:txBody>
-          <a:bodyPr/>
-          <a:lstStyle/>
-          <a:p>
-            <a:r>
-              <a:rPr lang="en-US" altLang="zh-CN" dirty="0" smtClean="0"/>
-              <a:t>Main Approaches </a:t>
-            </a:r>
-            <a:r>
-              <a:rPr lang="mr-IN" altLang="zh-CN" dirty="0" smtClean="0"/>
-              <a:t>–</a:t>
-            </a:r>
-            <a:r>
-              <a:rPr lang="en-US" altLang="zh-CN" dirty="0" smtClean="0"/>
-              <a:t> UCB</a:t>
-            </a:r>
-            <a:r>
-              <a:rPr lang="en-US" altLang="zh-CN" dirty="0"/>
-              <a:t>(upper confidence bound)</a:t>
-            </a:r>
-            <a:endParaRPr lang="en-US" dirty="0"/>
+              <a:rPr lang="en-US" altLang="zh-CN" sz="4000" dirty="0" smtClean="0"/>
+              <a:t> UCB(Upper </a:t>
+            </a:r>
+            <a:r>
+              <a:rPr lang="en-US" altLang="zh-CN" sz="4000" dirty="0"/>
+              <a:t>C</a:t>
+            </a:r>
+            <a:r>
+              <a:rPr lang="en-US" altLang="zh-CN" sz="4000" dirty="0" smtClean="0"/>
+              <a:t>onfidence </a:t>
+            </a:r>
+            <a:r>
+              <a:rPr lang="en-US" altLang="zh-CN" sz="4000" dirty="0"/>
+              <a:t>B</a:t>
+            </a:r>
+            <a:r>
+              <a:rPr lang="en-US" altLang="zh-CN" sz="4000" dirty="0" smtClean="0"/>
+              <a:t>ound</a:t>
+            </a:r>
+            <a:r>
+              <a:rPr lang="en-US" altLang="zh-CN" sz="4000" dirty="0"/>
+              <a:t>)</a:t>
+            </a:r>
+            <a:endParaRPr lang="en-US" sz="4000" dirty="0"/>
           </a:p>
         </p:txBody>
       </p:sp>
@@ -3244,8 +4001,8 @@
         </p:blipFill>
         <p:spPr>
           <a:xfrm>
-            <a:off x="838200" y="1690688"/>
-            <a:ext cx="10058400" cy="3267000"/>
+            <a:off x="838200" y="1988345"/>
+            <a:ext cx="11216985" cy="3643312"/>
           </a:xfrm>
           <a:prstGeom prst="rect">
             <a:avLst/>
@@ -3260,8 +4017,8 @@
         </p:nvSpPr>
         <p:spPr>
           <a:xfrm>
-            <a:off x="5744309" y="3810001"/>
-            <a:ext cx="1781908" cy="504092"/>
+            <a:off x="6574969" y="3305909"/>
+            <a:ext cx="1791025" cy="504092"/>
           </a:xfrm>
           <a:prstGeom prst="rect">
             <a:avLst/>
@@ -3298,48 +4055,240 @@
           </a:p>
         </p:txBody>
       </p:sp>
-      <p:sp>
-        <p:nvSpPr>
-          <p:cNvPr id="7" name="TextBox 6"/>
-          <p:cNvSpPr txBox="1"/>
+    </p:spTree>
+    <p:extLst>
+      <p:ext uri="{BB962C8B-B14F-4D97-AF65-F5344CB8AC3E}">
+        <p14:creationId xmlns:p14="http://schemas.microsoft.com/office/powerpoint/2010/main" val="1283595682"/>
+      </p:ext>
+    </p:extLst>
+  </p:cSld>
+  <p:clrMapOvr>
+    <a:masterClrMapping/>
+  </p:clrMapOvr>
+</p:sld>
+</file>
+
+<file path=ppt/slides/slide11.xml><?xml version="1.0" encoding="utf-8"?>
+<p:sld xmlns:a="http://schemas.openxmlformats.org/drawingml/2006/main" xmlns:r="http://schemas.openxmlformats.org/officeDocument/2006/relationships" xmlns:p="http://schemas.openxmlformats.org/presentationml/2006/main">
+  <p:cSld>
+    <p:spTree>
+      <p:nvGrpSpPr>
+        <p:cNvPr id="1" name=""/>
+        <p:cNvGrpSpPr/>
+        <p:nvPr/>
+      </p:nvGrpSpPr>
+      <p:grpSpPr>
+        <a:xfrm>
+          <a:off x="0" y="0"/>
+          <a:ext cx="0" cy="0"/>
+          <a:chOff x="0" y="0"/>
+          <a:chExt cx="0" cy="0"/>
+        </a:xfrm>
+      </p:grpSpPr>
+      <p:sp>
+        <p:nvSpPr>
+          <p:cNvPr id="2" name="Title 1"/>
+          <p:cNvSpPr>
+            <a:spLocks noGrp="1"/>
+          </p:cNvSpPr>
+          <p:nvPr>
+            <p:ph type="title"/>
+          </p:nvPr>
+        </p:nvSpPr>
+        <p:spPr/>
+        <p:txBody>
+          <a:bodyPr>
+            <a:normAutofit/>
+          </a:bodyPr>
+          <a:lstStyle/>
+          <a:p>
+            <a:r>
+              <a:rPr lang="en-US" altLang="zh-CN" sz="4000" dirty="0" smtClean="0"/>
+              <a:t>Main Approaches </a:t>
+            </a:r>
+            <a:r>
+              <a:rPr lang="mr-IN" altLang="zh-CN" sz="4000" dirty="0" smtClean="0"/>
+              <a:t>–</a:t>
+            </a:r>
+            <a:r>
+              <a:rPr lang="en-US" altLang="zh-CN" sz="4000" dirty="0" smtClean="0"/>
+              <a:t> UCB(Upper </a:t>
+            </a:r>
+            <a:r>
+              <a:rPr lang="en-US" altLang="zh-CN" sz="4000" dirty="0"/>
+              <a:t>C</a:t>
+            </a:r>
+            <a:r>
+              <a:rPr lang="en-US" altLang="zh-CN" sz="4000" dirty="0" smtClean="0"/>
+              <a:t>onfidence </a:t>
+            </a:r>
+            <a:r>
+              <a:rPr lang="en-US" altLang="zh-CN" sz="4000" dirty="0"/>
+              <a:t>B</a:t>
+            </a:r>
+            <a:r>
+              <a:rPr lang="en-US" altLang="zh-CN" sz="4000" dirty="0" smtClean="0"/>
+              <a:t>ound</a:t>
+            </a:r>
+            <a:r>
+              <a:rPr lang="en-US" altLang="zh-CN" sz="4000" dirty="0"/>
+              <a:t>)</a:t>
+            </a:r>
+            <a:endParaRPr lang="en-US" sz="4000" dirty="0"/>
+          </a:p>
+        </p:txBody>
+      </p:sp>
+      <p:sp>
+        <p:nvSpPr>
+          <p:cNvPr id="3" name="Rectangle 2"/>
+          <p:cNvSpPr/>
           <p:nvPr/>
         </p:nvSpPr>
         <p:spPr>
           <a:xfrm>
-            <a:off x="7620000" y="3877381"/>
-            <a:ext cx="719108" cy="369332"/>
+            <a:off x="824621" y="1690688"/>
+            <a:ext cx="5271379" cy="584775"/>
           </a:xfrm>
           <a:prstGeom prst="rect">
             <a:avLst/>
           </a:prstGeom>
-          <a:noFill/>
         </p:spPr>
         <p:txBody>
-          <a:bodyPr wrap="none" rtlCol="0">
+          <a:bodyPr wrap="none">
             <a:spAutoFit/>
           </a:bodyPr>
           <a:lstStyle/>
           <a:p>
             <a:r>
-              <a:rPr lang="en-US" smtClean="0">
+              <a:rPr lang="en-US" sz="3200" b="1" dirty="0" err="1"/>
+              <a:t>Chernoff-Hoeffding</a:t>
+            </a:r>
+            <a:r>
+              <a:rPr lang="en-US" sz="3200" b="1" dirty="0"/>
+              <a:t> </a:t>
+            </a:r>
+            <a:r>
+              <a:rPr lang="en-US" altLang="zh-CN" sz="3200" b="1" dirty="0" smtClean="0"/>
+              <a:t>I</a:t>
+            </a:r>
+            <a:r>
+              <a:rPr lang="en-US" sz="3200" b="1" dirty="0" smtClean="0"/>
+              <a:t>nequality</a:t>
+            </a:r>
+            <a:endParaRPr lang="en-US" sz="3200" b="1" dirty="0"/>
+          </a:p>
+        </p:txBody>
+      </p:sp>
+      <p:pic>
+        <p:nvPicPr>
+          <p:cNvPr id="4" name="Picture 3"/>
+          <p:cNvPicPr>
+            <a:picLocks noChangeAspect="1"/>
+          </p:cNvPicPr>
+          <p:nvPr/>
+        </p:nvPicPr>
+        <p:blipFill>
+          <a:blip r:embed="rId2"/>
+          <a:stretch>
+            <a:fillRect/>
+          </a:stretch>
+        </p:blipFill>
+        <p:spPr>
+          <a:xfrm>
+            <a:off x="3625850" y="2482851"/>
+            <a:ext cx="4025900" cy="533400"/>
+          </a:xfrm>
+          <a:prstGeom prst="rect">
+            <a:avLst/>
+          </a:prstGeom>
+        </p:spPr>
+      </p:pic>
+      <p:pic>
+        <p:nvPicPr>
+          <p:cNvPr id="5" name="Picture 4"/>
+          <p:cNvPicPr>
+            <a:picLocks noChangeAspect="1"/>
+          </p:cNvPicPr>
+          <p:nvPr/>
+        </p:nvPicPr>
+        <p:blipFill>
+          <a:blip r:embed="rId3"/>
+          <a:stretch>
+            <a:fillRect/>
+          </a:stretch>
+        </p:blipFill>
+        <p:spPr>
+          <a:xfrm>
+            <a:off x="3606800" y="3168650"/>
+            <a:ext cx="4978400" cy="520700"/>
+          </a:xfrm>
+          <a:prstGeom prst="rect">
+            <a:avLst/>
+          </a:prstGeom>
+        </p:spPr>
+      </p:pic>
+      <p:pic>
+        <p:nvPicPr>
+          <p:cNvPr id="6" name="Picture 5"/>
+          <p:cNvPicPr>
+            <a:picLocks noChangeAspect="1"/>
+          </p:cNvPicPr>
+          <p:nvPr/>
+        </p:nvPicPr>
+        <p:blipFill>
+          <a:blip r:embed="rId4"/>
+          <a:stretch>
+            <a:fillRect/>
+          </a:stretch>
+        </p:blipFill>
+        <p:spPr>
+          <a:xfrm>
+            <a:off x="3625850" y="3909438"/>
+            <a:ext cx="3695700" cy="444500"/>
+          </a:xfrm>
+          <a:prstGeom prst="rect">
+            <a:avLst/>
+          </a:prstGeom>
+        </p:spPr>
+      </p:pic>
+      <p:sp>
+        <p:nvSpPr>
+          <p:cNvPr id="7" name="Rectangle 6"/>
+          <p:cNvSpPr/>
+          <p:nvPr/>
+        </p:nvSpPr>
+        <p:spPr>
+          <a:xfrm>
+            <a:off x="3460310" y="4844146"/>
+            <a:ext cx="6096000" cy="646331"/>
+          </a:xfrm>
+          <a:prstGeom prst="rect">
+            <a:avLst/>
+          </a:prstGeom>
+        </p:spPr>
+        <p:txBody>
+          <a:bodyPr>
+            <a:spAutoFit/>
+          </a:bodyPr>
+          <a:lstStyle/>
+          <a:p>
+            <a:r>
+              <a:rPr lang="en-US">
                 <a:solidFill>
-                  <a:srgbClr val="FF0000"/>
+                  <a:srgbClr val="36312D"/>
                 </a:solidFill>
+                <a:latin typeface="Enriqueta" charset="0"/>
               </a:rPr>
-              <a:t>Why?</a:t>
-            </a:r>
-            <a:endParaRPr lang="en-US">
-              <a:solidFill>
-                <a:srgbClr val="FF0000"/>
-              </a:solidFill>
-            </a:endParaRPr>
+              <a:t> which converges to zero very quickly as the number of rounds played grows</a:t>
+            </a:r>
+            <a:endParaRPr lang="en-US"/>
           </a:p>
         </p:txBody>
       </p:sp>
     </p:spTree>
     <p:extLst>
       <p:ext uri="{BB962C8B-B14F-4D97-AF65-F5344CB8AC3E}">
-        <p14:creationId xmlns:p14="http://schemas.microsoft.com/office/powerpoint/2010/main" val="1283595682"/>
+        <p14:creationId xmlns:p14="http://schemas.microsoft.com/office/powerpoint/2010/main" val="1445979662"/>
       </p:ext>
     </p:extLst>
   </p:cSld>
@@ -3583,44 +4532,377 @@
         </p:nvSpPr>
         <p:spPr/>
         <p:txBody>
+          <a:bodyPr>
+            <a:normAutofit/>
+          </a:bodyPr>
+          <a:lstStyle/>
+          <a:p>
+            <a:r>
+              <a:rPr lang="en-US" altLang="zh-CN" sz="3600" dirty="0" smtClean="0"/>
+              <a:t>Main Approaches </a:t>
+            </a:r>
+            <a:r>
+              <a:rPr lang="mr-IN" altLang="zh-CN" sz="3600" dirty="0" smtClean="0"/>
+              <a:t>–</a:t>
+            </a:r>
+            <a:r>
+              <a:rPr lang="en-US" altLang="zh-CN" sz="3600" dirty="0" smtClean="0"/>
+              <a:t> </a:t>
+            </a:r>
+            <a:r>
+              <a:rPr lang="en-US" altLang="zh-CN" sz="3600" dirty="0" smtClean="0"/>
+              <a:t>UCB </a:t>
+            </a:r>
+            <a:r>
+              <a:rPr lang="en-US" altLang="zh-CN" sz="3600" dirty="0" smtClean="0"/>
+              <a:t>S</a:t>
+            </a:r>
+            <a:r>
+              <a:rPr lang="en-US" altLang="zh-CN" sz="3600" dirty="0" smtClean="0"/>
+              <a:t>olution </a:t>
+            </a:r>
+            <a:r>
+              <a:rPr lang="en-US" altLang="zh-CN" sz="3600" dirty="0" smtClean="0"/>
+              <a:t>to </a:t>
+            </a:r>
+            <a:r>
+              <a:rPr lang="en-US" altLang="zh-CN" sz="3600" dirty="0" smtClean="0"/>
+              <a:t>CTR </a:t>
+            </a:r>
+            <a:r>
+              <a:rPr lang="en-US" altLang="zh-CN" sz="3600" dirty="0" smtClean="0"/>
+              <a:t>exploration</a:t>
+            </a:r>
+            <a:endParaRPr lang="en-US" sz="3600" dirty="0"/>
+          </a:p>
+        </p:txBody>
+      </p:sp>
+      <p:sp>
+        <p:nvSpPr>
+          <p:cNvPr id="3" name="Content Placeholder 2"/>
+          <p:cNvSpPr>
+            <a:spLocks noGrp="1"/>
+          </p:cNvSpPr>
+          <p:nvPr>
+            <p:ph idx="1"/>
+          </p:nvPr>
+        </p:nvSpPr>
+        <p:spPr/>
+        <p:txBody>
           <a:bodyPr/>
           <a:lstStyle/>
           <a:p>
             <a:r>
-              <a:rPr lang="en-US" altLang="zh-CN" dirty="0" smtClean="0"/>
-              <a:t>Main Approaches </a:t>
-            </a:r>
-            <a:r>
-              <a:rPr lang="mr-IN" altLang="zh-CN" dirty="0" smtClean="0"/>
-              <a:t>–</a:t>
-            </a:r>
-            <a:r>
-              <a:rPr lang="en-US" altLang="zh-CN" dirty="0" smtClean="0"/>
-              <a:t> UCB a solution to CVR exploration</a:t>
-            </a:r>
+              <a:rPr lang="en-US" dirty="0" smtClean="0"/>
+              <a:t>Explore more high CTR ad slots, and more accurate CTR prediction</a:t>
+            </a:r>
+            <a:endParaRPr lang="en-US" dirty="0" smtClean="0"/>
+          </a:p>
+          <a:p>
+            <a:pPr lvl="1"/>
+            <a:r>
+              <a:rPr lang="en-US" dirty="0" smtClean="0"/>
+              <a:t>Reward: Click</a:t>
+            </a:r>
+          </a:p>
+          <a:p>
+            <a:pPr lvl="1"/>
+            <a:r>
+              <a:rPr lang="en-US" dirty="0" smtClean="0"/>
+              <a:t>Arm: Each Ad Slot</a:t>
+            </a:r>
+          </a:p>
+          <a:p>
+            <a:pPr lvl="1"/>
+            <a:r>
+              <a:rPr lang="en-US" dirty="0" smtClean="0"/>
+              <a:t>Action j: Impression on ad slot j</a:t>
+            </a:r>
+            <a:endParaRPr lang="en-US" dirty="0" smtClean="0"/>
+          </a:p>
+          <a:p>
+            <a:pPr lvl="1"/>
+            <a:endParaRPr lang="en-US" dirty="0" smtClean="0"/>
+          </a:p>
+          <a:p>
+            <a:pPr lvl="1"/>
+            <a:endParaRPr lang="en-US" dirty="0" smtClean="0"/>
+          </a:p>
+          <a:p>
+            <a:endParaRPr lang="en-US" dirty="0" smtClean="0"/>
+          </a:p>
+          <a:p>
             <a:endParaRPr lang="en-US" dirty="0"/>
           </a:p>
         </p:txBody>
       </p:sp>
-      <p:sp>
-        <p:nvSpPr>
-          <p:cNvPr id="3" name="Content Placeholder 2"/>
-          <p:cNvSpPr>
-            <a:spLocks noGrp="1"/>
-          </p:cNvSpPr>
-          <p:nvPr>
-            <p:ph idx="1"/>
-          </p:nvPr>
-        </p:nvSpPr>
-        <p:spPr/>
-        <p:txBody>
-          <a:bodyPr/>
-          <a:lstStyle/>
-          <a:p>
-            <a:endParaRPr lang="en-US"/>
-          </a:p>
-        </p:txBody>
-      </p:sp>
+      <p:pic>
+        <p:nvPicPr>
+          <p:cNvPr id="4" name="Picture 3"/>
+          <p:cNvPicPr>
+            <a:picLocks noChangeAspect="1"/>
+          </p:cNvPicPr>
+          <p:nvPr/>
+        </p:nvPicPr>
+        <p:blipFill rotWithShape="1">
+          <a:blip r:embed="rId2">
+            <a:extLst>
+              <a:ext uri="{28A0092B-C50C-407E-A947-70E740481C1C}">
+                <a14:useLocalDpi xmlns:a14="http://schemas.microsoft.com/office/drawing/2010/main" val="0"/>
+              </a:ext>
+            </a:extLst>
+          </a:blip>
+          <a:srcRect l="1" t="5446" r="1418" b="-3007"/>
+          <a:stretch/>
+        </p:blipFill>
+        <p:spPr>
+          <a:xfrm>
+            <a:off x="4112190" y="4318000"/>
+            <a:ext cx="2466410" cy="508000"/>
+          </a:xfrm>
+          <a:prstGeom prst="rect">
+            <a:avLst/>
+          </a:prstGeom>
+        </p:spPr>
+      </p:pic>
+      <p:cxnSp>
+        <p:nvCxnSpPr>
+          <p:cNvPr id="9" name="Straight Arrow Connector 8"/>
+          <p:cNvCxnSpPr/>
+          <p:nvPr/>
+        </p:nvCxnSpPr>
+        <p:spPr>
+          <a:xfrm>
+            <a:off x="3149600" y="4318000"/>
+            <a:ext cx="962590" cy="203200"/>
+          </a:xfrm>
+          <a:prstGeom prst="straightConnector1">
+            <a:avLst/>
+          </a:prstGeom>
+          <a:ln>
+            <a:solidFill>
+              <a:schemeClr val="tx1"/>
+            </a:solidFill>
+            <a:tailEnd type="triangle"/>
+          </a:ln>
+        </p:spPr>
+        <p:style>
+          <a:lnRef idx="1">
+            <a:schemeClr val="accent1"/>
+          </a:lnRef>
+          <a:fillRef idx="0">
+            <a:schemeClr val="accent1"/>
+          </a:fillRef>
+          <a:effectRef idx="0">
+            <a:schemeClr val="accent1"/>
+          </a:effectRef>
+          <a:fontRef idx="minor">
+            <a:schemeClr val="tx1"/>
+          </a:fontRef>
+        </p:style>
+      </p:cxnSp>
+      <p:sp>
+        <p:nvSpPr>
+          <p:cNvPr id="10" name="TextBox 9"/>
+          <p:cNvSpPr txBox="1"/>
+          <p:nvPr/>
+        </p:nvSpPr>
+        <p:spPr>
+          <a:xfrm>
+            <a:off x="1054100" y="4065866"/>
+            <a:ext cx="2424395" cy="461665"/>
+          </a:xfrm>
+          <a:prstGeom prst="rect">
+            <a:avLst/>
+          </a:prstGeom>
+          <a:noFill/>
+        </p:spPr>
+        <p:txBody>
+          <a:bodyPr wrap="square" rtlCol="0">
+            <a:spAutoFit/>
+          </a:bodyPr>
+          <a:lstStyle/>
+          <a:p>
+            <a:r>
+              <a:rPr lang="en-US" sz="2400" dirty="0" smtClean="0">
+                <a:latin typeface="Times New Roman" charset="0"/>
+                <a:ea typeface="Times New Roman" charset="0"/>
+                <a:cs typeface="Times New Roman" charset="0"/>
+              </a:rPr>
+              <a:t>CTR of ad slot j</a:t>
+            </a:r>
+            <a:endParaRPr lang="en-US" sz="2400" dirty="0">
+              <a:latin typeface="Times New Roman" charset="0"/>
+              <a:ea typeface="Times New Roman" charset="0"/>
+              <a:cs typeface="Times New Roman" charset="0"/>
+            </a:endParaRPr>
+          </a:p>
+        </p:txBody>
+      </p:sp>
+      <p:cxnSp>
+        <p:nvCxnSpPr>
+          <p:cNvPr id="11" name="Straight Arrow Connector 10"/>
+          <p:cNvCxnSpPr/>
+          <p:nvPr/>
+        </p:nvCxnSpPr>
+        <p:spPr>
+          <a:xfrm flipH="1">
+            <a:off x="6096000" y="3916226"/>
+            <a:ext cx="327590" cy="561350"/>
+          </a:xfrm>
+          <a:prstGeom prst="straightConnector1">
+            <a:avLst/>
+          </a:prstGeom>
+          <a:ln>
+            <a:solidFill>
+              <a:schemeClr val="tx1"/>
+            </a:solidFill>
+            <a:tailEnd type="triangle"/>
+          </a:ln>
+        </p:spPr>
+        <p:style>
+          <a:lnRef idx="1">
+            <a:schemeClr val="accent1"/>
+          </a:lnRef>
+          <a:fillRef idx="0">
+            <a:schemeClr val="accent1"/>
+          </a:fillRef>
+          <a:effectRef idx="0">
+            <a:schemeClr val="accent1"/>
+          </a:effectRef>
+          <a:fontRef idx="minor">
+            <a:schemeClr val="tx1"/>
+          </a:fontRef>
+        </p:style>
+      </p:cxnSp>
+      <p:sp>
+        <p:nvSpPr>
+          <p:cNvPr id="12" name="TextBox 11"/>
+          <p:cNvSpPr txBox="1"/>
+          <p:nvPr/>
+        </p:nvSpPr>
+        <p:spPr>
+          <a:xfrm>
+            <a:off x="6096000" y="3489651"/>
+            <a:ext cx="4433606" cy="461665"/>
+          </a:xfrm>
+          <a:prstGeom prst="rect">
+            <a:avLst/>
+          </a:prstGeom>
+          <a:noFill/>
+        </p:spPr>
+        <p:txBody>
+          <a:bodyPr wrap="square" rtlCol="0">
+            <a:spAutoFit/>
+          </a:bodyPr>
+          <a:lstStyle/>
+          <a:p>
+            <a:r>
+              <a:rPr lang="en-US" sz="2400" dirty="0">
+                <a:latin typeface="Times New Roman" charset="0"/>
+                <a:ea typeface="Times New Roman" charset="0"/>
+                <a:cs typeface="Times New Roman" charset="0"/>
+              </a:rPr>
+              <a:t>#</a:t>
+            </a:r>
+            <a:r>
+              <a:rPr lang="en-US" sz="2400" dirty="0" smtClean="0">
+                <a:latin typeface="Times New Roman" charset="0"/>
+                <a:ea typeface="Times New Roman" charset="0"/>
+                <a:cs typeface="Times New Roman" charset="0"/>
+              </a:rPr>
+              <a:t>total impression</a:t>
+            </a:r>
+            <a:endParaRPr lang="en-US" sz="2400" dirty="0">
+              <a:latin typeface="Times New Roman" charset="0"/>
+              <a:ea typeface="Times New Roman" charset="0"/>
+              <a:cs typeface="Times New Roman" charset="0"/>
+            </a:endParaRPr>
+          </a:p>
+        </p:txBody>
+      </p:sp>
+      <p:sp>
+        <p:nvSpPr>
+          <p:cNvPr id="15" name="TextBox 14"/>
+          <p:cNvSpPr txBox="1"/>
+          <p:nvPr/>
+        </p:nvSpPr>
+        <p:spPr>
+          <a:xfrm>
+            <a:off x="5891494" y="5541600"/>
+            <a:ext cx="3519206" cy="461665"/>
+          </a:xfrm>
+          <a:prstGeom prst="rect">
+            <a:avLst/>
+          </a:prstGeom>
+          <a:noFill/>
+        </p:spPr>
+        <p:txBody>
+          <a:bodyPr wrap="square" rtlCol="0">
+            <a:spAutoFit/>
+          </a:bodyPr>
+          <a:lstStyle/>
+          <a:p>
+            <a:r>
+              <a:rPr lang="en-US" sz="2400" dirty="0">
+                <a:latin typeface="Times New Roman" charset="0"/>
+                <a:ea typeface="Times New Roman" charset="0"/>
+                <a:cs typeface="Times New Roman" charset="0"/>
+              </a:rPr>
+              <a:t>#</a:t>
+            </a:r>
+            <a:r>
+              <a:rPr lang="en-US" sz="2400" dirty="0" smtClean="0">
+                <a:latin typeface="Times New Roman" charset="0"/>
+                <a:ea typeface="Times New Roman" charset="0"/>
+                <a:cs typeface="Times New Roman" charset="0"/>
+              </a:rPr>
+              <a:t>impression of ad slot j</a:t>
+            </a:r>
+            <a:endParaRPr lang="en-US" sz="2400" dirty="0">
+              <a:latin typeface="Times New Roman" charset="0"/>
+              <a:ea typeface="Times New Roman" charset="0"/>
+              <a:cs typeface="Times New Roman" charset="0"/>
+            </a:endParaRPr>
+          </a:p>
+        </p:txBody>
+      </p:sp>
+      <p:cxnSp>
+        <p:nvCxnSpPr>
+          <p:cNvPr id="16" name="Straight Arrow Connector 15"/>
+          <p:cNvCxnSpPr/>
+          <p:nvPr/>
+        </p:nvCxnSpPr>
+        <p:spPr>
+          <a:xfrm flipH="1" flipV="1">
+            <a:off x="6423590" y="4804530"/>
+            <a:ext cx="328897" cy="832966"/>
+          </a:xfrm>
+          <a:prstGeom prst="straightConnector1">
+            <a:avLst/>
+          </a:prstGeom>
+          <a:ln>
+            <a:solidFill>
+              <a:schemeClr val="tx1"/>
+            </a:solidFill>
+            <a:tailEnd type="triangle"/>
+          </a:ln>
+        </p:spPr>
+        <p:style>
+          <a:lnRef idx="1">
+            <a:schemeClr val="accent1"/>
+          </a:lnRef>
+          <a:fillRef idx="0">
+            <a:schemeClr val="accent1"/>
+          </a:fillRef>
+          <a:effectRef idx="0">
+            <a:schemeClr val="accent1"/>
+          </a:effectRef>
+          <a:fontRef idx="minor">
+            <a:schemeClr val="tx1"/>
+          </a:fontRef>
+        </p:style>
+      </p:cxnSp>
     </p:spTree>
     <p:extLst>
       <p:ext uri="{BB962C8B-B14F-4D97-AF65-F5344CB8AC3E}">
@@ -3699,8 +4981,38 @@
           <a:p>
             <a:r>
               <a:rPr lang="en-US" dirty="0" smtClean="0"/>
-              <a:t>UCT</a:t>
-            </a:r>
+              <a:t>UCB1-Normal</a:t>
+            </a:r>
+          </a:p>
+          <a:p>
+            <a:r>
+              <a:rPr lang="en-US" dirty="0" smtClean="0"/>
+              <a:t>UCB1-Tuned</a:t>
+            </a:r>
+          </a:p>
+          <a:p>
+            <a:r>
+              <a:rPr lang="en-US" dirty="0" smtClean="0"/>
+              <a:t>UCB2</a:t>
+            </a:r>
+          </a:p>
+          <a:p>
+            <a:r>
+              <a:rPr lang="en-US" dirty="0"/>
+              <a:t>UCT(Upper Confidence Bound Apply to Tree</a:t>
+            </a:r>
+            <a:r>
+              <a:rPr lang="en-US" dirty="0" smtClean="0"/>
+              <a:t>)</a:t>
+            </a:r>
+          </a:p>
+          <a:p>
+            <a:pPr lvl="1"/>
+            <a:r>
+              <a:rPr lang="en-US" dirty="0"/>
+              <a:t>UCB+MCTS(Monte Carlo Tree Search)</a:t>
+            </a:r>
+            <a:endParaRPr lang="en-US" dirty="0" smtClean="0"/>
           </a:p>
           <a:p>
             <a:pPr lvl="1"/>
@@ -3708,36 +5020,6 @@
           </a:p>
         </p:txBody>
       </p:sp>
-      <p:pic>
-        <p:nvPicPr>
-          <p:cNvPr id="4" name="Picture 3"/>
-          <p:cNvPicPr>
-            <a:picLocks noChangeAspect="1"/>
-          </p:cNvPicPr>
-          <p:nvPr/>
-        </p:nvPicPr>
-        <p:blipFill>
-          <a:blip r:embed="rId2">
-            <a:extLst>
-              <a:ext uri="{28A0092B-C50C-407E-A947-70E740481C1C}">
-                <a14:useLocalDpi xmlns:a14="http://schemas.microsoft.com/office/drawing/2010/main" val="0"/>
-              </a:ext>
-            </a:extLst>
-          </a:blip>
-          <a:stretch>
-            <a:fillRect/>
-          </a:stretch>
-        </p:blipFill>
-        <p:spPr>
-          <a:xfrm>
-            <a:off x="1066800" y="2472593"/>
-            <a:ext cx="10058400" cy="3397703"/>
-          </a:xfrm>
-          <a:prstGeom prst="rect">
-            <a:avLst/>
-          </a:prstGeom>
-        </p:spPr>
-      </p:pic>
     </p:spTree>
     <p:extLst>
       <p:ext uri="{BB962C8B-B14F-4D97-AF65-F5344CB8AC3E}">
@@ -3784,216 +5066,59 @@
           <a:lstStyle/>
           <a:p>
             <a:r>
-              <a:rPr lang="en-US" altLang="zh-CN" dirty="0"/>
+              <a:rPr lang="en-US" altLang="zh-CN" dirty="0" smtClean="0"/>
               <a:t>Main Approaches </a:t>
             </a:r>
             <a:r>
-              <a:rPr lang="mr-IN" altLang="zh-CN" dirty="0"/>
+              <a:rPr lang="mr-IN" altLang="zh-CN" dirty="0" smtClean="0"/>
               <a:t>–</a:t>
             </a:r>
             <a:r>
-              <a:rPr lang="en-US" altLang="zh-CN" dirty="0"/>
-              <a:t> UCB extension</a:t>
+              <a:rPr lang="en-US" altLang="zh-CN" dirty="0" smtClean="0"/>
+              <a:t> </a:t>
+            </a:r>
+            <a:r>
+              <a:rPr lang="en-US" altLang="zh-CN" dirty="0" smtClean="0"/>
+              <a:t>UCT</a:t>
             </a:r>
             <a:endParaRPr lang="en-US" dirty="0"/>
           </a:p>
         </p:txBody>
       </p:sp>
-      <p:sp>
-        <p:nvSpPr>
-          <p:cNvPr id="3" name="Content Placeholder 2"/>
-          <p:cNvSpPr>
-            <a:spLocks noGrp="1"/>
-          </p:cNvSpPr>
-          <p:nvPr>
-            <p:ph idx="1"/>
-          </p:nvPr>
-        </p:nvSpPr>
-        <p:spPr/>
-        <p:txBody>
-          <a:bodyPr>
-            <a:normAutofit fontScale="92500" lnSpcReduction="10000"/>
-          </a:bodyPr>
-          <a:lstStyle/>
-          <a:p>
-            <a:r>
-              <a:rPr lang="en-US" b="1" dirty="0"/>
-              <a:t>a</a:t>
-            </a:r>
-            <a:r>
-              <a:rPr lang="en-US" dirty="0"/>
-              <a:t>, Each simulation traverses the tree by selecting the edge with maximum action value </a:t>
-            </a:r>
-            <a:r>
-              <a:rPr lang="en-US" i="1" dirty="0"/>
-              <a:t>Q</a:t>
-            </a:r>
-            <a:r>
-              <a:rPr lang="en-US" dirty="0"/>
-              <a:t>, plus a bonus </a:t>
-            </a:r>
-            <a:r>
-              <a:rPr lang="en-US" i="1" dirty="0"/>
-              <a:t>u</a:t>
-            </a:r>
-            <a:r>
-              <a:rPr lang="en-US" dirty="0"/>
-              <a:t>(</a:t>
-            </a:r>
-            <a:r>
-              <a:rPr lang="en-US" i="1" dirty="0"/>
-              <a:t>P</a:t>
-            </a:r>
-            <a:r>
-              <a:rPr lang="en-US" dirty="0"/>
-              <a:t>) that depends on a stored prior probability </a:t>
-            </a:r>
-            <a:r>
-              <a:rPr lang="en-US" i="1" dirty="0"/>
-              <a:t>P </a:t>
-            </a:r>
-            <a:r>
-              <a:rPr lang="en-US" dirty="0"/>
-              <a:t>for that edge. </a:t>
-            </a:r>
-            <a:endParaRPr lang="en-US" dirty="0" smtClean="0"/>
-          </a:p>
-          <a:p>
-            <a:r>
-              <a:rPr lang="en-US" b="1" dirty="0" smtClean="0"/>
-              <a:t>b</a:t>
-            </a:r>
-            <a:r>
-              <a:rPr lang="en-US" dirty="0"/>
-              <a:t>, The leaf node may be expanded; the new node is processed once by the policy network </a:t>
-            </a:r>
-            <a:r>
-              <a:rPr lang="en-US" i="1" dirty="0" err="1"/>
-              <a:t>pσ</a:t>
-            </a:r>
-            <a:r>
-              <a:rPr lang="en-US" i="1" dirty="0"/>
-              <a:t> </a:t>
-            </a:r>
-            <a:r>
-              <a:rPr lang="en-US" dirty="0"/>
-              <a:t>and the output probabilities are stored as prior probabilities </a:t>
-            </a:r>
-            <a:r>
-              <a:rPr lang="en-US" i="1" dirty="0"/>
-              <a:t>P </a:t>
-            </a:r>
-            <a:r>
-              <a:rPr lang="en-US" dirty="0"/>
-              <a:t>for each action. </a:t>
-            </a:r>
-            <a:endParaRPr lang="en-US" dirty="0" smtClean="0"/>
-          </a:p>
-          <a:p>
-            <a:r>
-              <a:rPr lang="en-US" b="1" dirty="0" smtClean="0"/>
-              <a:t>c</a:t>
-            </a:r>
-            <a:r>
-              <a:rPr lang="en-US" dirty="0"/>
-              <a:t>, At the end of a simulation, the leaf </a:t>
-            </a:r>
-            <a:r>
-              <a:rPr lang="en-US" dirty="0" smtClean="0"/>
-              <a:t>node</a:t>
-            </a:r>
-            <a:r>
-              <a:rPr lang="en-US" dirty="0"/>
-              <a:t> is evaluated in two ways: using the value network </a:t>
-            </a:r>
-            <a:r>
-              <a:rPr lang="en-US" i="1" dirty="0" err="1"/>
-              <a:t>vθ</a:t>
-            </a:r>
-            <a:r>
-              <a:rPr lang="en-US" dirty="0"/>
-              <a:t>; and by running</a:t>
-            </a:r>
-            <a:br>
-              <a:rPr lang="en-US" dirty="0"/>
-            </a:br>
-            <a:r>
-              <a:rPr lang="en-US" dirty="0"/>
-              <a:t>a rollout to the end of the game with the fast rollout policy </a:t>
-            </a:r>
-            <a:r>
-              <a:rPr lang="en-US" i="1" dirty="0"/>
-              <a:t>pπ</a:t>
-            </a:r>
-            <a:r>
-              <a:rPr lang="en-US" dirty="0"/>
-              <a:t>, then computing the winner with function </a:t>
-            </a:r>
-            <a:r>
-              <a:rPr lang="en-US" i="1" dirty="0"/>
-              <a:t>r</a:t>
-            </a:r>
-            <a:r>
-              <a:rPr lang="en-US" dirty="0"/>
-              <a:t>. </a:t>
-            </a:r>
-            <a:endParaRPr lang="en-US" dirty="0" smtClean="0"/>
-          </a:p>
-          <a:p>
-            <a:r>
-              <a:rPr lang="en-US" b="1" dirty="0" smtClean="0"/>
-              <a:t>d</a:t>
-            </a:r>
-            <a:r>
-              <a:rPr lang="en-US" dirty="0"/>
-              <a:t>, Action values </a:t>
-            </a:r>
-            <a:r>
-              <a:rPr lang="en-US" i="1" dirty="0"/>
-              <a:t>Q </a:t>
-            </a:r>
-            <a:r>
-              <a:rPr lang="en-US" dirty="0"/>
-              <a:t>are updated to track the mean value of all evaluations </a:t>
-            </a:r>
-            <a:r>
-              <a:rPr lang="en-US" i="1" dirty="0"/>
-              <a:t>r</a:t>
-            </a:r>
-            <a:r>
-              <a:rPr lang="en-US" dirty="0"/>
-              <a:t>(·) and </a:t>
-            </a:r>
-            <a:r>
-              <a:rPr lang="en-US" i="1" dirty="0" err="1"/>
-              <a:t>vθ</a:t>
-            </a:r>
-            <a:r>
-              <a:rPr lang="en-US" dirty="0"/>
-              <a:t>(·) in the </a:t>
-            </a:r>
-            <a:r>
-              <a:rPr lang="en-US" dirty="0" err="1"/>
-              <a:t>subtree</a:t>
-            </a:r>
-            <a:r>
-              <a:rPr lang="en-US" dirty="0"/>
-              <a:t> below that action. </a:t>
-            </a:r>
-            <a:endParaRPr lang="en-US" dirty="0"/>
-          </a:p>
-          <a:p>
-            <a:endParaRPr lang="en-US" dirty="0"/>
-          </a:p>
-          <a:p>
-            <a:endParaRPr lang="en-US" dirty="0"/>
-          </a:p>
-        </p:txBody>
-      </p:sp>
+      <p:pic>
+        <p:nvPicPr>
+          <p:cNvPr id="4" name="Picture 3"/>
+          <p:cNvPicPr>
+            <a:picLocks noChangeAspect="1"/>
+          </p:cNvPicPr>
+          <p:nvPr/>
+        </p:nvPicPr>
+        <p:blipFill>
+          <a:blip r:embed="rId3">
+            <a:extLst>
+              <a:ext uri="{28A0092B-C50C-407E-A947-70E740481C1C}">
+                <a14:useLocalDpi xmlns:a14="http://schemas.microsoft.com/office/drawing/2010/main" val="0"/>
+              </a:ext>
+            </a:extLst>
+          </a:blip>
+          <a:stretch>
+            <a:fillRect/>
+          </a:stretch>
+        </p:blipFill>
+        <p:spPr>
+          <a:xfrm>
+            <a:off x="800099" y="1817688"/>
+            <a:ext cx="11086261" cy="3744912"/>
+          </a:xfrm>
+          <a:prstGeom prst="rect">
+            <a:avLst/>
+          </a:prstGeom>
+        </p:spPr>
+      </p:pic>
     </p:spTree>
     <p:extLst>
       <p:ext uri="{BB962C8B-B14F-4D97-AF65-F5344CB8AC3E}">
-        <p14:creationId xmlns:p14="http://schemas.microsoft.com/office/powerpoint/2010/main" val="2069731604"/>
+        <p14:creationId xmlns:p14="http://schemas.microsoft.com/office/powerpoint/2010/main" val="701377522"/>
       </p:ext>
     </p:extLst>
   </p:cSld>
@@ -4045,34 +5170,12 @@
             </a:r>
             <a:r>
               <a:rPr lang="en-US" altLang="zh-CN" dirty="0" smtClean="0"/>
-              <a:t> UCB extension</a:t>
-            </a:r>
-            <a:endParaRPr lang="en-US" dirty="0"/>
-          </a:p>
-        </p:txBody>
-      </p:sp>
-      <p:sp>
-        <p:nvSpPr>
-          <p:cNvPr id="3" name="Content Placeholder 2"/>
-          <p:cNvSpPr>
-            <a:spLocks noGrp="1"/>
-          </p:cNvSpPr>
-          <p:nvPr>
-            <p:ph idx="1"/>
-          </p:nvPr>
-        </p:nvSpPr>
-        <p:spPr/>
-        <p:txBody>
-          <a:bodyPr/>
-          <a:lstStyle/>
-          <a:p>
-            <a:r>
-              <a:rPr lang="en-US" dirty="0" smtClean="0"/>
+              <a:t> </a:t>
+            </a:r>
+            <a:r>
+              <a:rPr lang="en-US" altLang="zh-CN" dirty="0" smtClean="0"/>
               <a:t>UCT</a:t>
             </a:r>
-          </a:p>
-          <a:p>
-            <a:pPr lvl="1"/>
             <a:endParaRPr lang="en-US" dirty="0"/>
           </a:p>
         </p:txBody>
@@ -4085,22 +5188,21 @@
           </p:cNvPicPr>
           <p:nvPr/>
         </p:nvPicPr>
-        <p:blipFill>
-          <a:blip r:embed="rId2">
+        <p:blipFill rotWithShape="1">
+          <a:blip r:embed="rId3">
             <a:extLst>
               <a:ext uri="{28A0092B-C50C-407E-A947-70E740481C1C}">
                 <a14:useLocalDpi xmlns:a14="http://schemas.microsoft.com/office/drawing/2010/main" val="0"/>
               </a:ext>
             </a:extLst>
           </a:blip>
-          <a:stretch>
-            <a:fillRect/>
-          </a:stretch>
+          <a:srcRect r="75027"/>
+          <a:stretch/>
         </p:blipFill>
         <p:spPr>
           <a:xfrm>
-            <a:off x="2085731" y="3649663"/>
-            <a:ext cx="5803900" cy="1054100"/>
+            <a:off x="800099" y="1817688"/>
+            <a:ext cx="2768601" cy="3744912"/>
           </a:xfrm>
           <a:prstGeom prst="rect">
             <a:avLst/>
@@ -4116,7 +5218,7 @@
           <p:nvPr/>
         </p:nvPicPr>
         <p:blipFill>
-          <a:blip r:embed="rId3">
+          <a:blip r:embed="rId4">
             <a:extLst>
               <a:ext uri="{28A0092B-C50C-407E-A947-70E740481C1C}">
                 <a14:useLocalDpi xmlns:a14="http://schemas.microsoft.com/office/drawing/2010/main" val="0"/>
@@ -4129,8 +5231,68 @@
         </p:blipFill>
         <p:spPr>
           <a:xfrm>
-            <a:off x="3410439" y="4703763"/>
+            <a:off x="3825631" y="1985963"/>
+            <a:ext cx="5803900" cy="1054100"/>
+          </a:xfrm>
+          <a:prstGeom prst="rect">
+            <a:avLst/>
+          </a:prstGeom>
+        </p:spPr>
+      </p:pic>
+      <p:pic>
+        <p:nvPicPr>
+          <p:cNvPr id="6" name="Picture 5"/>
+          <p:cNvPicPr>
+            <a:picLocks noChangeAspect="1"/>
+          </p:cNvPicPr>
+          <p:nvPr/>
+        </p:nvPicPr>
+        <p:blipFill>
+          <a:blip r:embed="rId5">
+            <a:extLst>
+              <a:ext uri="{28A0092B-C50C-407E-A947-70E740481C1C}">
+                <a14:useLocalDpi xmlns:a14="http://schemas.microsoft.com/office/drawing/2010/main" val="0"/>
+              </a:ext>
+            </a:extLst>
+          </a:blip>
+          <a:stretch>
+            <a:fillRect/>
+          </a:stretch>
+        </p:blipFill>
+        <p:spPr>
+          <a:xfrm>
+            <a:off x="4108450" y="2760663"/>
             <a:ext cx="3975100" cy="1473200"/>
+          </a:xfrm>
+          <a:prstGeom prst="rect">
+            <a:avLst/>
+          </a:prstGeom>
+        </p:spPr>
+      </p:pic>
+      <p:pic>
+        <p:nvPicPr>
+          <p:cNvPr id="3" name="Picture 2"/>
+          <p:cNvPicPr>
+            <a:picLocks noChangeAspect="1"/>
+          </p:cNvPicPr>
+          <p:nvPr/>
+        </p:nvPicPr>
+        <p:blipFill>
+          <a:blip r:embed="rId6">
+            <a:extLst>
+              <a:ext uri="{28A0092B-C50C-407E-A947-70E740481C1C}">
+                <a14:useLocalDpi xmlns:a14="http://schemas.microsoft.com/office/drawing/2010/main" val="0"/>
+              </a:ext>
+            </a:extLst>
+          </a:blip>
+          <a:stretch>
+            <a:fillRect/>
+          </a:stretch>
+        </p:blipFill>
+        <p:spPr>
+          <a:xfrm>
+            <a:off x="4654549" y="4213226"/>
+            <a:ext cx="4511673" cy="1933574"/>
           </a:xfrm>
           <a:prstGeom prst="rect">
             <a:avLst/>
@@ -4140,7 +5302,7 @@
     </p:spTree>
     <p:extLst>
       <p:ext uri="{BB962C8B-B14F-4D97-AF65-F5344CB8AC3E}">
-        <p14:creationId xmlns:p14="http://schemas.microsoft.com/office/powerpoint/2010/main" val="1627882189"/>
+        <p14:creationId xmlns:p14="http://schemas.microsoft.com/office/powerpoint/2010/main" val="1920328781"/>
       </p:ext>
     </p:extLst>
   </p:cSld>
@@ -4183,96 +5345,6 @@
           <a:lstStyle/>
           <a:p>
             <a:r>
-              <a:rPr lang="en-US" altLang="zh-CN" dirty="0"/>
-              <a:t>Main Approaches </a:t>
-            </a:r>
-            <a:r>
-              <a:rPr lang="mr-IN" altLang="zh-CN" dirty="0"/>
-              <a:t>–</a:t>
-            </a:r>
-            <a:r>
-              <a:rPr lang="en-US" altLang="zh-CN" dirty="0"/>
-              <a:t> UCB extension</a:t>
-            </a:r>
-            <a:endParaRPr lang="en-US" dirty="0"/>
-          </a:p>
-        </p:txBody>
-      </p:sp>
-      <p:sp>
-        <p:nvSpPr>
-          <p:cNvPr id="3" name="Content Placeholder 2"/>
-          <p:cNvSpPr>
-            <a:spLocks noGrp="1"/>
-          </p:cNvSpPr>
-          <p:nvPr>
-            <p:ph idx="1"/>
-          </p:nvPr>
-        </p:nvSpPr>
-        <p:spPr/>
-        <p:txBody>
-          <a:bodyPr/>
-          <a:lstStyle/>
-          <a:p>
-            <a:r>
-              <a:rPr lang="en-US" dirty="0" smtClean="0"/>
-              <a:t>Hierarchical Advertising</a:t>
-            </a:r>
-          </a:p>
-          <a:p>
-            <a:r>
-              <a:rPr lang="en-US" dirty="0" smtClean="0"/>
-              <a:t>K is too large</a:t>
-            </a:r>
-            <a:endParaRPr lang="en-US" dirty="0"/>
-          </a:p>
-        </p:txBody>
-      </p:sp>
-    </p:spTree>
-    <p:extLst>
-      <p:ext uri="{BB962C8B-B14F-4D97-AF65-F5344CB8AC3E}">
-        <p14:creationId xmlns:p14="http://schemas.microsoft.com/office/powerpoint/2010/main" val="1769317292"/>
-      </p:ext>
-    </p:extLst>
-  </p:cSld>
-  <p:clrMapOvr>
-    <a:masterClrMapping/>
-  </p:clrMapOvr>
-</p:sld>
-</file>
-
-<file path=ppt/slides/slide18.xml><?xml version="1.0" encoding="utf-8"?>
-<p:sld xmlns:a="http://schemas.openxmlformats.org/drawingml/2006/main" xmlns:r="http://schemas.openxmlformats.org/officeDocument/2006/relationships" xmlns:p="http://schemas.openxmlformats.org/presentationml/2006/main">
-  <p:cSld>
-    <p:spTree>
-      <p:nvGrpSpPr>
-        <p:cNvPr id="1" name=""/>
-        <p:cNvGrpSpPr/>
-        <p:nvPr/>
-      </p:nvGrpSpPr>
-      <p:grpSpPr>
-        <a:xfrm>
-          <a:off x="0" y="0"/>
-          <a:ext cx="0" cy="0"/>
-          <a:chOff x="0" y="0"/>
-          <a:chExt cx="0" cy="0"/>
-        </a:xfrm>
-      </p:grpSpPr>
-      <p:sp>
-        <p:nvSpPr>
-          <p:cNvPr id="2" name="Title 1"/>
-          <p:cNvSpPr>
-            <a:spLocks noGrp="1"/>
-          </p:cNvSpPr>
-          <p:nvPr>
-            <p:ph type="title"/>
-          </p:nvPr>
-        </p:nvSpPr>
-        <p:spPr/>
-        <p:txBody>
-          <a:bodyPr/>
-          <a:lstStyle/>
-          <a:p>
-            <a:r>
               <a:rPr lang="en-US" altLang="zh-CN" dirty="0" smtClean="0"/>
               <a:t>Main Approaches </a:t>
             </a:r>
@@ -4309,7 +5381,7 @@
         </p:blipFill>
         <p:spPr>
           <a:xfrm>
-            <a:off x="838200" y="1526565"/>
+            <a:off x="838200" y="1539265"/>
             <a:ext cx="8786445" cy="4948013"/>
           </a:xfrm>
           <a:prstGeom prst="rect">
@@ -4330,7 +5402,7 @@
 </p:sld>
 </file>
 
-<file path=ppt/slides/slide19.xml><?xml version="1.0" encoding="utf-8"?>
+<file path=ppt/slides/slide18.xml><?xml version="1.0" encoding="utf-8"?>
 <p:sld xmlns:a="http://schemas.openxmlformats.org/drawingml/2006/main" xmlns:r="http://schemas.openxmlformats.org/officeDocument/2006/relationships" xmlns:p="http://schemas.openxmlformats.org/presentationml/2006/main">
   <p:cSld>
     <p:spTree>
@@ -4421,6 +5493,96 @@
 </p:sld>
 </file>
 
+<file path=ppt/slides/slide19.xml><?xml version="1.0" encoding="utf-8"?>
+<p:sld xmlns:a="http://schemas.openxmlformats.org/drawingml/2006/main" xmlns:r="http://schemas.openxmlformats.org/officeDocument/2006/relationships" xmlns:p="http://schemas.openxmlformats.org/presentationml/2006/main">
+  <p:cSld>
+    <p:spTree>
+      <p:nvGrpSpPr>
+        <p:cNvPr id="1" name=""/>
+        <p:cNvGrpSpPr/>
+        <p:nvPr/>
+      </p:nvGrpSpPr>
+      <p:grpSpPr>
+        <a:xfrm>
+          <a:off x="0" y="0"/>
+          <a:ext cx="0" cy="0"/>
+          <a:chOff x="0" y="0"/>
+          <a:chExt cx="0" cy="0"/>
+        </a:xfrm>
+      </p:grpSpPr>
+      <p:sp>
+        <p:nvSpPr>
+          <p:cNvPr id="2" name="Title 1"/>
+          <p:cNvSpPr>
+            <a:spLocks noGrp="1"/>
+          </p:cNvSpPr>
+          <p:nvPr>
+            <p:ph type="title"/>
+          </p:nvPr>
+        </p:nvSpPr>
+        <p:spPr/>
+        <p:txBody>
+          <a:bodyPr/>
+          <a:lstStyle/>
+          <a:p>
+            <a:r>
+              <a:rPr lang="en-US" altLang="zh-CN" dirty="0"/>
+              <a:t>Main Approaches </a:t>
+            </a:r>
+            <a:r>
+              <a:rPr lang="mr-IN" altLang="zh-CN" dirty="0"/>
+              <a:t>–</a:t>
+            </a:r>
+            <a:r>
+              <a:rPr lang="en-US" altLang="zh-CN" dirty="0"/>
+              <a:t> Thompson Sampling</a:t>
+            </a:r>
+            <a:endParaRPr lang="en-US" dirty="0"/>
+          </a:p>
+        </p:txBody>
+      </p:sp>
+      <p:sp>
+        <p:nvSpPr>
+          <p:cNvPr id="3" name="Content Placeholder 2"/>
+          <p:cNvSpPr>
+            <a:spLocks noGrp="1"/>
+          </p:cNvSpPr>
+          <p:nvPr>
+            <p:ph idx="1"/>
+          </p:nvPr>
+        </p:nvSpPr>
+        <p:spPr/>
+        <p:txBody>
+          <a:bodyPr/>
+          <a:lstStyle/>
+          <a:p>
+            <a:r>
+              <a:rPr lang="en-US" dirty="0" smtClean="0"/>
+              <a:t>Why Beta distribution?</a:t>
+            </a:r>
+          </a:p>
+          <a:p>
+            <a:pPr lvl="1"/>
+            <a:r>
+              <a:rPr lang="en-US" dirty="0"/>
+              <a:t>the beta distribution is the conjugate prior probability distribution for the Bernoulli</a:t>
+            </a:r>
+          </a:p>
+        </p:txBody>
+      </p:sp>
+    </p:spTree>
+    <p:extLst>
+      <p:ext uri="{BB962C8B-B14F-4D97-AF65-F5344CB8AC3E}">
+        <p14:creationId xmlns:p14="http://schemas.microsoft.com/office/powerpoint/2010/main" val="1642955231"/>
+      </p:ext>
+    </p:extLst>
+  </p:cSld>
+  <p:clrMapOvr>
+    <a:masterClrMapping/>
+  </p:clrMapOvr>
+</p:sld>
+</file>
+
 <file path=ppt/slides/slide2.xml><?xml version="1.0" encoding="utf-8"?>
 <p:sld xmlns:a="http://schemas.openxmlformats.org/drawingml/2006/main" xmlns:r="http://schemas.openxmlformats.org/officeDocument/2006/relationships" xmlns:p="http://schemas.openxmlformats.org/presentationml/2006/main">
   <p:cSld>
@@ -4515,100 +5677,17 @@
   <p:clrMapOvr>
     <a:masterClrMapping/>
   </p:clrMapOvr>
+  <p:timing>
+    <p:tnLst>
+      <p:par>
+        <p:cTn id="1" dur="indefinite" restart="never" nodeType="tmRoot"/>
+      </p:par>
+    </p:tnLst>
+  </p:timing>
 </p:sld>
 </file>
 
 <file path=ppt/slides/slide20.xml><?xml version="1.0" encoding="utf-8"?>
-<p:sld xmlns:a="http://schemas.openxmlformats.org/drawingml/2006/main" xmlns:r="http://schemas.openxmlformats.org/officeDocument/2006/relationships" xmlns:p="http://schemas.openxmlformats.org/presentationml/2006/main">
-  <p:cSld>
-    <p:spTree>
-      <p:nvGrpSpPr>
-        <p:cNvPr id="1" name=""/>
-        <p:cNvGrpSpPr/>
-        <p:nvPr/>
-      </p:nvGrpSpPr>
-      <p:grpSpPr>
-        <a:xfrm>
-          <a:off x="0" y="0"/>
-          <a:ext cx="0" cy="0"/>
-          <a:chOff x="0" y="0"/>
-          <a:chExt cx="0" cy="0"/>
-        </a:xfrm>
-      </p:grpSpPr>
-      <p:sp>
-        <p:nvSpPr>
-          <p:cNvPr id="2" name="Title 1"/>
-          <p:cNvSpPr>
-            <a:spLocks noGrp="1"/>
-          </p:cNvSpPr>
-          <p:nvPr>
-            <p:ph type="title"/>
-          </p:nvPr>
-        </p:nvSpPr>
-        <p:spPr/>
-        <p:txBody>
-          <a:bodyPr/>
-          <a:lstStyle/>
-          <a:p>
-            <a:r>
-              <a:rPr lang="en-US" altLang="zh-CN" dirty="0"/>
-              <a:t>Main Approaches </a:t>
-            </a:r>
-            <a:r>
-              <a:rPr lang="mr-IN" altLang="zh-CN" dirty="0"/>
-              <a:t>–</a:t>
-            </a:r>
-            <a:r>
-              <a:rPr lang="en-US" altLang="zh-CN" dirty="0"/>
-              <a:t> Thompson Sampling</a:t>
-            </a:r>
-            <a:endParaRPr lang="en-US" dirty="0"/>
-          </a:p>
-        </p:txBody>
-      </p:sp>
-      <p:sp>
-        <p:nvSpPr>
-          <p:cNvPr id="3" name="Content Placeholder 2"/>
-          <p:cNvSpPr>
-            <a:spLocks noGrp="1"/>
-          </p:cNvSpPr>
-          <p:nvPr>
-            <p:ph idx="1"/>
-          </p:nvPr>
-        </p:nvSpPr>
-        <p:spPr/>
-        <p:txBody>
-          <a:bodyPr/>
-          <a:lstStyle/>
-          <a:p>
-            <a:r>
-              <a:rPr lang="en-US" dirty="0" smtClean="0"/>
-              <a:t>Why Beta distribution?</a:t>
-            </a:r>
-          </a:p>
-          <a:p>
-            <a:pPr lvl="1"/>
-            <a:r>
-              <a:rPr lang="en-US" dirty="0"/>
-              <a:t>the beta distribution is the conjugate prior probability distribution for the Bernoulli</a:t>
-            </a:r>
-          </a:p>
-        </p:txBody>
-      </p:sp>
-    </p:spTree>
-    <p:extLst>
-      <p:ext uri="{BB962C8B-B14F-4D97-AF65-F5344CB8AC3E}">
-        <p14:creationId xmlns:p14="http://schemas.microsoft.com/office/powerpoint/2010/main" val="1642955231"/>
-      </p:ext>
-    </p:extLst>
-  </p:cSld>
-  <p:clrMapOvr>
-    <a:masterClrMapping/>
-  </p:clrMapOvr>
-</p:sld>
-</file>
-
-<file path=ppt/slides/slide21.xml><?xml version="1.0" encoding="utf-8"?>
 <p:sld xmlns:a="http://schemas.openxmlformats.org/drawingml/2006/main" xmlns:r="http://schemas.openxmlformats.org/officeDocument/2006/relationships" xmlns:p="http://schemas.openxmlformats.org/presentationml/2006/main">
   <p:cSld>
     <p:spTree>
@@ -4711,7 +5790,7 @@
 </p:sld>
 </file>
 
-<file path=ppt/slides/slide22.xml><?xml version="1.0" encoding="utf-8"?>
+<file path=ppt/slides/slide21.xml><?xml version="1.0" encoding="utf-8"?>
 <p:sld xmlns:a="http://schemas.openxmlformats.org/drawingml/2006/main" xmlns:r="http://schemas.openxmlformats.org/officeDocument/2006/relationships" xmlns:p="http://schemas.openxmlformats.org/presentationml/2006/main">
   <p:cSld>
     <p:spTree>
@@ -4753,11 +5832,7 @@
             </a:r>
             <a:r>
               <a:rPr lang="en-US" altLang="zh-CN" dirty="0" smtClean="0"/>
-              <a:t> Thompson </a:t>
-            </a:r>
-            <a:r>
-              <a:rPr lang="en-US" altLang="zh-CN" dirty="0" smtClean="0"/>
-              <a:t>Sampling Regret Bound</a:t>
+              <a:t> Thompson Sampling Regret Bound</a:t>
             </a:r>
             <a:endParaRPr lang="en-US" dirty="0"/>
           </a:p>
@@ -4806,6 +5881,189 @@
 </p:sld>
 </file>
 
+<file path=ppt/slides/slide22.xml><?xml version="1.0" encoding="utf-8"?>
+<p:sld xmlns:a="http://schemas.openxmlformats.org/drawingml/2006/main" xmlns:r="http://schemas.openxmlformats.org/officeDocument/2006/relationships" xmlns:p="http://schemas.openxmlformats.org/presentationml/2006/main">
+  <p:cSld>
+    <p:spTree>
+      <p:nvGrpSpPr>
+        <p:cNvPr id="1" name=""/>
+        <p:cNvGrpSpPr/>
+        <p:nvPr/>
+      </p:nvGrpSpPr>
+      <p:grpSpPr>
+        <a:xfrm>
+          <a:off x="0" y="0"/>
+          <a:ext cx="0" cy="0"/>
+          <a:chOff x="0" y="0"/>
+          <a:chExt cx="0" cy="0"/>
+        </a:xfrm>
+      </p:grpSpPr>
+      <p:sp>
+        <p:nvSpPr>
+          <p:cNvPr id="2" name="Title 1"/>
+          <p:cNvSpPr>
+            <a:spLocks noGrp="1"/>
+          </p:cNvSpPr>
+          <p:nvPr>
+            <p:ph type="title"/>
+          </p:nvPr>
+        </p:nvSpPr>
+        <p:spPr/>
+        <p:txBody>
+          <a:bodyPr>
+            <a:normAutofit/>
+          </a:bodyPr>
+          <a:lstStyle/>
+          <a:p>
+            <a:r>
+              <a:rPr lang="en-US" altLang="zh-CN" sz="4000" dirty="0" smtClean="0"/>
+              <a:t>Main Approaches </a:t>
+            </a:r>
+            <a:r>
+              <a:rPr lang="mr-IN" altLang="zh-CN" sz="4000" dirty="0" smtClean="0"/>
+              <a:t>–</a:t>
+            </a:r>
+            <a:r>
+              <a:rPr lang="en-US" altLang="zh-CN" sz="4000" dirty="0" smtClean="0"/>
+              <a:t> </a:t>
+            </a:r>
+            <a:r>
+              <a:rPr lang="en-US" altLang="zh-CN" sz="4000" dirty="0" smtClean="0"/>
+              <a:t>Contextual Bandit </a:t>
+            </a:r>
+            <a:r>
+              <a:rPr lang="en-US" altLang="zh-CN" sz="4000" dirty="0" smtClean="0"/>
+              <a:t>Approach</a:t>
+            </a:r>
+            <a:endParaRPr lang="en-US" sz="4000" dirty="0"/>
+          </a:p>
+        </p:txBody>
+      </p:sp>
+      <p:sp>
+        <p:nvSpPr>
+          <p:cNvPr id="3" name="Content Placeholder 2"/>
+          <p:cNvSpPr>
+            <a:spLocks noGrp="1"/>
+          </p:cNvSpPr>
+          <p:nvPr>
+            <p:ph idx="1"/>
+          </p:nvPr>
+        </p:nvSpPr>
+        <p:spPr/>
+        <p:txBody>
+          <a:bodyPr/>
+          <a:lstStyle/>
+          <a:p>
+            <a:r>
+              <a:rPr lang="en-US" dirty="0"/>
+              <a:t>How to integrate </a:t>
+            </a:r>
+            <a:r>
+              <a:rPr lang="en-US" dirty="0" smtClean="0"/>
+              <a:t>Explore </a:t>
+            </a:r>
+            <a:r>
+              <a:rPr lang="en-US" dirty="0"/>
+              <a:t>and </a:t>
+            </a:r>
+            <a:r>
+              <a:rPr lang="en-US" dirty="0" smtClean="0"/>
+              <a:t>Exploit </a:t>
+            </a:r>
+            <a:r>
+              <a:rPr lang="en-US" dirty="0"/>
+              <a:t>with contextual model</a:t>
+            </a:r>
+            <a:r>
+              <a:rPr lang="en-US" dirty="0" smtClean="0"/>
+              <a:t>?</a:t>
+            </a:r>
+          </a:p>
+          <a:p>
+            <a:pPr lvl="1"/>
+            <a:r>
+              <a:rPr lang="en-US" dirty="0" smtClean="0"/>
+              <a:t>Content</a:t>
+            </a:r>
+          </a:p>
+          <a:p>
+            <a:pPr lvl="1"/>
+            <a:r>
+              <a:rPr lang="en-US" dirty="0" smtClean="0"/>
+              <a:t>Topic</a:t>
+            </a:r>
+            <a:endParaRPr lang="en-US" dirty="0" smtClean="0"/>
+          </a:p>
+          <a:p>
+            <a:pPr lvl="1"/>
+            <a:r>
+              <a:rPr lang="en-US" dirty="0" smtClean="0"/>
+              <a:t>Labels </a:t>
+            </a:r>
+            <a:r>
+              <a:rPr lang="en-US" dirty="0" smtClean="0"/>
+              <a:t>/ Attributes</a:t>
+            </a:r>
+          </a:p>
+          <a:p>
+            <a:pPr lvl="1"/>
+            <a:r>
+              <a:rPr lang="en-US" altLang="zh-CN" dirty="0" smtClean="0"/>
+              <a:t>D</a:t>
+            </a:r>
+            <a:r>
+              <a:rPr lang="en-US" dirty="0" smtClean="0"/>
+              <a:t>emographic</a:t>
+            </a:r>
+            <a:endParaRPr lang="zh-CN" altLang="en-US" dirty="0" smtClean="0"/>
+          </a:p>
+          <a:p>
+            <a:pPr lvl="1"/>
+            <a:r>
+              <a:rPr lang="en-US" altLang="zh-CN" dirty="0" smtClean="0"/>
+              <a:t>User</a:t>
+            </a:r>
+            <a:r>
+              <a:rPr lang="zh-CN" altLang="en-US" dirty="0" smtClean="0"/>
+              <a:t> </a:t>
+            </a:r>
+            <a:r>
+              <a:rPr lang="en-US" altLang="zh-CN" dirty="0" smtClean="0"/>
+              <a:t>Historical</a:t>
+            </a:r>
+            <a:r>
+              <a:rPr lang="zh-CN" altLang="en-US" dirty="0" smtClean="0"/>
+              <a:t> </a:t>
+            </a:r>
+            <a:r>
+              <a:rPr lang="en-US" altLang="zh-CN" dirty="0" smtClean="0"/>
+              <a:t>Behavior</a:t>
+            </a:r>
+            <a:endParaRPr lang="en-US" dirty="0"/>
+          </a:p>
+          <a:p>
+            <a:pPr lvl="1"/>
+            <a:r>
+              <a:rPr lang="en-US" dirty="0" smtClean="0"/>
+              <a:t>Etc.</a:t>
+            </a:r>
+            <a:endParaRPr lang="en-US" dirty="0"/>
+          </a:p>
+        </p:txBody>
+      </p:sp>
+    </p:spTree>
+    <p:extLst>
+      <p:ext uri="{BB962C8B-B14F-4D97-AF65-F5344CB8AC3E}">
+        <p14:creationId xmlns:p14="http://schemas.microsoft.com/office/powerpoint/2010/main" val="1589256668"/>
+      </p:ext>
+    </p:extLst>
+  </p:cSld>
+  <p:clrMapOvr>
+    <a:masterClrMapping/>
+  </p:clrMapOvr>
+</p:sld>
+</file>
+
 <file path=ppt/slides/slide23.xml><?xml version="1.0" encoding="utf-8"?>
 <p:sld xmlns:a="http://schemas.openxmlformats.org/drawingml/2006/main" xmlns:r="http://schemas.openxmlformats.org/officeDocument/2006/relationships" xmlns:p="http://schemas.openxmlformats.org/presentationml/2006/main">
   <p:cSld>
@@ -4835,134 +6093,65 @@
         </p:nvSpPr>
         <p:spPr/>
         <p:txBody>
-          <a:bodyPr/>
-          <a:lstStyle/>
-          <a:p>
-            <a:r>
-              <a:rPr lang="en-US" altLang="zh-CN" dirty="0" smtClean="0"/>
+          <a:bodyPr>
+            <a:normAutofit/>
+          </a:bodyPr>
+          <a:lstStyle/>
+          <a:p>
+            <a:r>
+              <a:rPr lang="en-US" altLang="zh-CN" sz="4000" dirty="0" smtClean="0"/>
               <a:t>Main Approaches </a:t>
             </a:r>
             <a:r>
-              <a:rPr lang="mr-IN" altLang="zh-CN" dirty="0" smtClean="0"/>
+              <a:rPr lang="mr-IN" altLang="zh-CN" sz="4000" dirty="0" smtClean="0"/>
               <a:t>–</a:t>
             </a:r>
             <a:r>
-              <a:rPr lang="en-US" altLang="zh-CN" dirty="0" smtClean="0"/>
-              <a:t> Contextual-Bandit Approach</a:t>
-            </a:r>
-            <a:endParaRPr lang="en-US" dirty="0"/>
-          </a:p>
-        </p:txBody>
-      </p:sp>
-      <p:sp>
-        <p:nvSpPr>
-          <p:cNvPr id="3" name="Content Placeholder 2"/>
-          <p:cNvSpPr>
-            <a:spLocks noGrp="1"/>
-          </p:cNvSpPr>
-          <p:nvPr>
-            <p:ph idx="1"/>
-          </p:nvPr>
-        </p:nvSpPr>
-        <p:spPr/>
-        <p:txBody>
-          <a:bodyPr/>
-          <a:lstStyle/>
-          <a:p>
-            <a:r>
-              <a:rPr lang="en-US" dirty="0"/>
-              <a:t>How to integrate </a:t>
-            </a:r>
-            <a:r>
-              <a:rPr lang="en-US" dirty="0" smtClean="0"/>
-              <a:t>Explore </a:t>
-            </a:r>
-            <a:r>
-              <a:rPr lang="en-US" dirty="0"/>
-              <a:t>and </a:t>
-            </a:r>
-            <a:r>
-              <a:rPr lang="en-US" dirty="0" smtClean="0"/>
-              <a:t>Exploit </a:t>
-            </a:r>
-            <a:r>
-              <a:rPr lang="en-US" dirty="0"/>
-              <a:t>with contextual model</a:t>
-            </a:r>
-            <a:r>
-              <a:rPr lang="en-US" dirty="0" smtClean="0"/>
-              <a:t>?</a:t>
-            </a:r>
-            <a:endParaRPr lang="en-US" dirty="0" smtClean="0"/>
-          </a:p>
-          <a:p>
-            <a:pPr lvl="1"/>
-            <a:r>
-              <a:rPr lang="en-US" dirty="0" smtClean="0"/>
-              <a:t>Content</a:t>
-            </a:r>
-          </a:p>
-          <a:p>
-            <a:pPr lvl="1"/>
-            <a:r>
-              <a:rPr lang="en-US" dirty="0" err="1" smtClean="0"/>
-              <a:t>Lables</a:t>
-            </a:r>
-            <a:r>
-              <a:rPr lang="en-US" dirty="0" smtClean="0"/>
-              <a:t> / Attributes</a:t>
-            </a:r>
-          </a:p>
-          <a:p>
-            <a:pPr lvl="1"/>
-            <a:r>
-              <a:rPr lang="en-US" altLang="zh-CN" dirty="0" smtClean="0"/>
-              <a:t>D</a:t>
-            </a:r>
-            <a:r>
-              <a:rPr lang="en-US" dirty="0" smtClean="0"/>
-              <a:t>emographic</a:t>
-            </a:r>
-            <a:endParaRPr lang="zh-CN" altLang="en-US" dirty="0" smtClean="0"/>
-          </a:p>
-          <a:p>
-            <a:pPr lvl="1"/>
-            <a:r>
-              <a:rPr lang="en-US" altLang="zh-CN" dirty="0" smtClean="0"/>
-              <a:t>User</a:t>
-            </a:r>
-            <a:r>
-              <a:rPr lang="zh-CN" altLang="en-US" dirty="0" smtClean="0"/>
+              <a:rPr lang="en-US" altLang="zh-CN" sz="4000" dirty="0" smtClean="0"/>
               <a:t> </a:t>
             </a:r>
             <a:r>
-              <a:rPr lang="en-US" altLang="zh-CN" dirty="0" smtClean="0"/>
-              <a:t>Historical</a:t>
-            </a:r>
-            <a:r>
-              <a:rPr lang="zh-CN" altLang="en-US" dirty="0" smtClean="0"/>
-              <a:t> </a:t>
-            </a:r>
-            <a:r>
-              <a:rPr lang="en-US" altLang="zh-CN" dirty="0" smtClean="0"/>
-              <a:t>Behavior</a:t>
-            </a:r>
-            <a:endParaRPr lang="en-US" dirty="0"/>
-          </a:p>
-          <a:p>
-            <a:pPr lvl="1"/>
-            <a:r>
-              <a:rPr lang="en-US" dirty="0" smtClean="0"/>
-              <a:t>Etc.</a:t>
-            </a:r>
-            <a:endParaRPr lang="en-US" dirty="0"/>
-          </a:p>
-        </p:txBody>
-      </p:sp>
+              <a:rPr lang="en-US" altLang="zh-CN" sz="4000" dirty="0" err="1" smtClean="0"/>
+              <a:t>LinUCB</a:t>
+            </a:r>
+            <a:endParaRPr lang="en-US" sz="4000" dirty="0"/>
+          </a:p>
+        </p:txBody>
+      </p:sp>
+      <p:pic>
+        <p:nvPicPr>
+          <p:cNvPr id="5" name="Picture 4"/>
+          <p:cNvPicPr>
+            <a:picLocks noChangeAspect="1"/>
+          </p:cNvPicPr>
+          <p:nvPr/>
+        </p:nvPicPr>
+        <p:blipFill>
+          <a:blip r:embed="rId2">
+            <a:extLst>
+              <a:ext uri="{28A0092B-C50C-407E-A947-70E740481C1C}">
+                <a14:useLocalDpi xmlns:a14="http://schemas.microsoft.com/office/drawing/2010/main" val="0"/>
+              </a:ext>
+            </a:extLst>
+          </a:blip>
+          <a:stretch>
+            <a:fillRect/>
+          </a:stretch>
+        </p:blipFill>
+        <p:spPr>
+          <a:xfrm>
+            <a:off x="838200" y="1512888"/>
+            <a:ext cx="6638538" cy="5230812"/>
+          </a:xfrm>
+          <a:prstGeom prst="rect">
+            <a:avLst/>
+          </a:prstGeom>
+        </p:spPr>
+      </p:pic>
     </p:spTree>
     <p:extLst>
       <p:ext uri="{BB962C8B-B14F-4D97-AF65-F5344CB8AC3E}">
-        <p14:creationId xmlns:p14="http://schemas.microsoft.com/office/powerpoint/2010/main" val="1589256668"/>
+        <p14:creationId xmlns:p14="http://schemas.microsoft.com/office/powerpoint/2010/main" val="1046020190"/>
       </p:ext>
     </p:extLst>
   </p:cSld>
@@ -5005,55 +6194,53 @@
           <a:lstStyle/>
           <a:p>
             <a:r>
-              <a:rPr lang="en-US" altLang="zh-CN" dirty="0" smtClean="0"/>
-              <a:t>Main Approaches </a:t>
-            </a:r>
-            <a:r>
-              <a:rPr lang="mr-IN" altLang="zh-CN" dirty="0" smtClean="0"/>
-              <a:t>–</a:t>
-            </a:r>
-            <a:r>
-              <a:rPr lang="en-US" altLang="zh-CN" dirty="0" smtClean="0"/>
-              <a:t> Contextual-Bandit Approach</a:t>
+              <a:rPr lang="en-US" dirty="0" smtClean="0"/>
+              <a:t>Some recent research</a:t>
             </a:r>
             <a:endParaRPr lang="en-US" dirty="0"/>
           </a:p>
         </p:txBody>
       </p:sp>
-      <p:pic>
-        <p:nvPicPr>
-          <p:cNvPr id="5" name="Picture 4"/>
-          <p:cNvPicPr>
-            <a:picLocks noChangeAspect="1"/>
-          </p:cNvPicPr>
-          <p:nvPr/>
-        </p:nvPicPr>
-        <p:blipFill>
-          <a:blip r:embed="rId2">
-            <a:extLst>
-              <a:ext uri="{28A0092B-C50C-407E-A947-70E740481C1C}">
-                <a14:useLocalDpi xmlns:a14="http://schemas.microsoft.com/office/drawing/2010/main" val="0"/>
-              </a:ext>
-            </a:extLst>
-          </a:blip>
-          <a:stretch>
-            <a:fillRect/>
-          </a:stretch>
-        </p:blipFill>
-        <p:spPr>
-          <a:xfrm>
-            <a:off x="1879600" y="1690688"/>
-            <a:ext cx="6185998" cy="4874235"/>
-          </a:xfrm>
-          <a:prstGeom prst="rect">
-            <a:avLst/>
-          </a:prstGeom>
-        </p:spPr>
-      </p:pic>
+      <p:sp>
+        <p:nvSpPr>
+          <p:cNvPr id="3" name="Content Placeholder 2"/>
+          <p:cNvSpPr>
+            <a:spLocks noGrp="1"/>
+          </p:cNvSpPr>
+          <p:nvPr>
+            <p:ph idx="1"/>
+          </p:nvPr>
+        </p:nvSpPr>
+        <p:spPr/>
+        <p:txBody>
+          <a:bodyPr/>
+          <a:lstStyle/>
+          <a:p>
+            <a:r>
+              <a:rPr lang="en-US" dirty="0" smtClean="0"/>
+              <a:t>RL learning</a:t>
+            </a:r>
+          </a:p>
+          <a:p>
+            <a:r>
+              <a:rPr lang="en-US" dirty="0"/>
+              <a:t>theoretical </a:t>
+            </a:r>
+            <a:r>
+              <a:rPr lang="en-US" dirty="0" smtClean="0"/>
+              <a:t>research</a:t>
+            </a:r>
+            <a:endParaRPr lang="zh-CN" altLang="en-US" dirty="0" smtClean="0"/>
+          </a:p>
+          <a:p>
+            <a:endParaRPr lang="zh-CN" altLang="en-US" dirty="0"/>
+          </a:p>
+        </p:txBody>
+      </p:sp>
     </p:spTree>
     <p:extLst>
       <p:ext uri="{BB962C8B-B14F-4D97-AF65-F5344CB8AC3E}">
-        <p14:creationId xmlns:p14="http://schemas.microsoft.com/office/powerpoint/2010/main" val="1046020190"/>
+        <p14:creationId xmlns:p14="http://schemas.microsoft.com/office/powerpoint/2010/main" val="573288921"/>
       </p:ext>
     </p:extLst>
   </p:cSld>
@@ -5092,59 +6279,111 @@
         </p:nvSpPr>
         <p:spPr/>
         <p:txBody>
-          <a:bodyPr/>
-          <a:lstStyle/>
-          <a:p>
-            <a:r>
-              <a:rPr lang="en-US" altLang="zh-CN" dirty="0" smtClean="0"/>
-              <a:t>Main Approaches </a:t>
-            </a:r>
-            <a:r>
-              <a:rPr lang="mr-IN" altLang="zh-CN" dirty="0" smtClean="0"/>
-              <a:t>–</a:t>
-            </a:r>
-            <a:r>
-              <a:rPr lang="en-US" altLang="zh-CN" dirty="0" smtClean="0"/>
-              <a:t> Contextual-Bandit Approach</a:t>
+          <a:bodyPr>
+            <a:normAutofit/>
+          </a:bodyPr>
+          <a:lstStyle/>
+          <a:p>
+            <a:r>
+              <a:rPr lang="en-US" dirty="0" smtClean="0"/>
+              <a:t>E&amp;E Applications - </a:t>
+            </a:r>
+            <a:r>
+              <a:rPr lang="en-US" dirty="0"/>
+              <a:t>Programmatic </a:t>
+            </a:r>
+            <a:r>
+              <a:rPr lang="en-US" dirty="0" smtClean="0"/>
+              <a:t>Creative Optimization </a:t>
             </a:r>
             <a:endParaRPr lang="en-US" dirty="0"/>
           </a:p>
         </p:txBody>
       </p:sp>
-      <p:pic>
-        <p:nvPicPr>
-          <p:cNvPr id="5" name="Picture 4"/>
-          <p:cNvPicPr>
-            <a:picLocks noChangeAspect="1"/>
-          </p:cNvPicPr>
+      <p:sp>
+        <p:nvSpPr>
+          <p:cNvPr id="5" name="TextBox 4"/>
+          <p:cNvSpPr txBox="1"/>
           <p:nvPr/>
-        </p:nvPicPr>
-        <p:blipFill>
-          <a:blip r:embed="rId2">
-            <a:extLst>
-              <a:ext uri="{28A0092B-C50C-407E-A947-70E740481C1C}">
-                <a14:useLocalDpi xmlns:a14="http://schemas.microsoft.com/office/drawing/2010/main" val="0"/>
-              </a:ext>
-            </a:extLst>
-          </a:blip>
-          <a:stretch>
-            <a:fillRect/>
-          </a:stretch>
-        </p:blipFill>
+        </p:nvSpPr>
         <p:spPr>
           <a:xfrm>
-            <a:off x="1879600" y="1690688"/>
-            <a:ext cx="6185998" cy="4874235"/>
+            <a:off x="1031631" y="2098430"/>
+            <a:ext cx="10322169" cy="923330"/>
           </a:xfrm>
           <a:prstGeom prst="rect">
             <a:avLst/>
           </a:prstGeom>
+          <a:noFill/>
         </p:spPr>
-      </p:pic>
+        <p:txBody>
+          <a:bodyPr wrap="square" rtlCol="0">
+            <a:spAutoFit/>
+          </a:bodyPr>
+          <a:lstStyle/>
+          <a:p>
+            <a:r>
+              <a:rPr lang="zh-CN" altLang="en-US" dirty="0" smtClean="0"/>
+              <a:t>做</a:t>
+            </a:r>
+            <a:r>
+              <a:rPr lang="en-US" altLang="zh-CN" dirty="0" smtClean="0"/>
+              <a:t>UBER</a:t>
+            </a:r>
+            <a:r>
+              <a:rPr lang="zh-CN" altLang="en-US" dirty="0" smtClean="0"/>
+              <a:t>司机，月入万元			</a:t>
+            </a:r>
+            <a:r>
+              <a:rPr lang="en-US" altLang="zh-CN" dirty="0" smtClean="0"/>
+              <a:t>CVR=0.1%</a:t>
+            </a:r>
+            <a:endParaRPr lang="zh-CN" altLang="en-US" dirty="0" smtClean="0"/>
+          </a:p>
+          <a:p>
+            <a:endParaRPr lang="zh-CN" altLang="en-US" dirty="0" smtClean="0"/>
+          </a:p>
+          <a:p>
+            <a:r>
+              <a:rPr lang="zh-CN" altLang="en-US" dirty="0" smtClean="0"/>
+              <a:t>在北京做</a:t>
+            </a:r>
+            <a:r>
+              <a:rPr lang="en-US" altLang="zh-CN" dirty="0" smtClean="0"/>
+              <a:t>UBER</a:t>
+            </a:r>
+            <a:r>
+              <a:rPr lang="zh-CN" altLang="en-US" dirty="0" smtClean="0"/>
+              <a:t>司机，月入万元		</a:t>
+            </a:r>
+            <a:r>
+              <a:rPr lang="en-US" altLang="zh-CN" dirty="0" smtClean="0"/>
+              <a:t>CVR</a:t>
+            </a:r>
+            <a:r>
+              <a:rPr lang="zh-CN" altLang="en-US" dirty="0"/>
+              <a:t> </a:t>
+            </a:r>
+            <a:r>
+              <a:rPr lang="en-US" altLang="zh-CN" dirty="0" smtClean="0"/>
+              <a:t>lift</a:t>
+            </a:r>
+            <a:r>
+              <a:rPr lang="zh-CN" altLang="en-US" dirty="0" smtClean="0"/>
+              <a:t> </a:t>
+            </a:r>
+            <a:r>
+              <a:rPr lang="en-US" altLang="zh-CN" dirty="0" smtClean="0"/>
+              <a:t>40%</a:t>
+            </a:r>
+            <a:endParaRPr lang="en-US" dirty="0"/>
+          </a:p>
+        </p:txBody>
+      </p:sp>
     </p:spTree>
     <p:extLst>
       <p:ext uri="{BB962C8B-B14F-4D97-AF65-F5344CB8AC3E}">
-        <p14:creationId xmlns:p14="http://schemas.microsoft.com/office/powerpoint/2010/main" val="480762217"/>
+        <p14:creationId xmlns:p14="http://schemas.microsoft.com/office/powerpoint/2010/main" val="217670522"/>
       </p:ext>
     </p:extLst>
   </p:cSld>
@@ -5188,7 +6427,35 @@
           <a:p>
             <a:r>
               <a:rPr lang="en-US" dirty="0" smtClean="0"/>
-              <a:t>Some recent research</a:t>
+              <a:t>E&amp;E Applications </a:t>
+            </a:r>
+            <a:r>
+              <a:rPr lang="mr-IN" dirty="0" smtClean="0"/>
+              <a:t>–</a:t>
+            </a:r>
+            <a:r>
+              <a:rPr lang="zh-CN" altLang="en-US" dirty="0" smtClean="0"/>
+              <a:t> </a:t>
+            </a:r>
+            <a:r>
+              <a:rPr lang="en-US" altLang="zh-CN" dirty="0" smtClean="0"/>
+              <a:t>Auction</a:t>
+            </a:r>
+            <a:r>
+              <a:rPr lang="zh-CN" altLang="en-US" dirty="0" smtClean="0"/>
+              <a:t> </a:t>
+            </a:r>
+            <a:r>
+              <a:rPr lang="en-US" altLang="zh-CN" dirty="0" smtClean="0"/>
+              <a:t>Traffic</a:t>
+            </a:r>
+            <a:r>
+              <a:rPr lang="zh-CN" altLang="en-US" dirty="0" smtClean="0"/>
+              <a:t> </a:t>
+            </a:r>
+            <a:r>
+              <a:rPr lang="en-US" altLang="zh-CN" dirty="0" smtClean="0"/>
+              <a:t>Allocation</a:t>
             </a:r>
             <a:endParaRPr lang="en-US" dirty="0"/>
           </a:p>
@@ -5211,29 +6478,16 @@
           <a:p>
             <a:r>
               <a:rPr lang="en-US" dirty="0" smtClean="0"/>
-              <a:t>RL learning</a:t>
-            </a:r>
-          </a:p>
-          <a:p>
-            <a:r>
-              <a:rPr lang="en-US" dirty="0"/>
-              <a:t>theoretical </a:t>
-            </a:r>
-            <a:r>
-              <a:rPr lang="en-US" dirty="0" smtClean="0"/>
-              <a:t>research</a:t>
-            </a:r>
-            <a:endParaRPr lang="zh-CN" altLang="en-US" dirty="0" smtClean="0"/>
-          </a:p>
-          <a:p>
-            <a:endParaRPr lang="zh-CN" altLang="en-US" dirty="0"/>
+              <a:t>How to allocate traffic with specific tags to SSP?</a:t>
+            </a:r>
+            <a:endParaRPr lang="en-US" dirty="0"/>
           </a:p>
         </p:txBody>
       </p:sp>
     </p:spTree>
     <p:extLst>
       <p:ext uri="{BB962C8B-B14F-4D97-AF65-F5344CB8AC3E}">
-        <p14:creationId xmlns:p14="http://schemas.microsoft.com/office/powerpoint/2010/main" val="573288921"/>
+        <p14:creationId xmlns:p14="http://schemas.microsoft.com/office/powerpoint/2010/main" val="1719442406"/>
       </p:ext>
     </p:extLst>
   </p:cSld>
@@ -5272,103 +6526,52 @@
         </p:nvSpPr>
         <p:spPr/>
         <p:txBody>
-          <a:bodyPr>
-            <a:normAutofit/>
-          </a:bodyPr>
+          <a:bodyPr/>
           <a:lstStyle/>
           <a:p>
             <a:r>
               <a:rPr lang="en-US" dirty="0" smtClean="0"/>
-              <a:t>E&amp;E Applications - </a:t>
-            </a:r>
-            <a:r>
-              <a:rPr lang="en-US" dirty="0"/>
-              <a:t>Programmatic </a:t>
-            </a:r>
-            <a:r>
-              <a:rPr lang="en-US" dirty="0" smtClean="0"/>
-              <a:t>Creative Optimization </a:t>
-            </a:r>
-            <a:endParaRPr lang="en-US" dirty="0"/>
-          </a:p>
-        </p:txBody>
-      </p:sp>
-      <p:sp>
-        <p:nvSpPr>
-          <p:cNvPr id="5" name="TextBox 4"/>
-          <p:cNvSpPr txBox="1"/>
-          <p:nvPr/>
-        </p:nvSpPr>
-        <p:spPr>
-          <a:xfrm>
-            <a:off x="1031631" y="2098430"/>
-            <a:ext cx="10322169" cy="923330"/>
-          </a:xfrm>
-          <a:prstGeom prst="rect">
-            <a:avLst/>
-          </a:prstGeom>
-          <a:noFill/>
-        </p:spPr>
-        <p:txBody>
-          <a:bodyPr wrap="square" rtlCol="0">
-            <a:spAutoFit/>
-          </a:bodyPr>
-          <a:lstStyle/>
-          <a:p>
+              <a:t>E&amp;E Applications </a:t>
+            </a:r>
+            <a:r>
+              <a:rPr lang="mr-IN" dirty="0" smtClean="0"/>
+              <a:t>–</a:t>
+            </a:r>
             <a:r>
               <a:rPr lang="zh-CN" altLang="en-US" dirty="0" smtClean="0"/>
-              <a:t>做</a:t>
-            </a:r>
-            <a:r>
-              <a:rPr lang="en-US" altLang="zh-CN" dirty="0" smtClean="0"/>
-              <a:t>UBER</a:t>
-            </a:r>
-            <a:r>
-              <a:rPr lang="zh-CN" altLang="en-US" dirty="0" smtClean="0"/>
-              <a:t>司机，月入万元			</a:t>
-            </a:r>
-            <a:r>
-              <a:rPr lang="en-US" altLang="zh-CN" dirty="0" smtClean="0"/>
-              <a:t>CVR=0.1%</a:t>
-            </a:r>
-            <a:endParaRPr lang="zh-CN" altLang="en-US" dirty="0" smtClean="0"/>
-          </a:p>
-          <a:p>
-            <a:endParaRPr lang="zh-CN" altLang="en-US" dirty="0" smtClean="0"/>
-          </a:p>
-          <a:p>
-            <a:r>
-              <a:rPr lang="zh-CN" altLang="en-US" dirty="0" smtClean="0"/>
-              <a:t>在北京做</a:t>
-            </a:r>
-            <a:r>
-              <a:rPr lang="en-US" altLang="zh-CN" dirty="0" smtClean="0"/>
-              <a:t>UBER</a:t>
-            </a:r>
-            <a:r>
-              <a:rPr lang="zh-CN" altLang="en-US" dirty="0" smtClean="0"/>
-              <a:t>司机，月入万元		</a:t>
+              <a:t> </a:t>
             </a:r>
             <a:r>
               <a:rPr lang="en-US" altLang="zh-CN" dirty="0" smtClean="0"/>
               <a:t>CVR</a:t>
             </a:r>
             <a:r>
-              <a:rPr lang="zh-CN" altLang="en-US" dirty="0"/>
-              <a:t> </a:t>
-            </a:r>
-            <a:r>
-              <a:rPr lang="en-US" altLang="zh-CN" dirty="0" smtClean="0"/>
-              <a:t>lift</a:t>
-            </a:r>
-            <a:r>
               <a:rPr lang="zh-CN" altLang="en-US" dirty="0" smtClean="0"/>
               <a:t> </a:t>
             </a:r>
             <a:r>
               <a:rPr lang="en-US" altLang="zh-CN" dirty="0" smtClean="0"/>
-              <a:t>40%</a:t>
-            </a:r>
+              <a:t>Exploration</a:t>
+            </a:r>
+            <a:endParaRPr lang="en-US" dirty="0"/>
+          </a:p>
+        </p:txBody>
+      </p:sp>
+      <p:sp>
+        <p:nvSpPr>
+          <p:cNvPr id="3" name="Content Placeholder 2"/>
+          <p:cNvSpPr>
+            <a:spLocks noGrp="1"/>
+          </p:cNvSpPr>
+          <p:nvPr>
+            <p:ph idx="1"/>
+          </p:nvPr>
+        </p:nvSpPr>
+        <p:spPr/>
+        <p:txBody>
+          <a:bodyPr/>
+          <a:lstStyle/>
+          <a:p>
             <a:endParaRPr lang="en-US" dirty="0"/>
           </a:p>
         </p:txBody>
@@ -5376,7 +6579,7 @@
     </p:spTree>
     <p:extLst>
       <p:ext uri="{BB962C8B-B14F-4D97-AF65-F5344CB8AC3E}">
-        <p14:creationId xmlns:p14="http://schemas.microsoft.com/office/powerpoint/2010/main" val="217670522"/>
+        <p14:creationId xmlns:p14="http://schemas.microsoft.com/office/powerpoint/2010/main" val="400404139"/>
       </p:ext>
     </p:extLst>
   </p:cSld>
@@ -5419,68 +6622,85 @@
           <a:lstStyle/>
           <a:p>
             <a:r>
+              <a:rPr lang="en-US" altLang="zh-CN" dirty="0" smtClean="0"/>
+              <a:t>Summary</a:t>
+            </a:r>
+            <a:endParaRPr lang="en-US" dirty="0"/>
+          </a:p>
+        </p:txBody>
+      </p:sp>
+      <p:sp>
+        <p:nvSpPr>
+          <p:cNvPr id="3" name="Content Placeholder 2"/>
+          <p:cNvSpPr>
+            <a:spLocks noGrp="1"/>
+          </p:cNvSpPr>
+          <p:nvPr>
+            <p:ph idx="1"/>
+          </p:nvPr>
+        </p:nvSpPr>
+        <p:spPr/>
+        <p:txBody>
+          <a:bodyPr/>
+          <a:lstStyle/>
+          <a:p>
+            <a:r>
               <a:rPr lang="en-US" dirty="0" smtClean="0"/>
-              <a:t>E&amp;E Applications </a:t>
-            </a:r>
-            <a:r>
-              <a:rPr lang="mr-IN" dirty="0" smtClean="0"/>
-              <a:t>–</a:t>
-            </a:r>
-            <a:r>
-              <a:rPr lang="zh-CN" altLang="en-US" dirty="0" smtClean="0"/>
-              <a:t> </a:t>
-            </a:r>
-            <a:r>
-              <a:rPr lang="en-US" altLang="zh-CN" dirty="0" smtClean="0"/>
-              <a:t>Auction</a:t>
-            </a:r>
-            <a:r>
-              <a:rPr lang="zh-CN" altLang="en-US" dirty="0" smtClean="0"/>
-              <a:t> </a:t>
-            </a:r>
-            <a:r>
-              <a:rPr lang="en-US" altLang="zh-CN" dirty="0" smtClean="0"/>
-              <a:t>Traffic</a:t>
-            </a:r>
-            <a:r>
-              <a:rPr lang="zh-CN" altLang="en-US" dirty="0" smtClean="0"/>
-              <a:t> </a:t>
-            </a:r>
-            <a:r>
-              <a:rPr lang="en-US" altLang="zh-CN" dirty="0" smtClean="0"/>
-              <a:t>Allocation</a:t>
-            </a:r>
-            <a:endParaRPr lang="en-US" dirty="0"/>
-          </a:p>
-        </p:txBody>
-      </p:sp>
-      <p:sp>
-        <p:nvSpPr>
-          <p:cNvPr id="3" name="Content Placeholder 2"/>
-          <p:cNvSpPr>
-            <a:spLocks noGrp="1"/>
-          </p:cNvSpPr>
-          <p:nvPr>
-            <p:ph idx="1"/>
-          </p:nvPr>
-        </p:nvSpPr>
-        <p:spPr/>
-        <p:txBody>
-          <a:bodyPr/>
-          <a:lstStyle/>
+              <a:t>Exploitation and Exploration Tradeoff</a:t>
+            </a:r>
+          </a:p>
           <a:p>
             <a:r>
               <a:rPr lang="en-US" dirty="0" smtClean="0"/>
-              <a:t>How to allocate traffic with specific tags to SSP?</a:t>
-            </a:r>
-            <a:endParaRPr lang="en-US" dirty="0"/>
+              <a:t>Main approaches</a:t>
+            </a:r>
+          </a:p>
+          <a:p>
+            <a:pPr lvl="1"/>
+            <a:r>
+              <a:rPr lang="en-US" dirty="0" smtClean="0"/>
+              <a:t>Epsilon Greedy</a:t>
+            </a:r>
+          </a:p>
+          <a:p>
+            <a:pPr lvl="1"/>
+            <a:r>
+              <a:rPr lang="en-US" dirty="0" smtClean="0"/>
+              <a:t>UCB, UCT</a:t>
+            </a:r>
+          </a:p>
+          <a:p>
+            <a:pPr lvl="1"/>
+            <a:r>
+              <a:rPr lang="en-US" dirty="0" smtClean="0"/>
+              <a:t>Thompson Sampling</a:t>
+            </a:r>
+          </a:p>
+          <a:p>
+            <a:pPr lvl="1"/>
+            <a:r>
+              <a:rPr lang="en-US" dirty="0" smtClean="0"/>
+              <a:t>Contextual Bandit</a:t>
+            </a:r>
+          </a:p>
+          <a:p>
+            <a:r>
+              <a:rPr lang="en-US" dirty="0" smtClean="0"/>
+              <a:t>Applications in Computational Advertising</a:t>
+            </a:r>
+          </a:p>
+          <a:p>
+            <a:r>
+              <a:rPr lang="en-US" dirty="0" smtClean="0"/>
+              <a:t>E&amp;E Thoughts are much more important than E&amp;E methods</a:t>
+            </a:r>
           </a:p>
         </p:txBody>
       </p:sp>
     </p:spTree>
     <p:extLst>
       <p:ext uri="{BB962C8B-B14F-4D97-AF65-F5344CB8AC3E}">
-        <p14:creationId xmlns:p14="http://schemas.microsoft.com/office/powerpoint/2010/main" val="1719442406"/>
+        <p14:creationId xmlns:p14="http://schemas.microsoft.com/office/powerpoint/2010/main" val="491080361"/>
       </p:ext>
     </p:extLst>
   </p:cSld>
@@ -5517,62 +6737,30 @@
             <p:ph type="title"/>
           </p:nvPr>
         </p:nvSpPr>
-        <p:spPr/>
-        <p:txBody>
-          <a:bodyPr/>
-          <a:lstStyle/>
-          <a:p>
-            <a:r>
-              <a:rPr lang="en-US" dirty="0" smtClean="0"/>
-              <a:t>E&amp;E Applications </a:t>
-            </a:r>
-            <a:r>
-              <a:rPr lang="mr-IN" dirty="0" smtClean="0"/>
-              <a:t>–</a:t>
-            </a:r>
-            <a:r>
-              <a:rPr lang="zh-CN" altLang="en-US" dirty="0" smtClean="0"/>
-              <a:t> </a:t>
-            </a:r>
-            <a:r>
-              <a:rPr lang="en-US" altLang="zh-CN" dirty="0" smtClean="0"/>
-              <a:t>CVR</a:t>
-            </a:r>
-            <a:r>
-              <a:rPr lang="zh-CN" altLang="en-US" dirty="0" smtClean="0"/>
-              <a:t> </a:t>
-            </a:r>
-            <a:r>
-              <a:rPr lang="en-US" altLang="zh-CN" dirty="0" smtClean="0"/>
-              <a:t>Exploration</a:t>
-            </a:r>
-            <a:endParaRPr lang="en-US" dirty="0"/>
-          </a:p>
-        </p:txBody>
-      </p:sp>
-      <p:sp>
-        <p:nvSpPr>
-          <p:cNvPr id="3" name="Content Placeholder 2"/>
-          <p:cNvSpPr>
-            <a:spLocks noGrp="1"/>
-          </p:cNvSpPr>
-          <p:nvPr>
-            <p:ph idx="1"/>
-          </p:nvPr>
-        </p:nvSpPr>
-        <p:spPr/>
-        <p:txBody>
-          <a:bodyPr/>
-          <a:lstStyle/>
-          <a:p>
-            <a:endParaRPr lang="en-US" dirty="0"/>
+        <p:spPr>
+          <a:xfrm>
+            <a:off x="3862754" y="2592510"/>
+            <a:ext cx="5468815" cy="1325563"/>
+          </a:xfrm>
+        </p:spPr>
+        <p:txBody>
+          <a:bodyPr>
+            <a:normAutofit/>
+          </a:bodyPr>
+          <a:lstStyle/>
+          <a:p>
+            <a:r>
+              <a:rPr lang="en-US" altLang="zh-CN" sz="8000" smtClean="0"/>
+              <a:t>Thanks</a:t>
+            </a:r>
+            <a:endParaRPr lang="en-US" sz="8000"/>
           </a:p>
         </p:txBody>
       </p:sp>
     </p:spTree>
     <p:extLst>
       <p:ext uri="{BB962C8B-B14F-4D97-AF65-F5344CB8AC3E}">
-        <p14:creationId xmlns:p14="http://schemas.microsoft.com/office/powerpoint/2010/main" val="400404139"/>
+        <p14:creationId xmlns:p14="http://schemas.microsoft.com/office/powerpoint/2010/main" val="996130407"/>
       </p:ext>
     </p:extLst>
   </p:cSld>
@@ -5813,187 +7001,25 @@
   <p:clrMapOvr>
     <a:masterClrMapping/>
   </p:clrMapOvr>
-</p:sld>
-</file>
-
-<file path=ppt/slides/slide30.xml><?xml version="1.0" encoding="utf-8"?>
-<p:sld xmlns:a="http://schemas.openxmlformats.org/drawingml/2006/main" xmlns:r="http://schemas.openxmlformats.org/officeDocument/2006/relationships" xmlns:p="http://schemas.openxmlformats.org/presentationml/2006/main">
-  <p:cSld>
-    <p:spTree>
-      <p:nvGrpSpPr>
-        <p:cNvPr id="1" name=""/>
-        <p:cNvGrpSpPr/>
-        <p:nvPr/>
-      </p:nvGrpSpPr>
-      <p:grpSpPr>
-        <a:xfrm>
-          <a:off x="0" y="0"/>
-          <a:ext cx="0" cy="0"/>
-          <a:chOff x="0" y="0"/>
-          <a:chExt cx="0" cy="0"/>
-        </a:xfrm>
-      </p:grpSpPr>
-      <p:sp>
-        <p:nvSpPr>
-          <p:cNvPr id="2" name="Title 1"/>
-          <p:cNvSpPr>
-            <a:spLocks noGrp="1"/>
-          </p:cNvSpPr>
-          <p:nvPr>
-            <p:ph type="title"/>
-          </p:nvPr>
-        </p:nvSpPr>
-        <p:spPr/>
-        <p:txBody>
-          <a:bodyPr/>
-          <a:lstStyle/>
-          <a:p>
-            <a:r>
-              <a:rPr lang="en-US" altLang="zh-CN" dirty="0" smtClean="0"/>
-              <a:t>Summary</a:t>
-            </a:r>
-            <a:endParaRPr lang="en-US" dirty="0"/>
-          </a:p>
-        </p:txBody>
-      </p:sp>
-      <p:sp>
-        <p:nvSpPr>
-          <p:cNvPr id="3" name="Content Placeholder 2"/>
-          <p:cNvSpPr>
-            <a:spLocks noGrp="1"/>
-          </p:cNvSpPr>
-          <p:nvPr>
-            <p:ph idx="1"/>
-          </p:nvPr>
-        </p:nvSpPr>
-        <p:spPr/>
-        <p:txBody>
-          <a:bodyPr/>
-          <a:lstStyle/>
-          <a:p>
-            <a:r>
-              <a:rPr lang="en-US" dirty="0" smtClean="0"/>
-              <a:t>Exploitation and Exploration Tradeoff</a:t>
-            </a:r>
-          </a:p>
-          <a:p>
-            <a:r>
-              <a:rPr lang="en-US" dirty="0" smtClean="0"/>
-              <a:t>Main approaches</a:t>
-            </a:r>
-          </a:p>
-          <a:p>
-            <a:pPr lvl="1"/>
-            <a:r>
-              <a:rPr lang="en-US" dirty="0" smtClean="0"/>
-              <a:t>Epsilon Greedy</a:t>
-            </a:r>
-          </a:p>
-          <a:p>
-            <a:pPr lvl="1"/>
-            <a:r>
-              <a:rPr lang="en-US" dirty="0" smtClean="0"/>
-              <a:t>UCB, UCT</a:t>
-            </a:r>
-          </a:p>
-          <a:p>
-            <a:pPr lvl="1"/>
-            <a:r>
-              <a:rPr lang="en-US" dirty="0" smtClean="0"/>
-              <a:t>Thompson Sampling</a:t>
-            </a:r>
-          </a:p>
-          <a:p>
-            <a:pPr lvl="1"/>
-            <a:r>
-              <a:rPr lang="en-US" dirty="0" smtClean="0"/>
-              <a:t>Contextual Bandit</a:t>
-            </a:r>
-          </a:p>
-          <a:p>
-            <a:r>
-              <a:rPr lang="en-US" dirty="0" smtClean="0"/>
-              <a:t>Applications in Computational Advertising</a:t>
-            </a:r>
-          </a:p>
-          <a:p>
-            <a:r>
-              <a:rPr lang="en-US" dirty="0" smtClean="0"/>
-              <a:t>E&amp;E Thoughts are much more important than E&amp;E methods</a:t>
-            </a:r>
-          </a:p>
-        </p:txBody>
-      </p:sp>
-    </p:spTree>
-    <p:extLst>
-      <p:ext uri="{BB962C8B-B14F-4D97-AF65-F5344CB8AC3E}">
-        <p14:creationId xmlns:p14="http://schemas.microsoft.com/office/powerpoint/2010/main" val="491080361"/>
-      </p:ext>
-    </p:extLst>
-  </p:cSld>
-  <p:clrMapOvr>
-    <a:masterClrMapping/>
-  </p:clrMapOvr>
-</p:sld>
-</file>
-
-<file path=ppt/slides/slide31.xml><?xml version="1.0" encoding="utf-8"?>
-<p:sld xmlns:a="http://schemas.openxmlformats.org/drawingml/2006/main" xmlns:r="http://schemas.openxmlformats.org/officeDocument/2006/relationships" xmlns:p="http://schemas.openxmlformats.org/presentationml/2006/main">
-  <p:cSld>
-    <p:spTree>
-      <p:nvGrpSpPr>
-        <p:cNvPr id="1" name=""/>
-        <p:cNvGrpSpPr/>
-        <p:nvPr/>
-      </p:nvGrpSpPr>
-      <p:grpSpPr>
-        <a:xfrm>
-          <a:off x="0" y="0"/>
-          <a:ext cx="0" cy="0"/>
-          <a:chOff x="0" y="0"/>
-          <a:chExt cx="0" cy="0"/>
-        </a:xfrm>
-      </p:grpSpPr>
-      <p:sp>
-        <p:nvSpPr>
-          <p:cNvPr id="2" name="Title 1"/>
-          <p:cNvSpPr>
-            <a:spLocks noGrp="1"/>
-          </p:cNvSpPr>
-          <p:nvPr>
-            <p:ph type="title"/>
-          </p:nvPr>
-        </p:nvSpPr>
-        <p:spPr>
-          <a:xfrm>
-            <a:off x="3862754" y="2592510"/>
-            <a:ext cx="5468815" cy="1325563"/>
-          </a:xfrm>
-        </p:spPr>
-        <p:txBody>
-          <a:bodyPr>
-            <a:normAutofit/>
-          </a:bodyPr>
-          <a:lstStyle/>
-          <a:p>
-            <a:r>
-              <a:rPr lang="en-US" altLang="zh-CN" sz="8000" smtClean="0"/>
-              <a:t>Thanks</a:t>
-            </a:r>
-            <a:endParaRPr lang="en-US" sz="8000"/>
-          </a:p>
-        </p:txBody>
-      </p:sp>
-    </p:spTree>
-    <p:extLst>
-      <p:ext uri="{BB962C8B-B14F-4D97-AF65-F5344CB8AC3E}">
-        <p14:creationId xmlns:p14="http://schemas.microsoft.com/office/powerpoint/2010/main" val="996130407"/>
-      </p:ext>
-    </p:extLst>
-  </p:cSld>
-  <p:clrMapOvr>
-    <a:masterClrMapping/>
-  </p:clrMapOvr>
+  <mc:AlternateContent xmlns:mc="http://schemas.openxmlformats.org/markup-compatibility/2006" xmlns:p14="http://schemas.microsoft.com/office/powerpoint/2010/main">
+    <mc:Choice Requires="p14">
+      <p:transition spd="med" p14:dur="700">
+        <p:fade/>
+      </p:transition>
+    </mc:Choice>
+    <mc:Fallback xmlns="">
+      <p:transition spd="med">
+        <p:fade/>
+      </p:transition>
+    </mc:Fallback>
+  </mc:AlternateContent>
+  <p:timing>
+    <p:tnLst>
+      <p:par>
+        <p:cTn id="1" dur="indefinite" restart="never" nodeType="tmRoot"/>
+      </p:par>
+    </p:tnLst>
+  </p:timing>
 </p:sld>
 </file>
 
@@ -6106,10 +7132,18 @@
           </a:p>
           <a:p>
             <a:pPr algn="ctr"/>
+            <a:endParaRPr lang="en-US" sz="3200" dirty="0" smtClean="0"/>
+          </a:p>
+          <a:p>
+            <a:pPr algn="ctr"/>
             <a:r>
               <a:rPr lang="en-US" sz="3200" dirty="0" smtClean="0"/>
               <a:t>Stable Benefit, Low risk</a:t>
             </a:r>
+          </a:p>
+          <a:p>
+            <a:pPr algn="ctr"/>
+            <a:endParaRPr lang="en-US" sz="3200" dirty="0" smtClean="0"/>
           </a:p>
           <a:p>
             <a:pPr algn="ctr"/>
@@ -6176,6 +7210,9 @@
               <a:rPr lang="en-US" sz="3200" dirty="0" smtClean="0"/>
               <a:t>Long-term benefit</a:t>
             </a:r>
+          </a:p>
+          <a:p>
+            <a:pPr algn="ctr"/>
             <a:endParaRPr lang="zh-CN" altLang="en-US" sz="3200" dirty="0" smtClean="0"/>
           </a:p>
           <a:p>
@@ -6184,6 +7221,10 @@
               <a:rPr lang="en-US" sz="3200" dirty="0" smtClean="0"/>
               <a:t>Unstable Benefit, High Risk</a:t>
             </a:r>
+          </a:p>
+          <a:p>
+            <a:pPr algn="ctr"/>
+            <a:endParaRPr lang="en-US" sz="3200" dirty="0" smtClean="0"/>
           </a:p>
           <a:p>
             <a:pPr algn="ctr"/>
@@ -6203,8 +7244,8 @@
         </p:nvSpPr>
         <p:spPr>
           <a:xfrm>
-            <a:off x="5246077" y="3470031"/>
-            <a:ext cx="1699846" cy="973016"/>
+            <a:off x="4995334" y="3317631"/>
+            <a:ext cx="1998133" cy="746370"/>
           </a:xfrm>
           <a:prstGeom prst="leftRightArrow">
             <a:avLst>
@@ -6243,10 +7284,120 @@
           <a:p>
             <a:pPr algn="ctr"/>
             <a:r>
-              <a:rPr lang="en-US" sz="2000" b="1" smtClean="0"/>
-              <a:t>Tradeoff</a:t>
-            </a:r>
-            <a:endParaRPr lang="en-US" b="1" dirty="0"/>
+              <a:rPr lang="en-US" sz="3200" b="1" dirty="0" smtClean="0"/>
+              <a:t>VS</a:t>
+            </a:r>
+            <a:endParaRPr lang="en-US" sz="2800" b="1" dirty="0"/>
+          </a:p>
+        </p:txBody>
+      </p:sp>
+      <p:sp>
+        <p:nvSpPr>
+          <p:cNvPr id="7" name="Left-Right Arrow 6"/>
+          <p:cNvSpPr/>
+          <p:nvPr/>
+        </p:nvSpPr>
+        <p:spPr>
+          <a:xfrm>
+            <a:off x="4995334" y="4282831"/>
+            <a:ext cx="1998133" cy="746370"/>
+          </a:xfrm>
+          <a:prstGeom prst="leftRightArrow">
+            <a:avLst>
+              <a:gd name="adj1" fmla="val 54819"/>
+              <a:gd name="adj2" fmla="val 50000"/>
+            </a:avLst>
+          </a:prstGeom>
+          <a:solidFill>
+            <a:srgbClr val="FF0000">
+              <a:alpha val="77000"/>
+            </a:srgbClr>
+          </a:solidFill>
+          <a:ln>
+            <a:noFill/>
+          </a:ln>
+        </p:spPr>
+        <p:style>
+          <a:lnRef idx="2">
+            <a:schemeClr val="accent1">
+              <a:shade val="50000"/>
+            </a:schemeClr>
+          </a:lnRef>
+          <a:fillRef idx="1">
+            <a:schemeClr val="accent1"/>
+          </a:fillRef>
+          <a:effectRef idx="0">
+            <a:schemeClr val="accent1"/>
+          </a:effectRef>
+          <a:fontRef idx="minor">
+            <a:schemeClr val="lt1"/>
+          </a:fontRef>
+        </p:style>
+        <p:txBody>
+          <a:bodyPr rtlCol="0" anchor="ctr"/>
+          <a:lstStyle/>
+          <a:p>
+            <a:pPr algn="ctr"/>
+            <a:r>
+              <a:rPr lang="en-US" sz="3200" b="1" dirty="0" smtClean="0"/>
+              <a:t>VS</a:t>
+            </a:r>
+            <a:endParaRPr lang="en-US" sz="2800" b="1" dirty="0"/>
+          </a:p>
+        </p:txBody>
+      </p:sp>
+      <p:sp>
+        <p:nvSpPr>
+          <p:cNvPr id="8" name="Left-Right Arrow 7"/>
+          <p:cNvSpPr/>
+          <p:nvPr/>
+        </p:nvSpPr>
+        <p:spPr>
+          <a:xfrm>
+            <a:off x="4995334" y="5248031"/>
+            <a:ext cx="1998133" cy="746370"/>
+          </a:xfrm>
+          <a:prstGeom prst="leftRightArrow">
+            <a:avLst>
+              <a:gd name="adj1" fmla="val 54819"/>
+              <a:gd name="adj2" fmla="val 50000"/>
+            </a:avLst>
+          </a:prstGeom>
+          <a:solidFill>
+            <a:srgbClr val="FF0000">
+              <a:alpha val="77000"/>
+            </a:srgbClr>
+          </a:solidFill>
+          <a:ln>
+            <a:noFill/>
+          </a:ln>
+        </p:spPr>
+        <p:style>
+          <a:lnRef idx="2">
+            <a:schemeClr val="accent1">
+              <a:shade val="50000"/>
+            </a:schemeClr>
+          </a:lnRef>
+          <a:fillRef idx="1">
+            <a:schemeClr val="accent1"/>
+          </a:fillRef>
+          <a:effectRef idx="0">
+            <a:schemeClr val="accent1"/>
+          </a:effectRef>
+          <a:fontRef idx="minor">
+            <a:schemeClr val="lt1"/>
+          </a:fontRef>
+        </p:style>
+        <p:txBody>
+          <a:bodyPr rtlCol="0" anchor="ctr"/>
+          <a:lstStyle/>
+          <a:p>
+            <a:pPr algn="ctr"/>
+            <a:r>
+              <a:rPr lang="en-US" sz="3200" b="1" dirty="0" smtClean="0"/>
+              <a:t>VS</a:t>
+            </a:r>
+            <a:endParaRPr lang="en-US" sz="2800" b="1" dirty="0"/>
           </a:p>
         </p:txBody>
       </p:sp>
@@ -6260,6 +7411,13 @@
   <p:clrMapOvr>
     <a:masterClrMapping/>
   </p:clrMapOvr>
+  <p:timing>
+    <p:tnLst>
+      <p:par>
+        <p:cTn id="1" dur="indefinite" restart="never" nodeType="tmRoot"/>
+      </p:par>
+    </p:tnLst>
+  </p:timing>
 </p:sld>
 </file>
 
@@ -6305,7 +7463,11 @@
             </a:r>
             <a:r>
               <a:rPr lang="en-US" altLang="zh-CN" dirty="0" smtClean="0"/>
-              <a:t>Example -</a:t>
+              <a:t>Example </a:t>
+            </a:r>
+            <a:r>
+              <a:rPr lang="mr-IN" dirty="0"/>
+              <a:t>–</a:t>
             </a:r>
             <a:r>
               <a:rPr lang="zh-CN" altLang="en-US" dirty="0" smtClean="0"/>
@@ -6431,6 +7593,13 @@
   <p:clrMapOvr>
     <a:masterClrMapping/>
   </p:clrMapOvr>
+  <p:timing>
+    <p:tnLst>
+      <p:par>
+        <p:cTn id="1" dur="indefinite" restart="never" nodeType="tmRoot"/>
+      </p:par>
+    </p:tnLst>
+  </p:timing>
 </p:sld>
 </file>
 
@@ -6792,6 +7961,13 @@
   <p:clrMapOvr>
     <a:masterClrMapping/>
   </p:clrMapOvr>
+  <p:timing>
+    <p:tnLst>
+      <p:par>
+        <p:cTn id="1" dur="indefinite" restart="never" nodeType="tmRoot"/>
+      </p:par>
+    </p:tnLst>
+  </p:timing>
 </p:sld>
 </file>
 
@@ -6829,7 +8005,15 @@
           <a:p>
             <a:r>
               <a:rPr lang="en-US" dirty="0" smtClean="0"/>
-              <a:t>E&amp;E Example - Multi-armed Bandits </a:t>
+              <a:t>E&amp;E Example </a:t>
+            </a:r>
+            <a:r>
+              <a:rPr lang="mr-IN" dirty="0"/>
+              <a:t>–</a:t>
+            </a:r>
+            <a:r>
+              <a:rPr lang="en-US" dirty="0" smtClean="0"/>
+              <a:t> Multi-armed Bandits </a:t>
             </a:r>
             <a:endParaRPr lang="en-US" dirty="0"/>
           </a:p>
@@ -6962,265 +8146,523 @@
       </p:sp>
       <p:sp>
         <p:nvSpPr>
-          <p:cNvPr id="3" name="Content Placeholder 2"/>
-          <p:cNvSpPr>
-            <a:spLocks noGrp="1"/>
-          </p:cNvSpPr>
-          <p:nvPr>
-            <p:ph idx="1"/>
-          </p:nvPr>
-        </p:nvSpPr>
-        <p:spPr/>
-        <p:txBody>
-          <a:bodyPr>
-            <a:normAutofit/>
+          <p:cNvPr id="7" name="Rectangle 6"/>
+          <p:cNvSpPr/>
+          <p:nvPr/>
+        </p:nvSpPr>
+        <p:spPr>
+          <a:xfrm>
+            <a:off x="410635" y="1405476"/>
+            <a:ext cx="5685365" cy="523220"/>
+          </a:xfrm>
+          <a:prstGeom prst="rect">
+            <a:avLst/>
+          </a:prstGeom>
+        </p:spPr>
+        <p:txBody>
+          <a:bodyPr wrap="square">
+            <a:spAutoFit/>
           </a:bodyPr>
           <a:lstStyle/>
           <a:p>
-            <a:r>
-              <a:rPr lang="en-US" dirty="0" smtClean="0"/>
-              <a:t>K-armed Bandits Problem</a:t>
-            </a:r>
-          </a:p>
-          <a:p>
             <a:pPr lvl="1"/>
             <a:r>
-              <a:rPr lang="en-US" dirty="0" err="1" smtClean="0"/>
+              <a:rPr lang="en-US" sz="2800" dirty="0">
+                <a:latin typeface="Times New Roman" charset="0"/>
+                <a:ea typeface="Times New Roman" charset="0"/>
+                <a:cs typeface="Times New Roman" charset="0"/>
+              </a:rPr>
+              <a:t>Reward of </a:t>
+            </a:r>
+            <a:r>
+              <a:rPr lang="en-US" altLang="zh-CN" sz="2800" dirty="0" smtClean="0">
+                <a:latin typeface="Times New Roman" charset="0"/>
+                <a:ea typeface="Times New Roman" charset="0"/>
+                <a:cs typeface="Times New Roman" charset="0"/>
+              </a:rPr>
+              <a:t>play</a:t>
+            </a:r>
+            <a:r>
+              <a:rPr lang="zh-CN" altLang="en-US" sz="2800" dirty="0" smtClean="0">
+                <a:latin typeface="Times New Roman" charset="0"/>
+                <a:ea typeface="Times New Roman" charset="0"/>
+                <a:cs typeface="Times New Roman" charset="0"/>
+              </a:rPr>
+              <a:t> </a:t>
+            </a:r>
+            <a:r>
+              <a:rPr lang="en-US" sz="2800" dirty="0" smtClean="0">
+                <a:latin typeface="Times New Roman" charset="0"/>
+                <a:ea typeface="Times New Roman" charset="0"/>
+                <a:cs typeface="Times New Roman" charset="0"/>
+              </a:rPr>
+              <a:t>arm </a:t>
+            </a:r>
+            <a:r>
+              <a:rPr lang="en-US" sz="2800" b="1" dirty="0" err="1">
+                <a:latin typeface="Times New Roman" charset="0"/>
+                <a:ea typeface="Times New Roman" charset="0"/>
+                <a:cs typeface="Times New Roman" charset="0"/>
+              </a:rPr>
+              <a:t>i</a:t>
+            </a:r>
+            <a:r>
+              <a:rPr lang="en-US" sz="2800" dirty="0">
+                <a:latin typeface="Times New Roman" charset="0"/>
+                <a:ea typeface="Times New Roman" charset="0"/>
+                <a:cs typeface="Times New Roman" charset="0"/>
+              </a:rPr>
+              <a:t> in round </a:t>
+            </a:r>
+            <a:r>
+              <a:rPr lang="en-US" sz="2800" b="1" dirty="0">
+                <a:latin typeface="Times New Roman" charset="0"/>
+                <a:ea typeface="Times New Roman" charset="0"/>
+                <a:cs typeface="Times New Roman" charset="0"/>
+              </a:rPr>
+              <a:t>t</a:t>
+            </a:r>
+            <a:endParaRPr lang="en-US" sz="2800" b="1" baseline="-25000" dirty="0">
+              <a:latin typeface="Times New Roman" charset="0"/>
+              <a:ea typeface="Times New Roman" charset="0"/>
+              <a:cs typeface="Times New Roman" charset="0"/>
+            </a:endParaRPr>
+          </a:p>
+        </p:txBody>
+      </p:sp>
+      <p:sp>
+        <p:nvSpPr>
+          <p:cNvPr id="8" name="Rectangle 7"/>
+          <p:cNvSpPr/>
+          <p:nvPr/>
+        </p:nvSpPr>
+        <p:spPr>
+          <a:xfrm>
+            <a:off x="6237476" y="1159255"/>
+            <a:ext cx="989373" cy="769441"/>
+          </a:xfrm>
+          <a:prstGeom prst="rect">
+            <a:avLst/>
+          </a:prstGeom>
+        </p:spPr>
+        <p:txBody>
+          <a:bodyPr wrap="none">
+            <a:spAutoFit/>
+          </a:bodyPr>
+          <a:lstStyle/>
+          <a:p>
+            <a:r>
+              <a:rPr lang="en-US" sz="4400" dirty="0" err="1">
+                <a:latin typeface="Times New Roman" charset="0"/>
+                <a:ea typeface="Times New Roman" charset="0"/>
+                <a:cs typeface="Times New Roman" charset="0"/>
+              </a:rPr>
               <a:t>X</a:t>
             </a:r>
             <a:r>
-              <a:rPr lang="en-US" baseline="-25000" dirty="0" err="1" smtClean="0"/>
+              <a:rPr lang="en-US" sz="4400" baseline="-25000" dirty="0" err="1">
+                <a:latin typeface="Times New Roman" charset="0"/>
+                <a:ea typeface="Times New Roman" charset="0"/>
+                <a:cs typeface="Times New Roman" charset="0"/>
+              </a:rPr>
               <a:t>i,t</a:t>
             </a:r>
             <a:r>
-              <a:rPr lang="en-US" baseline="-25000" dirty="0"/>
+              <a:rPr lang="en-US" sz="4400" baseline="-25000" dirty="0">
+                <a:latin typeface="Times New Roman" charset="0"/>
+                <a:ea typeface="Times New Roman" charset="0"/>
+                <a:cs typeface="Times New Roman" charset="0"/>
+              </a:rPr>
               <a:t> </a:t>
             </a:r>
-            <a:r>
-              <a:rPr lang="en-US" dirty="0" smtClean="0"/>
-              <a:t>,Reward of action </a:t>
-            </a:r>
-            <a:r>
-              <a:rPr lang="en-US" dirty="0" err="1" smtClean="0"/>
+            <a:endParaRPr lang="en-US" sz="4400" dirty="0">
+              <a:latin typeface="Times New Roman" charset="0"/>
+              <a:ea typeface="Times New Roman" charset="0"/>
+              <a:cs typeface="Times New Roman" charset="0"/>
+            </a:endParaRPr>
+          </a:p>
+        </p:txBody>
+      </p:sp>
+      <p:sp>
+        <p:nvSpPr>
+          <p:cNvPr id="9" name="Rectangle 8"/>
+          <p:cNvSpPr/>
+          <p:nvPr/>
+        </p:nvSpPr>
+        <p:spPr>
+          <a:xfrm>
+            <a:off x="410635" y="1956061"/>
+            <a:ext cx="7543800" cy="1569660"/>
+          </a:xfrm>
+          <a:prstGeom prst="rect">
+            <a:avLst/>
+          </a:prstGeom>
+        </p:spPr>
+        <p:txBody>
+          <a:bodyPr wrap="square">
+            <a:spAutoFit/>
+          </a:bodyPr>
+          <a:lstStyle/>
+          <a:p>
+            <a:pPr marL="800100" lvl="1" indent="-342900">
+              <a:buFont typeface="Arial" charset="0"/>
+              <a:buChar char="•"/>
+            </a:pPr>
+            <a:r>
+              <a:rPr lang="en-US" sz="2400" dirty="0"/>
+              <a:t>1&lt;=</a:t>
+            </a:r>
+            <a:r>
+              <a:rPr lang="en-US" sz="2400" dirty="0" err="1"/>
               <a:t>i</a:t>
             </a:r>
             <a:r>
-              <a:rPr lang="en-US" dirty="0" smtClean="0"/>
-              <a:t> in round t</a:t>
-            </a:r>
-            <a:endParaRPr lang="en-US" baseline="-25000" dirty="0" smtClean="0"/>
-          </a:p>
+              <a:rPr lang="en-US" sz="2400" dirty="0"/>
+              <a:t>&lt;=</a:t>
+            </a:r>
+            <a:r>
+              <a:rPr lang="en-US" sz="2400" dirty="0" smtClean="0"/>
+              <a:t>K</a:t>
+            </a:r>
+          </a:p>
+          <a:p>
+            <a:pPr marL="800100" lvl="1" indent="-342900">
+              <a:buFont typeface="Arial" charset="0"/>
+              <a:buChar char="•"/>
+            </a:pPr>
+            <a:r>
+              <a:rPr lang="en-US" sz="2400" dirty="0" smtClean="0"/>
+              <a:t>t</a:t>
+            </a:r>
+            <a:r>
+              <a:rPr lang="en-US" sz="2400" dirty="0"/>
+              <a:t>&gt;=</a:t>
+            </a:r>
+            <a:r>
+              <a:rPr lang="en-US" sz="2400" dirty="0" smtClean="0"/>
+              <a:t>1</a:t>
+            </a:r>
+          </a:p>
+          <a:p>
+            <a:pPr marL="800100" lvl="1" indent="-342900">
+              <a:buFont typeface="Arial" charset="0"/>
+              <a:buChar char="•"/>
+            </a:pPr>
+            <a:r>
+              <a:rPr lang="en-US" sz="2400" dirty="0" err="1" smtClean="0"/>
+              <a:t>X</a:t>
+            </a:r>
+            <a:r>
+              <a:rPr lang="en-US" sz="2400" baseline="-25000" dirty="0" err="1" smtClean="0"/>
+              <a:t>i,t</a:t>
+            </a:r>
+            <a:r>
+              <a:rPr lang="en-US" sz="2400" dirty="0" smtClean="0"/>
+              <a:t> </a:t>
+            </a:r>
+            <a:r>
+              <a:rPr lang="en-US" sz="2400" dirty="0"/>
+              <a:t>and </a:t>
+            </a:r>
+            <a:r>
+              <a:rPr lang="en-US" sz="2400" dirty="0" err="1"/>
+              <a:t>X</a:t>
+            </a:r>
+            <a:r>
+              <a:rPr lang="en-US" sz="2400" baseline="-25000" dirty="0" err="1"/>
+              <a:t>i,s</a:t>
+            </a:r>
+            <a:r>
+              <a:rPr lang="en-US" sz="2400" dirty="0"/>
+              <a:t> are identically </a:t>
+            </a:r>
+            <a:r>
+              <a:rPr lang="en-US" sz="2400" dirty="0" smtClean="0"/>
+              <a:t>distributed</a:t>
+            </a:r>
+          </a:p>
+          <a:p>
+            <a:pPr marL="800100" lvl="1" indent="-342900">
+              <a:buFont typeface="Arial" charset="0"/>
+              <a:buChar char="•"/>
+            </a:pPr>
+            <a:r>
+              <a:rPr lang="en-US" sz="2400" dirty="0" err="1" smtClean="0"/>
+              <a:t>X</a:t>
+            </a:r>
+            <a:r>
+              <a:rPr lang="en-US" sz="2400" baseline="-25000" dirty="0" err="1" smtClean="0"/>
+              <a:t>i,t</a:t>
+            </a:r>
+            <a:r>
+              <a:rPr lang="en-US" sz="2400" dirty="0" smtClean="0"/>
+              <a:t> </a:t>
+            </a:r>
+            <a:r>
+              <a:rPr lang="en-US" sz="2400" dirty="0"/>
+              <a:t>are independent as both </a:t>
+            </a:r>
+            <a:r>
+              <a:rPr lang="en-US" sz="2400" dirty="0" err="1"/>
+              <a:t>i</a:t>
+            </a:r>
+            <a:r>
+              <a:rPr lang="en-US" sz="2400" dirty="0"/>
+              <a:t> and </a:t>
+            </a:r>
+            <a:r>
+              <a:rPr lang="en-US" altLang="zh-CN" sz="2400" dirty="0" smtClean="0"/>
+              <a:t>t</a:t>
+            </a:r>
+            <a:r>
+              <a:rPr lang="en-US" sz="2400" dirty="0" smtClean="0"/>
+              <a:t> </a:t>
+            </a:r>
+            <a:r>
+              <a:rPr lang="en-US" sz="2400" dirty="0"/>
+              <a:t>vary</a:t>
+            </a:r>
+          </a:p>
+        </p:txBody>
+      </p:sp>
+      <p:sp>
+        <p:nvSpPr>
+          <p:cNvPr id="10" name="Rectangle 9"/>
+          <p:cNvSpPr/>
+          <p:nvPr/>
+        </p:nvSpPr>
+        <p:spPr>
+          <a:xfrm>
+            <a:off x="838200" y="3655374"/>
+            <a:ext cx="8075159" cy="523220"/>
+          </a:xfrm>
+          <a:prstGeom prst="rect">
+            <a:avLst/>
+          </a:prstGeom>
+        </p:spPr>
+        <p:txBody>
+          <a:bodyPr wrap="none">
+            <a:spAutoFit/>
+          </a:bodyPr>
+          <a:lstStyle/>
+          <a:p>
+            <a:r>
+              <a:rPr lang="en-US" altLang="zh-CN" sz="2800" dirty="0" smtClean="0">
+                <a:latin typeface="Times New Roman" charset="0"/>
+                <a:ea typeface="Times New Roman" charset="0"/>
+                <a:cs typeface="Times New Roman" charset="0"/>
+              </a:rPr>
+              <a:t>T</a:t>
+            </a:r>
+            <a:r>
+              <a:rPr lang="en-US" sz="2800" dirty="0" smtClean="0">
+                <a:latin typeface="Times New Roman" charset="0"/>
+                <a:ea typeface="Times New Roman" charset="0"/>
+                <a:cs typeface="Times New Roman" charset="0"/>
+              </a:rPr>
+              <a:t>he </a:t>
+            </a:r>
+            <a:r>
+              <a:rPr lang="en-US" sz="2800" dirty="0">
+                <a:latin typeface="Times New Roman" charset="0"/>
+                <a:ea typeface="Times New Roman" charset="0"/>
+                <a:cs typeface="Times New Roman" charset="0"/>
+              </a:rPr>
+              <a:t>average (or mean or expected) reward of </a:t>
+            </a:r>
+            <a:r>
+              <a:rPr lang="en-US" altLang="zh-CN" sz="2800" dirty="0" smtClean="0">
+                <a:latin typeface="Times New Roman" charset="0"/>
+                <a:ea typeface="Times New Roman" charset="0"/>
+                <a:cs typeface="Times New Roman" charset="0"/>
+              </a:rPr>
+              <a:t>arm</a:t>
+            </a:r>
+            <a:r>
+              <a:rPr lang="zh-CN" altLang="en-US" sz="2800" dirty="0" smtClean="0">
+                <a:latin typeface="Times New Roman" charset="0"/>
+                <a:ea typeface="Times New Roman" charset="0"/>
+                <a:cs typeface="Times New Roman" charset="0"/>
+              </a:rPr>
+              <a:t> </a:t>
+            </a:r>
+            <a:r>
+              <a:rPr lang="en-US" altLang="zh-CN" sz="2800" dirty="0" smtClean="0">
+                <a:latin typeface="Times New Roman" charset="0"/>
+                <a:ea typeface="Times New Roman" charset="0"/>
+                <a:cs typeface="Times New Roman" charset="0"/>
+              </a:rPr>
+              <a:t>j</a:t>
+            </a:r>
+            <a:r>
+              <a:rPr lang="zh-CN" altLang="en-US" sz="2800" dirty="0" smtClean="0">
+                <a:latin typeface="Times New Roman" charset="0"/>
+                <a:ea typeface="Times New Roman" charset="0"/>
+                <a:cs typeface="Times New Roman" charset="0"/>
+              </a:rPr>
+              <a:t> </a:t>
+            </a:r>
+            <a:r>
+              <a:rPr lang="en-US" sz="2800" dirty="0" smtClean="0">
+                <a:latin typeface="Times New Roman" charset="0"/>
+                <a:ea typeface="Times New Roman" charset="0"/>
+                <a:cs typeface="Times New Roman" charset="0"/>
+              </a:rPr>
+              <a:t>as </a:t>
+            </a:r>
+            <a:endParaRPr lang="en-US" sz="2800" dirty="0">
+              <a:latin typeface="Times New Roman" charset="0"/>
+              <a:ea typeface="Times New Roman" charset="0"/>
+              <a:cs typeface="Times New Roman" charset="0"/>
+            </a:endParaRPr>
+          </a:p>
+        </p:txBody>
+      </p:sp>
+      <p:sp>
+        <p:nvSpPr>
+          <p:cNvPr id="11" name="Rectangle 10"/>
+          <p:cNvSpPr/>
+          <p:nvPr/>
+        </p:nvSpPr>
+        <p:spPr>
+          <a:xfrm>
+            <a:off x="8913359" y="3409153"/>
+            <a:ext cx="1194558" cy="769441"/>
+          </a:xfrm>
+          <a:prstGeom prst="rect">
+            <a:avLst/>
+          </a:prstGeom>
+        </p:spPr>
+        <p:txBody>
+          <a:bodyPr wrap="none">
+            <a:spAutoFit/>
+          </a:bodyPr>
+          <a:lstStyle/>
           <a:p>
             <a:pPr lvl="1"/>
             <a:r>
-              <a:rPr lang="en-US" dirty="0" smtClean="0"/>
-              <a:t>1&lt;=</a:t>
-            </a:r>
-            <a:r>
-              <a:rPr lang="en-US" dirty="0" err="1" smtClean="0"/>
-              <a:t>i</a:t>
-            </a:r>
-            <a:r>
-              <a:rPr lang="en-US" dirty="0" smtClean="0"/>
-              <a:t>&lt;=K,</a:t>
-            </a:r>
-            <a:r>
-              <a:rPr lang="en-US" i="1" dirty="0"/>
+              <a:rPr lang="en-US" sz="4400" dirty="0" err="1">
+                <a:latin typeface="Times New Roman" charset="0"/>
+                <a:ea typeface="Times New Roman" charset="0"/>
+                <a:cs typeface="Times New Roman" charset="0"/>
+              </a:rPr>
+              <a:t>μ</a:t>
+            </a:r>
+            <a:r>
+              <a:rPr lang="en-US" sz="4400" baseline="-25000" dirty="0" err="1">
+                <a:latin typeface="Times New Roman" charset="0"/>
+                <a:ea typeface="Times New Roman" charset="0"/>
+                <a:cs typeface="Times New Roman" charset="0"/>
+              </a:rPr>
+              <a:t>j</a:t>
+            </a:r>
+            <a:r>
+              <a:rPr lang="en-US" sz="4400" i="1" dirty="0">
+                <a:latin typeface="Times New Roman" charset="0"/>
+                <a:ea typeface="Times New Roman" charset="0"/>
+                <a:cs typeface="Times New Roman" charset="0"/>
+              </a:rPr>
               <a:t> </a:t>
             </a:r>
-            <a:r>
-              <a:rPr lang="en-US" i="1" dirty="0" err="1"/>
-              <a:t>i</a:t>
-            </a:r>
-            <a:r>
-              <a:rPr lang="en-US" i="1" dirty="0"/>
+          </a:p>
+        </p:txBody>
+      </p:sp>
+      <p:sp>
+        <p:nvSpPr>
+          <p:cNvPr id="13" name="Rectangle 12"/>
+          <p:cNvSpPr/>
+          <p:nvPr/>
+        </p:nvSpPr>
+        <p:spPr>
+          <a:xfrm>
+            <a:off x="838200" y="4292835"/>
+            <a:ext cx="8781315" cy="523220"/>
+          </a:xfrm>
+          <a:prstGeom prst="rect">
+            <a:avLst/>
+          </a:prstGeom>
+        </p:spPr>
+        <p:txBody>
+          <a:bodyPr wrap="none">
+            <a:spAutoFit/>
+          </a:bodyPr>
+          <a:lstStyle/>
+          <a:p>
+            <a:r>
+              <a:rPr lang="en-US" altLang="zh-CN" sz="2800" dirty="0" smtClean="0">
+                <a:latin typeface="Times New Roman" charset="0"/>
+                <a:ea typeface="Times New Roman" charset="0"/>
+                <a:cs typeface="Times New Roman" charset="0"/>
+              </a:rPr>
+              <a:t>T</a:t>
+            </a:r>
+            <a:r>
+              <a:rPr lang="en-US" sz="2800" dirty="0" smtClean="0">
+                <a:latin typeface="Times New Roman" charset="0"/>
+                <a:ea typeface="Times New Roman" charset="0"/>
+                <a:cs typeface="Times New Roman" charset="0"/>
+              </a:rPr>
+              <a:t>he </a:t>
+            </a:r>
+            <a:r>
+              <a:rPr lang="en-US" sz="2800" dirty="0">
+                <a:latin typeface="Times New Roman" charset="0"/>
+                <a:ea typeface="Times New Roman" charset="0"/>
+                <a:cs typeface="Times New Roman" charset="0"/>
+              </a:rPr>
+              <a:t>average (or mean or expected) reward of </a:t>
+            </a:r>
+            <a:r>
+              <a:rPr lang="en-US" altLang="zh-CN" sz="2800" dirty="0" smtClean="0">
+                <a:latin typeface="Times New Roman" charset="0"/>
+                <a:ea typeface="Times New Roman" charset="0"/>
+                <a:cs typeface="Times New Roman" charset="0"/>
+              </a:rPr>
+              <a:t>best</a:t>
+            </a:r>
+            <a:r>
+              <a:rPr lang="zh-CN" altLang="en-US" sz="2800" dirty="0" smtClean="0">
+                <a:latin typeface="Times New Roman" charset="0"/>
+                <a:ea typeface="Times New Roman" charset="0"/>
+                <a:cs typeface="Times New Roman" charset="0"/>
+              </a:rPr>
               <a:t> </a:t>
             </a:r>
             <a:r>
-              <a:rPr lang="en-US" dirty="0"/>
-              <a:t>is the index of a gambling machine </a:t>
-            </a:r>
-            <a:endParaRPr lang="en-US" dirty="0" smtClean="0"/>
-          </a:p>
-          <a:p>
-            <a:pPr lvl="1"/>
-            <a:r>
-              <a:rPr lang="en-US" dirty="0" smtClean="0"/>
-              <a:t>t&gt;=1, t is the round number of process</a:t>
-            </a:r>
-          </a:p>
-          <a:p>
-            <a:pPr lvl="1"/>
-            <a:r>
-              <a:rPr lang="en-US" dirty="0" err="1" smtClean="0"/>
-              <a:t>X</a:t>
-            </a:r>
-            <a:r>
-              <a:rPr lang="en-US" baseline="-25000" dirty="0" err="1" smtClean="0"/>
-              <a:t>i,t</a:t>
-            </a:r>
-            <a:r>
-              <a:rPr lang="en-US" dirty="0" smtClean="0"/>
-              <a:t> and </a:t>
-            </a:r>
-            <a:r>
-              <a:rPr lang="en-US" dirty="0" err="1" smtClean="0"/>
-              <a:t>X</a:t>
-            </a:r>
-            <a:r>
-              <a:rPr lang="en-US" baseline="-25000" dirty="0" err="1" smtClean="0"/>
-              <a:t>i,s</a:t>
-            </a:r>
-            <a:r>
-              <a:rPr lang="en-US" dirty="0" smtClean="0"/>
-              <a:t> are </a:t>
-            </a:r>
-            <a:r>
-              <a:rPr lang="en-US" dirty="0"/>
-              <a:t>identically </a:t>
-            </a:r>
-            <a:r>
-              <a:rPr lang="en-US" dirty="0" smtClean="0"/>
-              <a:t>distributed</a:t>
-            </a:r>
-          </a:p>
-          <a:p>
-            <a:pPr lvl="1"/>
-            <a:r>
-              <a:rPr lang="en-US" dirty="0" err="1" smtClean="0"/>
-              <a:t>X</a:t>
-            </a:r>
-            <a:r>
-              <a:rPr lang="en-US" baseline="-25000" dirty="0" err="1" smtClean="0"/>
-              <a:t>i,t</a:t>
-            </a:r>
-            <a:r>
-              <a:rPr lang="en-US" dirty="0" smtClean="0"/>
-              <a:t> are independent as both </a:t>
-            </a:r>
-            <a:r>
-              <a:rPr lang="en-US" dirty="0" err="1" smtClean="0"/>
-              <a:t>i</a:t>
-            </a:r>
-            <a:r>
-              <a:rPr lang="en-US" dirty="0" smtClean="0"/>
-              <a:t> and j vary</a:t>
-            </a:r>
-          </a:p>
-          <a:p>
-            <a:pPr lvl="1"/>
-            <a:r>
-              <a:rPr lang="en-US" dirty="0"/>
-              <a:t>the average (or mean or expected) reward of the best action as </a:t>
-            </a:r>
-            <a:r>
-              <a:rPr lang="en-US" dirty="0" smtClean="0"/>
-              <a:t>μ</a:t>
-            </a:r>
-            <a:r>
-              <a:rPr lang="en-US" baseline="30000" dirty="0" smtClean="0"/>
-              <a:t>*</a:t>
-            </a:r>
-          </a:p>
-          <a:p>
-            <a:pPr lvl="1"/>
-            <a:r>
-              <a:rPr lang="en-US" dirty="0"/>
-              <a:t>of any other action j</a:t>
-            </a:r>
-            <a:r>
-              <a:rPr lang="en-US" i="1" dirty="0"/>
+              <a:rPr lang="en-US" altLang="zh-CN" sz="2800" dirty="0" smtClean="0">
+                <a:latin typeface="Times New Roman" charset="0"/>
+                <a:ea typeface="Times New Roman" charset="0"/>
+                <a:cs typeface="Times New Roman" charset="0"/>
+              </a:rPr>
+              <a:t>arm</a:t>
+            </a:r>
+            <a:r>
+              <a:rPr lang="zh-CN" altLang="en-US" sz="2800" dirty="0" smtClean="0">
+                <a:latin typeface="Times New Roman" charset="0"/>
+                <a:ea typeface="Times New Roman" charset="0"/>
+                <a:cs typeface="Times New Roman" charset="0"/>
+              </a:rPr>
               <a:t> </a:t>
             </a:r>
             <a:r>
-              <a:rPr lang="en-US" dirty="0"/>
+              <a:rPr lang="en-US" sz="2800" dirty="0" smtClean="0">
+                <a:latin typeface="Times New Roman" charset="0"/>
+                <a:ea typeface="Times New Roman" charset="0"/>
+                <a:cs typeface="Times New Roman" charset="0"/>
+              </a:rPr>
               <a:t>as </a:t>
             </a:r>
-            <a:r>
-              <a:rPr lang="en-US" dirty="0" err="1"/>
-              <a:t>μ</a:t>
-            </a:r>
-            <a:r>
-              <a:rPr lang="en-US" baseline="-25000" dirty="0" err="1"/>
-              <a:t>j</a:t>
-            </a:r>
-            <a:r>
-              <a:rPr lang="en-US" i="1" dirty="0"/>
-              <a:t> </a:t>
-            </a:r>
-            <a:endParaRPr lang="en-US" i="1" dirty="0" smtClean="0"/>
-          </a:p>
-          <a:p>
-            <a:pPr lvl="1"/>
-            <a:r>
-              <a:rPr lang="en-US" i="1" dirty="0" err="1"/>
-              <a:t>Tj</a:t>
-            </a:r>
-            <a:r>
-              <a:rPr lang="en-US" i="1" dirty="0"/>
-              <a:t> </a:t>
-            </a:r>
-            <a:r>
-              <a:rPr lang="en-US" dirty="0"/>
-              <a:t>(</a:t>
-            </a:r>
-            <a:r>
-              <a:rPr lang="en-US" i="1" dirty="0"/>
-              <a:t>n</a:t>
-            </a:r>
-            <a:r>
-              <a:rPr lang="en-US" dirty="0"/>
-              <a:t>) for the number of times we have tried action </a:t>
-            </a:r>
-            <a:r>
-              <a:rPr lang="en-US" i="1" dirty="0"/>
-              <a:t>j </a:t>
-            </a:r>
-            <a:r>
-              <a:rPr lang="en-US" dirty="0"/>
-              <a:t>in a total of </a:t>
-            </a:r>
-            <a:r>
-              <a:rPr lang="en-US" i="1" dirty="0"/>
-              <a:t>n </a:t>
-            </a:r>
-            <a:r>
-              <a:rPr lang="en-US" dirty="0"/>
-              <a:t>action </a:t>
-            </a:r>
-            <a:endParaRPr lang="en-US" dirty="0" smtClean="0"/>
-          </a:p>
-          <a:p>
-            <a:pPr lvl="1"/>
-            <a:r>
-              <a:rPr lang="en-US" dirty="0"/>
-              <a:t>the regret after </a:t>
-            </a:r>
-            <a:r>
-              <a:rPr lang="en-US" i="1" dirty="0"/>
-              <a:t>n </a:t>
-            </a:r>
-            <a:r>
-              <a:rPr lang="en-US" dirty="0"/>
-              <a:t>actions is defined as </a:t>
-            </a:r>
-            <a:endParaRPr lang="en-US" dirty="0" smtClean="0"/>
-          </a:p>
-          <a:p>
-            <a:pPr lvl="1"/>
-            <a:endParaRPr lang="en-US" dirty="0" smtClean="0"/>
-          </a:p>
-          <a:p>
-            <a:pPr marL="457200" lvl="1" indent="0">
-              <a:buNone/>
-            </a:pPr>
-            <a:endParaRPr lang="en-US" dirty="0" smtClean="0"/>
+            <a:endParaRPr lang="en-US" sz="2800" dirty="0">
+              <a:latin typeface="Times New Roman" charset="0"/>
+              <a:ea typeface="Times New Roman" charset="0"/>
+              <a:cs typeface="Times New Roman" charset="0"/>
+            </a:endParaRPr>
           </a:p>
         </p:txBody>
       </p:sp>
       <p:pic>
         <p:nvPicPr>
-          <p:cNvPr id="5" name="Picture 4"/>
+          <p:cNvPr id="14" name="Picture 13"/>
           <p:cNvPicPr>
             <a:picLocks noChangeAspect="1"/>
           </p:cNvPicPr>
@@ -7240,17 +8682,114 @@
         </p:blipFill>
         <p:spPr>
           <a:xfrm>
-            <a:off x="9821984" y="4126522"/>
-            <a:ext cx="2050835" cy="773724"/>
+            <a:off x="9336831" y="4292835"/>
+            <a:ext cx="2465259" cy="930075"/>
           </a:xfrm>
           <a:prstGeom prst="rect">
             <a:avLst/>
           </a:prstGeom>
         </p:spPr>
       </p:pic>
+      <p:sp>
+        <p:nvSpPr>
+          <p:cNvPr id="15" name="Rectangle 14"/>
+          <p:cNvSpPr/>
+          <p:nvPr/>
+        </p:nvSpPr>
+        <p:spPr>
+          <a:xfrm>
+            <a:off x="838200" y="4930296"/>
+            <a:ext cx="9098966" cy="523220"/>
+          </a:xfrm>
+          <a:prstGeom prst="rect">
+            <a:avLst/>
+          </a:prstGeom>
+        </p:spPr>
+        <p:txBody>
+          <a:bodyPr wrap="none">
+            <a:spAutoFit/>
+          </a:bodyPr>
+          <a:lstStyle/>
+          <a:p>
+            <a:r>
+              <a:rPr lang="en-US" sz="2800" dirty="0" smtClean="0">
+                <a:latin typeface="Times New Roman" charset="0"/>
+                <a:ea typeface="Times New Roman" charset="0"/>
+                <a:cs typeface="Times New Roman" charset="0"/>
+              </a:rPr>
+              <a:t>The </a:t>
+            </a:r>
+            <a:r>
+              <a:rPr lang="en-US" sz="2800" dirty="0">
+                <a:latin typeface="Times New Roman" charset="0"/>
+                <a:ea typeface="Times New Roman" charset="0"/>
+                <a:cs typeface="Times New Roman" charset="0"/>
+              </a:rPr>
+              <a:t>number of times we have tried </a:t>
+            </a:r>
+            <a:r>
+              <a:rPr lang="en-US" sz="2800" dirty="0" smtClean="0">
+                <a:latin typeface="Times New Roman" charset="0"/>
+                <a:ea typeface="Times New Roman" charset="0"/>
+                <a:cs typeface="Times New Roman" charset="0"/>
+              </a:rPr>
+              <a:t>arm </a:t>
+            </a:r>
+            <a:r>
+              <a:rPr lang="en-US" sz="2800" dirty="0">
+                <a:latin typeface="Times New Roman" charset="0"/>
+                <a:ea typeface="Times New Roman" charset="0"/>
+                <a:cs typeface="Times New Roman" charset="0"/>
+              </a:rPr>
+              <a:t>j in a total of n action </a:t>
+            </a:r>
+          </a:p>
+        </p:txBody>
+      </p:sp>
+      <p:sp>
+        <p:nvSpPr>
+          <p:cNvPr id="16" name="Rectangle 15"/>
+          <p:cNvSpPr/>
+          <p:nvPr/>
+        </p:nvSpPr>
+        <p:spPr>
+          <a:xfrm>
+            <a:off x="9802612" y="4983208"/>
+            <a:ext cx="1495922" cy="707886"/>
+          </a:xfrm>
+          <a:prstGeom prst="rect">
+            <a:avLst/>
+          </a:prstGeom>
+        </p:spPr>
+        <p:txBody>
+          <a:bodyPr wrap="none">
+            <a:spAutoFit/>
+          </a:bodyPr>
+          <a:lstStyle/>
+          <a:p>
+            <a:r>
+              <a:rPr lang="en-US" sz="4000" dirty="0" err="1">
+                <a:latin typeface="Times New Roman" charset="0"/>
+                <a:ea typeface="Times New Roman" charset="0"/>
+                <a:cs typeface="Times New Roman" charset="0"/>
+              </a:rPr>
+              <a:t>Tj</a:t>
+            </a:r>
+            <a:r>
+              <a:rPr lang="en-US" sz="4000" dirty="0">
+                <a:latin typeface="Times New Roman" charset="0"/>
+                <a:ea typeface="Times New Roman" charset="0"/>
+                <a:cs typeface="Times New Roman" charset="0"/>
+              </a:rPr>
+              <a:t> (n) </a:t>
+            </a:r>
+            <a:endParaRPr lang="en-US" sz="4000" dirty="0"/>
+          </a:p>
+        </p:txBody>
+      </p:sp>
       <p:pic>
         <p:nvPicPr>
-          <p:cNvPr id="6" name="Picture 5"/>
+          <p:cNvPr id="17" name="Picture 16"/>
           <p:cNvPicPr>
             <a:picLocks noChangeAspect="1"/>
           </p:cNvPicPr>
@@ -7270,8 +8809,8 @@
         </p:blipFill>
         <p:spPr>
           <a:xfrm>
-            <a:off x="6600093" y="5454785"/>
-            <a:ext cx="4003430" cy="1262537"/>
+            <a:off x="838200" y="5416129"/>
+            <a:ext cx="4453536" cy="1404484"/>
           </a:xfrm>
           <a:prstGeom prst="rect">
             <a:avLst/>
@@ -7281,7 +8820,7 @@
     </p:spTree>
     <p:extLst>
       <p:ext uri="{BB962C8B-B14F-4D97-AF65-F5344CB8AC3E}">
-        <p14:creationId xmlns:p14="http://schemas.microsoft.com/office/powerpoint/2010/main" val="1160525922"/>
+        <p14:creationId xmlns:p14="http://schemas.microsoft.com/office/powerpoint/2010/main" val="606732004"/>
       </p:ext>
     </p:extLst>
   </p:cSld>
@@ -7446,7 +8985,7 @@
         </p:blipFill>
         <p:spPr>
           <a:xfrm>
-            <a:off x="5427785" y="2883588"/>
+            <a:off x="5785576" y="2986524"/>
             <a:ext cx="1574800" cy="520700"/>
           </a:xfrm>
           <a:prstGeom prst="rect">
@@ -7476,7 +9015,7 @@
         </p:blipFill>
         <p:spPr>
           <a:xfrm>
-            <a:off x="2130180" y="3747294"/>
+            <a:off x="1893114" y="3747294"/>
             <a:ext cx="1612900" cy="508000"/>
           </a:xfrm>
           <a:prstGeom prst="rect">
@@ -7824,4 +9363,265 @@
     </a:ext>
   </a:extLst>
 </a:theme>
+</file>
+
+<file path=ppt/theme/theme2.xml><?xml version="1.0" encoding="utf-8"?>
+<a:theme xmlns:a="http://schemas.openxmlformats.org/drawingml/2006/main" name="Office Theme">
+  <a:themeElements>
+    <a:clrScheme name="Office">
+      <a:dk1>
+        <a:sysClr val="windowText" lastClr="000000"/>
+      </a:dk1>
+      <a:lt1>
+        <a:sysClr val="window" lastClr="FFFFFF"/>
+      </a:lt1>
+      <a:dk2>
+        <a:srgbClr val="44546A"/>
+      </a:dk2>
+      <a:lt2>
+        <a:srgbClr val="E7E6E6"/>
+      </a:lt2>
+      <a:accent1>
+        <a:srgbClr val="5B9BD5"/>
+      </a:accent1>
+      <a:accent2>
+        <a:srgbClr val="ED7D31"/>
+      </a:accent2>
+      <a:accent3>
+        <a:srgbClr val="A5A5A5"/>
+      </a:accent3>
+      <a:accent4>
+        <a:srgbClr val="FFC000"/>
+      </a:accent4>
+      <a:accent5>
+        <a:srgbClr val="4472C4"/>
+      </a:accent5>
+      <a:accent6>
+        <a:srgbClr val="70AD47"/>
+      </a:accent6>
+      <a:hlink>
+        <a:srgbClr val="0563C1"/>
+      </a:hlink>
+      <a:folHlink>
+        <a:srgbClr val="954F72"/>
+      </a:folHlink>
+    </a:clrScheme>
+    <a:fontScheme name="Office">
+      <a:majorFont>
+        <a:latin typeface="Calibri Light" panose="020F0302020204030204"/>
+        <a:ea typeface=""/>
+        <a:cs typeface=""/>
+        <a:font script="Jpan" typeface="Yu Gothic Light"/>
+        <a:font script="Hang" typeface="맑은 고딕"/>
+        <a:font script="Hans" typeface="DengXian Light"/>
+        <a:font script="Hant" typeface="新細明體"/>
+        <a:font script="Arab" typeface="Times New Roman"/>
+        <a:font script="Hebr" typeface="Times New Roman"/>
+        <a:font script="Thai" typeface="Angsana New"/>
+        <a:font script="Ethi" typeface="Nyala"/>
+        <a:font script="Beng" typeface="Vrinda"/>
+        <a:font script="Gujr" typeface="Shruti"/>
+        <a:font script="Khmr" typeface="MoolBoran"/>
+        <a:font script="Knda" typeface="Tunga"/>
+        <a:font script="Guru" typeface="Raavi"/>
+        <a:font script="Cans" typeface="Euphemia"/>
+        <a:font script="Cher" typeface="Plantagenet Cherokee"/>
+        <a:font script="Yiii" typeface="Microsoft Yi Baiti"/>
+        <a:font script="Tibt" typeface="Microsoft Himalaya"/>
+        <a:font script="Thaa" typeface="MV Boli"/>
+        <a:font script="Deva" typeface="Mangal"/>
+        <a:font script="Telu" typeface="Gautami"/>
+        <a:font script="Taml" typeface="Latha"/>
+        <a:font script="Syrc" typeface="Estrangelo Edessa"/>
+        <a:font script="Orya" typeface="Kalinga"/>
+        <a:font script="Mlym" typeface="Kartika"/>
+        <a:font script="Laoo" typeface="DokChampa"/>
+        <a:font script="Sinh" typeface="Iskoola Pota"/>
+        <a:font script="Mong" typeface="Mongolian Baiti"/>
+        <a:font script="Viet" typeface="Times New Roman"/>
+        <a:font script="Uigh" typeface="Microsoft Uighur"/>
+        <a:font script="Geor" typeface="Sylfaen"/>
+      </a:majorFont>
+      <a:minorFont>
+        <a:latin typeface="Calibri" panose="020F0502020204030204"/>
+        <a:ea typeface=""/>
+        <a:cs typeface=""/>
+        <a:font script="Jpan" typeface="Yu Gothic"/>
+        <a:font script="Hang" typeface="맑은 고딕"/>
+        <a:font script="Hans" typeface="DengXian"/>
+        <a:font script="Hant" typeface="新細明體"/>
+        <a:font script="Arab" typeface="Arial"/>
+        <a:font script="Hebr" typeface="Arial"/>
+        <a:font script="Thai" typeface="Cordia New"/>
+        <a:font script="Ethi" typeface="Nyala"/>
+        <a:font script="Beng" typeface="Vrinda"/>
+        <a:font script="Gujr" typeface="Shruti"/>
+        <a:font script="Khmr" typeface="DaunPenh"/>
+        <a:font script="Knda" typeface="Tunga"/>
+        <a:font script="Guru" typeface="Raavi"/>
+        <a:font script="Cans" typeface="Euphemia"/>
+        <a:font script="Cher" typeface="Plantagenet Cherokee"/>
+        <a:font script="Yiii" typeface="Microsoft Yi Baiti"/>
+        <a:font script="Tibt" typeface="Microsoft Himalaya"/>
+        <a:font script="Thaa" typeface="MV Boli"/>
+        <a:font script="Deva" typeface="Mangal"/>
+        <a:font script="Telu" typeface="Gautami"/>
+        <a:font script="Taml" typeface="Latha"/>
+        <a:font script="Syrc" typeface="Estrangelo Edessa"/>
+        <a:font script="Orya" typeface="Kalinga"/>
+        <a:font script="Mlym" typeface="Kartika"/>
+        <a:font script="Laoo" typeface="DokChampa"/>
+        <a:font script="Sinh" typeface="Iskoola Pota"/>
+        <a:font script="Mong" typeface="Mongolian Baiti"/>
+        <a:font script="Viet" typeface="Arial"/>
+        <a:font script="Uigh" typeface="Microsoft Uighur"/>
+        <a:font script="Geor" typeface="Sylfaen"/>
+      </a:minorFont>
+    </a:fontScheme>
+    <a:fmtScheme name="Office">
+      <a:fillStyleLst>
+        <a:solidFill>
+          <a:schemeClr val="phClr"/>
+        </a:solidFill>
+        <a:gradFill rotWithShape="1">
+          <a:gsLst>
+            <a:gs pos="0">
+              <a:schemeClr val="phClr">
+                <a:lumMod val="110000"/>
+                <a:satMod val="105000"/>
+                <a:tint val="67000"/>
+              </a:schemeClr>
+            </a:gs>
+            <a:gs pos="50000">
+              <a:schemeClr val="phClr">
+                <a:lumMod val="105000"/>
+                <a:satMod val="103000"/>
+                <a:tint val="73000"/>
+              </a:schemeClr>
+            </a:gs>
+            <a:gs pos="100000">
+              <a:schemeClr val="phClr">
+                <a:lumMod val="105000"/>
+                <a:satMod val="109000"/>
+                <a:tint val="81000"/>
+              </a:schemeClr>
+            </a:gs>
+          </a:gsLst>
+          <a:lin ang="5400000" scaled="0"/>
+        </a:gradFill>
+        <a:gradFill rotWithShape="1">
+          <a:gsLst>
+            <a:gs pos="0">
+              <a:schemeClr val="phClr">
+                <a:satMod val="103000"/>
+                <a:lumMod val="102000"/>
+                <a:tint val="94000"/>
+              </a:schemeClr>
+            </a:gs>
+            <a:gs pos="50000">
+              <a:schemeClr val="phClr">
+                <a:satMod val="110000"/>
+                <a:lumMod val="100000"/>
+                <a:shade val="100000"/>
+              </a:schemeClr>
+            </a:gs>
+            <a:gs pos="100000">
+              <a:schemeClr val="phClr">
+                <a:lumMod val="99000"/>
+                <a:satMod val="120000"/>
+                <a:shade val="78000"/>
+              </a:schemeClr>
+            </a:gs>
+          </a:gsLst>
+          <a:lin ang="5400000" scaled="0"/>
+        </a:gradFill>
+      </a:fillStyleLst>
+      <a:lnStyleLst>
+        <a:ln w="6350" cap="flat" cmpd="sng" algn="ctr">
+          <a:solidFill>
+            <a:schemeClr val="phClr"/>
+          </a:solidFill>
+          <a:prstDash val="solid"/>
+          <a:miter lim="800000"/>
+        </a:ln>
+        <a:ln w="12700" cap="flat" cmpd="sng" algn="ctr">
+          <a:solidFill>
+            <a:schemeClr val="phClr"/>
+          </a:solidFill>
+          <a:prstDash val="solid"/>
+          <a:miter lim="800000"/>
+        </a:ln>
+        <a:ln w="19050" cap="flat" cmpd="sng" algn="ctr">
+          <a:solidFill>
+            <a:schemeClr val="phClr"/>
+          </a:solidFill>
+          <a:prstDash val="solid"/>
+          <a:miter lim="800000"/>
+        </a:ln>
+      </a:lnStyleLst>
+      <a:effectStyleLst>
+        <a:effectStyle>
+          <a:effectLst/>
+        </a:effectStyle>
+        <a:effectStyle>
+          <a:effectLst/>
+        </a:effectStyle>
+        <a:effectStyle>
+          <a:effectLst>
+            <a:outerShdw blurRad="57150" dist="19050" dir="5400000" algn="ctr" rotWithShape="0">
+              <a:srgbClr val="000000">
+                <a:alpha val="63000"/>
+              </a:srgbClr>
+            </a:outerShdw>
+          </a:effectLst>
+        </a:effectStyle>
+      </a:effectStyleLst>
+      <a:bgFillStyleLst>
+        <a:solidFill>
+          <a:schemeClr val="phClr"/>
+        </a:solidFill>
+        <a:solidFill>
+          <a:schemeClr val="phClr">
+            <a:tint val="95000"/>
+            <a:satMod val="170000"/>
+          </a:schemeClr>
+        </a:solidFill>
+        <a:gradFill rotWithShape="1">
+          <a:gsLst>
+            <a:gs pos="0">
+              <a:schemeClr val="phClr">
+                <a:tint val="93000"/>
+                <a:satMod val="150000"/>
+                <a:shade val="98000"/>
+                <a:lumMod val="102000"/>
+              </a:schemeClr>
+            </a:gs>
+            <a:gs pos="50000">
+              <a:schemeClr val="phClr">
+                <a:tint val="98000"/>
+                <a:satMod val="130000"/>
+                <a:shade val="90000"/>
+                <a:lumMod val="103000"/>
+              </a:schemeClr>
+            </a:gs>
+            <a:gs pos="100000">
+              <a:schemeClr val="phClr">
+                <a:shade val="63000"/>
+                <a:satMod val="120000"/>
+              </a:schemeClr>
+            </a:gs>
+          </a:gsLst>
+          <a:lin ang="5400000" scaled="0"/>
+        </a:gradFill>
+      </a:bgFillStyleLst>
+    </a:fmtScheme>
+  </a:themeElements>
+  <a:objectDefaults/>
+  <a:extraClrSchemeLst/>
+  <a:extLst>
+    <a:ext uri="{05A4C25C-085E-4340-85A3-A5531E510DB2}">
+      <thm15:themeFamily xmlns:thm15="http://schemas.microsoft.com/office/thememl/2012/main" name="Office Theme" id="{62F939B6-93AF-4DB8-9C6B-D6C7DFDC589F}" vid="{4A3C46E8-61CC-4603-A589-7422A47A8E4A}"/>
+    </a:ext>
+  </a:extLst>
+</a:theme>
 </file>
--- a/Explore and Exploit/EandE.pptx
+++ b/Explore and Exploit/EandE.pptx
@@ -5,7 +5,7 @@
     <p:sldMasterId id="2147483648" r:id="rId1"/>
   </p:sldMasterIdLst>
   <p:notesMasterIdLst>
-    <p:notesMasterId r:id="rId31"/>
+    <p:notesMasterId r:id="rId34"/>
   </p:notesMasterIdLst>
   <p:sldIdLst>
     <p:sldId id="256" r:id="rId2"/>
@@ -24,19 +24,22 @@
     <p:sldId id="266" r:id="rId15"/>
     <p:sldId id="291" r:id="rId16"/>
     <p:sldId id="293" r:id="rId17"/>
-    <p:sldId id="267" r:id="rId18"/>
-    <p:sldId id="277" r:id="rId19"/>
+    <p:sldId id="277" r:id="rId18"/>
+    <p:sldId id="278" r:id="rId19"/>
     <p:sldId id="281" r:id="rId20"/>
-    <p:sldId id="278" r:id="rId21"/>
+    <p:sldId id="294" r:id="rId21"/>
     <p:sldId id="280" r:id="rId22"/>
     <p:sldId id="268" r:id="rId23"/>
     <p:sldId id="282" r:id="rId24"/>
-    <p:sldId id="284" r:id="rId25"/>
-    <p:sldId id="265" r:id="rId26"/>
-    <p:sldId id="269" r:id="rId27"/>
-    <p:sldId id="270" r:id="rId28"/>
-    <p:sldId id="272" r:id="rId29"/>
-    <p:sldId id="271" r:id="rId30"/>
+    <p:sldId id="295" r:id="rId25"/>
+    <p:sldId id="296" r:id="rId26"/>
+    <p:sldId id="297" r:id="rId27"/>
+    <p:sldId id="284" r:id="rId28"/>
+    <p:sldId id="265" r:id="rId29"/>
+    <p:sldId id="269" r:id="rId30"/>
+    <p:sldId id="270" r:id="rId31"/>
+    <p:sldId id="272" r:id="rId32"/>
+    <p:sldId id="271" r:id="rId33"/>
   </p:sldIdLst>
   <p:sldSz cx="12192000" cy="6858000"/>
   <p:notesSz cx="6858000" cy="9144000"/>
@@ -225,7 +228,7 @@
           <a:p>
             <a:fld id="{1D14A2AC-6AA7-1945-9991-1521BC2572AA}" type="datetimeFigureOut">
               <a:rPr lang="en-US" smtClean="0"/>
-              <a:t>7/2/17</a:t>
+              <a:t>7/3/17</a:t>
             </a:fld>
             <a:endParaRPr lang="en-US"/>
           </a:p>
@@ -965,6 +968,216 @@
 </p:notes>
 </file>
 
+<file path=ppt/notesSlides/notesSlide3.xml><?xml version="1.0" encoding="utf-8"?>
+<p:notes xmlns:a="http://schemas.openxmlformats.org/drawingml/2006/main" xmlns:r="http://schemas.openxmlformats.org/officeDocument/2006/relationships" xmlns:p="http://schemas.openxmlformats.org/presentationml/2006/main">
+  <p:cSld>
+    <p:spTree>
+      <p:nvGrpSpPr>
+        <p:cNvPr id="1" name=""/>
+        <p:cNvGrpSpPr/>
+        <p:nvPr/>
+      </p:nvGrpSpPr>
+      <p:grpSpPr>
+        <a:xfrm>
+          <a:off x="0" y="0"/>
+          <a:ext cx="0" cy="0"/>
+          <a:chOff x="0" y="0"/>
+          <a:chExt cx="0" cy="0"/>
+        </a:xfrm>
+      </p:grpSpPr>
+      <p:sp>
+        <p:nvSpPr>
+          <p:cNvPr id="2" name="Slide Image Placeholder 1"/>
+          <p:cNvSpPr>
+            <a:spLocks noGrp="1" noRot="1" noChangeAspect="1"/>
+          </p:cNvSpPr>
+          <p:nvPr>
+            <p:ph type="sldImg"/>
+          </p:nvPr>
+        </p:nvSpPr>
+        <p:spPr/>
+      </p:sp>
+      <p:sp>
+        <p:nvSpPr>
+          <p:cNvPr id="3" name="Notes Placeholder 2"/>
+          <p:cNvSpPr>
+            <a:spLocks noGrp="1"/>
+          </p:cNvSpPr>
+          <p:nvPr>
+            <p:ph type="body" idx="1"/>
+          </p:nvPr>
+        </p:nvSpPr>
+        <p:spPr/>
+        <p:txBody>
+          <a:bodyPr/>
+          <a:lstStyle/>
+          <a:p>
+            <a:pPr marL="0" marR="0" indent="0" algn="l" defTabSz="914400" rtl="0" eaLnBrk="1" fontAlgn="auto" latinLnBrk="0" hangingPunct="1">
+              <a:lnSpc>
+                <a:spcPct val="100000"/>
+              </a:lnSpc>
+              <a:spcBef>
+                <a:spcPts val="0"/>
+              </a:spcBef>
+              <a:spcAft>
+                <a:spcPts val="0"/>
+              </a:spcAft>
+              <a:buClrTx/>
+              <a:buSzTx/>
+              <a:buFontTx/>
+              <a:buNone/>
+              <a:tabLst/>
+              <a:defRPr/>
+            </a:pPr>
+            <a:r>
+              <a:rPr lang="zh-CN" altLang="en-US" dirty="0" smtClean="0"/>
+              <a:t>如果参数的先验概率和后验概率满足同一分布，那么在先验概率中赋予参数的物理意义可以传递至后验概率中，当然还有很多其他的优点！</a:t>
+            </a:r>
+            <a:endParaRPr lang="en-US" altLang="zh-CN" dirty="0" smtClean="0"/>
+          </a:p>
+        </p:txBody>
+      </p:sp>
+      <p:sp>
+        <p:nvSpPr>
+          <p:cNvPr id="4" name="Slide Number Placeholder 3"/>
+          <p:cNvSpPr>
+            <a:spLocks noGrp="1"/>
+          </p:cNvSpPr>
+          <p:nvPr>
+            <p:ph type="sldNum" sz="quarter" idx="10"/>
+          </p:nvPr>
+        </p:nvSpPr>
+        <p:spPr/>
+        <p:txBody>
+          <a:bodyPr/>
+          <a:lstStyle/>
+          <a:p>
+            <a:fld id="{1136E044-FD2F-F34A-B57E-984DDBB4CA10}" type="slidenum">
+              <a:rPr lang="en-US" smtClean="0"/>
+              <a:t>19</a:t>
+            </a:fld>
+            <a:endParaRPr lang="en-US"/>
+          </a:p>
+        </p:txBody>
+      </p:sp>
+    </p:spTree>
+    <p:extLst>
+      <p:ext uri="{BB962C8B-B14F-4D97-AF65-F5344CB8AC3E}">
+        <p14:creationId xmlns:p14="http://schemas.microsoft.com/office/powerpoint/2010/main" val="1583021986"/>
+      </p:ext>
+    </p:extLst>
+  </p:cSld>
+  <p:clrMapOvr>
+    <a:masterClrMapping/>
+  </p:clrMapOvr>
+</p:notes>
+</file>
+
+<file path=ppt/notesSlides/notesSlide4.xml><?xml version="1.0" encoding="utf-8"?>
+<p:notes xmlns:a="http://schemas.openxmlformats.org/drawingml/2006/main" xmlns:r="http://schemas.openxmlformats.org/officeDocument/2006/relationships" xmlns:p="http://schemas.openxmlformats.org/presentationml/2006/main">
+  <p:cSld>
+    <p:spTree>
+      <p:nvGrpSpPr>
+        <p:cNvPr id="1" name=""/>
+        <p:cNvGrpSpPr/>
+        <p:nvPr/>
+      </p:nvGrpSpPr>
+      <p:grpSpPr>
+        <a:xfrm>
+          <a:off x="0" y="0"/>
+          <a:ext cx="0" cy="0"/>
+          <a:chOff x="0" y="0"/>
+          <a:chExt cx="0" cy="0"/>
+        </a:xfrm>
+      </p:grpSpPr>
+      <p:sp>
+        <p:nvSpPr>
+          <p:cNvPr id="2" name="Slide Image Placeholder 1"/>
+          <p:cNvSpPr>
+            <a:spLocks noGrp="1" noRot="1" noChangeAspect="1"/>
+          </p:cNvSpPr>
+          <p:nvPr>
+            <p:ph type="sldImg"/>
+          </p:nvPr>
+        </p:nvSpPr>
+        <p:spPr/>
+      </p:sp>
+      <p:sp>
+        <p:nvSpPr>
+          <p:cNvPr id="3" name="Notes Placeholder 2"/>
+          <p:cNvSpPr>
+            <a:spLocks noGrp="1"/>
+          </p:cNvSpPr>
+          <p:nvPr>
+            <p:ph type="body" idx="1"/>
+          </p:nvPr>
+        </p:nvSpPr>
+        <p:spPr/>
+        <p:txBody>
+          <a:bodyPr/>
+          <a:lstStyle/>
+          <a:p>
+            <a:pPr marL="0" marR="0" indent="0" algn="l" defTabSz="914400" rtl="0" eaLnBrk="1" fontAlgn="auto" latinLnBrk="0" hangingPunct="1">
+              <a:lnSpc>
+                <a:spcPct val="100000"/>
+              </a:lnSpc>
+              <a:spcBef>
+                <a:spcPts val="0"/>
+              </a:spcBef>
+              <a:spcAft>
+                <a:spcPts val="0"/>
+              </a:spcAft>
+              <a:buClrTx/>
+              <a:buSzTx/>
+              <a:buFontTx/>
+              <a:buNone/>
+              <a:tabLst/>
+              <a:defRPr/>
+            </a:pPr>
+            <a:r>
+              <a:rPr lang="zh-CN" altLang="en-US" dirty="0" smtClean="0"/>
+              <a:t>如果参数的先验概率和后验概率满足同一分布，那么在先验概率中赋予参数的物理意义可以传递至后验概率中，当然还有很多其他的优点！</a:t>
+            </a:r>
+            <a:endParaRPr lang="en-US" altLang="zh-CN" dirty="0" smtClean="0"/>
+          </a:p>
+        </p:txBody>
+      </p:sp>
+      <p:sp>
+        <p:nvSpPr>
+          <p:cNvPr id="4" name="Slide Number Placeholder 3"/>
+          <p:cNvSpPr>
+            <a:spLocks noGrp="1"/>
+          </p:cNvSpPr>
+          <p:nvPr>
+            <p:ph type="sldNum" sz="quarter" idx="10"/>
+          </p:nvPr>
+        </p:nvSpPr>
+        <p:spPr/>
+        <p:txBody>
+          <a:bodyPr/>
+          <a:lstStyle/>
+          <a:p>
+            <a:fld id="{1136E044-FD2F-F34A-B57E-984DDBB4CA10}" type="slidenum">
+              <a:rPr lang="en-US" smtClean="0"/>
+              <a:t>20</a:t>
+            </a:fld>
+            <a:endParaRPr lang="en-US"/>
+          </a:p>
+        </p:txBody>
+      </p:sp>
+    </p:spTree>
+    <p:extLst>
+      <p:ext uri="{BB962C8B-B14F-4D97-AF65-F5344CB8AC3E}">
+        <p14:creationId xmlns:p14="http://schemas.microsoft.com/office/powerpoint/2010/main" val="2134679557"/>
+      </p:ext>
+    </p:extLst>
+  </p:cSld>
+  <p:clrMapOvr>
+    <a:masterClrMapping/>
+  </p:clrMapOvr>
+</p:notes>
+</file>
+
 <file path=ppt/slideLayouts/slideLayout1.xml><?xml version="1.0" encoding="utf-8"?>
 <p:sldLayout xmlns:a="http://schemas.openxmlformats.org/drawingml/2006/main" xmlns:r="http://schemas.openxmlformats.org/officeDocument/2006/relationships" xmlns:p="http://schemas.openxmlformats.org/presentationml/2006/main" type="title" preserve="1">
   <p:cSld name="Title Slide">
@@ -1096,7 +1309,7 @@
           <a:p>
             <a:fld id="{A737A9F0-A4C3-C54B-98FA-CECE75C9A6BA}" type="datetimeFigureOut">
               <a:rPr lang="en-US" smtClean="0"/>
-              <a:t>7/2/17</a:t>
+              <a:t>7/3/17</a:t>
             </a:fld>
             <a:endParaRPr lang="en-US"/>
           </a:p>
@@ -1266,7 +1479,7 @@
           <a:p>
             <a:fld id="{A737A9F0-A4C3-C54B-98FA-CECE75C9A6BA}" type="datetimeFigureOut">
               <a:rPr lang="en-US" smtClean="0"/>
-              <a:t>7/2/17</a:t>
+              <a:t>7/3/17</a:t>
             </a:fld>
             <a:endParaRPr lang="en-US"/>
           </a:p>
@@ -1446,7 +1659,7 @@
           <a:p>
             <a:fld id="{A737A9F0-A4C3-C54B-98FA-CECE75C9A6BA}" type="datetimeFigureOut">
               <a:rPr lang="en-US" smtClean="0"/>
-              <a:t>7/2/17</a:t>
+              <a:t>7/3/17</a:t>
             </a:fld>
             <a:endParaRPr lang="en-US"/>
           </a:p>
@@ -1616,7 +1829,7 @@
           <a:p>
             <a:fld id="{A737A9F0-A4C3-C54B-98FA-CECE75C9A6BA}" type="datetimeFigureOut">
               <a:rPr lang="en-US" smtClean="0"/>
-              <a:t>7/2/17</a:t>
+              <a:t>7/3/17</a:t>
             </a:fld>
             <a:endParaRPr lang="en-US"/>
           </a:p>
@@ -1862,7 +2075,7 @@
           <a:p>
             <a:fld id="{A737A9F0-A4C3-C54B-98FA-CECE75C9A6BA}" type="datetimeFigureOut">
               <a:rPr lang="en-US" smtClean="0"/>
-              <a:t>7/2/17</a:t>
+              <a:t>7/3/17</a:t>
             </a:fld>
             <a:endParaRPr lang="en-US"/>
           </a:p>
@@ -2094,7 +2307,7 @@
           <a:p>
             <a:fld id="{A737A9F0-A4C3-C54B-98FA-CECE75C9A6BA}" type="datetimeFigureOut">
               <a:rPr lang="en-US" smtClean="0"/>
-              <a:t>7/2/17</a:t>
+              <a:t>7/3/17</a:t>
             </a:fld>
             <a:endParaRPr lang="en-US"/>
           </a:p>
@@ -2461,7 +2674,7 @@
           <a:p>
             <a:fld id="{A737A9F0-A4C3-C54B-98FA-CECE75C9A6BA}" type="datetimeFigureOut">
               <a:rPr lang="en-US" smtClean="0"/>
-              <a:t>7/2/17</a:t>
+              <a:t>7/3/17</a:t>
             </a:fld>
             <a:endParaRPr lang="en-US"/>
           </a:p>
@@ -2579,7 +2792,7 @@
           <a:p>
             <a:fld id="{A737A9F0-A4C3-C54B-98FA-CECE75C9A6BA}" type="datetimeFigureOut">
               <a:rPr lang="en-US" smtClean="0"/>
-              <a:t>7/2/17</a:t>
+              <a:t>7/3/17</a:t>
             </a:fld>
             <a:endParaRPr lang="en-US"/>
           </a:p>
@@ -2674,7 +2887,7 @@
           <a:p>
             <a:fld id="{A737A9F0-A4C3-C54B-98FA-CECE75C9A6BA}" type="datetimeFigureOut">
               <a:rPr lang="en-US" smtClean="0"/>
-              <a:t>7/2/17</a:t>
+              <a:t>7/3/17</a:t>
             </a:fld>
             <a:endParaRPr lang="en-US"/>
           </a:p>
@@ -2951,7 +3164,7 @@
           <a:p>
             <a:fld id="{A737A9F0-A4C3-C54B-98FA-CECE75C9A6BA}" type="datetimeFigureOut">
               <a:rPr lang="en-US" smtClean="0"/>
-              <a:t>7/2/17</a:t>
+              <a:t>7/3/17</a:t>
             </a:fld>
             <a:endParaRPr lang="en-US"/>
           </a:p>
@@ -3204,7 +3417,7 @@
           <a:p>
             <a:fld id="{A737A9F0-A4C3-C54B-98FA-CECE75C9A6BA}" type="datetimeFigureOut">
               <a:rPr lang="en-US" smtClean="0"/>
-              <a:t>7/2/17</a:t>
+              <a:t>7/3/17</a:t>
             </a:fld>
             <a:endParaRPr lang="en-US"/>
           </a:p>
@@ -3417,7 +3630,7 @@
           <a:p>
             <a:fld id="{A737A9F0-A4C3-C54B-98FA-CECE75C9A6BA}" type="datetimeFigureOut">
               <a:rPr lang="en-US" smtClean="0"/>
-              <a:t>7/2/17</a:t>
+              <a:t>7/3/17</a:t>
             </a:fld>
             <a:endParaRPr lang="en-US"/>
           </a:p>
@@ -4547,31 +4760,7 @@
             </a:r>
             <a:r>
               <a:rPr lang="en-US" altLang="zh-CN" sz="3600" dirty="0" smtClean="0"/>
-              <a:t> </a:t>
-            </a:r>
-            <a:r>
-              <a:rPr lang="en-US" altLang="zh-CN" sz="3600" dirty="0" smtClean="0"/>
-              <a:t>UCB </a:t>
-            </a:r>
-            <a:r>
-              <a:rPr lang="en-US" altLang="zh-CN" sz="3600" dirty="0" smtClean="0"/>
-              <a:t>S</a:t>
-            </a:r>
-            <a:r>
-              <a:rPr lang="en-US" altLang="zh-CN" sz="3600" dirty="0" smtClean="0"/>
-              <a:t>olution </a:t>
-            </a:r>
-            <a:r>
-              <a:rPr lang="en-US" altLang="zh-CN" sz="3600" dirty="0" smtClean="0"/>
-              <a:t>to </a:t>
-            </a:r>
-            <a:r>
-              <a:rPr lang="en-US" altLang="zh-CN" sz="3600" dirty="0" smtClean="0"/>
-              <a:t>CTR </a:t>
-            </a:r>
-            <a:r>
-              <a:rPr lang="en-US" altLang="zh-CN" sz="3600" dirty="0" smtClean="0"/>
-              <a:t>exploration</a:t>
+              <a:t> UCB Solution to CTR exploration</a:t>
             </a:r>
             <a:endParaRPr lang="en-US" sz="3600" dirty="0"/>
           </a:p>
@@ -4596,7 +4785,6 @@
               <a:rPr lang="en-US" dirty="0" smtClean="0"/>
               <a:t>Explore more high CTR ad slots, and more accurate CTR prediction</a:t>
             </a:r>
-            <a:endParaRPr lang="en-US" dirty="0" smtClean="0"/>
           </a:p>
           <a:p>
             <a:pPr lvl="1"/>
@@ -4618,7 +4806,6 @@
               <a:rPr lang="en-US" dirty="0" smtClean="0"/>
               <a:t>Action j: Impression on ad slot j</a:t>
             </a:r>
-            <a:endParaRPr lang="en-US" dirty="0" smtClean="0"/>
           </a:p>
           <a:p>
             <a:pPr lvl="1"/>
@@ -5075,11 +5262,7 @@
             </a:r>
             <a:r>
               <a:rPr lang="en-US" altLang="zh-CN" dirty="0" smtClean="0"/>
-              <a:t> </a:t>
-            </a:r>
-            <a:r>
-              <a:rPr lang="en-US" altLang="zh-CN" dirty="0" smtClean="0"/>
-              <a:t>UCT</a:t>
+              <a:t> UCT</a:t>
             </a:r>
             <a:endParaRPr lang="en-US" dirty="0"/>
           </a:p>
@@ -5170,11 +5353,7 @@
             </a:r>
             <a:r>
               <a:rPr lang="en-US" altLang="zh-CN" dirty="0" smtClean="0"/>
-              <a:t> </a:t>
-            </a:r>
-            <a:r>
-              <a:rPr lang="en-US" altLang="zh-CN" dirty="0" smtClean="0"/>
-              <a:t>UCT</a:t>
+              <a:t> UCT</a:t>
             </a:r>
             <a:endParaRPr lang="en-US" dirty="0"/>
           </a:p>
@@ -5362,96 +5541,6 @@
       </p:sp>
       <p:pic>
         <p:nvPicPr>
-          <p:cNvPr id="4" name="Picture 3"/>
-          <p:cNvPicPr>
-            <a:picLocks noChangeAspect="1"/>
-          </p:cNvPicPr>
-          <p:nvPr/>
-        </p:nvPicPr>
-        <p:blipFill rotWithShape="1">
-          <a:blip r:embed="rId2">
-            <a:extLst>
-              <a:ext uri="{28A0092B-C50C-407E-A947-70E740481C1C}">
-                <a14:useLocalDpi xmlns:a14="http://schemas.microsoft.com/office/drawing/2010/main" val="0"/>
-              </a:ext>
-            </a:extLst>
-          </a:blip>
-          <a:srcRect l="874"/>
-          <a:stretch/>
-        </p:blipFill>
-        <p:spPr>
-          <a:xfrm>
-            <a:off x="838200" y="1539265"/>
-            <a:ext cx="8786445" cy="4948013"/>
-          </a:xfrm>
-          <a:prstGeom prst="rect">
-            <a:avLst/>
-          </a:prstGeom>
-        </p:spPr>
-      </p:pic>
-    </p:spTree>
-    <p:extLst>
-      <p:ext uri="{BB962C8B-B14F-4D97-AF65-F5344CB8AC3E}">
-        <p14:creationId xmlns:p14="http://schemas.microsoft.com/office/powerpoint/2010/main" val="392863073"/>
-      </p:ext>
-    </p:extLst>
-  </p:cSld>
-  <p:clrMapOvr>
-    <a:masterClrMapping/>
-  </p:clrMapOvr>
-</p:sld>
-</file>
-
-<file path=ppt/slides/slide18.xml><?xml version="1.0" encoding="utf-8"?>
-<p:sld xmlns:a="http://schemas.openxmlformats.org/drawingml/2006/main" xmlns:r="http://schemas.openxmlformats.org/officeDocument/2006/relationships" xmlns:p="http://schemas.openxmlformats.org/presentationml/2006/main">
-  <p:cSld>
-    <p:spTree>
-      <p:nvGrpSpPr>
-        <p:cNvPr id="1" name=""/>
-        <p:cNvGrpSpPr/>
-        <p:nvPr/>
-      </p:nvGrpSpPr>
-      <p:grpSpPr>
-        <a:xfrm>
-          <a:off x="0" y="0"/>
-          <a:ext cx="0" cy="0"/>
-          <a:chOff x="0" y="0"/>
-          <a:chExt cx="0" cy="0"/>
-        </a:xfrm>
-      </p:grpSpPr>
-      <p:sp>
-        <p:nvSpPr>
-          <p:cNvPr id="2" name="Title 1"/>
-          <p:cNvSpPr>
-            <a:spLocks noGrp="1"/>
-          </p:cNvSpPr>
-          <p:nvPr>
-            <p:ph type="title"/>
-          </p:nvPr>
-        </p:nvSpPr>
-        <p:spPr/>
-        <p:txBody>
-          <a:bodyPr/>
-          <a:lstStyle/>
-          <a:p>
-            <a:r>
-              <a:rPr lang="en-US" altLang="zh-CN" dirty="0" smtClean="0"/>
-              <a:t>Main Approaches </a:t>
-            </a:r>
-            <a:r>
-              <a:rPr lang="mr-IN" altLang="zh-CN" dirty="0" smtClean="0"/>
-              <a:t>–</a:t>
-            </a:r>
-            <a:r>
-              <a:rPr lang="en-US" altLang="zh-CN" dirty="0" smtClean="0"/>
-              <a:t> Thompson Sampling</a:t>
-            </a:r>
-            <a:endParaRPr lang="en-US" dirty="0"/>
-          </a:p>
-        </p:txBody>
-      </p:sp>
-      <p:pic>
-        <p:nvPicPr>
           <p:cNvPr id="3" name="Picture 2"/>
           <p:cNvPicPr>
             <a:picLocks noChangeAspect="1"/>
@@ -5480,10 +5569,159 @@
           </a:prstGeom>
         </p:spPr>
       </p:pic>
+      <p:sp>
+        <p:nvSpPr>
+          <p:cNvPr id="4" name="Rectangle 3"/>
+          <p:cNvSpPr/>
+          <p:nvPr/>
+        </p:nvSpPr>
+        <p:spPr>
+          <a:xfrm>
+            <a:off x="3456354" y="2675610"/>
+            <a:ext cx="3706445" cy="512089"/>
+          </a:xfrm>
+          <a:prstGeom prst="rect">
+            <a:avLst/>
+          </a:prstGeom>
+          <a:noFill/>
+          <a:ln w="25400">
+            <a:solidFill>
+              <a:srgbClr val="FF0000"/>
+            </a:solidFill>
+          </a:ln>
+        </p:spPr>
+        <p:style>
+          <a:lnRef idx="2">
+            <a:schemeClr val="accent1">
+              <a:shade val="50000"/>
+            </a:schemeClr>
+          </a:lnRef>
+          <a:fillRef idx="1">
+            <a:schemeClr val="accent1"/>
+          </a:fillRef>
+          <a:effectRef idx="0">
+            <a:schemeClr val="accent1"/>
+          </a:effectRef>
+          <a:fontRef idx="minor">
+            <a:schemeClr val="lt1"/>
+          </a:fontRef>
+        </p:style>
+        <p:txBody>
+          <a:bodyPr rtlCol="0" anchor="ctr"/>
+          <a:lstStyle/>
+          <a:p>
+            <a:pPr algn="ctr"/>
+            <a:endParaRPr lang="en-US"/>
+          </a:p>
+        </p:txBody>
+      </p:sp>
     </p:spTree>
     <p:extLst>
       <p:ext uri="{BB962C8B-B14F-4D97-AF65-F5344CB8AC3E}">
         <p14:creationId xmlns:p14="http://schemas.microsoft.com/office/powerpoint/2010/main" val="2001917211"/>
+      </p:ext>
+    </p:extLst>
+  </p:cSld>
+  <p:clrMapOvr>
+    <a:masterClrMapping/>
+  </p:clrMapOvr>
+</p:sld>
+</file>
+
+<file path=ppt/slides/slide18.xml><?xml version="1.0" encoding="utf-8"?>
+<p:sld xmlns:a="http://schemas.openxmlformats.org/drawingml/2006/main" xmlns:r="http://schemas.openxmlformats.org/officeDocument/2006/relationships" xmlns:p="http://schemas.openxmlformats.org/presentationml/2006/main">
+  <p:cSld>
+    <p:spTree>
+      <p:nvGrpSpPr>
+        <p:cNvPr id="1" name=""/>
+        <p:cNvGrpSpPr/>
+        <p:nvPr/>
+      </p:nvGrpSpPr>
+      <p:grpSpPr>
+        <a:xfrm>
+          <a:off x="0" y="0"/>
+          <a:ext cx="0" cy="0"/>
+          <a:chOff x="0" y="0"/>
+          <a:chExt cx="0" cy="0"/>
+        </a:xfrm>
+      </p:grpSpPr>
+      <p:sp>
+        <p:nvSpPr>
+          <p:cNvPr id="2" name="Title 1"/>
+          <p:cNvSpPr>
+            <a:spLocks noGrp="1"/>
+          </p:cNvSpPr>
+          <p:nvPr>
+            <p:ph type="title"/>
+          </p:nvPr>
+        </p:nvSpPr>
+        <p:spPr/>
+        <p:txBody>
+          <a:bodyPr/>
+          <a:lstStyle/>
+          <a:p>
+            <a:r>
+              <a:rPr lang="en-US" altLang="zh-CN" dirty="0"/>
+              <a:t>Main Approaches </a:t>
+            </a:r>
+            <a:r>
+              <a:rPr lang="mr-IN" altLang="zh-CN" dirty="0"/>
+              <a:t>–</a:t>
+            </a:r>
+            <a:r>
+              <a:rPr lang="en-US" altLang="zh-CN" dirty="0"/>
+              <a:t> Thompson </a:t>
+            </a:r>
+            <a:r>
+              <a:rPr lang="en-US" altLang="zh-CN" dirty="0" smtClean="0"/>
+              <a:t>Sampling</a:t>
+            </a:r>
+            <a:r>
+              <a:rPr lang="zh-CN" altLang="en-US" dirty="0" smtClean="0"/>
+              <a:t> </a:t>
+            </a:r>
+            <a:r>
+              <a:rPr lang="en-US" altLang="zh-CN" dirty="0" smtClean="0"/>
+              <a:t>Example</a:t>
+            </a:r>
+            <a:endParaRPr lang="en-US" dirty="0"/>
+          </a:p>
+        </p:txBody>
+      </p:sp>
+      <p:pic>
+        <p:nvPicPr>
+          <p:cNvPr id="4" name="Picture 3"/>
+          <p:cNvPicPr>
+            <a:picLocks noChangeAspect="1"/>
+          </p:cNvPicPr>
+          <p:nvPr/>
+        </p:nvPicPr>
+        <p:blipFill>
+          <a:blip r:embed="rId2">
+            <a:extLst>
+              <a:ext uri="{28A0092B-C50C-407E-A947-70E740481C1C}">
+                <a14:useLocalDpi xmlns:a14="http://schemas.microsoft.com/office/drawing/2010/main" val="0"/>
+              </a:ext>
+            </a:extLst>
+          </a:blip>
+          <a:stretch>
+            <a:fillRect/>
+          </a:stretch>
+        </p:blipFill>
+        <p:spPr>
+          <a:xfrm>
+            <a:off x="838199" y="1981200"/>
+            <a:ext cx="10620703" cy="3528646"/>
+          </a:xfrm>
+          <a:prstGeom prst="rect">
+            <a:avLst/>
+          </a:prstGeom>
+        </p:spPr>
+      </p:pic>
+    </p:spTree>
+    <p:extLst>
+      <p:ext uri="{BB962C8B-B14F-4D97-AF65-F5344CB8AC3E}">
+        <p14:creationId xmlns:p14="http://schemas.microsoft.com/office/powerpoint/2010/main" val="818632217"/>
       </p:ext>
     </p:extLst>
   </p:cSld>
@@ -5558,18 +5796,1059 @@
           <a:p>
             <a:r>
               <a:rPr lang="en-US" dirty="0" smtClean="0"/>
-              <a:t>Why Beta distribution?</a:t>
+              <a:t>Why Beta distribution</a:t>
+            </a:r>
+            <a:r>
+              <a:rPr lang="en-US" dirty="0" smtClean="0"/>
+              <a:t>?</a:t>
             </a:r>
           </a:p>
           <a:p>
             <a:pPr lvl="1"/>
             <a:r>
-              <a:rPr lang="en-US" dirty="0"/>
+              <a:rPr lang="en-US" dirty="0" smtClean="0"/>
               <a:t>the beta distribution is the conjugate prior probability distribution for the Bernoulli</a:t>
             </a:r>
-          </a:p>
-        </p:txBody>
-      </p:sp>
+            <a:endParaRPr lang="en-US" dirty="0"/>
+          </a:p>
+        </p:txBody>
+      </p:sp>
+      <mc:AlternateContent xmlns:mc="http://schemas.openxmlformats.org/markup-compatibility/2006">
+        <mc:Choice xmlns:a14="http://schemas.microsoft.com/office/drawing/2010/main" Requires="a14">
+          <p:sp>
+            <p:nvSpPr>
+              <p:cNvPr id="4" name="Rectangle 3"/>
+              <p:cNvSpPr/>
+              <p:nvPr/>
+            </p:nvSpPr>
+            <p:spPr>
+              <a:xfrm>
+                <a:off x="2044765" y="3348279"/>
+                <a:ext cx="5699702" cy="489301"/>
+              </a:xfrm>
+              <a:prstGeom prst="rect">
+                <a:avLst/>
+              </a:prstGeom>
+            </p:spPr>
+            <p:txBody>
+              <a:bodyPr wrap="none">
+                <a:spAutoFit/>
+              </a:bodyPr>
+              <a:lstStyle/>
+              <a:p>
+                <a:r>
+                  <a:rPr lang="en-US" altLang="zh-CN" sz="2400" dirty="0"/>
+                  <a:t>B</a:t>
+                </a:r>
+                <a:r>
+                  <a:rPr lang="en-US" altLang="zh-CN" sz="2400" dirty="0" smtClean="0"/>
+                  <a:t>ernoulli </a:t>
+                </a:r>
+                <a:r>
+                  <a:rPr lang="en-US" altLang="zh-CN" sz="2400" dirty="0" err="1" smtClean="0"/>
+                  <a:t>lik</a:t>
+                </a:r>
+                <a:r>
+                  <a:rPr lang="en-US" altLang="zh-CN" sz="2400" dirty="0" smtClean="0"/>
+                  <a:t>elihood </a:t>
+                </a:r>
+                <a14:m>
+                  <m:oMath xmlns:m="http://schemas.openxmlformats.org/officeDocument/2006/math">
+                    <m:r>
+                      <a:rPr lang="en-US" altLang="zh-CN" sz="2400" i="1">
+                        <a:latin typeface="Cambria Math" panose="02040503050406030204" pitchFamily="18" charset="0"/>
+                      </a:rPr>
+                      <m:t>𝑝</m:t>
+                    </m:r>
+                    <m:d>
+                      <m:dPr>
+                        <m:ctrlPr>
+                          <a:rPr lang="en-US" altLang="zh-CN" sz="2400" i="1">
+                            <a:latin typeface="Cambria Math" charset="0"/>
+                          </a:rPr>
+                        </m:ctrlPr>
+                      </m:dPr>
+                      <m:e>
+                        <m:r>
+                          <a:rPr lang="en-US" altLang="zh-CN" sz="2400" i="1">
+                            <a:latin typeface="Cambria Math" panose="02040503050406030204" pitchFamily="18" charset="0"/>
+                          </a:rPr>
+                          <m:t>𝐷</m:t>
+                        </m:r>
+                      </m:e>
+                      <m:e>
+                        <m:r>
+                          <m:rPr>
+                            <m:nor/>
+                          </m:rPr>
+                          <a:rPr lang="en-US" altLang="zh-CN" sz="2400" i="1" dirty="0"/>
+                          <m:t>θ</m:t>
+                        </m:r>
+                      </m:e>
+                    </m:d>
+                    <m:r>
+                      <a:rPr lang="en-US" altLang="zh-CN" sz="2400" i="1">
+                        <a:latin typeface="Cambria Math" panose="02040503050406030204" pitchFamily="18" charset="0"/>
+                      </a:rPr>
+                      <m:t>=</m:t>
+                    </m:r>
+                    <m:sSup>
+                      <m:sSupPr>
+                        <m:ctrlPr>
+                          <a:rPr lang="en-US" altLang="zh-CN" sz="2400" i="1">
+                            <a:latin typeface="Cambria Math" charset="0"/>
+                          </a:rPr>
+                        </m:ctrlPr>
+                      </m:sSupPr>
+                      <m:e>
+                        <m:r>
+                          <m:rPr>
+                            <m:nor/>
+                          </m:rPr>
+                          <a:rPr lang="en-US" altLang="zh-CN" sz="2400" i="1" dirty="0"/>
+                          <m:t>θ</m:t>
+                        </m:r>
+                      </m:e>
+                      <m:sup>
+                        <m:sSub>
+                          <m:sSubPr>
+                            <m:ctrlPr>
+                              <a:rPr lang="en-US" altLang="zh-CN" sz="2400" i="1">
+                                <a:latin typeface="Cambria Math" charset="0"/>
+                              </a:rPr>
+                            </m:ctrlPr>
+                          </m:sSubPr>
+                          <m:e>
+                            <m:r>
+                              <a:rPr lang="en-US" altLang="zh-CN" sz="2400" i="1">
+                                <a:latin typeface="Cambria Math" panose="02040503050406030204" pitchFamily="18" charset="0"/>
+                              </a:rPr>
+                              <m:t>𝑁</m:t>
+                            </m:r>
+                          </m:e>
+                          <m:sub>
+                            <m:r>
+                              <a:rPr lang="en-US" altLang="zh-CN" sz="2400" i="1">
+                                <a:latin typeface="Cambria Math" panose="02040503050406030204" pitchFamily="18" charset="0"/>
+                              </a:rPr>
+                              <m:t>1</m:t>
+                            </m:r>
+                          </m:sub>
+                        </m:sSub>
+                      </m:sup>
+                    </m:sSup>
+                    <m:sSup>
+                      <m:sSupPr>
+                        <m:ctrlPr>
+                          <a:rPr lang="en-US" altLang="zh-CN" sz="2400" i="1">
+                            <a:latin typeface="Cambria Math" charset="0"/>
+                          </a:rPr>
+                        </m:ctrlPr>
+                      </m:sSupPr>
+                      <m:e>
+                        <m:r>
+                          <a:rPr lang="en-US" altLang="zh-CN" sz="2400" i="1">
+                            <a:latin typeface="Cambria Math" panose="02040503050406030204" pitchFamily="18" charset="0"/>
+                          </a:rPr>
+                          <m:t>(1−</m:t>
+                        </m:r>
+                        <m:r>
+                          <m:rPr>
+                            <m:nor/>
+                          </m:rPr>
+                          <a:rPr lang="en-US" altLang="zh-CN" sz="2400" i="1" dirty="0"/>
+                          <m:t>θ</m:t>
+                        </m:r>
+                        <m:r>
+                          <a:rPr lang="en-US" altLang="zh-CN" sz="2400" i="1">
+                            <a:latin typeface="Cambria Math" panose="02040503050406030204" pitchFamily="18" charset="0"/>
+                          </a:rPr>
+                          <m:t>)</m:t>
+                        </m:r>
+                      </m:e>
+                      <m:sup>
+                        <m:sSub>
+                          <m:sSubPr>
+                            <m:ctrlPr>
+                              <a:rPr lang="en-US" altLang="zh-CN" sz="2400" i="1">
+                                <a:latin typeface="Cambria Math" charset="0"/>
+                              </a:rPr>
+                            </m:ctrlPr>
+                          </m:sSubPr>
+                          <m:e>
+                            <m:r>
+                              <a:rPr lang="en-US" altLang="zh-CN" sz="2400" i="1">
+                                <a:latin typeface="Cambria Math" panose="02040503050406030204" pitchFamily="18" charset="0"/>
+                              </a:rPr>
+                              <m:t>𝑁</m:t>
+                            </m:r>
+                          </m:e>
+                          <m:sub>
+                            <m:r>
+                              <a:rPr lang="en-US" altLang="zh-CN" sz="2400" i="1">
+                                <a:latin typeface="Cambria Math" panose="02040503050406030204" pitchFamily="18" charset="0"/>
+                              </a:rPr>
+                              <m:t>0</m:t>
+                            </m:r>
+                          </m:sub>
+                        </m:sSub>
+                      </m:sup>
+                    </m:sSup>
+                  </m:oMath>
+                </a14:m>
+                <a:endParaRPr lang="en-US" sz="2400" dirty="0"/>
+              </a:p>
+            </p:txBody>
+          </p:sp>
+        </mc:Choice>
+        <mc:Fallback>
+          <p:sp>
+            <p:nvSpPr>
+              <p:cNvPr id="4" name="Rectangle 3"/>
+              <p:cNvSpPr>
+                <a:spLocks noRot="1" noChangeAspect="1" noMove="1" noResize="1" noEditPoints="1" noAdjustHandles="1" noChangeArrowheads="1" noChangeShapeType="1" noTextEdit="1"/>
+              </p:cNvSpPr>
+              <p:nvPr/>
+            </p:nvSpPr>
+            <p:spPr>
+              <a:xfrm>
+                <a:off x="2044765" y="3348279"/>
+                <a:ext cx="5699702" cy="489301"/>
+              </a:xfrm>
+              <a:prstGeom prst="rect">
+                <a:avLst/>
+              </a:prstGeom>
+              <a:blipFill rotWithShape="0">
+                <a:blip r:embed="rId3"/>
+                <a:stretch>
+                  <a:fillRect l="-1604" t="-3704" b="-27160"/>
+                </a:stretch>
+              </a:blipFill>
+            </p:spPr>
+            <p:txBody>
+              <a:bodyPr/>
+              <a:lstStyle/>
+              <a:p>
+                <a:r>
+                  <a:rPr lang="en-US">
+                    <a:noFill/>
+                  </a:rPr>
+                  <a:t> </a:t>
+                </a:r>
+              </a:p>
+            </p:txBody>
+          </p:sp>
+        </mc:Fallback>
+      </mc:AlternateContent>
+      <mc:AlternateContent xmlns:mc="http://schemas.openxmlformats.org/markup-compatibility/2006">
+        <mc:Choice xmlns:a14="http://schemas.microsoft.com/office/drawing/2010/main" Requires="a14">
+          <p:sp>
+            <p:nvSpPr>
+              <p:cNvPr id="5" name="Rectangle 4"/>
+              <p:cNvSpPr/>
+              <p:nvPr/>
+            </p:nvSpPr>
+            <p:spPr>
+              <a:xfrm>
+                <a:off x="2044765" y="4183571"/>
+                <a:ext cx="5102679" cy="666657"/>
+              </a:xfrm>
+              <a:prstGeom prst="rect">
+                <a:avLst/>
+              </a:prstGeom>
+            </p:spPr>
+            <p:txBody>
+              <a:bodyPr wrap="none">
+                <a:spAutoFit/>
+              </a:bodyPr>
+              <a:lstStyle/>
+              <a:p>
+                <a:r>
+                  <a:rPr lang="en-US" altLang="zh-CN" sz="2400" dirty="0" smtClean="0"/>
+                  <a:t>Beta(</a:t>
+                </a:r>
+                <a:r>
+                  <a:rPr lang="en-US" altLang="zh-CN" sz="2400" dirty="0" err="1" smtClean="0"/>
+                  <a:t>a,b</a:t>
+                </a:r>
+                <a:r>
+                  <a:rPr lang="en-US" altLang="zh-CN" sz="2400" dirty="0" smtClean="0"/>
+                  <a:t>) </a:t>
+                </a:r>
+                <a14:m>
+                  <m:oMath xmlns:m="http://schemas.openxmlformats.org/officeDocument/2006/math">
+                    <m:r>
+                      <m:rPr>
+                        <m:nor/>
+                      </m:rPr>
+                      <a:rPr lang="en-US" altLang="zh-CN" sz="2400" dirty="0">
+                        <a:latin typeface="Cambria Math" panose="02040503050406030204" pitchFamily="18" charset="0"/>
+                      </a:rPr>
+                      <m:t>p</m:t>
+                    </m:r>
+                    <m:r>
+                      <m:rPr>
+                        <m:nor/>
+                      </m:rPr>
+                      <a:rPr lang="en-US" altLang="zh-CN" sz="2400" dirty="0"/>
+                      <m:t>(</m:t>
+                    </m:r>
+                    <m:r>
+                      <m:rPr>
+                        <m:nor/>
+                      </m:rPr>
+                      <a:rPr lang="en-US" altLang="zh-CN" sz="2400" dirty="0"/>
+                      <m:t>θ</m:t>
+                    </m:r>
+                    <m:r>
+                      <m:rPr>
+                        <m:nor/>
+                      </m:rPr>
+                      <a:rPr lang="en-US" altLang="zh-CN" sz="2400" dirty="0"/>
+                      <m:t>)=</m:t>
+                    </m:r>
+                    <m:f>
+                      <m:fPr>
+                        <m:ctrlPr>
+                          <a:rPr lang="en-US" altLang="zh-CN" sz="2400" i="1" dirty="0">
+                            <a:latin typeface="Cambria Math" charset="0"/>
+                          </a:rPr>
+                        </m:ctrlPr>
+                      </m:fPr>
+                      <m:num>
+                        <m:r>
+                          <a:rPr lang="en-US" altLang="zh-CN" sz="2400" i="1" dirty="0">
+                            <a:latin typeface="Cambria Math" panose="02040503050406030204" pitchFamily="18" charset="0"/>
+                          </a:rPr>
+                          <m:t>1</m:t>
+                        </m:r>
+                      </m:num>
+                      <m:den>
+                        <m:r>
+                          <m:rPr>
+                            <m:nor/>
+                          </m:rPr>
+                          <a:rPr lang="en-US" altLang="zh-CN" sz="2400" i="1" dirty="0"/>
+                          <m:t>B</m:t>
+                        </m:r>
+                        <m:r>
+                          <m:rPr>
+                            <m:nor/>
+                          </m:rPr>
+                          <a:rPr lang="en-US" altLang="zh-CN" sz="2400" dirty="0"/>
+                          <m:t>(</m:t>
+                        </m:r>
+                        <m:r>
+                          <m:rPr>
+                            <m:nor/>
+                          </m:rPr>
+                          <a:rPr lang="en-US" altLang="zh-CN" sz="2400" i="1" dirty="0"/>
+                          <m:t>a</m:t>
+                        </m:r>
+                        <m:r>
+                          <m:rPr>
+                            <m:nor/>
+                          </m:rPr>
+                          <a:rPr lang="en-US" altLang="zh-CN" sz="2400" i="1" dirty="0"/>
+                          <m:t>, </m:t>
+                        </m:r>
+                        <m:r>
+                          <m:rPr>
+                            <m:nor/>
+                          </m:rPr>
+                          <a:rPr lang="en-US" altLang="zh-CN" sz="2400" i="1" dirty="0"/>
+                          <m:t>b</m:t>
+                        </m:r>
+                        <m:r>
+                          <m:rPr>
+                            <m:nor/>
+                          </m:rPr>
+                          <a:rPr lang="en-US" altLang="zh-CN" sz="2400" dirty="0"/>
+                          <m:t>) </m:t>
+                        </m:r>
+                      </m:den>
+                    </m:f>
+                    <m:sSup>
+                      <m:sSupPr>
+                        <m:ctrlPr>
+                          <a:rPr lang="en-US" altLang="zh-CN" sz="2400" i="1" dirty="0">
+                            <a:latin typeface="Cambria Math" charset="0"/>
+                          </a:rPr>
+                        </m:ctrlPr>
+                      </m:sSupPr>
+                      <m:e>
+                        <m:sSup>
+                          <m:sSupPr>
+                            <m:ctrlPr>
+                              <a:rPr lang="en-US" altLang="zh-CN" sz="2400" i="1" dirty="0">
+                                <a:latin typeface="Cambria Math" charset="0"/>
+                              </a:rPr>
+                            </m:ctrlPr>
+                          </m:sSupPr>
+                          <m:e>
+                            <m:r>
+                              <m:rPr>
+                                <m:nor/>
+                              </m:rPr>
+                              <a:rPr lang="en-US" altLang="zh-CN" sz="2400" dirty="0"/>
+                              <m:t>θ</m:t>
+                            </m:r>
+                          </m:e>
+                          <m:sup>
+                            <m:r>
+                              <m:rPr>
+                                <m:nor/>
+                              </m:rPr>
+                              <a:rPr lang="en-US" altLang="zh-CN" sz="2400" i="1" dirty="0"/>
+                              <m:t>a</m:t>
+                            </m:r>
+                            <m:r>
+                              <a:rPr lang="en-US" altLang="zh-CN" sz="2400" i="1" dirty="0">
+                                <a:latin typeface="Cambria Math" panose="02040503050406030204" pitchFamily="18" charset="0"/>
+                              </a:rPr>
+                              <m:t>−1</m:t>
+                            </m:r>
+                          </m:sup>
+                        </m:sSup>
+                        <m:r>
+                          <a:rPr lang="en-US" altLang="zh-CN" sz="2400" i="1" dirty="0">
+                            <a:latin typeface="Cambria Math" panose="02040503050406030204" pitchFamily="18" charset="0"/>
+                          </a:rPr>
+                          <m:t>(1−</m:t>
+                        </m:r>
+                        <m:r>
+                          <m:rPr>
+                            <m:nor/>
+                          </m:rPr>
+                          <a:rPr lang="en-US" altLang="zh-CN" sz="2400" dirty="0"/>
+                          <m:t>θ</m:t>
+                        </m:r>
+                        <m:r>
+                          <a:rPr lang="en-US" altLang="zh-CN" sz="2400" i="1" dirty="0">
+                            <a:latin typeface="Cambria Math" panose="02040503050406030204" pitchFamily="18" charset="0"/>
+                          </a:rPr>
+                          <m:t>)</m:t>
+                        </m:r>
+                      </m:e>
+                      <m:sup>
+                        <m:r>
+                          <m:rPr>
+                            <m:nor/>
+                          </m:rPr>
+                          <a:rPr lang="en-US" altLang="zh-CN" sz="2400" i="1" dirty="0"/>
+                          <m:t>b</m:t>
+                        </m:r>
+                        <m:r>
+                          <a:rPr lang="en-US" altLang="zh-CN" sz="2400" i="1" dirty="0">
+                            <a:latin typeface="Cambria Math" panose="02040503050406030204" pitchFamily="18" charset="0"/>
+                          </a:rPr>
+                          <m:t>−1</m:t>
+                        </m:r>
+                      </m:sup>
+                    </m:sSup>
+                  </m:oMath>
+                </a14:m>
+                <a:endParaRPr lang="en-US" sz="2400" dirty="0"/>
+              </a:p>
+            </p:txBody>
+          </p:sp>
+        </mc:Choice>
+        <mc:Fallback>
+          <p:sp>
+            <p:nvSpPr>
+              <p:cNvPr id="5" name="Rectangle 4"/>
+              <p:cNvSpPr>
+                <a:spLocks noRot="1" noChangeAspect="1" noMove="1" noResize="1" noEditPoints="1" noAdjustHandles="1" noChangeArrowheads="1" noChangeShapeType="1" noTextEdit="1"/>
+              </p:cNvSpPr>
+              <p:nvPr/>
+            </p:nvSpPr>
+            <p:spPr>
+              <a:xfrm>
+                <a:off x="2044765" y="4183571"/>
+                <a:ext cx="5102679" cy="666657"/>
+              </a:xfrm>
+              <a:prstGeom prst="rect">
+                <a:avLst/>
+              </a:prstGeom>
+              <a:blipFill rotWithShape="0">
+                <a:blip r:embed="rId4"/>
+                <a:stretch>
+                  <a:fillRect l="-1792" b="-909"/>
+                </a:stretch>
+              </a:blipFill>
+            </p:spPr>
+            <p:txBody>
+              <a:bodyPr/>
+              <a:lstStyle/>
+              <a:p>
+                <a:r>
+                  <a:rPr lang="en-US">
+                    <a:noFill/>
+                  </a:rPr>
+                  <a:t> </a:t>
+                </a:r>
+              </a:p>
+            </p:txBody>
+          </p:sp>
+        </mc:Fallback>
+      </mc:AlternateContent>
+      <mc:AlternateContent xmlns:mc="http://schemas.openxmlformats.org/markup-compatibility/2006">
+        <mc:Choice xmlns:a14="http://schemas.microsoft.com/office/drawing/2010/main" Requires="a14">
+          <p:sp>
+            <p:nvSpPr>
+              <p:cNvPr id="6" name="Rectangle 5"/>
+              <p:cNvSpPr/>
+              <p:nvPr/>
+            </p:nvSpPr>
+            <p:spPr>
+              <a:xfrm>
+                <a:off x="1648467" y="5078391"/>
+                <a:ext cx="6096000" cy="1271567"/>
+              </a:xfrm>
+              <a:prstGeom prst="rect">
+                <a:avLst/>
+              </a:prstGeom>
+            </p:spPr>
+            <p:txBody>
+              <a:bodyPr>
+                <a:spAutoFit/>
+              </a:bodyPr>
+              <a:lstStyle/>
+              <a:p>
+                <a14:m>
+                  <m:oMathPara xmlns:m="http://schemas.openxmlformats.org/officeDocument/2006/math">
+                    <m:oMathParaPr>
+                      <m:jc m:val="centerGroup"/>
+                    </m:oMathParaPr>
+                    <m:oMath xmlns:m="http://schemas.openxmlformats.org/officeDocument/2006/math">
+                      <m:r>
+                        <a:rPr lang="en-US" altLang="zh-CN" sz="2400" i="1">
+                          <a:latin typeface="Cambria Math" panose="02040503050406030204" pitchFamily="18" charset="0"/>
+                        </a:rPr>
+                        <m:t>𝑝</m:t>
+                      </m:r>
+                      <m:d>
+                        <m:dPr>
+                          <m:ctrlPr>
+                            <a:rPr lang="en-US" altLang="zh-CN" sz="2400" i="1">
+                              <a:latin typeface="Cambria Math" charset="0"/>
+                            </a:rPr>
+                          </m:ctrlPr>
+                        </m:dPr>
+                        <m:e>
+                          <m:r>
+                            <m:rPr>
+                              <m:nor/>
+                            </m:rPr>
+                            <a:rPr lang="en-US" altLang="zh-CN" sz="2400" i="1" dirty="0"/>
+                            <m:t>θ</m:t>
+                          </m:r>
+                          <m:r>
+                            <m:rPr>
+                              <m:nor/>
+                            </m:rPr>
+                            <a:rPr lang="en-US" altLang="zh-CN" sz="2400" dirty="0"/>
+                            <m:t>|</m:t>
+                          </m:r>
+                          <m:r>
+                            <m:rPr>
+                              <m:nor/>
+                            </m:rPr>
+                            <a:rPr lang="en-US" altLang="zh-CN" sz="2400" dirty="0"/>
+                            <m:t>D</m:t>
+                          </m:r>
+                        </m:e>
+                      </m:d>
+                      <m:r>
+                        <a:rPr lang="en-US" altLang="zh-CN" sz="2400" i="1">
+                          <a:latin typeface="Cambria Math" panose="02040503050406030204" pitchFamily="18" charset="0"/>
+                        </a:rPr>
+                        <m:t>=</m:t>
+                      </m:r>
+                      <m:f>
+                        <m:fPr>
+                          <m:ctrlPr>
+                            <a:rPr lang="en-US" altLang="zh-CN" sz="2400" i="1">
+                              <a:latin typeface="Cambria Math" charset="0"/>
+                            </a:rPr>
+                          </m:ctrlPr>
+                        </m:fPr>
+                        <m:num>
+                          <m:r>
+                            <a:rPr lang="en-US" altLang="zh-CN" sz="2400" i="1">
+                              <a:latin typeface="Cambria Math" panose="02040503050406030204" pitchFamily="18" charset="0"/>
+                            </a:rPr>
+                            <m:t>𝑝</m:t>
+                          </m:r>
+                          <m:d>
+                            <m:dPr>
+                              <m:ctrlPr>
+                                <a:rPr lang="en-US" altLang="zh-CN" sz="2400" i="1">
+                                  <a:latin typeface="Cambria Math" charset="0"/>
+                                </a:rPr>
+                              </m:ctrlPr>
+                            </m:dPr>
+                            <m:e>
+                              <m:r>
+                                <a:rPr lang="en-US" altLang="zh-CN" sz="2400" i="1">
+                                  <a:latin typeface="Cambria Math" panose="02040503050406030204" pitchFamily="18" charset="0"/>
+                                </a:rPr>
+                                <m:t>𝐷</m:t>
+                              </m:r>
+                            </m:e>
+                            <m:e>
+                              <m:r>
+                                <m:rPr>
+                                  <m:nor/>
+                                </m:rPr>
+                                <a:rPr lang="en-US" altLang="zh-CN" sz="2400" i="1" dirty="0"/>
+                                <m:t>θ</m:t>
+                              </m:r>
+                            </m:e>
+                          </m:d>
+                          <m:r>
+                            <a:rPr lang="en-US" altLang="zh-CN" sz="2400" i="1">
+                              <a:latin typeface="Cambria Math" panose="02040503050406030204" pitchFamily="18" charset="0"/>
+                            </a:rPr>
+                            <m:t>∗</m:t>
+                          </m:r>
+                          <m:r>
+                            <a:rPr lang="en-US" altLang="zh-CN" sz="2400" i="1">
+                              <a:latin typeface="Cambria Math" panose="02040503050406030204" pitchFamily="18" charset="0"/>
+                            </a:rPr>
+                            <m:t>𝑝</m:t>
+                          </m:r>
+                          <m:r>
+                            <a:rPr lang="en-US" altLang="zh-CN" sz="2400" i="1">
+                              <a:latin typeface="Cambria Math" panose="02040503050406030204" pitchFamily="18" charset="0"/>
+                            </a:rPr>
+                            <m:t>(</m:t>
+                          </m:r>
+                          <m:r>
+                            <m:rPr>
+                              <m:nor/>
+                            </m:rPr>
+                            <a:rPr lang="en-US" altLang="zh-CN" sz="2400" i="1" dirty="0"/>
+                            <m:t>θ</m:t>
+                          </m:r>
+                          <m:r>
+                            <a:rPr lang="en-US" altLang="zh-CN" sz="2400" i="1">
+                              <a:latin typeface="Cambria Math" panose="02040503050406030204" pitchFamily="18" charset="0"/>
+                            </a:rPr>
+                            <m:t>)</m:t>
+                          </m:r>
+                        </m:num>
+                        <m:den>
+                          <m:r>
+                            <a:rPr lang="en-US" altLang="zh-CN" sz="2400" i="1">
+                              <a:latin typeface="Cambria Math" panose="02040503050406030204" pitchFamily="18" charset="0"/>
+                            </a:rPr>
+                            <m:t>𝑝</m:t>
+                          </m:r>
+                          <m:r>
+                            <a:rPr lang="en-US" altLang="zh-CN" sz="2400" i="1">
+                              <a:latin typeface="Cambria Math" panose="02040503050406030204" pitchFamily="18" charset="0"/>
+                            </a:rPr>
+                            <m:t>(</m:t>
+                          </m:r>
+                          <m:r>
+                            <a:rPr lang="en-US" altLang="zh-CN" sz="2400" i="1">
+                              <a:latin typeface="Cambria Math" panose="02040503050406030204" pitchFamily="18" charset="0"/>
+                            </a:rPr>
+                            <m:t>𝐷</m:t>
+                          </m:r>
+                          <m:r>
+                            <a:rPr lang="en-US" altLang="zh-CN" sz="2400" i="1">
+                              <a:latin typeface="Cambria Math" panose="02040503050406030204" pitchFamily="18" charset="0"/>
+                            </a:rPr>
+                            <m:t>)</m:t>
+                          </m:r>
+                        </m:den>
+                      </m:f>
+                      <m:r>
+                        <a:rPr lang="en-US" altLang="zh-CN" sz="2400" i="1">
+                          <a:latin typeface="Cambria Math" panose="02040503050406030204" pitchFamily="18" charset="0"/>
+                          <a:ea typeface="Cambria Math" panose="02040503050406030204" pitchFamily="18" charset="0"/>
+                        </a:rPr>
+                        <m:t>∝</m:t>
+                      </m:r>
+                      <m:r>
+                        <a:rPr lang="en-US" altLang="zh-CN" sz="2400" i="1">
+                          <a:latin typeface="Cambria Math" panose="02040503050406030204" pitchFamily="18" charset="0"/>
+                        </a:rPr>
+                        <m:t>𝑝</m:t>
+                      </m:r>
+                      <m:d>
+                        <m:dPr>
+                          <m:ctrlPr>
+                            <a:rPr lang="en-US" altLang="zh-CN" sz="2400" i="1">
+                              <a:latin typeface="Cambria Math" charset="0"/>
+                            </a:rPr>
+                          </m:ctrlPr>
+                        </m:dPr>
+                        <m:e>
+                          <m:r>
+                            <a:rPr lang="en-US" altLang="zh-CN" sz="2400" i="1">
+                              <a:latin typeface="Cambria Math" panose="02040503050406030204" pitchFamily="18" charset="0"/>
+                            </a:rPr>
+                            <m:t>𝐷</m:t>
+                          </m:r>
+                        </m:e>
+                        <m:e>
+                          <m:r>
+                            <m:rPr>
+                              <m:nor/>
+                            </m:rPr>
+                            <a:rPr lang="en-US" altLang="zh-CN" sz="2400" i="1" dirty="0"/>
+                            <m:t>θ</m:t>
+                          </m:r>
+                        </m:e>
+                      </m:d>
+                      <m:r>
+                        <a:rPr lang="en-US" altLang="zh-CN" sz="2400" i="1">
+                          <a:latin typeface="Cambria Math" panose="02040503050406030204" pitchFamily="18" charset="0"/>
+                        </a:rPr>
+                        <m:t>∗</m:t>
+                      </m:r>
+                      <m:r>
+                        <a:rPr lang="en-US" altLang="zh-CN" sz="2400" i="1">
+                          <a:latin typeface="Cambria Math" panose="02040503050406030204" pitchFamily="18" charset="0"/>
+                        </a:rPr>
+                        <m:t>𝑝</m:t>
+                      </m:r>
+                      <m:d>
+                        <m:dPr>
+                          <m:ctrlPr>
+                            <a:rPr lang="en-US" altLang="zh-CN" sz="2400" i="1">
+                              <a:latin typeface="Cambria Math" charset="0"/>
+                            </a:rPr>
+                          </m:ctrlPr>
+                        </m:dPr>
+                        <m:e>
+                          <m:r>
+                            <m:rPr>
+                              <m:nor/>
+                            </m:rPr>
+                            <a:rPr lang="en-US" altLang="zh-CN" sz="2400" i="1" dirty="0"/>
+                            <m:t>θ</m:t>
+                          </m:r>
+                        </m:e>
+                      </m:d>
+                      <m:r>
+                        <a:rPr lang="en-US" altLang="zh-CN" sz="2400" i="1">
+                          <a:latin typeface="Cambria Math" panose="02040503050406030204" pitchFamily="18" charset="0"/>
+                        </a:rPr>
+                        <m:t>=</m:t>
+                      </m:r>
+                      <m:sSup>
+                        <m:sSupPr>
+                          <m:ctrlPr>
+                            <a:rPr lang="en-US" altLang="zh-CN" sz="2400" i="1">
+                              <a:latin typeface="Cambria Math" charset="0"/>
+                            </a:rPr>
+                          </m:ctrlPr>
+                        </m:sSupPr>
+                        <m:e>
+                          <m:r>
+                            <m:rPr>
+                              <m:nor/>
+                            </m:rPr>
+                            <a:rPr lang="en-US" altLang="zh-CN" sz="2400" i="1" dirty="0"/>
+                            <m:t>θ</m:t>
+                          </m:r>
+                        </m:e>
+                        <m:sup>
+                          <m:sSub>
+                            <m:sSubPr>
+                              <m:ctrlPr>
+                                <a:rPr lang="en-US" altLang="zh-CN" sz="2400" i="1">
+                                  <a:latin typeface="Cambria Math" charset="0"/>
+                                </a:rPr>
+                              </m:ctrlPr>
+                            </m:sSubPr>
+                            <m:e>
+                              <m:r>
+                                <a:rPr lang="en-US" altLang="zh-CN" sz="2400" i="1">
+                                  <a:latin typeface="Cambria Math" panose="02040503050406030204" pitchFamily="18" charset="0"/>
+                                </a:rPr>
+                                <m:t>𝑁</m:t>
+                              </m:r>
+                            </m:e>
+                            <m:sub>
+                              <m:r>
+                                <a:rPr lang="en-US" altLang="zh-CN" sz="2400" i="1">
+                                  <a:latin typeface="Cambria Math" panose="02040503050406030204" pitchFamily="18" charset="0"/>
+                                </a:rPr>
+                                <m:t>1</m:t>
+                              </m:r>
+                            </m:sub>
+                          </m:sSub>
+                        </m:sup>
+                      </m:sSup>
+                      <m:sSup>
+                        <m:sSupPr>
+                          <m:ctrlPr>
+                            <a:rPr lang="en-US" altLang="zh-CN" sz="2400" i="1">
+                              <a:latin typeface="Cambria Math" charset="0"/>
+                            </a:rPr>
+                          </m:ctrlPr>
+                        </m:sSupPr>
+                        <m:e>
+                          <m:r>
+                            <a:rPr lang="en-US" altLang="zh-CN" sz="2400" i="1">
+                              <a:latin typeface="Cambria Math" panose="02040503050406030204" pitchFamily="18" charset="0"/>
+                            </a:rPr>
+                            <m:t>(1−</m:t>
+                          </m:r>
+                          <m:r>
+                            <m:rPr>
+                              <m:nor/>
+                            </m:rPr>
+                            <a:rPr lang="en-US" altLang="zh-CN" sz="2400" i="1" dirty="0"/>
+                            <m:t>θ</m:t>
+                          </m:r>
+                          <m:r>
+                            <a:rPr lang="en-US" altLang="zh-CN" sz="2400" i="1">
+                              <a:latin typeface="Cambria Math" panose="02040503050406030204" pitchFamily="18" charset="0"/>
+                            </a:rPr>
+                            <m:t>)</m:t>
+                          </m:r>
+                        </m:e>
+                        <m:sup>
+                          <m:sSub>
+                            <m:sSubPr>
+                              <m:ctrlPr>
+                                <a:rPr lang="en-US" altLang="zh-CN" sz="2400" i="1">
+                                  <a:latin typeface="Cambria Math" charset="0"/>
+                                </a:rPr>
+                              </m:ctrlPr>
+                            </m:sSubPr>
+                            <m:e>
+                              <m:r>
+                                <a:rPr lang="en-US" altLang="zh-CN" sz="2400" i="1">
+                                  <a:latin typeface="Cambria Math" panose="02040503050406030204" pitchFamily="18" charset="0"/>
+                                </a:rPr>
+                                <m:t>𝑁</m:t>
+                              </m:r>
+                            </m:e>
+                            <m:sub>
+                              <m:r>
+                                <a:rPr lang="en-US" altLang="zh-CN" sz="2400" i="1">
+                                  <a:latin typeface="Cambria Math" panose="02040503050406030204" pitchFamily="18" charset="0"/>
+                                </a:rPr>
+                                <m:t>0</m:t>
+                              </m:r>
+                            </m:sub>
+                          </m:sSub>
+                        </m:sup>
+                      </m:sSup>
+                      <m:r>
+                        <a:rPr lang="en-US" altLang="zh-CN" sz="2400" i="1">
+                          <a:latin typeface="Cambria Math" panose="02040503050406030204" pitchFamily="18" charset="0"/>
+                        </a:rPr>
+                        <m:t>∗</m:t>
+                      </m:r>
+                      <m:r>
+                        <a:rPr lang="en-US" altLang="zh-CN" sz="2400" i="1">
+                          <a:latin typeface="Cambria Math" panose="02040503050406030204" pitchFamily="18" charset="0"/>
+                        </a:rPr>
+                        <m:t>𝑝</m:t>
+                      </m:r>
+                      <m:r>
+                        <a:rPr lang="en-US" altLang="zh-CN" sz="2400" i="1">
+                          <a:latin typeface="Cambria Math" panose="02040503050406030204" pitchFamily="18" charset="0"/>
+                        </a:rPr>
+                        <m:t>(</m:t>
+                      </m:r>
+                      <m:r>
+                        <m:rPr>
+                          <m:nor/>
+                        </m:rPr>
+                        <a:rPr lang="en-US" altLang="zh-CN" sz="2400" i="1" dirty="0"/>
+                        <m:t>θ</m:t>
+                      </m:r>
+                      <m:r>
+                        <a:rPr lang="en-US" altLang="zh-CN" sz="2400" i="1">
+                          <a:latin typeface="Cambria Math" panose="02040503050406030204" pitchFamily="18" charset="0"/>
+                        </a:rPr>
+                        <m:t>)</m:t>
+                      </m:r>
+                    </m:oMath>
+                  </m:oMathPara>
+                </a14:m>
+                <a:endParaRPr lang="en-US" altLang="zh-CN" sz="2400" dirty="0"/>
+              </a:p>
+            </p:txBody>
+          </p:sp>
+        </mc:Choice>
+        <mc:Fallback>
+          <p:sp>
+            <p:nvSpPr>
+              <p:cNvPr id="6" name="Rectangle 5"/>
+              <p:cNvSpPr>
+                <a:spLocks noRot="1" noChangeAspect="1" noMove="1" noResize="1" noEditPoints="1" noAdjustHandles="1" noChangeArrowheads="1" noChangeShapeType="1" noTextEdit="1"/>
+              </p:cNvSpPr>
+              <p:nvPr/>
+            </p:nvSpPr>
+            <p:spPr>
+              <a:xfrm>
+                <a:off x="1648467" y="5078391"/>
+                <a:ext cx="6096000" cy="1271567"/>
+              </a:xfrm>
+              <a:prstGeom prst="rect">
+                <a:avLst/>
+              </a:prstGeom>
+              <a:blipFill rotWithShape="0">
+                <a:blip r:embed="rId5"/>
+                <a:stretch>
+                  <a:fillRect b="-5742"/>
+                </a:stretch>
+              </a:blipFill>
+            </p:spPr>
+            <p:txBody>
+              <a:bodyPr/>
+              <a:lstStyle/>
+              <a:p>
+                <a:r>
+                  <a:rPr lang="en-US">
+                    <a:noFill/>
+                  </a:rPr>
+                  <a:t> </a:t>
+                </a:r>
+              </a:p>
+            </p:txBody>
+          </p:sp>
+        </mc:Fallback>
+      </mc:AlternateContent>
+      <mc:AlternateContent xmlns:mc="http://schemas.openxmlformats.org/markup-compatibility/2006">
+        <mc:Choice xmlns:a14="http://schemas.microsoft.com/office/drawing/2010/main" Requires="a14">
+          <p:sp>
+            <p:nvSpPr>
+              <p:cNvPr id="7" name="Rectangle 6"/>
+              <p:cNvSpPr/>
+              <p:nvPr/>
+            </p:nvSpPr>
+            <p:spPr>
+              <a:xfrm>
+                <a:off x="7898988" y="5452564"/>
+                <a:ext cx="3848874" cy="523220"/>
+              </a:xfrm>
+              <a:prstGeom prst="rect">
+                <a:avLst/>
+              </a:prstGeom>
+            </p:spPr>
+            <p:txBody>
+              <a:bodyPr wrap="none">
+                <a:spAutoFit/>
+              </a:bodyPr>
+              <a:lstStyle/>
+              <a:p>
+                <a14:m>
+                  <m:oMath xmlns:m="http://schemas.openxmlformats.org/officeDocument/2006/math">
+                    <m:r>
+                      <a:rPr lang="en-US" altLang="zh-CN" sz="2800" i="1">
+                        <a:latin typeface="Cambria Math" panose="02040503050406030204" pitchFamily="18" charset="0"/>
+                      </a:rPr>
+                      <m:t>𝑝</m:t>
+                    </m:r>
+                    <m:d>
+                      <m:dPr>
+                        <m:ctrlPr>
+                          <a:rPr lang="en-US" altLang="zh-CN" sz="2800" i="1">
+                            <a:latin typeface="Cambria Math" charset="0"/>
+                          </a:rPr>
+                        </m:ctrlPr>
+                      </m:dPr>
+                      <m:e>
+                        <m:r>
+                          <m:rPr>
+                            <m:nor/>
+                          </m:rPr>
+                          <a:rPr lang="en-US" altLang="zh-CN" sz="2800" i="1" dirty="0"/>
+                          <m:t>θ</m:t>
+                        </m:r>
+                        <m:r>
+                          <m:rPr>
+                            <m:nor/>
+                          </m:rPr>
+                          <a:rPr lang="en-US" altLang="zh-CN" sz="2800" dirty="0"/>
+                          <m:t>|</m:t>
+                        </m:r>
+                        <m:r>
+                          <m:rPr>
+                            <m:nor/>
+                          </m:rPr>
+                          <a:rPr lang="en-US" altLang="zh-CN" sz="2800" dirty="0"/>
+                          <m:t>D</m:t>
+                        </m:r>
+                      </m:e>
+                    </m:d>
+                  </m:oMath>
+                </a14:m>
+                <a:r>
+                  <a:rPr lang="en-US" altLang="zh-CN" sz="2800" dirty="0"/>
+                  <a:t>=Beta(a+N</a:t>
+                </a:r>
+                <a:r>
+                  <a:rPr lang="en-US" altLang="zh-CN" sz="2800" baseline="-25000" dirty="0"/>
+                  <a:t>1</a:t>
+                </a:r>
+                <a:r>
+                  <a:rPr lang="en-US" altLang="zh-CN" sz="2800" dirty="0"/>
+                  <a:t>,b+N</a:t>
+                </a:r>
+                <a:r>
+                  <a:rPr lang="en-US" altLang="zh-CN" sz="2800" baseline="-25000" dirty="0"/>
+                  <a:t>0</a:t>
+                </a:r>
+                <a:r>
+                  <a:rPr lang="en-US" altLang="zh-CN" sz="2800" dirty="0"/>
+                  <a:t>)</a:t>
+                </a:r>
+                <a:endParaRPr lang="en-US" sz="2800" dirty="0"/>
+              </a:p>
+            </p:txBody>
+          </p:sp>
+        </mc:Choice>
+        <mc:Fallback>
+          <p:sp>
+            <p:nvSpPr>
+              <p:cNvPr id="7" name="Rectangle 6"/>
+              <p:cNvSpPr>
+                <a:spLocks noRot="1" noChangeAspect="1" noMove="1" noResize="1" noEditPoints="1" noAdjustHandles="1" noChangeArrowheads="1" noChangeShapeType="1" noTextEdit="1"/>
+              </p:cNvSpPr>
+              <p:nvPr/>
+            </p:nvSpPr>
+            <p:spPr>
+              <a:xfrm>
+                <a:off x="7898988" y="5452564"/>
+                <a:ext cx="3848874" cy="523220"/>
+              </a:xfrm>
+              <a:prstGeom prst="rect">
+                <a:avLst/>
+              </a:prstGeom>
+              <a:blipFill rotWithShape="0">
+                <a:blip r:embed="rId6"/>
+                <a:stretch>
+                  <a:fillRect t="-10465" r="-1902" b="-32558"/>
+                </a:stretch>
+              </a:blipFill>
+            </p:spPr>
+            <p:txBody>
+              <a:bodyPr/>
+              <a:lstStyle/>
+              <a:p>
+                <a:r>
+                  <a:rPr lang="en-US">
+                    <a:noFill/>
+                  </a:rPr>
+                  <a:t> </a:t>
+                </a:r>
+              </a:p>
+            </p:txBody>
+          </p:sp>
+        </mc:Fallback>
+      </mc:AlternateContent>
     </p:spTree>
     <p:extLst>
       <p:ext uri="{BB962C8B-B14F-4D97-AF65-F5344CB8AC3E}">
@@ -5729,19 +7008,41 @@
             </a:r>
             <a:r>
               <a:rPr lang="en-US" altLang="zh-CN" dirty="0"/>
-              <a:t> Thompson </a:t>
-            </a:r>
-            <a:r>
-              <a:rPr lang="en-US" altLang="zh-CN" dirty="0" smtClean="0"/>
-              <a:t>Sampling</a:t>
-            </a:r>
-            <a:r>
-              <a:rPr lang="zh-CN" altLang="en-US" dirty="0" smtClean="0"/>
-              <a:t> </a:t>
-            </a:r>
-            <a:r>
-              <a:rPr lang="en-US" altLang="zh-CN" dirty="0" smtClean="0"/>
-              <a:t>Example</a:t>
+              <a:t> Thompson Sampling</a:t>
+            </a:r>
+            <a:endParaRPr lang="en-US" dirty="0"/>
+          </a:p>
+        </p:txBody>
+      </p:sp>
+      <p:sp>
+        <p:nvSpPr>
+          <p:cNvPr id="3" name="Content Placeholder 2"/>
+          <p:cNvSpPr>
+            <a:spLocks noGrp="1"/>
+          </p:cNvSpPr>
+          <p:nvPr>
+            <p:ph idx="1"/>
+          </p:nvPr>
+        </p:nvSpPr>
+        <p:spPr/>
+        <p:txBody>
+          <a:bodyPr/>
+          <a:lstStyle/>
+          <a:p>
+            <a:r>
+              <a:rPr lang="en-US" dirty="0" smtClean="0"/>
+              <a:t>Why Beta distribution</a:t>
+            </a:r>
+            <a:r>
+              <a:rPr lang="en-US" dirty="0" smtClean="0"/>
+              <a:t>?</a:t>
+            </a:r>
+          </a:p>
+          <a:p>
+            <a:pPr lvl="1"/>
+            <a:r>
+              <a:rPr lang="en-US" dirty="0" smtClean="0"/>
+              <a:t>the beta distribution is the conjugate prior probability distribution for the Bernoulli</a:t>
             </a:r>
             <a:endParaRPr lang="en-US" dirty="0"/>
           </a:p>
@@ -5749,28 +7050,22 @@
       </p:sp>
       <p:pic>
         <p:nvPicPr>
-          <p:cNvPr id="4" name="Picture 3"/>
+          <p:cNvPr id="8" name="Picture 7"/>
           <p:cNvPicPr>
             <a:picLocks noChangeAspect="1"/>
           </p:cNvPicPr>
           <p:nvPr/>
         </p:nvPicPr>
         <p:blipFill>
-          <a:blip r:embed="rId2">
-            <a:extLst>
-              <a:ext uri="{28A0092B-C50C-407E-A947-70E740481C1C}">
-                <a14:useLocalDpi xmlns:a14="http://schemas.microsoft.com/office/drawing/2010/main" val="0"/>
-              </a:ext>
-            </a:extLst>
-          </a:blip>
+          <a:blip r:embed="rId3"/>
           <a:stretch>
             <a:fillRect/>
           </a:stretch>
         </p:blipFill>
         <p:spPr>
           <a:xfrm>
-            <a:off x="838199" y="1981200"/>
-            <a:ext cx="10620703" cy="3528646"/>
+            <a:off x="1574800" y="3238500"/>
+            <a:ext cx="3987800" cy="3073400"/>
           </a:xfrm>
           <a:prstGeom prst="rect">
             <a:avLst/>
@@ -5780,7 +7075,7 @@
     </p:spTree>
     <p:extLst>
       <p:ext uri="{BB962C8B-B14F-4D97-AF65-F5344CB8AC3E}">
-        <p14:creationId xmlns:p14="http://schemas.microsoft.com/office/powerpoint/2010/main" val="818632217"/>
+        <p14:creationId xmlns:p14="http://schemas.microsoft.com/office/powerpoint/2010/main" val="523869230"/>
       </p:ext>
     </p:extLst>
   </p:cSld>
@@ -5925,15 +7220,7 @@
             </a:r>
             <a:r>
               <a:rPr lang="en-US" altLang="zh-CN" sz="4000" dirty="0" smtClean="0"/>
-              <a:t> </a:t>
-            </a:r>
-            <a:r>
-              <a:rPr lang="en-US" altLang="zh-CN" sz="4000" dirty="0" smtClean="0"/>
-              <a:t>Contextual Bandit </a:t>
-            </a:r>
-            <a:r>
-              <a:rPr lang="en-US" altLang="zh-CN" sz="4000" dirty="0" smtClean="0"/>
-              <a:t>Approach</a:t>
+              <a:t> Contextual Bandit Approach</a:t>
             </a:r>
             <a:endParaRPr lang="en-US" sz="4000" dirty="0"/>
           </a:p>
@@ -5992,17 +7279,12 @@
               <a:rPr lang="en-US" dirty="0" smtClean="0"/>
               <a:t>Topic</a:t>
             </a:r>
-            <a:endParaRPr lang="en-US" dirty="0" smtClean="0"/>
           </a:p>
           <a:p>
             <a:pPr lvl="1"/>
             <a:r>
               <a:rPr lang="en-US" dirty="0" smtClean="0"/>
-              <a:t>Labels </a:t>
-            </a:r>
-            <a:r>
-              <a:rPr lang="en-US" dirty="0" smtClean="0"/>
-              <a:t>/ Attributes</a:t>
+              <a:t>Labels / Attributes</a:t>
             </a:r>
           </a:p>
           <a:p>
@@ -6190,57 +7472,185 @@
         </p:nvSpPr>
         <p:spPr/>
         <p:txBody>
-          <a:bodyPr/>
-          <a:lstStyle/>
-          <a:p>
-            <a:r>
-              <a:rPr lang="en-US" dirty="0" smtClean="0"/>
-              <a:t>Some recent research</a:t>
-            </a:r>
-            <a:endParaRPr lang="en-US" dirty="0"/>
-          </a:p>
-        </p:txBody>
-      </p:sp>
-      <p:sp>
-        <p:nvSpPr>
-          <p:cNvPr id="3" name="Content Placeholder 2"/>
-          <p:cNvSpPr>
-            <a:spLocks noGrp="1"/>
-          </p:cNvSpPr>
-          <p:nvPr>
-            <p:ph idx="1"/>
-          </p:nvPr>
-        </p:nvSpPr>
-        <p:spPr/>
-        <p:txBody>
-          <a:bodyPr/>
-          <a:lstStyle/>
-          <a:p>
-            <a:r>
-              <a:rPr lang="en-US" dirty="0" smtClean="0"/>
-              <a:t>RL learning</a:t>
-            </a:r>
-          </a:p>
-          <a:p>
-            <a:r>
-              <a:rPr lang="en-US" dirty="0"/>
-              <a:t>theoretical </a:t>
-            </a:r>
-            <a:r>
-              <a:rPr lang="en-US" dirty="0" smtClean="0"/>
-              <a:t>research</a:t>
-            </a:r>
-            <a:endParaRPr lang="zh-CN" altLang="en-US" dirty="0" smtClean="0"/>
-          </a:p>
-          <a:p>
-            <a:endParaRPr lang="zh-CN" altLang="en-US" dirty="0"/>
-          </a:p>
-        </p:txBody>
-      </p:sp>
+          <a:bodyPr>
+            <a:normAutofit/>
+          </a:bodyPr>
+          <a:lstStyle/>
+          <a:p>
+            <a:r>
+              <a:rPr lang="en-US" altLang="zh-CN" sz="4000" dirty="0" smtClean="0"/>
+              <a:t>Main Approaches </a:t>
+            </a:r>
+            <a:r>
+              <a:rPr lang="mr-IN" altLang="zh-CN" sz="4000" dirty="0" smtClean="0"/>
+              <a:t>–</a:t>
+            </a:r>
+            <a:r>
+              <a:rPr lang="en-US" altLang="zh-CN" sz="4000" dirty="0" smtClean="0"/>
+              <a:t> </a:t>
+            </a:r>
+            <a:r>
+              <a:rPr lang="en-US" altLang="zh-CN" sz="4000" dirty="0" err="1" smtClean="0"/>
+              <a:t>LinUCB</a:t>
+            </a:r>
+            <a:endParaRPr lang="en-US" sz="4000" dirty="0"/>
+          </a:p>
+        </p:txBody>
+      </p:sp>
+      <p:pic>
+        <p:nvPicPr>
+          <p:cNvPr id="3" name="Picture 2"/>
+          <p:cNvPicPr>
+            <a:picLocks noChangeAspect="1"/>
+          </p:cNvPicPr>
+          <p:nvPr/>
+        </p:nvPicPr>
+        <p:blipFill>
+          <a:blip r:embed="rId2">
+            <a:extLst>
+              <a:ext uri="{28A0092B-C50C-407E-A947-70E740481C1C}">
+                <a14:useLocalDpi xmlns:a14="http://schemas.microsoft.com/office/drawing/2010/main" val="0"/>
+              </a:ext>
+            </a:extLst>
+          </a:blip>
+          <a:stretch>
+            <a:fillRect/>
+          </a:stretch>
+        </p:blipFill>
+        <p:spPr>
+          <a:xfrm>
+            <a:off x="2209800" y="2554288"/>
+            <a:ext cx="4064000" cy="508000"/>
+          </a:xfrm>
+          <a:prstGeom prst="rect">
+            <a:avLst/>
+          </a:prstGeom>
+        </p:spPr>
+      </p:pic>
+      <p:pic>
+        <p:nvPicPr>
+          <p:cNvPr id="4" name="Picture 3"/>
+          <p:cNvPicPr>
+            <a:picLocks noChangeAspect="1"/>
+          </p:cNvPicPr>
+          <p:nvPr/>
+        </p:nvPicPr>
+        <p:blipFill>
+          <a:blip r:embed="rId3">
+            <a:extLst>
+              <a:ext uri="{28A0092B-C50C-407E-A947-70E740481C1C}">
+                <a14:useLocalDpi xmlns:a14="http://schemas.microsoft.com/office/drawing/2010/main" val="0"/>
+              </a:ext>
+            </a:extLst>
+          </a:blip>
+          <a:stretch>
+            <a:fillRect/>
+          </a:stretch>
+        </p:blipFill>
+        <p:spPr>
+          <a:xfrm>
+            <a:off x="2209800" y="1727200"/>
+            <a:ext cx="2997200" cy="546100"/>
+          </a:xfrm>
+          <a:prstGeom prst="rect">
+            <a:avLst/>
+          </a:prstGeom>
+        </p:spPr>
+      </p:pic>
+      <p:pic>
+        <p:nvPicPr>
+          <p:cNvPr id="6" name="Picture 5"/>
+          <p:cNvPicPr>
+            <a:picLocks noChangeAspect="1"/>
+          </p:cNvPicPr>
+          <p:nvPr/>
+        </p:nvPicPr>
+        <p:blipFill>
+          <a:blip r:embed="rId4">
+            <a:extLst>
+              <a:ext uri="{28A0092B-C50C-407E-A947-70E740481C1C}">
+                <a14:useLocalDpi xmlns:a14="http://schemas.microsoft.com/office/drawing/2010/main" val="0"/>
+              </a:ext>
+            </a:extLst>
+          </a:blip>
+          <a:stretch>
+            <a:fillRect/>
+          </a:stretch>
+        </p:blipFill>
+        <p:spPr>
+          <a:xfrm>
+            <a:off x="2209800" y="3136900"/>
+            <a:ext cx="3886200" cy="800100"/>
+          </a:xfrm>
+          <a:prstGeom prst="rect">
+            <a:avLst/>
+          </a:prstGeom>
+        </p:spPr>
+      </p:pic>
+      <p:pic>
+        <p:nvPicPr>
+          <p:cNvPr id="7" name="Picture 6"/>
+          <p:cNvPicPr>
+            <a:picLocks noChangeAspect="1"/>
+          </p:cNvPicPr>
+          <p:nvPr/>
+        </p:nvPicPr>
+        <p:blipFill>
+          <a:blip r:embed="rId5">
+            <a:extLst>
+              <a:ext uri="{28A0092B-C50C-407E-A947-70E740481C1C}">
+                <a14:useLocalDpi xmlns:a14="http://schemas.microsoft.com/office/drawing/2010/main" val="0"/>
+              </a:ext>
+            </a:extLst>
+          </a:blip>
+          <a:stretch>
+            <a:fillRect/>
+          </a:stretch>
+        </p:blipFill>
+        <p:spPr>
+          <a:xfrm>
+            <a:off x="2305050" y="4050506"/>
+            <a:ext cx="5029200" cy="723900"/>
+          </a:xfrm>
+          <a:prstGeom prst="rect">
+            <a:avLst/>
+          </a:prstGeom>
+        </p:spPr>
+      </p:pic>
+      <p:pic>
+        <p:nvPicPr>
+          <p:cNvPr id="8" name="Picture 7"/>
+          <p:cNvPicPr>
+            <a:picLocks noChangeAspect="1"/>
+          </p:cNvPicPr>
+          <p:nvPr/>
+        </p:nvPicPr>
+        <p:blipFill>
+          <a:blip r:embed="rId6">
+            <a:extLst>
+              <a:ext uri="{28A0092B-C50C-407E-A947-70E740481C1C}">
+                <a14:useLocalDpi xmlns:a14="http://schemas.microsoft.com/office/drawing/2010/main" val="0"/>
+              </a:ext>
+            </a:extLst>
+          </a:blip>
+          <a:stretch>
+            <a:fillRect/>
+          </a:stretch>
+        </p:blipFill>
+        <p:spPr>
+          <a:xfrm>
+            <a:off x="2209800" y="4887912"/>
+            <a:ext cx="6743700" cy="990600"/>
+          </a:xfrm>
+          <a:prstGeom prst="rect">
+            <a:avLst/>
+          </a:prstGeom>
+        </p:spPr>
+      </p:pic>
     </p:spTree>
     <p:extLst>
       <p:ext uri="{BB962C8B-B14F-4D97-AF65-F5344CB8AC3E}">
-        <p14:creationId xmlns:p14="http://schemas.microsoft.com/office/powerpoint/2010/main" val="573288921"/>
+        <p14:creationId xmlns:p14="http://schemas.microsoft.com/office/powerpoint/2010/main" val="1466713061"/>
       </p:ext>
     </p:extLst>
   </p:cSld>
@@ -6285,105 +7695,118 @@
           <a:lstStyle/>
           <a:p>
             <a:r>
-              <a:rPr lang="en-US" dirty="0" smtClean="0"/>
-              <a:t>E&amp;E Applications - </a:t>
-            </a:r>
-            <a:r>
-              <a:rPr lang="en-US" dirty="0"/>
-              <a:t>Programmatic </a:t>
-            </a:r>
-            <a:r>
-              <a:rPr lang="en-US" dirty="0" smtClean="0"/>
-              <a:t>Creative Optimization </a:t>
-            </a:r>
-            <a:endParaRPr lang="en-US" dirty="0"/>
-          </a:p>
-        </p:txBody>
-      </p:sp>
-      <p:sp>
-        <p:nvSpPr>
-          <p:cNvPr id="5" name="TextBox 4"/>
-          <p:cNvSpPr txBox="1"/>
+              <a:rPr lang="en-US" altLang="zh-CN" sz="4000" dirty="0" smtClean="0"/>
+              <a:t>Main Approaches </a:t>
+            </a:r>
+            <a:r>
+              <a:rPr lang="mr-IN" altLang="zh-CN" sz="4000" dirty="0" smtClean="0"/>
+              <a:t>–</a:t>
+            </a:r>
+            <a:r>
+              <a:rPr lang="en-US" altLang="zh-CN" sz="4000" dirty="0" smtClean="0"/>
+              <a:t> </a:t>
+            </a:r>
+            <a:r>
+              <a:rPr lang="en-US" altLang="zh-CN" sz="4000" dirty="0" err="1" smtClean="0"/>
+              <a:t>LinUCB</a:t>
+            </a:r>
+            <a:endParaRPr lang="en-US" sz="4000" dirty="0"/>
+          </a:p>
+        </p:txBody>
+      </p:sp>
+      <p:pic>
+        <p:nvPicPr>
+          <p:cNvPr id="5" name="Picture 4"/>
+          <p:cNvPicPr>
+            <a:picLocks noChangeAspect="1"/>
+          </p:cNvPicPr>
           <p:nvPr/>
-        </p:nvSpPr>
+        </p:nvPicPr>
+        <p:blipFill>
+          <a:blip r:embed="rId2">
+            <a:extLst>
+              <a:ext uri="{28A0092B-C50C-407E-A947-70E740481C1C}">
+                <a14:useLocalDpi xmlns:a14="http://schemas.microsoft.com/office/drawing/2010/main" val="0"/>
+              </a:ext>
+            </a:extLst>
+          </a:blip>
+          <a:stretch>
+            <a:fillRect/>
+          </a:stretch>
+        </p:blipFill>
         <p:spPr>
           <a:xfrm>
-            <a:off x="1031631" y="2098430"/>
-            <a:ext cx="10322169" cy="923330"/>
+            <a:off x="1066800" y="1777709"/>
+            <a:ext cx="10058400" cy="1107881"/>
           </a:xfrm>
           <a:prstGeom prst="rect">
             <a:avLst/>
           </a:prstGeom>
-          <a:noFill/>
         </p:spPr>
-        <p:txBody>
-          <a:bodyPr wrap="square" rtlCol="0">
-            <a:spAutoFit/>
-          </a:bodyPr>
-          <a:lstStyle/>
-          <a:p>
-            <a:r>
-              <a:rPr lang="zh-CN" altLang="en-US" dirty="0" smtClean="0"/>
-              <a:t>做</a:t>
-            </a:r>
-            <a:r>
-              <a:rPr lang="en-US" altLang="zh-CN" dirty="0" smtClean="0"/>
-              <a:t>UBER</a:t>
-            </a:r>
-            <a:r>
-              <a:rPr lang="zh-CN" altLang="en-US" dirty="0" smtClean="0"/>
-              <a:t>司机，月入万元			</a:t>
-            </a:r>
-            <a:r>
-              <a:rPr lang="en-US" altLang="zh-CN" dirty="0" smtClean="0"/>
-              <a:t>CVR=0.1%</a:t>
-            </a:r>
-            <a:endParaRPr lang="zh-CN" altLang="en-US" dirty="0" smtClean="0"/>
-          </a:p>
-          <a:p>
-            <a:endParaRPr lang="zh-CN" altLang="en-US" dirty="0" smtClean="0"/>
-          </a:p>
-          <a:p>
-            <a:r>
-              <a:rPr lang="zh-CN" altLang="en-US" dirty="0" smtClean="0"/>
-              <a:t>在北京做</a:t>
-            </a:r>
-            <a:r>
-              <a:rPr lang="en-US" altLang="zh-CN" dirty="0" smtClean="0"/>
-              <a:t>UBER</a:t>
-            </a:r>
-            <a:r>
-              <a:rPr lang="zh-CN" altLang="en-US" dirty="0" smtClean="0"/>
-              <a:t>司机，月入万元		</a:t>
-            </a:r>
-            <a:r>
-              <a:rPr lang="en-US" altLang="zh-CN" dirty="0" smtClean="0"/>
-              <a:t>CVR</a:t>
-            </a:r>
-            <a:r>
-              <a:rPr lang="zh-CN" altLang="en-US" dirty="0"/>
-              <a:t> </a:t>
-            </a:r>
-            <a:r>
-              <a:rPr lang="en-US" altLang="zh-CN" dirty="0" smtClean="0"/>
-              <a:t>lift</a:t>
-            </a:r>
-            <a:r>
-              <a:rPr lang="zh-CN" altLang="en-US" dirty="0" smtClean="0"/>
-              <a:t> </a:t>
-            </a:r>
-            <a:r>
-              <a:rPr lang="en-US" altLang="zh-CN" dirty="0" smtClean="0"/>
-              <a:t>40%</a:t>
-            </a:r>
-            <a:endParaRPr lang="en-US" dirty="0"/>
-          </a:p>
-        </p:txBody>
-      </p:sp>
+      </p:pic>
+      <p:pic>
+        <p:nvPicPr>
+          <p:cNvPr id="9" name="Picture 8"/>
+          <p:cNvPicPr>
+            <a:picLocks noChangeAspect="1"/>
+          </p:cNvPicPr>
+          <p:nvPr/>
+        </p:nvPicPr>
+        <p:blipFill>
+          <a:blip r:embed="rId3">
+            <a:extLst>
+              <a:ext uri="{28A0092B-C50C-407E-A947-70E740481C1C}">
+                <a14:useLocalDpi xmlns:a14="http://schemas.microsoft.com/office/drawing/2010/main" val="0"/>
+              </a:ext>
+            </a:extLst>
+          </a:blip>
+          <a:stretch>
+            <a:fillRect/>
+          </a:stretch>
+        </p:blipFill>
+        <p:spPr>
+          <a:xfrm>
+            <a:off x="1155700" y="3935121"/>
+            <a:ext cx="5257800" cy="850900"/>
+          </a:xfrm>
+          <a:prstGeom prst="rect">
+            <a:avLst/>
+          </a:prstGeom>
+        </p:spPr>
+      </p:pic>
+      <p:pic>
+        <p:nvPicPr>
+          <p:cNvPr id="10" name="Picture 9"/>
+          <p:cNvPicPr>
+            <a:picLocks noChangeAspect="1"/>
+          </p:cNvPicPr>
+          <p:nvPr/>
+        </p:nvPicPr>
+        <p:blipFill rotWithShape="1">
+          <a:blip r:embed="rId4">
+            <a:extLst>
+              <a:ext uri="{28A0092B-C50C-407E-A947-70E740481C1C}">
+                <a14:useLocalDpi xmlns:a14="http://schemas.microsoft.com/office/drawing/2010/main" val="0"/>
+              </a:ext>
+            </a:extLst>
+          </a:blip>
+          <a:srcRect t="14696"/>
+          <a:stretch/>
+        </p:blipFill>
+        <p:spPr>
+          <a:xfrm>
+            <a:off x="1155700" y="3073399"/>
+            <a:ext cx="6553200" cy="585011"/>
+          </a:xfrm>
+          <a:prstGeom prst="rect">
+            <a:avLst/>
+          </a:prstGeom>
+        </p:spPr>
+      </p:pic>
     </p:spTree>
     <p:extLst>
       <p:ext uri="{BB962C8B-B14F-4D97-AF65-F5344CB8AC3E}">
-        <p14:creationId xmlns:p14="http://schemas.microsoft.com/office/powerpoint/2010/main" val="217670522"/>
+        <p14:creationId xmlns:p14="http://schemas.microsoft.com/office/powerpoint/2010/main" val="2106608934"/>
       </p:ext>
     </p:extLst>
   </p:cSld>
@@ -6422,72 +7845,65 @@
         </p:nvSpPr>
         <p:spPr/>
         <p:txBody>
-          <a:bodyPr/>
-          <a:lstStyle/>
-          <a:p>
-            <a:r>
-              <a:rPr lang="en-US" dirty="0" smtClean="0"/>
-              <a:t>E&amp;E Applications </a:t>
-            </a:r>
-            <a:r>
-              <a:rPr lang="mr-IN" dirty="0" smtClean="0"/>
+          <a:bodyPr>
+            <a:normAutofit/>
+          </a:bodyPr>
+          <a:lstStyle/>
+          <a:p>
+            <a:r>
+              <a:rPr lang="en-US" altLang="zh-CN" sz="4000" dirty="0" smtClean="0"/>
+              <a:t>Main Approaches </a:t>
+            </a:r>
+            <a:r>
+              <a:rPr lang="mr-IN" altLang="zh-CN" sz="4000" dirty="0" smtClean="0"/>
               <a:t>–</a:t>
             </a:r>
             <a:r>
-              <a:rPr lang="zh-CN" altLang="en-US" dirty="0" smtClean="0"/>
+              <a:rPr lang="en-US" altLang="zh-CN" sz="4000" dirty="0" smtClean="0"/>
               <a:t> </a:t>
             </a:r>
             <a:r>
-              <a:rPr lang="en-US" altLang="zh-CN" dirty="0" smtClean="0"/>
-              <a:t>Auction</a:t>
-            </a:r>
-            <a:r>
-              <a:rPr lang="zh-CN" altLang="en-US" dirty="0" smtClean="0"/>
-              <a:t> </a:t>
-            </a:r>
-            <a:r>
-              <a:rPr lang="en-US" altLang="zh-CN" dirty="0" smtClean="0"/>
-              <a:t>Traffic</a:t>
-            </a:r>
-            <a:r>
-              <a:rPr lang="zh-CN" altLang="en-US" dirty="0" smtClean="0"/>
-              <a:t> </a:t>
-            </a:r>
-            <a:r>
-              <a:rPr lang="en-US" altLang="zh-CN" dirty="0" smtClean="0"/>
-              <a:t>Allocation</a:t>
-            </a:r>
-            <a:endParaRPr lang="en-US" dirty="0"/>
-          </a:p>
-        </p:txBody>
-      </p:sp>
-      <p:sp>
-        <p:nvSpPr>
-          <p:cNvPr id="3" name="Content Placeholder 2"/>
-          <p:cNvSpPr>
-            <a:spLocks noGrp="1"/>
-          </p:cNvSpPr>
-          <p:nvPr>
-            <p:ph idx="1"/>
-          </p:nvPr>
-        </p:nvSpPr>
-        <p:spPr/>
-        <p:txBody>
-          <a:bodyPr/>
-          <a:lstStyle/>
-          <a:p>
-            <a:r>
-              <a:rPr lang="en-US" dirty="0" smtClean="0"/>
-              <a:t>How to allocate traffic with specific tags to SSP?</a:t>
-            </a:r>
-            <a:endParaRPr lang="en-US" dirty="0"/>
-          </a:p>
-        </p:txBody>
-      </p:sp>
+              <a:rPr lang="en-US" altLang="zh-CN" sz="4000" dirty="0" err="1" smtClean="0"/>
+              <a:t>LinUCB</a:t>
+            </a:r>
+            <a:endParaRPr lang="en-US" sz="4000" dirty="0"/>
+          </a:p>
+        </p:txBody>
+      </p:sp>
+      <p:pic>
+        <p:nvPicPr>
+          <p:cNvPr id="3" name="Picture 2"/>
+          <p:cNvPicPr>
+            <a:picLocks noChangeAspect="1"/>
+          </p:cNvPicPr>
+          <p:nvPr/>
+        </p:nvPicPr>
+        <p:blipFill>
+          <a:blip r:embed="rId2">
+            <a:extLst>
+              <a:ext uri="{28A0092B-C50C-407E-A947-70E740481C1C}">
+                <a14:useLocalDpi xmlns:a14="http://schemas.microsoft.com/office/drawing/2010/main" val="0"/>
+              </a:ext>
+            </a:extLst>
+          </a:blip>
+          <a:stretch>
+            <a:fillRect/>
+          </a:stretch>
+        </p:blipFill>
+        <p:spPr>
+          <a:xfrm>
+            <a:off x="1155700" y="1905000"/>
+            <a:ext cx="10058400" cy="2400052"/>
+          </a:xfrm>
+          <a:prstGeom prst="rect">
+            <a:avLst/>
+          </a:prstGeom>
+        </p:spPr>
+      </p:pic>
     </p:spTree>
     <p:extLst>
       <p:ext uri="{BB962C8B-B14F-4D97-AF65-F5344CB8AC3E}">
-        <p14:creationId xmlns:p14="http://schemas.microsoft.com/office/powerpoint/2010/main" val="1719442406"/>
+        <p14:creationId xmlns:p14="http://schemas.microsoft.com/office/powerpoint/2010/main" val="323096998"/>
       </p:ext>
     </p:extLst>
   </p:cSld>
@@ -6531,27 +7947,7 @@
           <a:p>
             <a:r>
               <a:rPr lang="en-US" dirty="0" smtClean="0"/>
-              <a:t>E&amp;E Applications </a:t>
-            </a:r>
-            <a:r>
-              <a:rPr lang="mr-IN" dirty="0" smtClean="0"/>
-              <a:t>–</a:t>
-            </a:r>
-            <a:r>
-              <a:rPr lang="zh-CN" altLang="en-US" dirty="0" smtClean="0"/>
-              <a:t> </a:t>
-            </a:r>
-            <a:r>
-              <a:rPr lang="en-US" altLang="zh-CN" dirty="0" smtClean="0"/>
-              <a:t>CVR</a:t>
-            </a:r>
-            <a:r>
-              <a:rPr lang="zh-CN" altLang="en-US" dirty="0" smtClean="0"/>
-              <a:t> </a:t>
-            </a:r>
-            <a:r>
-              <a:rPr lang="en-US" altLang="zh-CN" dirty="0" smtClean="0"/>
-              <a:t>Exploration</a:t>
+              <a:t>Some recent research</a:t>
             </a:r>
             <a:endParaRPr lang="en-US" dirty="0"/>
           </a:p>
@@ -6572,14 +7968,31 @@
           <a:bodyPr/>
           <a:lstStyle/>
           <a:p>
-            <a:endParaRPr lang="en-US" dirty="0"/>
+            <a:r>
+              <a:rPr lang="en-US" dirty="0" smtClean="0"/>
+              <a:t>RL learning</a:t>
+            </a:r>
+          </a:p>
+          <a:p>
+            <a:r>
+              <a:rPr lang="en-US" dirty="0"/>
+              <a:t>theoretical </a:t>
+            </a:r>
+            <a:r>
+              <a:rPr lang="en-US" dirty="0" smtClean="0"/>
+              <a:t>research</a:t>
+            </a:r>
+            <a:endParaRPr lang="zh-CN" altLang="en-US" dirty="0" smtClean="0"/>
+          </a:p>
+          <a:p>
+            <a:endParaRPr lang="zh-CN" altLang="en-US" dirty="0"/>
           </a:p>
         </p:txBody>
       </p:sp>
     </p:spTree>
     <p:extLst>
       <p:ext uri="{BB962C8B-B14F-4D97-AF65-F5344CB8AC3E}">
-        <p14:creationId xmlns:p14="http://schemas.microsoft.com/office/powerpoint/2010/main" val="400404139"/>
+        <p14:creationId xmlns:p14="http://schemas.microsoft.com/office/powerpoint/2010/main" val="573288921"/>
       </p:ext>
     </p:extLst>
   </p:cSld>
@@ -6618,89 +8031,111 @@
         </p:nvSpPr>
         <p:spPr/>
         <p:txBody>
-          <a:bodyPr/>
-          <a:lstStyle/>
-          <a:p>
+          <a:bodyPr>
+            <a:normAutofit/>
+          </a:bodyPr>
+          <a:lstStyle/>
+          <a:p>
+            <a:r>
+              <a:rPr lang="en-US" dirty="0" smtClean="0"/>
+              <a:t>E&amp;E Applications - </a:t>
+            </a:r>
+            <a:r>
+              <a:rPr lang="en-US" dirty="0"/>
+              <a:t>Programmatic </a:t>
+            </a:r>
+            <a:r>
+              <a:rPr lang="en-US" dirty="0" smtClean="0"/>
+              <a:t>Creative Optimization </a:t>
+            </a:r>
+            <a:endParaRPr lang="en-US" dirty="0"/>
+          </a:p>
+        </p:txBody>
+      </p:sp>
+      <p:sp>
+        <p:nvSpPr>
+          <p:cNvPr id="5" name="TextBox 4"/>
+          <p:cNvSpPr txBox="1"/>
+          <p:nvPr/>
+        </p:nvSpPr>
+        <p:spPr>
+          <a:xfrm>
+            <a:off x="1031631" y="2098430"/>
+            <a:ext cx="10322169" cy="923330"/>
+          </a:xfrm>
+          <a:prstGeom prst="rect">
+            <a:avLst/>
+          </a:prstGeom>
+          <a:noFill/>
+        </p:spPr>
+        <p:txBody>
+          <a:bodyPr wrap="square" rtlCol="0">
+            <a:spAutoFit/>
+          </a:bodyPr>
+          <a:lstStyle/>
+          <a:p>
+            <a:r>
+              <a:rPr lang="zh-CN" altLang="en-US" dirty="0" smtClean="0"/>
+              <a:t>做</a:t>
+            </a:r>
             <a:r>
               <a:rPr lang="en-US" altLang="zh-CN" dirty="0" smtClean="0"/>
-              <a:t>Summary</a:t>
+              <a:t>UBER</a:t>
+            </a:r>
+            <a:r>
+              <a:rPr lang="zh-CN" altLang="en-US" dirty="0" smtClean="0"/>
+              <a:t>司机，月入万元			</a:t>
+            </a:r>
+            <a:r>
+              <a:rPr lang="en-US" altLang="zh-CN" dirty="0" smtClean="0"/>
+              <a:t>CVR=0.1%</a:t>
+            </a:r>
+            <a:endParaRPr lang="zh-CN" altLang="en-US" dirty="0" smtClean="0"/>
+          </a:p>
+          <a:p>
+            <a:endParaRPr lang="zh-CN" altLang="en-US" dirty="0" smtClean="0"/>
+          </a:p>
+          <a:p>
+            <a:r>
+              <a:rPr lang="zh-CN" altLang="en-US" dirty="0" smtClean="0"/>
+              <a:t>在北京做</a:t>
+            </a:r>
+            <a:r>
+              <a:rPr lang="en-US" altLang="zh-CN" dirty="0" smtClean="0"/>
+              <a:t>UBER</a:t>
+            </a:r>
+            <a:r>
+              <a:rPr lang="zh-CN" altLang="en-US" dirty="0" smtClean="0"/>
+              <a:t>司机，月入万元		</a:t>
+            </a:r>
+            <a:r>
+              <a:rPr lang="en-US" altLang="zh-CN" dirty="0" smtClean="0"/>
+              <a:t>CVR</a:t>
+            </a:r>
+            <a:r>
+              <a:rPr lang="zh-CN" altLang="en-US" dirty="0"/>
+              <a:t> </a:t>
+            </a:r>
+            <a:r>
+              <a:rPr lang="en-US" altLang="zh-CN" dirty="0" smtClean="0"/>
+              <a:t>lift</a:t>
+            </a:r>
+            <a:r>
+              <a:rPr lang="zh-CN" altLang="en-US" dirty="0" smtClean="0"/>
+              <a:t> </a:t>
+            </a:r>
+            <a:r>
+              <a:rPr lang="en-US" altLang="zh-CN" dirty="0" smtClean="0"/>
+              <a:t>40%</a:t>
             </a:r>
             <a:endParaRPr lang="en-US" dirty="0"/>
-          </a:p>
-        </p:txBody>
-      </p:sp>
-      <p:sp>
-        <p:nvSpPr>
-          <p:cNvPr id="3" name="Content Placeholder 2"/>
-          <p:cNvSpPr>
-            <a:spLocks noGrp="1"/>
-          </p:cNvSpPr>
-          <p:nvPr>
-            <p:ph idx="1"/>
-          </p:nvPr>
-        </p:nvSpPr>
-        <p:spPr/>
-        <p:txBody>
-          <a:bodyPr/>
-          <a:lstStyle/>
-          <a:p>
-            <a:r>
-              <a:rPr lang="en-US" dirty="0" smtClean="0"/>
-              <a:t>Exploitation and Exploration Tradeoff</a:t>
-            </a:r>
-          </a:p>
-          <a:p>
-            <a:r>
-              <a:rPr lang="en-US" dirty="0" smtClean="0"/>
-              <a:t>Main approaches</a:t>
-            </a:r>
-          </a:p>
-          <a:p>
-            <a:pPr lvl="1"/>
-            <a:r>
-              <a:rPr lang="en-US" dirty="0" smtClean="0"/>
-              <a:t>Epsilon Greedy</a:t>
-            </a:r>
-          </a:p>
-          <a:p>
-            <a:pPr lvl="1"/>
-            <a:r>
-              <a:rPr lang="en-US" dirty="0" smtClean="0"/>
-              <a:t>UCB, UCT</a:t>
-            </a:r>
-          </a:p>
-          <a:p>
-            <a:pPr lvl="1"/>
-            <a:r>
-              <a:rPr lang="en-US" dirty="0" smtClean="0"/>
-              <a:t>Thompson Sampling</a:t>
-            </a:r>
-          </a:p>
-          <a:p>
-            <a:pPr lvl="1"/>
-            <a:r>
-              <a:rPr lang="en-US" dirty="0" smtClean="0"/>
-              <a:t>Contextual Bandit</a:t>
-            </a:r>
-          </a:p>
-          <a:p>
-            <a:r>
-              <a:rPr lang="en-US" dirty="0" smtClean="0"/>
-              <a:t>Applications in Computational Advertising</a:t>
-            </a:r>
-          </a:p>
-          <a:p>
-            <a:r>
-              <a:rPr lang="en-US" dirty="0" smtClean="0"/>
-              <a:t>E&amp;E Thoughts are much more important than E&amp;E methods</a:t>
-            </a:r>
           </a:p>
         </p:txBody>
       </p:sp>
     </p:spTree>
     <p:extLst>
       <p:ext uri="{BB962C8B-B14F-4D97-AF65-F5344CB8AC3E}">
-        <p14:creationId xmlns:p14="http://schemas.microsoft.com/office/powerpoint/2010/main" val="491080361"/>
+        <p14:creationId xmlns:p14="http://schemas.microsoft.com/office/powerpoint/2010/main" val="217670522"/>
       </p:ext>
     </p:extLst>
   </p:cSld>
@@ -6737,30 +8172,74 @@
             <p:ph type="title"/>
           </p:nvPr>
         </p:nvSpPr>
-        <p:spPr>
-          <a:xfrm>
-            <a:off x="3862754" y="2592510"/>
-            <a:ext cx="5468815" cy="1325563"/>
-          </a:xfrm>
-        </p:spPr>
-        <p:txBody>
-          <a:bodyPr>
-            <a:normAutofit/>
-          </a:bodyPr>
-          <a:lstStyle/>
-          <a:p>
-            <a:r>
-              <a:rPr lang="en-US" altLang="zh-CN" sz="8000" smtClean="0"/>
-              <a:t>Thanks</a:t>
-            </a:r>
-            <a:endParaRPr lang="en-US" sz="8000"/>
+        <p:spPr/>
+        <p:txBody>
+          <a:bodyPr/>
+          <a:lstStyle/>
+          <a:p>
+            <a:r>
+              <a:rPr lang="en-US" dirty="0" smtClean="0"/>
+              <a:t>E&amp;E Applications </a:t>
+            </a:r>
+            <a:r>
+              <a:rPr lang="mr-IN" dirty="0" smtClean="0"/>
+              <a:t>–</a:t>
+            </a:r>
+            <a:r>
+              <a:rPr lang="zh-CN" altLang="en-US" dirty="0" smtClean="0"/>
+              <a:t> </a:t>
+            </a:r>
+            <a:r>
+              <a:rPr lang="en-US" altLang="zh-CN" dirty="0" smtClean="0"/>
+              <a:t>Auction</a:t>
+            </a:r>
+            <a:r>
+              <a:rPr lang="zh-CN" altLang="en-US" dirty="0" smtClean="0"/>
+              <a:t> </a:t>
+            </a:r>
+            <a:r>
+              <a:rPr lang="en-US" altLang="zh-CN" dirty="0" smtClean="0"/>
+              <a:t>Traffic</a:t>
+            </a:r>
+            <a:r>
+              <a:rPr lang="zh-CN" altLang="en-US" dirty="0" smtClean="0"/>
+              <a:t> </a:t>
+            </a:r>
+            <a:r>
+              <a:rPr lang="en-US" altLang="zh-CN" dirty="0" smtClean="0"/>
+              <a:t>Allocation</a:t>
+            </a:r>
+            <a:endParaRPr lang="en-US" dirty="0"/>
+          </a:p>
+        </p:txBody>
+      </p:sp>
+      <p:sp>
+        <p:nvSpPr>
+          <p:cNvPr id="3" name="Content Placeholder 2"/>
+          <p:cNvSpPr>
+            <a:spLocks noGrp="1"/>
+          </p:cNvSpPr>
+          <p:nvPr>
+            <p:ph idx="1"/>
+          </p:nvPr>
+        </p:nvSpPr>
+        <p:spPr/>
+        <p:txBody>
+          <a:bodyPr/>
+          <a:lstStyle/>
+          <a:p>
+            <a:r>
+              <a:rPr lang="en-US" dirty="0" smtClean="0"/>
+              <a:t>How to allocate traffic with specific tags to SSP?</a:t>
+            </a:r>
+            <a:endParaRPr lang="en-US" dirty="0"/>
           </a:p>
         </p:txBody>
       </p:sp>
     </p:spTree>
     <p:extLst>
       <p:ext uri="{BB962C8B-B14F-4D97-AF65-F5344CB8AC3E}">
-        <p14:creationId xmlns:p14="http://schemas.microsoft.com/office/powerpoint/2010/main" val="996130407"/>
+        <p14:creationId xmlns:p14="http://schemas.microsoft.com/office/powerpoint/2010/main" val="1719442406"/>
       </p:ext>
     </p:extLst>
   </p:cSld>
@@ -7020,6 +8499,279 @@
       </p:par>
     </p:tnLst>
   </p:timing>
+</p:sld>
+</file>
+
+<file path=ppt/slides/slide30.xml><?xml version="1.0" encoding="utf-8"?>
+<p:sld xmlns:a="http://schemas.openxmlformats.org/drawingml/2006/main" xmlns:r="http://schemas.openxmlformats.org/officeDocument/2006/relationships" xmlns:p="http://schemas.openxmlformats.org/presentationml/2006/main">
+  <p:cSld>
+    <p:spTree>
+      <p:nvGrpSpPr>
+        <p:cNvPr id="1" name=""/>
+        <p:cNvGrpSpPr/>
+        <p:nvPr/>
+      </p:nvGrpSpPr>
+      <p:grpSpPr>
+        <a:xfrm>
+          <a:off x="0" y="0"/>
+          <a:ext cx="0" cy="0"/>
+          <a:chOff x="0" y="0"/>
+          <a:chExt cx="0" cy="0"/>
+        </a:xfrm>
+      </p:grpSpPr>
+      <p:sp>
+        <p:nvSpPr>
+          <p:cNvPr id="2" name="Title 1"/>
+          <p:cNvSpPr>
+            <a:spLocks noGrp="1"/>
+          </p:cNvSpPr>
+          <p:nvPr>
+            <p:ph type="title"/>
+          </p:nvPr>
+        </p:nvSpPr>
+        <p:spPr/>
+        <p:txBody>
+          <a:bodyPr/>
+          <a:lstStyle/>
+          <a:p>
+            <a:r>
+              <a:rPr lang="en-US" dirty="0" smtClean="0"/>
+              <a:t>E&amp;E Applications </a:t>
+            </a:r>
+            <a:r>
+              <a:rPr lang="mr-IN" dirty="0" smtClean="0"/>
+              <a:t>–</a:t>
+            </a:r>
+            <a:r>
+              <a:rPr lang="zh-CN" altLang="en-US" dirty="0" smtClean="0"/>
+              <a:t> </a:t>
+            </a:r>
+            <a:r>
+              <a:rPr lang="en-US" altLang="zh-CN" dirty="0" smtClean="0"/>
+              <a:t>CVR</a:t>
+            </a:r>
+            <a:r>
+              <a:rPr lang="zh-CN" altLang="en-US" dirty="0" smtClean="0"/>
+              <a:t> </a:t>
+            </a:r>
+            <a:r>
+              <a:rPr lang="en-US" altLang="zh-CN" dirty="0" smtClean="0"/>
+              <a:t>Exploration</a:t>
+            </a:r>
+            <a:endParaRPr lang="en-US" dirty="0"/>
+          </a:p>
+        </p:txBody>
+      </p:sp>
+      <p:sp>
+        <p:nvSpPr>
+          <p:cNvPr id="3" name="Content Placeholder 2"/>
+          <p:cNvSpPr>
+            <a:spLocks noGrp="1"/>
+          </p:cNvSpPr>
+          <p:nvPr>
+            <p:ph idx="1"/>
+          </p:nvPr>
+        </p:nvSpPr>
+        <p:spPr/>
+        <p:txBody>
+          <a:bodyPr/>
+          <a:lstStyle/>
+          <a:p>
+            <a:endParaRPr lang="en-US" dirty="0"/>
+          </a:p>
+        </p:txBody>
+      </p:sp>
+    </p:spTree>
+    <p:extLst>
+      <p:ext uri="{BB962C8B-B14F-4D97-AF65-F5344CB8AC3E}">
+        <p14:creationId xmlns:p14="http://schemas.microsoft.com/office/powerpoint/2010/main" val="400404139"/>
+      </p:ext>
+    </p:extLst>
+  </p:cSld>
+  <p:clrMapOvr>
+    <a:masterClrMapping/>
+  </p:clrMapOvr>
+</p:sld>
+</file>
+
+<file path=ppt/slides/slide31.xml><?xml version="1.0" encoding="utf-8"?>
+<p:sld xmlns:a="http://schemas.openxmlformats.org/drawingml/2006/main" xmlns:r="http://schemas.openxmlformats.org/officeDocument/2006/relationships" xmlns:p="http://schemas.openxmlformats.org/presentationml/2006/main">
+  <p:cSld>
+    <p:spTree>
+      <p:nvGrpSpPr>
+        <p:cNvPr id="1" name=""/>
+        <p:cNvGrpSpPr/>
+        <p:nvPr/>
+      </p:nvGrpSpPr>
+      <p:grpSpPr>
+        <a:xfrm>
+          <a:off x="0" y="0"/>
+          <a:ext cx="0" cy="0"/>
+          <a:chOff x="0" y="0"/>
+          <a:chExt cx="0" cy="0"/>
+        </a:xfrm>
+      </p:grpSpPr>
+      <p:sp>
+        <p:nvSpPr>
+          <p:cNvPr id="2" name="Title 1"/>
+          <p:cNvSpPr>
+            <a:spLocks noGrp="1"/>
+          </p:cNvSpPr>
+          <p:nvPr>
+            <p:ph type="title"/>
+          </p:nvPr>
+        </p:nvSpPr>
+        <p:spPr/>
+        <p:txBody>
+          <a:bodyPr/>
+          <a:lstStyle/>
+          <a:p>
+            <a:r>
+              <a:rPr lang="en-US" altLang="zh-CN" dirty="0" smtClean="0"/>
+              <a:t>Summary</a:t>
+            </a:r>
+            <a:endParaRPr lang="en-US" dirty="0"/>
+          </a:p>
+        </p:txBody>
+      </p:sp>
+      <p:sp>
+        <p:nvSpPr>
+          <p:cNvPr id="3" name="Content Placeholder 2"/>
+          <p:cNvSpPr>
+            <a:spLocks noGrp="1"/>
+          </p:cNvSpPr>
+          <p:nvPr>
+            <p:ph idx="1"/>
+          </p:nvPr>
+        </p:nvSpPr>
+        <p:spPr/>
+        <p:txBody>
+          <a:bodyPr/>
+          <a:lstStyle/>
+          <a:p>
+            <a:r>
+              <a:rPr lang="en-US" dirty="0" smtClean="0"/>
+              <a:t>Exploitation and Exploration Tradeoff</a:t>
+            </a:r>
+          </a:p>
+          <a:p>
+            <a:r>
+              <a:rPr lang="en-US" dirty="0" smtClean="0"/>
+              <a:t>Main approaches</a:t>
+            </a:r>
+          </a:p>
+          <a:p>
+            <a:pPr lvl="1"/>
+            <a:r>
+              <a:rPr lang="en-US" dirty="0" smtClean="0"/>
+              <a:t>Epsilon Greedy</a:t>
+            </a:r>
+          </a:p>
+          <a:p>
+            <a:pPr lvl="1"/>
+            <a:r>
+              <a:rPr lang="en-US" dirty="0" smtClean="0"/>
+              <a:t>UCB, UCT</a:t>
+            </a:r>
+          </a:p>
+          <a:p>
+            <a:pPr lvl="1"/>
+            <a:r>
+              <a:rPr lang="en-US" dirty="0" smtClean="0"/>
+              <a:t>Thompson Sampling</a:t>
+            </a:r>
+          </a:p>
+          <a:p>
+            <a:pPr lvl="1"/>
+            <a:r>
+              <a:rPr lang="en-US" dirty="0" smtClean="0"/>
+              <a:t>Contextual Bandit</a:t>
+            </a:r>
+          </a:p>
+          <a:p>
+            <a:r>
+              <a:rPr lang="en-US" dirty="0" smtClean="0"/>
+              <a:t>Applications in Computational Advertising</a:t>
+            </a:r>
+          </a:p>
+          <a:p>
+            <a:r>
+              <a:rPr lang="en-US" dirty="0" smtClean="0"/>
+              <a:t>E&amp;E Thoughts are much more important than E&amp;E methods</a:t>
+            </a:r>
+          </a:p>
+        </p:txBody>
+      </p:sp>
+    </p:spTree>
+    <p:extLst>
+      <p:ext uri="{BB962C8B-B14F-4D97-AF65-F5344CB8AC3E}">
+        <p14:creationId xmlns:p14="http://schemas.microsoft.com/office/powerpoint/2010/main" val="491080361"/>
+      </p:ext>
+    </p:extLst>
+  </p:cSld>
+  <p:clrMapOvr>
+    <a:masterClrMapping/>
+  </p:clrMapOvr>
+</p:sld>
+</file>
+
+<file path=ppt/slides/slide32.xml><?xml version="1.0" encoding="utf-8"?>
+<p:sld xmlns:a="http://schemas.openxmlformats.org/drawingml/2006/main" xmlns:r="http://schemas.openxmlformats.org/officeDocument/2006/relationships" xmlns:p="http://schemas.openxmlformats.org/presentationml/2006/main">
+  <p:cSld>
+    <p:spTree>
+      <p:nvGrpSpPr>
+        <p:cNvPr id="1" name=""/>
+        <p:cNvGrpSpPr/>
+        <p:nvPr/>
+      </p:nvGrpSpPr>
+      <p:grpSpPr>
+        <a:xfrm>
+          <a:off x="0" y="0"/>
+          <a:ext cx="0" cy="0"/>
+          <a:chOff x="0" y="0"/>
+          <a:chExt cx="0" cy="0"/>
+        </a:xfrm>
+      </p:grpSpPr>
+      <p:sp>
+        <p:nvSpPr>
+          <p:cNvPr id="2" name="Title 1"/>
+          <p:cNvSpPr>
+            <a:spLocks noGrp="1"/>
+          </p:cNvSpPr>
+          <p:nvPr>
+            <p:ph type="title"/>
+          </p:nvPr>
+        </p:nvSpPr>
+        <p:spPr>
+          <a:xfrm>
+            <a:off x="3862754" y="2592510"/>
+            <a:ext cx="5468815" cy="1325563"/>
+          </a:xfrm>
+        </p:spPr>
+        <p:txBody>
+          <a:bodyPr>
+            <a:normAutofit/>
+          </a:bodyPr>
+          <a:lstStyle/>
+          <a:p>
+            <a:r>
+              <a:rPr lang="en-US" altLang="zh-CN" sz="8000" smtClean="0"/>
+              <a:t>Thanks</a:t>
+            </a:r>
+            <a:endParaRPr lang="en-US" sz="8000"/>
+          </a:p>
+        </p:txBody>
+      </p:sp>
+    </p:spTree>
+    <p:extLst>
+      <p:ext uri="{BB962C8B-B14F-4D97-AF65-F5344CB8AC3E}">
+        <p14:creationId xmlns:p14="http://schemas.microsoft.com/office/powerpoint/2010/main" val="996130407"/>
+      </p:ext>
+    </p:extLst>
+  </p:cSld>
+  <p:clrMapOvr>
+    <a:masterClrMapping/>
+  </p:clrMapOvr>
 </p:sld>
 </file>
 
